--- a/Lectures/Lecture11.pptx
+++ b/Lectures/Lecture11.pptx
@@ -5,7 +5,7 @@
     <p:sldMasterId id="2147483648" r:id="rId1"/>
   </p:sldMasterIdLst>
   <p:notesMasterIdLst>
-    <p:notesMasterId r:id="rId44"/>
+    <p:notesMasterId r:id="rId45"/>
   </p:notesMasterIdLst>
   <p:sldIdLst>
     <p:sldId id="296" r:id="rId2"/>
@@ -50,6 +50,7 @@
     <p:sldId id="543" r:id="rId41"/>
     <p:sldId id="544" r:id="rId42"/>
     <p:sldId id="541" r:id="rId43"/>
+    <p:sldId id="545" r:id="rId44"/>
   </p:sldIdLst>
   <p:sldSz cx="12192000" cy="6858000"/>
   <p:notesSz cx="6858000" cy="9144000"/>
@@ -227,6 +228,7 @@
             <p14:sldId id="543"/>
             <p14:sldId id="544"/>
             <p14:sldId id="541"/>
+            <p14:sldId id="545"/>
           </p14:sldIdLst>
         </p14:section>
       </p14:sectionLst>
@@ -323,7 +325,7 @@
           <a:p>
             <a:fld id="{CBA08D16-15DC-4E25-BDC3-F25146157B16}" type="datetimeFigureOut">
               <a:rPr lang="ru-RU" smtClean="0"/>
-              <a:t>29.11.2018</a:t>
+              <a:t>26.10.2019</a:t>
             </a:fld>
             <a:endParaRPr lang="ru-RU"/>
           </a:p>
@@ -722,7 +724,7 @@
           <a:p>
             <a:fld id="{FCEC8293-DB51-454A-BE81-EC8FCB31EBA2}" type="datetime1">
               <a:rPr lang="ru-RU" smtClean="0"/>
-              <a:t>29.11.2018</a:t>
+              <a:t>26.10.2019</a:t>
             </a:fld>
             <a:endParaRPr lang="ru-RU"/>
           </a:p>
@@ -896,7 +898,7 @@
           <a:p>
             <a:fld id="{241C87B1-1C35-4DBD-BC18-2BC72E776603}" type="datetime1">
               <a:rPr lang="ru-RU" smtClean="0"/>
-              <a:t>29.11.2018</a:t>
+              <a:t>26.10.2019</a:t>
             </a:fld>
             <a:endParaRPr lang="ru-RU"/>
           </a:p>
@@ -1080,7 +1082,7 @@
           <a:p>
             <a:fld id="{3134C275-26C0-42CD-9111-9ADE65922AF9}" type="datetime1">
               <a:rPr lang="ru-RU" smtClean="0"/>
-              <a:t>29.11.2018</a:t>
+              <a:t>26.10.2019</a:t>
             </a:fld>
             <a:endParaRPr lang="ru-RU"/>
           </a:p>
@@ -1254,7 +1256,7 @@
           <a:p>
             <a:fld id="{C1A9A50B-C350-45F5-8AAB-ADB9E670AF2E}" type="datetime1">
               <a:rPr lang="ru-RU" smtClean="0"/>
-              <a:t>29.11.2018</a:t>
+              <a:t>26.10.2019</a:t>
             </a:fld>
             <a:endParaRPr lang="ru-RU"/>
           </a:p>
@@ -1504,7 +1506,7 @@
           <a:p>
             <a:fld id="{089688C9-348F-42F9-B6C0-5990DDE0C5B2}" type="datetime1">
               <a:rPr lang="ru-RU" smtClean="0"/>
-              <a:t>29.11.2018</a:t>
+              <a:t>26.10.2019</a:t>
             </a:fld>
             <a:endParaRPr lang="ru-RU"/>
           </a:p>
@@ -1740,7 +1742,7 @@
           <a:p>
             <a:fld id="{684AFD8F-6DD9-4AD3-A505-FDC3F5C5F3F6}" type="datetime1">
               <a:rPr lang="ru-RU" smtClean="0"/>
-              <a:t>29.11.2018</a:t>
+              <a:t>26.10.2019</a:t>
             </a:fld>
             <a:endParaRPr lang="ru-RU"/>
           </a:p>
@@ -2111,7 +2113,7 @@
           <a:p>
             <a:fld id="{63551EFE-4D02-45EB-A747-8B6F047B5AA0}" type="datetime1">
               <a:rPr lang="ru-RU" smtClean="0"/>
-              <a:t>29.11.2018</a:t>
+              <a:t>26.10.2019</a:t>
             </a:fld>
             <a:endParaRPr lang="ru-RU"/>
           </a:p>
@@ -2233,7 +2235,7 @@
           <a:p>
             <a:fld id="{813A9F34-E5CD-4B8F-AA9E-889C84372B20}" type="datetime1">
               <a:rPr lang="ru-RU" smtClean="0"/>
-              <a:t>29.11.2018</a:t>
+              <a:t>26.10.2019</a:t>
             </a:fld>
             <a:endParaRPr lang="ru-RU"/>
           </a:p>
@@ -2332,7 +2334,7 @@
           <a:p>
             <a:fld id="{51224D22-9B29-44A6-8E82-95FC492DEDC1}" type="datetime1">
               <a:rPr lang="ru-RU" smtClean="0"/>
-              <a:t>29.11.2018</a:t>
+              <a:t>26.10.2019</a:t>
             </a:fld>
             <a:endParaRPr lang="ru-RU"/>
           </a:p>
@@ -2613,7 +2615,7 @@
           <a:p>
             <a:fld id="{91D1034F-4441-48A1-BDC0-25EA1022324A}" type="datetime1">
               <a:rPr lang="ru-RU" smtClean="0"/>
-              <a:t>29.11.2018</a:t>
+              <a:t>26.10.2019</a:t>
             </a:fld>
             <a:endParaRPr lang="ru-RU"/>
           </a:p>
@@ -2870,7 +2872,7 @@
           <a:p>
             <a:fld id="{B0FFDE79-B627-473B-AE17-4C65BD2495F7}" type="datetime1">
               <a:rPr lang="ru-RU" smtClean="0"/>
-              <a:t>29.11.2018</a:t>
+              <a:t>26.10.2019</a:t>
             </a:fld>
             <a:endParaRPr lang="ru-RU"/>
           </a:p>
@@ -3087,7 +3089,7 @@
           <a:p>
             <a:fld id="{11CA537A-1B8C-47BA-9BA6-7CE3FAFDA8BE}" type="datetime1">
               <a:rPr lang="ru-RU" smtClean="0"/>
-              <a:t>29.11.2018</a:t>
+              <a:t>26.10.2019</a:t>
             </a:fld>
             <a:endParaRPr lang="ru-RU"/>
           </a:p>
@@ -17027,6 +17029,101 @@
 </p:sld>
 </file>
 
+<file path=ppt/slides/slide43.xml><?xml version="1.0" encoding="utf-8"?>
+<p:sld xmlns:a="http://schemas.openxmlformats.org/drawingml/2006/main" xmlns:r="http://schemas.openxmlformats.org/officeDocument/2006/relationships" xmlns:p="http://schemas.openxmlformats.org/presentationml/2006/main">
+  <p:cSld>
+    <p:spTree>
+      <p:nvGrpSpPr>
+        <p:cNvPr id="1" name=""/>
+        <p:cNvGrpSpPr/>
+        <p:nvPr/>
+      </p:nvGrpSpPr>
+      <p:grpSpPr>
+        <a:xfrm>
+          <a:off x="0" y="0"/>
+          <a:ext cx="0" cy="0"/>
+          <a:chOff x="0" y="0"/>
+          <a:chExt cx="0" cy="0"/>
+        </a:xfrm>
+      </p:grpSpPr>
+      <p:sp>
+        <p:nvSpPr>
+          <p:cNvPr id="2" name="Заголовок 1"/>
+          <p:cNvSpPr>
+            <a:spLocks noGrp="1"/>
+          </p:cNvSpPr>
+          <p:nvPr>
+            <p:ph type="title"/>
+          </p:nvPr>
+        </p:nvSpPr>
+        <p:spPr/>
+        <p:txBody>
+          <a:bodyPr/>
+          <a:lstStyle/>
+          <a:p>
+            <a:r>
+              <a:rPr lang="en-US" dirty="0" smtClean="0"/>
+              <a:t>PBKDF2</a:t>
+            </a:r>
+            <a:endParaRPr lang="ru-RU" dirty="0"/>
+          </a:p>
+        </p:txBody>
+      </p:sp>
+      <p:sp>
+        <p:nvSpPr>
+          <p:cNvPr id="3" name="Объект 2"/>
+          <p:cNvSpPr>
+            <a:spLocks noGrp="1"/>
+          </p:cNvSpPr>
+          <p:nvPr>
+            <p:ph idx="1"/>
+          </p:nvPr>
+        </p:nvSpPr>
+        <p:spPr/>
+        <p:txBody>
+          <a:bodyPr/>
+          <a:lstStyle/>
+          <a:p>
+            <a:endParaRPr lang="ru-RU"/>
+          </a:p>
+        </p:txBody>
+      </p:sp>
+      <p:sp>
+        <p:nvSpPr>
+          <p:cNvPr id="4" name="Номер слайда 3"/>
+          <p:cNvSpPr>
+            <a:spLocks noGrp="1"/>
+          </p:cNvSpPr>
+          <p:nvPr>
+            <p:ph type="sldNum" sz="quarter" idx="12"/>
+          </p:nvPr>
+        </p:nvSpPr>
+        <p:spPr/>
+        <p:txBody>
+          <a:bodyPr/>
+          <a:lstStyle/>
+          <a:p>
+            <a:fld id="{8253DDDB-F8F7-4D64-A7FD-3F3D61C1949F}" type="slidenum">
+              <a:rPr lang="ru-RU" smtClean="0"/>
+              <a:t>43</a:t>
+            </a:fld>
+            <a:endParaRPr lang="ru-RU"/>
+          </a:p>
+        </p:txBody>
+      </p:sp>
+    </p:spTree>
+    <p:extLst>
+      <p:ext uri="{BB962C8B-B14F-4D97-AF65-F5344CB8AC3E}">
+        <p14:creationId xmlns:p14="http://schemas.microsoft.com/office/powerpoint/2010/main" val="1417151626"/>
+      </p:ext>
+    </p:extLst>
+  </p:cSld>
+  <p:clrMapOvr>
+    <a:masterClrMapping/>
+  </p:clrMapOvr>
+</p:sld>
+</file>
+
 <file path=ppt/slides/slide5.xml><?xml version="1.0" encoding="utf-8"?>
 <p:sld xmlns:a="http://schemas.openxmlformats.org/drawingml/2006/main" xmlns:r="http://schemas.openxmlformats.org/officeDocument/2006/relationships" xmlns:p="http://schemas.openxmlformats.org/presentationml/2006/main">
   <p:cSld>

--- a/Lectures/Lecture11.pptx
+++ b/Lectures/Lecture11.pptx
@@ -325,7 +325,7 @@
           <a:p>
             <a:fld id="{CBA08D16-15DC-4E25-BDC3-F25146157B16}" type="datetimeFigureOut">
               <a:rPr lang="ru-RU" smtClean="0"/>
-              <a:t>26.10.2019</a:t>
+              <a:t>29.10.2019</a:t>
             </a:fld>
             <a:endParaRPr lang="ru-RU"/>
           </a:p>
@@ -724,7 +724,7 @@
           <a:p>
             <a:fld id="{FCEC8293-DB51-454A-BE81-EC8FCB31EBA2}" type="datetime1">
               <a:rPr lang="ru-RU" smtClean="0"/>
-              <a:t>26.10.2019</a:t>
+              <a:t>29.10.2019</a:t>
             </a:fld>
             <a:endParaRPr lang="ru-RU"/>
           </a:p>
@@ -898,7 +898,7 @@
           <a:p>
             <a:fld id="{241C87B1-1C35-4DBD-BC18-2BC72E776603}" type="datetime1">
               <a:rPr lang="ru-RU" smtClean="0"/>
-              <a:t>26.10.2019</a:t>
+              <a:t>29.10.2019</a:t>
             </a:fld>
             <a:endParaRPr lang="ru-RU"/>
           </a:p>
@@ -1082,7 +1082,7 @@
           <a:p>
             <a:fld id="{3134C275-26C0-42CD-9111-9ADE65922AF9}" type="datetime1">
               <a:rPr lang="ru-RU" smtClean="0"/>
-              <a:t>26.10.2019</a:t>
+              <a:t>29.10.2019</a:t>
             </a:fld>
             <a:endParaRPr lang="ru-RU"/>
           </a:p>
@@ -1256,7 +1256,7 @@
           <a:p>
             <a:fld id="{C1A9A50B-C350-45F5-8AAB-ADB9E670AF2E}" type="datetime1">
               <a:rPr lang="ru-RU" smtClean="0"/>
-              <a:t>26.10.2019</a:t>
+              <a:t>29.10.2019</a:t>
             </a:fld>
             <a:endParaRPr lang="ru-RU"/>
           </a:p>
@@ -1506,7 +1506,7 @@
           <a:p>
             <a:fld id="{089688C9-348F-42F9-B6C0-5990DDE0C5B2}" type="datetime1">
               <a:rPr lang="ru-RU" smtClean="0"/>
-              <a:t>26.10.2019</a:t>
+              <a:t>29.10.2019</a:t>
             </a:fld>
             <a:endParaRPr lang="ru-RU"/>
           </a:p>
@@ -1742,7 +1742,7 @@
           <a:p>
             <a:fld id="{684AFD8F-6DD9-4AD3-A505-FDC3F5C5F3F6}" type="datetime1">
               <a:rPr lang="ru-RU" smtClean="0"/>
-              <a:t>26.10.2019</a:t>
+              <a:t>29.10.2019</a:t>
             </a:fld>
             <a:endParaRPr lang="ru-RU"/>
           </a:p>
@@ -2113,7 +2113,7 @@
           <a:p>
             <a:fld id="{63551EFE-4D02-45EB-A747-8B6F047B5AA0}" type="datetime1">
               <a:rPr lang="ru-RU" smtClean="0"/>
-              <a:t>26.10.2019</a:t>
+              <a:t>29.10.2019</a:t>
             </a:fld>
             <a:endParaRPr lang="ru-RU"/>
           </a:p>
@@ -2235,7 +2235,7 @@
           <a:p>
             <a:fld id="{813A9F34-E5CD-4B8F-AA9E-889C84372B20}" type="datetime1">
               <a:rPr lang="ru-RU" smtClean="0"/>
-              <a:t>26.10.2019</a:t>
+              <a:t>29.10.2019</a:t>
             </a:fld>
             <a:endParaRPr lang="ru-RU"/>
           </a:p>
@@ -2334,7 +2334,7 @@
           <a:p>
             <a:fld id="{51224D22-9B29-44A6-8E82-95FC492DEDC1}" type="datetime1">
               <a:rPr lang="ru-RU" smtClean="0"/>
-              <a:t>26.10.2019</a:t>
+              <a:t>29.10.2019</a:t>
             </a:fld>
             <a:endParaRPr lang="ru-RU"/>
           </a:p>
@@ -2615,7 +2615,7 @@
           <a:p>
             <a:fld id="{91D1034F-4441-48A1-BDC0-25EA1022324A}" type="datetime1">
               <a:rPr lang="ru-RU" smtClean="0"/>
-              <a:t>26.10.2019</a:t>
+              <a:t>29.10.2019</a:t>
             </a:fld>
             <a:endParaRPr lang="ru-RU"/>
           </a:p>
@@ -2872,7 +2872,7 @@
           <a:p>
             <a:fld id="{B0FFDE79-B627-473B-AE17-4C65BD2495F7}" type="datetime1">
               <a:rPr lang="ru-RU" smtClean="0"/>
-              <a:t>26.10.2019</a:t>
+              <a:t>29.10.2019</a:t>
             </a:fld>
             <a:endParaRPr lang="ru-RU"/>
           </a:p>
@@ -3089,7 +3089,7 @@
           <a:p>
             <a:fld id="{11CA537A-1B8C-47BA-9BA6-7CE3FAFDA8BE}" type="datetime1">
               <a:rPr lang="ru-RU" smtClean="0"/>
-              <a:t>26.10.2019</a:t>
+              <a:t>29.10.2019</a:t>
             </a:fld>
             <a:endParaRPr lang="ru-RU"/>
           </a:p>
@@ -3591,7 +3591,15 @@
           <a:p>
             <a:r>
               <a:rPr lang="ru-RU" dirty="0" smtClean="0"/>
-              <a:t>МИФИ 2018</a:t>
+              <a:t>МИФИ </a:t>
+            </a:r>
+            <a:r>
+              <a:rPr lang="ru-RU" dirty="0" smtClean="0"/>
+              <a:t>201</a:t>
+            </a:r>
+            <a:r>
+              <a:rPr lang="en-US" smtClean="0"/>
+              <a:t>9</a:t>
             </a:r>
             <a:endParaRPr lang="ru-RU" dirty="0"/>
           </a:p>
@@ -17062,32 +17070,655 @@
           <a:lstStyle/>
           <a:p>
             <a:r>
+              <a:rPr lang="ru-RU" dirty="0" smtClean="0"/>
+              <a:t>Пример</a:t>
+            </a:r>
+            <a:r>
               <a:rPr lang="en-US" dirty="0" smtClean="0"/>
-              <a:t>PBKDF2</a:t>
+              <a:t>: PBKDF2</a:t>
             </a:r>
             <a:endParaRPr lang="ru-RU" dirty="0"/>
           </a:p>
         </p:txBody>
       </p:sp>
-      <p:sp>
-        <p:nvSpPr>
-          <p:cNvPr id="3" name="Объект 2"/>
-          <p:cNvSpPr>
-            <a:spLocks noGrp="1"/>
-          </p:cNvSpPr>
-          <p:nvPr>
-            <p:ph idx="1"/>
-          </p:nvPr>
-        </p:nvSpPr>
-        <p:spPr/>
-        <p:txBody>
-          <a:bodyPr/>
-          <a:lstStyle/>
-          <a:p>
-            <a:endParaRPr lang="ru-RU"/>
-          </a:p>
-        </p:txBody>
-      </p:sp>
+      <mc:AlternateContent xmlns:mc="http://schemas.openxmlformats.org/markup-compatibility/2006">
+        <mc:Choice xmlns:a14="http://schemas.microsoft.com/office/drawing/2010/main" Requires="a14">
+          <p:sp>
+            <p:nvSpPr>
+              <p:cNvPr id="3" name="Объект 2"/>
+              <p:cNvSpPr>
+                <a:spLocks noGrp="1"/>
+              </p:cNvSpPr>
+              <p:nvPr>
+                <p:ph idx="1"/>
+              </p:nvPr>
+            </p:nvSpPr>
+            <p:spPr/>
+            <p:txBody>
+              <a:bodyPr/>
+              <a:lstStyle/>
+              <a:p>
+                <a14:m>
+                  <m:oMath xmlns:m="http://schemas.openxmlformats.org/officeDocument/2006/math">
+                    <m:r>
+                      <a:rPr lang="en-US" i="1" dirty="0" smtClean="0">
+                        <a:latin typeface="Cambria Math" panose="02040503050406030204" pitchFamily="18" charset="0"/>
+                      </a:rPr>
+                      <m:t>𝑃</m:t>
+                    </m:r>
+                  </m:oMath>
+                </a14:m>
+                <a:r>
+                  <a:rPr lang="en-US" dirty="0" smtClean="0">
+                    <a:latin typeface="Cambria Math" panose="02040503050406030204" pitchFamily="18" charset="0"/>
+                  </a:rPr>
+                  <a:t> – </a:t>
+                </a:r>
+                <a:r>
+                  <a:rPr lang="ru-RU" dirty="0" smtClean="0">
+                    <a:latin typeface="Cambria Math" panose="02040503050406030204" pitchFamily="18" charset="0"/>
+                  </a:rPr>
+                  <a:t>пароль, </a:t>
+                </a:r>
+                <a14:m>
+                  <m:oMath xmlns:m="http://schemas.openxmlformats.org/officeDocument/2006/math">
+                    <m:r>
+                      <a:rPr lang="en-US" i="1" dirty="0" smtClean="0">
+                        <a:latin typeface="Cambria Math" panose="02040503050406030204" pitchFamily="18" charset="0"/>
+                      </a:rPr>
+                      <m:t>𝑆</m:t>
+                    </m:r>
+                  </m:oMath>
+                </a14:m>
+                <a:r>
+                  <a:rPr lang="ru-RU" dirty="0" smtClean="0">
+                    <a:latin typeface="Cambria Math" panose="02040503050406030204" pitchFamily="18" charset="0"/>
+                  </a:rPr>
+                  <a:t> – </a:t>
+                </a:r>
+                <a:r>
+                  <a:rPr lang="en-US" dirty="0" smtClean="0">
+                    <a:latin typeface="Cambria Math" panose="02040503050406030204" pitchFamily="18" charset="0"/>
+                  </a:rPr>
+                  <a:t>seed, </a:t>
+                </a:r>
+                <a14:m>
+                  <m:oMath xmlns:m="http://schemas.openxmlformats.org/officeDocument/2006/math">
+                    <m:r>
+                      <a:rPr lang="en-US" i="1" dirty="0" smtClean="0">
+                        <a:latin typeface="Cambria Math" panose="02040503050406030204" pitchFamily="18" charset="0"/>
+                      </a:rPr>
+                      <m:t>𝑐</m:t>
+                    </m:r>
+                  </m:oMath>
+                </a14:m>
+                <a:r>
+                  <a:rPr lang="en-US" dirty="0" smtClean="0">
+                    <a:latin typeface="Cambria Math" panose="02040503050406030204" pitchFamily="18" charset="0"/>
+                  </a:rPr>
+                  <a:t> – </a:t>
+                </a:r>
+                <a:r>
+                  <a:rPr lang="ru-RU" dirty="0" smtClean="0">
+                    <a:latin typeface="Cambria Math" panose="02040503050406030204" pitchFamily="18" charset="0"/>
+                  </a:rPr>
+                  <a:t>текущая итерация генерации ключа (при генерации нового ключа увеличивается на 1)</a:t>
+                </a:r>
+                <a:r>
+                  <a:rPr lang="en-US" dirty="0" smtClean="0">
+                    <a:latin typeface="Cambria Math" panose="02040503050406030204" pitchFamily="18" charset="0"/>
+                  </a:rPr>
+                  <a:t>, </a:t>
+                </a:r>
+                <a14:m>
+                  <m:oMath xmlns:m="http://schemas.openxmlformats.org/officeDocument/2006/math">
+                    <m:r>
+                      <a:rPr lang="en-US" i="1" dirty="0" smtClean="0">
+                        <a:latin typeface="Cambria Math" panose="02040503050406030204" pitchFamily="18" charset="0"/>
+                      </a:rPr>
+                      <m:t>𝑛</m:t>
+                    </m:r>
+                  </m:oMath>
+                </a14:m>
+                <a:r>
+                  <a:rPr lang="en-US" dirty="0" smtClean="0">
+                    <a:latin typeface="Cambria Math" panose="02040503050406030204" pitchFamily="18" charset="0"/>
+                  </a:rPr>
+                  <a:t> – </a:t>
+                </a:r>
+                <a:r>
+                  <a:rPr lang="ru-RU" dirty="0" smtClean="0">
+                    <a:latin typeface="Cambria Math" panose="02040503050406030204" pitchFamily="18" charset="0"/>
+                  </a:rPr>
+                  <a:t>число </a:t>
+                </a:r>
+                <a:r>
+                  <a:rPr lang="en-US" dirty="0" smtClean="0">
+                    <a:latin typeface="Cambria Math" panose="02040503050406030204" pitchFamily="18" charset="0"/>
+                  </a:rPr>
+                  <a:t>T </a:t>
+                </a:r>
+                <a:r>
+                  <a:rPr lang="ru-RU" dirty="0" smtClean="0">
+                    <a:latin typeface="Cambria Math" panose="02040503050406030204" pitchFamily="18" charset="0"/>
+                  </a:rPr>
+                  <a:t>блоков для генерации одного ключа</a:t>
+                </a:r>
+              </a:p>
+              <a:p>
+                <a:endParaRPr lang="en-US" b="0" dirty="0" smtClean="0">
+                  <a:latin typeface="Cambria Math" panose="02040503050406030204" pitchFamily="18" charset="0"/>
+                </a:endParaRPr>
+              </a:p>
+              <a:p>
+                <a14:m>
+                  <m:oMath xmlns:m="http://schemas.openxmlformats.org/officeDocument/2006/math">
+                    <m:sSub>
+                      <m:sSubPr>
+                        <m:ctrlPr>
+                          <a:rPr lang="en-US" b="0" i="1" smtClean="0">
+                            <a:latin typeface="Cambria Math" panose="02040503050406030204" pitchFamily="18" charset="0"/>
+                          </a:rPr>
+                        </m:ctrlPr>
+                      </m:sSubPr>
+                      <m:e>
+                        <m:r>
+                          <a:rPr lang="en-US" b="0" i="1" smtClean="0">
+                            <a:latin typeface="Cambria Math" panose="02040503050406030204" pitchFamily="18" charset="0"/>
+                          </a:rPr>
+                          <m:t>𝑈</m:t>
+                        </m:r>
+                      </m:e>
+                      <m:sub>
+                        <m:r>
+                          <a:rPr lang="en-US" b="0" i="1" smtClean="0">
+                            <a:latin typeface="Cambria Math" panose="02040503050406030204" pitchFamily="18" charset="0"/>
+                          </a:rPr>
+                          <m:t>1</m:t>
+                        </m:r>
+                      </m:sub>
+                    </m:sSub>
+                    <m:r>
+                      <a:rPr lang="en-US" b="0" i="1" smtClean="0">
+                        <a:latin typeface="Cambria Math" panose="02040503050406030204" pitchFamily="18" charset="0"/>
+                      </a:rPr>
+                      <m:t>=</m:t>
+                    </m:r>
+                    <m:r>
+                      <a:rPr lang="en-US" b="0" i="1" smtClean="0">
+                        <a:latin typeface="Cambria Math" panose="02040503050406030204" pitchFamily="18" charset="0"/>
+                      </a:rPr>
+                      <m:t>𝑃𝑅𝐹</m:t>
+                    </m:r>
+                    <m:r>
+                      <a:rPr lang="en-US" b="0" i="1" smtClean="0">
+                        <a:latin typeface="Cambria Math" panose="02040503050406030204" pitchFamily="18" charset="0"/>
+                      </a:rPr>
+                      <m:t>(</m:t>
+                    </m:r>
+                    <m:r>
+                      <a:rPr lang="en-US" b="0" i="1" smtClean="0">
+                        <a:latin typeface="Cambria Math" panose="02040503050406030204" pitchFamily="18" charset="0"/>
+                      </a:rPr>
+                      <m:t>𝑃</m:t>
+                    </m:r>
+                    <m:r>
+                      <a:rPr lang="en-US" b="0" i="1" smtClean="0">
+                        <a:latin typeface="Cambria Math" panose="02040503050406030204" pitchFamily="18" charset="0"/>
+                      </a:rPr>
+                      <m:t>, </m:t>
+                    </m:r>
+                    <m:r>
+                      <a:rPr lang="en-US" b="0" i="1" smtClean="0">
+                        <a:latin typeface="Cambria Math" panose="02040503050406030204" pitchFamily="18" charset="0"/>
+                      </a:rPr>
+                      <m:t>𝑠</m:t>
+                    </m:r>
+                    <m:r>
+                      <a:rPr lang="en-US" b="0" i="1" smtClean="0">
+                        <a:latin typeface="Cambria Math" panose="02040503050406030204" pitchFamily="18" charset="0"/>
+                      </a:rPr>
+                      <m:t>||</m:t>
+                    </m:r>
+                    <m:r>
+                      <a:rPr lang="en-US" b="0" i="1" smtClean="0">
+                        <a:latin typeface="Cambria Math" panose="02040503050406030204" pitchFamily="18" charset="0"/>
+                      </a:rPr>
+                      <m:t>𝑖</m:t>
+                    </m:r>
+                    <m:r>
+                      <a:rPr lang="en-US" b="0" i="1" smtClean="0">
+                        <a:latin typeface="Cambria Math" panose="02040503050406030204" pitchFamily="18" charset="0"/>
+                      </a:rPr>
+                      <m:t>)</m:t>
+                    </m:r>
+                  </m:oMath>
+                </a14:m>
+                <a:endParaRPr lang="en-US" b="0" dirty="0" smtClean="0"/>
+              </a:p>
+              <a:p>
+                <a14:m>
+                  <m:oMath xmlns:m="http://schemas.openxmlformats.org/officeDocument/2006/math">
+                    <m:sSub>
+                      <m:sSubPr>
+                        <m:ctrlPr>
+                          <a:rPr lang="en-US" b="0" i="1" smtClean="0">
+                            <a:latin typeface="Cambria Math" panose="02040503050406030204" pitchFamily="18" charset="0"/>
+                          </a:rPr>
+                        </m:ctrlPr>
+                      </m:sSubPr>
+                      <m:e>
+                        <m:r>
+                          <a:rPr lang="en-US" b="0" i="1" smtClean="0">
+                            <a:latin typeface="Cambria Math" panose="02040503050406030204" pitchFamily="18" charset="0"/>
+                          </a:rPr>
+                          <m:t>𝑈</m:t>
+                        </m:r>
+                      </m:e>
+                      <m:sub>
+                        <m:r>
+                          <a:rPr lang="en-US" b="0" i="1" smtClean="0">
+                            <a:latin typeface="Cambria Math" panose="02040503050406030204" pitchFamily="18" charset="0"/>
+                          </a:rPr>
+                          <m:t>𝑐</m:t>
+                        </m:r>
+                      </m:sub>
+                    </m:sSub>
+                    <m:r>
+                      <a:rPr lang="en-US" b="0" i="1" smtClean="0">
+                        <a:latin typeface="Cambria Math" panose="02040503050406030204" pitchFamily="18" charset="0"/>
+                      </a:rPr>
+                      <m:t>=</m:t>
+                    </m:r>
+                    <m:r>
+                      <a:rPr lang="en-US" b="0" i="1" smtClean="0">
+                        <a:latin typeface="Cambria Math" panose="02040503050406030204" pitchFamily="18" charset="0"/>
+                      </a:rPr>
+                      <m:t>𝑃𝑅𝐹</m:t>
+                    </m:r>
+                    <m:d>
+                      <m:dPr>
+                        <m:ctrlPr>
+                          <a:rPr lang="en-US" b="0" i="1" smtClean="0">
+                            <a:latin typeface="Cambria Math" panose="02040503050406030204" pitchFamily="18" charset="0"/>
+                          </a:rPr>
+                        </m:ctrlPr>
+                      </m:dPr>
+                      <m:e>
+                        <m:sSub>
+                          <m:sSubPr>
+                            <m:ctrlPr>
+                              <a:rPr lang="en-US" b="0" i="1" smtClean="0">
+                                <a:latin typeface="Cambria Math" panose="02040503050406030204" pitchFamily="18" charset="0"/>
+                              </a:rPr>
+                            </m:ctrlPr>
+                          </m:sSubPr>
+                          <m:e>
+                            <m:r>
+                              <a:rPr lang="en-US" b="0" i="1" smtClean="0">
+                                <a:latin typeface="Cambria Math" panose="02040503050406030204" pitchFamily="18" charset="0"/>
+                              </a:rPr>
+                              <m:t>𝑈</m:t>
+                            </m:r>
+                          </m:e>
+                          <m:sub>
+                            <m:r>
+                              <a:rPr lang="en-US" b="0" i="1" smtClean="0">
+                                <a:latin typeface="Cambria Math" panose="02040503050406030204" pitchFamily="18" charset="0"/>
+                              </a:rPr>
+                              <m:t>𝑐</m:t>
+                            </m:r>
+                            <m:r>
+                              <a:rPr lang="en-US" b="0" i="1" smtClean="0">
+                                <a:latin typeface="Cambria Math" panose="02040503050406030204" pitchFamily="18" charset="0"/>
+                              </a:rPr>
+                              <m:t>−1</m:t>
+                            </m:r>
+                          </m:sub>
+                        </m:sSub>
+                      </m:e>
+                    </m:d>
+                  </m:oMath>
+                </a14:m>
+                <a:endParaRPr lang="en-US" b="0" dirty="0" smtClean="0"/>
+              </a:p>
+              <a:p>
+                <a14:m>
+                  <m:oMath xmlns:m="http://schemas.openxmlformats.org/officeDocument/2006/math">
+                    <m:r>
+                      <a:rPr lang="en-US" b="0" i="1" smtClean="0">
+                        <a:latin typeface="Cambria Math" panose="02040503050406030204" pitchFamily="18" charset="0"/>
+                      </a:rPr>
+                      <m:t>𝐹</m:t>
+                    </m:r>
+                    <m:d>
+                      <m:dPr>
+                        <m:ctrlPr>
+                          <a:rPr lang="en-US" b="0" i="1" smtClean="0">
+                            <a:latin typeface="Cambria Math" panose="02040503050406030204" pitchFamily="18" charset="0"/>
+                          </a:rPr>
+                        </m:ctrlPr>
+                      </m:dPr>
+                      <m:e>
+                        <m:r>
+                          <a:rPr lang="en-US" b="0" i="1" smtClean="0">
+                            <a:latin typeface="Cambria Math" panose="02040503050406030204" pitchFamily="18" charset="0"/>
+                          </a:rPr>
+                          <m:t>𝑃</m:t>
+                        </m:r>
+                        <m:r>
+                          <a:rPr lang="en-US" b="0" i="1" smtClean="0">
+                            <a:latin typeface="Cambria Math" panose="02040503050406030204" pitchFamily="18" charset="0"/>
+                          </a:rPr>
+                          <m:t>,</m:t>
+                        </m:r>
+                        <m:r>
+                          <a:rPr lang="en-US" b="0" i="1" smtClean="0">
+                            <a:latin typeface="Cambria Math" panose="02040503050406030204" pitchFamily="18" charset="0"/>
+                          </a:rPr>
+                          <m:t>𝑆</m:t>
+                        </m:r>
+                        <m:r>
+                          <a:rPr lang="en-US" b="0" i="1" smtClean="0">
+                            <a:latin typeface="Cambria Math" panose="02040503050406030204" pitchFamily="18" charset="0"/>
+                          </a:rPr>
+                          <m:t>,</m:t>
+                        </m:r>
+                        <m:r>
+                          <a:rPr lang="en-US" b="0" i="1" smtClean="0">
+                            <a:latin typeface="Cambria Math" panose="02040503050406030204" pitchFamily="18" charset="0"/>
+                          </a:rPr>
+                          <m:t>𝑐</m:t>
+                        </m:r>
+                        <m:r>
+                          <a:rPr lang="en-US" b="0" i="1" smtClean="0">
+                            <a:latin typeface="Cambria Math" panose="02040503050406030204" pitchFamily="18" charset="0"/>
+                          </a:rPr>
+                          <m:t>,</m:t>
+                        </m:r>
+                        <m:r>
+                          <a:rPr lang="en-US" b="0" i="1" smtClean="0">
+                            <a:latin typeface="Cambria Math" panose="02040503050406030204" pitchFamily="18" charset="0"/>
+                          </a:rPr>
+                          <m:t>𝑖</m:t>
+                        </m:r>
+                      </m:e>
+                    </m:d>
+                    <m:r>
+                      <a:rPr lang="en-US" b="0" i="1" smtClean="0">
+                        <a:latin typeface="Cambria Math" panose="02040503050406030204" pitchFamily="18" charset="0"/>
+                      </a:rPr>
+                      <m:t>=</m:t>
+                    </m:r>
+                    <m:sSub>
+                      <m:sSubPr>
+                        <m:ctrlPr>
+                          <a:rPr lang="en-US" b="0" i="1" smtClean="0">
+                            <a:latin typeface="Cambria Math" panose="02040503050406030204" pitchFamily="18" charset="0"/>
+                          </a:rPr>
+                        </m:ctrlPr>
+                      </m:sSubPr>
+                      <m:e>
+                        <m:r>
+                          <a:rPr lang="en-US" b="0" i="1" smtClean="0">
+                            <a:latin typeface="Cambria Math" panose="02040503050406030204" pitchFamily="18" charset="0"/>
+                          </a:rPr>
+                          <m:t>𝑈</m:t>
+                        </m:r>
+                      </m:e>
+                      <m:sub>
+                        <m:r>
+                          <a:rPr lang="en-US" b="0" i="1" smtClean="0">
+                            <a:latin typeface="Cambria Math" panose="02040503050406030204" pitchFamily="18" charset="0"/>
+                          </a:rPr>
+                          <m:t>1</m:t>
+                        </m:r>
+                      </m:sub>
+                    </m:sSub>
+                    <m:r>
+                      <a:rPr lang="en-US" b="0" i="1" smtClean="0">
+                        <a:latin typeface="Cambria Math" panose="02040503050406030204" pitchFamily="18" charset="0"/>
+                      </a:rPr>
+                      <m:t>⊕…⊕</m:t>
+                    </m:r>
+                    <m:sSub>
+                      <m:sSubPr>
+                        <m:ctrlPr>
+                          <a:rPr lang="en-US" b="0" i="1" smtClean="0">
+                            <a:latin typeface="Cambria Math" panose="02040503050406030204" pitchFamily="18" charset="0"/>
+                          </a:rPr>
+                        </m:ctrlPr>
+                      </m:sSubPr>
+                      <m:e>
+                        <m:r>
+                          <a:rPr lang="en-US" b="0" i="1" smtClean="0">
+                            <a:latin typeface="Cambria Math" panose="02040503050406030204" pitchFamily="18" charset="0"/>
+                          </a:rPr>
+                          <m:t>𝑈</m:t>
+                        </m:r>
+                      </m:e>
+                      <m:sub>
+                        <m:r>
+                          <a:rPr lang="en-US" b="0" i="1" smtClean="0">
+                            <a:latin typeface="Cambria Math" panose="02040503050406030204" pitchFamily="18" charset="0"/>
+                          </a:rPr>
+                          <m:t>𝑐</m:t>
+                        </m:r>
+                      </m:sub>
+                    </m:sSub>
+                  </m:oMath>
+                </a14:m>
+                <a:endParaRPr lang="en-US" b="0" dirty="0" smtClean="0"/>
+              </a:p>
+              <a:p>
+                <a14:m>
+                  <m:oMath xmlns:m="http://schemas.openxmlformats.org/officeDocument/2006/math">
+                    <m:sSub>
+                      <m:sSubPr>
+                        <m:ctrlPr>
+                          <a:rPr lang="en-US" b="0" i="1" smtClean="0">
+                            <a:latin typeface="Cambria Math" panose="02040503050406030204" pitchFamily="18" charset="0"/>
+                          </a:rPr>
+                        </m:ctrlPr>
+                      </m:sSubPr>
+                      <m:e>
+                        <m:r>
+                          <a:rPr lang="en-US" b="0" i="1" smtClean="0">
+                            <a:latin typeface="Cambria Math" panose="02040503050406030204" pitchFamily="18" charset="0"/>
+                          </a:rPr>
+                          <m:t>𝑇</m:t>
+                        </m:r>
+                      </m:e>
+                      <m:sub>
+                        <m:r>
+                          <a:rPr lang="en-US" b="0" i="1" smtClean="0">
+                            <a:latin typeface="Cambria Math" panose="02040503050406030204" pitchFamily="18" charset="0"/>
+                          </a:rPr>
+                          <m:t>𝑖</m:t>
+                        </m:r>
+                      </m:sub>
+                    </m:sSub>
+                    <m:r>
+                      <a:rPr lang="en-US" b="0" i="1" smtClean="0">
+                        <a:latin typeface="Cambria Math" panose="02040503050406030204" pitchFamily="18" charset="0"/>
+                      </a:rPr>
+                      <m:t>=</m:t>
+                    </m:r>
+                    <m:r>
+                      <a:rPr lang="en-US" b="0" i="1" smtClean="0">
+                        <a:latin typeface="Cambria Math" panose="02040503050406030204" pitchFamily="18" charset="0"/>
+                      </a:rPr>
+                      <m:t>𝐹</m:t>
+                    </m:r>
+                    <m:d>
+                      <m:dPr>
+                        <m:ctrlPr>
+                          <a:rPr lang="en-US" b="0" i="1" smtClean="0">
+                            <a:latin typeface="Cambria Math" panose="02040503050406030204" pitchFamily="18" charset="0"/>
+                          </a:rPr>
+                        </m:ctrlPr>
+                      </m:dPr>
+                      <m:e>
+                        <m:r>
+                          <a:rPr lang="en-US" b="0" i="1" smtClean="0">
+                            <a:latin typeface="Cambria Math" panose="02040503050406030204" pitchFamily="18" charset="0"/>
+                          </a:rPr>
+                          <m:t>𝑃</m:t>
+                        </m:r>
+                        <m:r>
+                          <a:rPr lang="en-US" b="0" i="1" smtClean="0">
+                            <a:latin typeface="Cambria Math" panose="02040503050406030204" pitchFamily="18" charset="0"/>
+                          </a:rPr>
+                          <m:t>,</m:t>
+                        </m:r>
+                        <m:r>
+                          <a:rPr lang="en-US" b="0" i="1" smtClean="0">
+                            <a:latin typeface="Cambria Math" panose="02040503050406030204" pitchFamily="18" charset="0"/>
+                          </a:rPr>
+                          <m:t>𝑆</m:t>
+                        </m:r>
+                        <m:r>
+                          <a:rPr lang="en-US" b="0" i="1" smtClean="0">
+                            <a:latin typeface="Cambria Math" panose="02040503050406030204" pitchFamily="18" charset="0"/>
+                          </a:rPr>
+                          <m:t>,</m:t>
+                        </m:r>
+                        <m:r>
+                          <a:rPr lang="en-US" b="0" i="1" smtClean="0">
+                            <a:latin typeface="Cambria Math" panose="02040503050406030204" pitchFamily="18" charset="0"/>
+                          </a:rPr>
+                          <m:t>𝑐</m:t>
+                        </m:r>
+                        <m:r>
+                          <a:rPr lang="en-US" b="0" i="1" smtClean="0">
+                            <a:latin typeface="Cambria Math" panose="02040503050406030204" pitchFamily="18" charset="0"/>
+                          </a:rPr>
+                          <m:t>,</m:t>
+                        </m:r>
+                        <m:r>
+                          <a:rPr lang="en-US" b="0" i="1" smtClean="0">
+                            <a:latin typeface="Cambria Math" panose="02040503050406030204" pitchFamily="18" charset="0"/>
+                          </a:rPr>
+                          <m:t>𝑖</m:t>
+                        </m:r>
+                      </m:e>
+                    </m:d>
+                  </m:oMath>
+                </a14:m>
+                <a:endParaRPr lang="en-US" b="0" dirty="0" smtClean="0"/>
+              </a:p>
+              <a:p>
+                <a14:m>
+                  <m:oMath xmlns:m="http://schemas.openxmlformats.org/officeDocument/2006/math">
+                    <m:r>
+                      <a:rPr lang="en-US" b="0" i="1" smtClean="0">
+                        <a:latin typeface="Cambria Math" panose="02040503050406030204" pitchFamily="18" charset="0"/>
+                      </a:rPr>
+                      <m:t>𝐷𝐾</m:t>
+                    </m:r>
+                    <m:r>
+                      <a:rPr lang="en-US" b="0" i="1" smtClean="0">
+                        <a:latin typeface="Cambria Math" panose="02040503050406030204" pitchFamily="18" charset="0"/>
+                      </a:rPr>
+                      <m:t>=</m:t>
+                    </m:r>
+                    <m:sSub>
+                      <m:sSubPr>
+                        <m:ctrlPr>
+                          <a:rPr lang="en-US" b="0" i="1" smtClean="0">
+                            <a:latin typeface="Cambria Math" panose="02040503050406030204" pitchFamily="18" charset="0"/>
+                          </a:rPr>
+                        </m:ctrlPr>
+                      </m:sSubPr>
+                      <m:e>
+                        <m:r>
+                          <a:rPr lang="en-US" b="0" i="1" smtClean="0">
+                            <a:latin typeface="Cambria Math" panose="02040503050406030204" pitchFamily="18" charset="0"/>
+                          </a:rPr>
+                          <m:t>𝑇</m:t>
+                        </m:r>
+                      </m:e>
+                      <m:sub>
+                        <m:r>
+                          <a:rPr lang="en-US" b="0" i="1" smtClean="0">
+                            <a:latin typeface="Cambria Math" panose="02040503050406030204" pitchFamily="18" charset="0"/>
+                          </a:rPr>
+                          <m:t>1</m:t>
+                        </m:r>
+                      </m:sub>
+                    </m:sSub>
+                    <m:r>
+                      <a:rPr lang="en-US" b="0" i="1" smtClean="0">
+                        <a:latin typeface="Cambria Math" panose="02040503050406030204" pitchFamily="18" charset="0"/>
+                      </a:rPr>
+                      <m:t>||…||</m:t>
+                    </m:r>
+                    <m:sSub>
+                      <m:sSubPr>
+                        <m:ctrlPr>
+                          <a:rPr lang="en-US" b="0" i="1" smtClean="0">
+                            <a:latin typeface="Cambria Math" panose="02040503050406030204" pitchFamily="18" charset="0"/>
+                          </a:rPr>
+                        </m:ctrlPr>
+                      </m:sSubPr>
+                      <m:e>
+                        <m:r>
+                          <a:rPr lang="en-US" b="0" i="1" smtClean="0">
+                            <a:latin typeface="Cambria Math" panose="02040503050406030204" pitchFamily="18" charset="0"/>
+                          </a:rPr>
+                          <m:t>𝑇</m:t>
+                        </m:r>
+                      </m:e>
+                      <m:sub>
+                        <m:r>
+                          <a:rPr lang="en-US" b="0" i="1" smtClean="0">
+                            <a:latin typeface="Cambria Math" panose="02040503050406030204" pitchFamily="18" charset="0"/>
+                          </a:rPr>
+                          <m:t>𝑛</m:t>
+                        </m:r>
+                      </m:sub>
+                    </m:sSub>
+                  </m:oMath>
+                </a14:m>
+                <a:endParaRPr lang="ru-RU" dirty="0"/>
+              </a:p>
+            </p:txBody>
+          </p:sp>
+        </mc:Choice>
+        <mc:Fallback>
+          <p:sp>
+            <p:nvSpPr>
+              <p:cNvPr id="3" name="Объект 2"/>
+              <p:cNvSpPr>
+                <a:spLocks noGrp="1" noRot="1" noChangeAspect="1" noMove="1" noResize="1" noEditPoints="1" noAdjustHandles="1" noChangeArrowheads="1" noChangeShapeType="1" noTextEdit="1"/>
+              </p:cNvSpPr>
+              <p:nvPr>
+                <p:ph idx="1"/>
+              </p:nvPr>
+            </p:nvSpPr>
+            <p:spPr>
+              <a:blipFill rotWithShape="0">
+                <a:blip r:embed="rId2"/>
+                <a:stretch>
+                  <a:fillRect t="-2241"/>
+                </a:stretch>
+              </a:blipFill>
+            </p:spPr>
+            <p:txBody>
+              <a:bodyPr/>
+              <a:lstStyle/>
+              <a:p>
+                <a:r>
+                  <a:rPr lang="ru-RU">
+                    <a:noFill/>
+                  </a:rPr>
+                  <a:t> </a:t>
+                </a:r>
+              </a:p>
+            </p:txBody>
+          </p:sp>
+        </mc:Fallback>
+      </mc:AlternateContent>
       <p:sp>
         <p:nvSpPr>
           <p:cNvPr id="4" name="Номер слайда 3"/>

--- a/Lectures/Lecture11.pptx
+++ b/Lectures/Lecture11.pptx
@@ -325,7 +325,7 @@
           <a:p>
             <a:fld id="{CBA08D16-15DC-4E25-BDC3-F25146157B16}" type="datetimeFigureOut">
               <a:rPr lang="ru-RU" smtClean="0"/>
-              <a:t>29.10.2019</a:t>
+              <a:t>11.11.2019</a:t>
             </a:fld>
             <a:endParaRPr lang="ru-RU"/>
           </a:p>
@@ -724,7 +724,7 @@
           <a:p>
             <a:fld id="{FCEC8293-DB51-454A-BE81-EC8FCB31EBA2}" type="datetime1">
               <a:rPr lang="ru-RU" smtClean="0"/>
-              <a:t>29.10.2019</a:t>
+              <a:t>11.11.2019</a:t>
             </a:fld>
             <a:endParaRPr lang="ru-RU"/>
           </a:p>
@@ -898,7 +898,7 @@
           <a:p>
             <a:fld id="{241C87B1-1C35-4DBD-BC18-2BC72E776603}" type="datetime1">
               <a:rPr lang="ru-RU" smtClean="0"/>
-              <a:t>29.10.2019</a:t>
+              <a:t>11.11.2019</a:t>
             </a:fld>
             <a:endParaRPr lang="ru-RU"/>
           </a:p>
@@ -1082,7 +1082,7 @@
           <a:p>
             <a:fld id="{3134C275-26C0-42CD-9111-9ADE65922AF9}" type="datetime1">
               <a:rPr lang="ru-RU" smtClean="0"/>
-              <a:t>29.10.2019</a:t>
+              <a:t>11.11.2019</a:t>
             </a:fld>
             <a:endParaRPr lang="ru-RU"/>
           </a:p>
@@ -1256,7 +1256,7 @@
           <a:p>
             <a:fld id="{C1A9A50B-C350-45F5-8AAB-ADB9E670AF2E}" type="datetime1">
               <a:rPr lang="ru-RU" smtClean="0"/>
-              <a:t>29.10.2019</a:t>
+              <a:t>11.11.2019</a:t>
             </a:fld>
             <a:endParaRPr lang="ru-RU"/>
           </a:p>
@@ -1506,7 +1506,7 @@
           <a:p>
             <a:fld id="{089688C9-348F-42F9-B6C0-5990DDE0C5B2}" type="datetime1">
               <a:rPr lang="ru-RU" smtClean="0"/>
-              <a:t>29.10.2019</a:t>
+              <a:t>11.11.2019</a:t>
             </a:fld>
             <a:endParaRPr lang="ru-RU"/>
           </a:p>
@@ -1742,7 +1742,7 @@
           <a:p>
             <a:fld id="{684AFD8F-6DD9-4AD3-A505-FDC3F5C5F3F6}" type="datetime1">
               <a:rPr lang="ru-RU" smtClean="0"/>
-              <a:t>29.10.2019</a:t>
+              <a:t>11.11.2019</a:t>
             </a:fld>
             <a:endParaRPr lang="ru-RU"/>
           </a:p>
@@ -2113,7 +2113,7 @@
           <a:p>
             <a:fld id="{63551EFE-4D02-45EB-A747-8B6F047B5AA0}" type="datetime1">
               <a:rPr lang="ru-RU" smtClean="0"/>
-              <a:t>29.10.2019</a:t>
+              <a:t>11.11.2019</a:t>
             </a:fld>
             <a:endParaRPr lang="ru-RU"/>
           </a:p>
@@ -2235,7 +2235,7 @@
           <a:p>
             <a:fld id="{813A9F34-E5CD-4B8F-AA9E-889C84372B20}" type="datetime1">
               <a:rPr lang="ru-RU" smtClean="0"/>
-              <a:t>29.10.2019</a:t>
+              <a:t>11.11.2019</a:t>
             </a:fld>
             <a:endParaRPr lang="ru-RU"/>
           </a:p>
@@ -2334,7 +2334,7 @@
           <a:p>
             <a:fld id="{51224D22-9B29-44A6-8E82-95FC492DEDC1}" type="datetime1">
               <a:rPr lang="ru-RU" smtClean="0"/>
-              <a:t>29.10.2019</a:t>
+              <a:t>11.11.2019</a:t>
             </a:fld>
             <a:endParaRPr lang="ru-RU"/>
           </a:p>
@@ -2615,7 +2615,7 @@
           <a:p>
             <a:fld id="{91D1034F-4441-48A1-BDC0-25EA1022324A}" type="datetime1">
               <a:rPr lang="ru-RU" smtClean="0"/>
-              <a:t>29.10.2019</a:t>
+              <a:t>11.11.2019</a:t>
             </a:fld>
             <a:endParaRPr lang="ru-RU"/>
           </a:p>
@@ -2872,7 +2872,7 @@
           <a:p>
             <a:fld id="{B0FFDE79-B627-473B-AE17-4C65BD2495F7}" type="datetime1">
               <a:rPr lang="ru-RU" smtClean="0"/>
-              <a:t>29.10.2019</a:t>
+              <a:t>11.11.2019</a:t>
             </a:fld>
             <a:endParaRPr lang="ru-RU"/>
           </a:p>
@@ -3089,7 +3089,7 @@
           <a:p>
             <a:fld id="{11CA537A-1B8C-47BA-9BA6-7CE3FAFDA8BE}" type="datetime1">
               <a:rPr lang="ru-RU" smtClean="0"/>
-              <a:t>29.10.2019</a:t>
+              <a:t>11.11.2019</a:t>
             </a:fld>
             <a:endParaRPr lang="ru-RU"/>
           </a:p>
@@ -3591,11 +3591,7 @@
           <a:p>
             <a:r>
               <a:rPr lang="ru-RU" dirty="0" smtClean="0"/>
-              <a:t>МИФИ </a:t>
-            </a:r>
-            <a:r>
-              <a:rPr lang="ru-RU" dirty="0" smtClean="0"/>
-              <a:t>201</a:t>
+              <a:t>МИФИ 201</a:t>
             </a:r>
             <a:r>
               <a:rPr lang="en-US" smtClean="0"/>
@@ -7410,7 +7406,15 @@
             </a:r>
             <a:r>
               <a:rPr lang="ru-RU" dirty="0" smtClean="0"/>
-              <a:t>СЛОМАН! (хотя много где используется)</a:t>
+              <a:t>СЛОМАН! </a:t>
+            </a:r>
+            <a:r>
+              <a:rPr lang="ru-RU" dirty="0" smtClean="0"/>
+              <a:t>(коллизии второго рода, хотя </a:t>
+            </a:r>
+            <a:r>
+              <a:rPr lang="ru-RU" dirty="0" smtClean="0"/>
+              <a:t>много где используется)</a:t>
             </a:r>
             <a:endParaRPr lang="ru-RU" dirty="0"/>
           </a:p>
@@ -17081,8 +17085,8 @@
           </a:p>
         </p:txBody>
       </p:sp>
-      <mc:AlternateContent xmlns:mc="http://schemas.openxmlformats.org/markup-compatibility/2006">
-        <mc:Choice xmlns:a14="http://schemas.microsoft.com/office/drawing/2010/main" Requires="a14">
+      <mc:AlternateContent xmlns:mc="http://schemas.openxmlformats.org/markup-compatibility/2006" xmlns:a14="http://schemas.microsoft.com/office/drawing/2010/main">
+        <mc:Choice Requires="a14">
           <p:sp>
             <p:nvSpPr>
               <p:cNvPr id="3" name="Объект 2"/>
@@ -17685,7 +17689,7 @@
             </p:txBody>
           </p:sp>
         </mc:Choice>
-        <mc:Fallback>
+        <mc:Fallback xmlns="">
           <p:sp>
             <p:nvSpPr>
               <p:cNvPr id="3" name="Объект 2"/>

--- a/Lectures/Lecture11.pptx
+++ b/Lectures/Lecture11.pptx
@@ -5,7 +5,7 @@
     <p:sldMasterId id="2147483648" r:id="rId1"/>
   </p:sldMasterIdLst>
   <p:notesMasterIdLst>
-    <p:notesMasterId r:id="rId45"/>
+    <p:notesMasterId r:id="rId48"/>
   </p:notesMasterIdLst>
   <p:sldIdLst>
     <p:sldId id="296" r:id="rId2"/>
@@ -35,22 +35,25 @@
     <p:sldId id="526" r:id="rId26"/>
     <p:sldId id="527" r:id="rId27"/>
     <p:sldId id="528" r:id="rId28"/>
-    <p:sldId id="529" r:id="rId29"/>
-    <p:sldId id="530" r:id="rId30"/>
-    <p:sldId id="531" r:id="rId31"/>
-    <p:sldId id="532" r:id="rId32"/>
-    <p:sldId id="533" r:id="rId33"/>
-    <p:sldId id="534" r:id="rId34"/>
-    <p:sldId id="535" r:id="rId35"/>
-    <p:sldId id="536" r:id="rId36"/>
-    <p:sldId id="538" r:id="rId37"/>
-    <p:sldId id="539" r:id="rId38"/>
-    <p:sldId id="540" r:id="rId39"/>
-    <p:sldId id="542" r:id="rId40"/>
-    <p:sldId id="543" r:id="rId41"/>
-    <p:sldId id="544" r:id="rId42"/>
-    <p:sldId id="541" r:id="rId43"/>
-    <p:sldId id="545" r:id="rId44"/>
+    <p:sldId id="546" r:id="rId29"/>
+    <p:sldId id="529" r:id="rId30"/>
+    <p:sldId id="530" r:id="rId31"/>
+    <p:sldId id="531" r:id="rId32"/>
+    <p:sldId id="532" r:id="rId33"/>
+    <p:sldId id="533" r:id="rId34"/>
+    <p:sldId id="534" r:id="rId35"/>
+    <p:sldId id="535" r:id="rId36"/>
+    <p:sldId id="536" r:id="rId37"/>
+    <p:sldId id="538" r:id="rId38"/>
+    <p:sldId id="539" r:id="rId39"/>
+    <p:sldId id="540" r:id="rId40"/>
+    <p:sldId id="542" r:id="rId41"/>
+    <p:sldId id="543" r:id="rId42"/>
+    <p:sldId id="544" r:id="rId43"/>
+    <p:sldId id="541" r:id="rId44"/>
+    <p:sldId id="545" r:id="rId45"/>
+    <p:sldId id="547" r:id="rId46"/>
+    <p:sldId id="548" r:id="rId47"/>
   </p:sldIdLst>
   <p:sldSz cx="12192000" cy="6858000"/>
   <p:notesSz cx="6858000" cy="9144000"/>
@@ -205,6 +208,7 @@
           <p14:sldIdLst>
             <p14:sldId id="527"/>
             <p14:sldId id="528"/>
+            <p14:sldId id="546"/>
             <p14:sldId id="529"/>
           </p14:sldIdLst>
         </p14:section>
@@ -229,6 +233,8 @@
             <p14:sldId id="544"/>
             <p14:sldId id="541"/>
             <p14:sldId id="545"/>
+            <p14:sldId id="547"/>
+            <p14:sldId id="548"/>
           </p14:sldIdLst>
         </p14:section>
       </p14:sectionLst>
@@ -325,7 +331,7 @@
           <a:p>
             <a:fld id="{CBA08D16-15DC-4E25-BDC3-F25146157B16}" type="datetimeFigureOut">
               <a:rPr lang="ru-RU" smtClean="0"/>
-              <a:t>11.11.2019</a:t>
+              <a:t>25.11.2019</a:t>
             </a:fld>
             <a:endParaRPr lang="ru-RU"/>
           </a:p>
@@ -724,7 +730,7 @@
           <a:p>
             <a:fld id="{FCEC8293-DB51-454A-BE81-EC8FCB31EBA2}" type="datetime1">
               <a:rPr lang="ru-RU" smtClean="0"/>
-              <a:t>11.11.2019</a:t>
+              <a:t>25.11.2019</a:t>
             </a:fld>
             <a:endParaRPr lang="ru-RU"/>
           </a:p>
@@ -898,7 +904,7 @@
           <a:p>
             <a:fld id="{241C87B1-1C35-4DBD-BC18-2BC72E776603}" type="datetime1">
               <a:rPr lang="ru-RU" smtClean="0"/>
-              <a:t>11.11.2019</a:t>
+              <a:t>25.11.2019</a:t>
             </a:fld>
             <a:endParaRPr lang="ru-RU"/>
           </a:p>
@@ -1082,7 +1088,7 @@
           <a:p>
             <a:fld id="{3134C275-26C0-42CD-9111-9ADE65922AF9}" type="datetime1">
               <a:rPr lang="ru-RU" smtClean="0"/>
-              <a:t>11.11.2019</a:t>
+              <a:t>25.11.2019</a:t>
             </a:fld>
             <a:endParaRPr lang="ru-RU"/>
           </a:p>
@@ -1256,7 +1262,7 @@
           <a:p>
             <a:fld id="{C1A9A50B-C350-45F5-8AAB-ADB9E670AF2E}" type="datetime1">
               <a:rPr lang="ru-RU" smtClean="0"/>
-              <a:t>11.11.2019</a:t>
+              <a:t>25.11.2019</a:t>
             </a:fld>
             <a:endParaRPr lang="ru-RU"/>
           </a:p>
@@ -1506,7 +1512,7 @@
           <a:p>
             <a:fld id="{089688C9-348F-42F9-B6C0-5990DDE0C5B2}" type="datetime1">
               <a:rPr lang="ru-RU" smtClean="0"/>
-              <a:t>11.11.2019</a:t>
+              <a:t>25.11.2019</a:t>
             </a:fld>
             <a:endParaRPr lang="ru-RU"/>
           </a:p>
@@ -1742,7 +1748,7 @@
           <a:p>
             <a:fld id="{684AFD8F-6DD9-4AD3-A505-FDC3F5C5F3F6}" type="datetime1">
               <a:rPr lang="ru-RU" smtClean="0"/>
-              <a:t>11.11.2019</a:t>
+              <a:t>25.11.2019</a:t>
             </a:fld>
             <a:endParaRPr lang="ru-RU"/>
           </a:p>
@@ -2113,7 +2119,7 @@
           <a:p>
             <a:fld id="{63551EFE-4D02-45EB-A747-8B6F047B5AA0}" type="datetime1">
               <a:rPr lang="ru-RU" smtClean="0"/>
-              <a:t>11.11.2019</a:t>
+              <a:t>25.11.2019</a:t>
             </a:fld>
             <a:endParaRPr lang="ru-RU"/>
           </a:p>
@@ -2235,7 +2241,7 @@
           <a:p>
             <a:fld id="{813A9F34-E5CD-4B8F-AA9E-889C84372B20}" type="datetime1">
               <a:rPr lang="ru-RU" smtClean="0"/>
-              <a:t>11.11.2019</a:t>
+              <a:t>25.11.2019</a:t>
             </a:fld>
             <a:endParaRPr lang="ru-RU"/>
           </a:p>
@@ -2334,7 +2340,7 @@
           <a:p>
             <a:fld id="{51224D22-9B29-44A6-8E82-95FC492DEDC1}" type="datetime1">
               <a:rPr lang="ru-RU" smtClean="0"/>
-              <a:t>11.11.2019</a:t>
+              <a:t>25.11.2019</a:t>
             </a:fld>
             <a:endParaRPr lang="ru-RU"/>
           </a:p>
@@ -2615,7 +2621,7 @@
           <a:p>
             <a:fld id="{91D1034F-4441-48A1-BDC0-25EA1022324A}" type="datetime1">
               <a:rPr lang="ru-RU" smtClean="0"/>
-              <a:t>11.11.2019</a:t>
+              <a:t>25.11.2019</a:t>
             </a:fld>
             <a:endParaRPr lang="ru-RU"/>
           </a:p>
@@ -2872,7 +2878,7 @@
           <a:p>
             <a:fld id="{B0FFDE79-B627-473B-AE17-4C65BD2495F7}" type="datetime1">
               <a:rPr lang="ru-RU" smtClean="0"/>
-              <a:t>11.11.2019</a:t>
+              <a:t>25.11.2019</a:t>
             </a:fld>
             <a:endParaRPr lang="ru-RU"/>
           </a:p>
@@ -3089,7 +3095,7 @@
           <a:p>
             <a:fld id="{11CA537A-1B8C-47BA-9BA6-7CE3FAFDA8BE}" type="datetime1">
               <a:rPr lang="ru-RU" smtClean="0"/>
-              <a:t>11.11.2019</a:t>
+              <a:t>25.11.2019</a:t>
             </a:fld>
             <a:endParaRPr lang="ru-RU"/>
           </a:p>
@@ -5703,8 +5709,8 @@
           </a:p>
         </p:txBody>
       </p:sp>
-      <mc:AlternateContent xmlns:mc="http://schemas.openxmlformats.org/markup-compatibility/2006" xmlns:a14="http://schemas.microsoft.com/office/drawing/2010/main">
-        <mc:Choice Requires="a14">
+      <mc:AlternateContent xmlns:mc="http://schemas.openxmlformats.org/markup-compatibility/2006">
+        <mc:Choice xmlns:a14="http://schemas.microsoft.com/office/drawing/2010/main" Requires="a14">
           <p:sp>
             <p:nvSpPr>
               <p:cNvPr id="3" name="Объект 2"/>
@@ -5763,14 +5769,18 @@
                 </a:r>
                 <a:r>
                   <a:rPr lang="ru-RU" dirty="0" smtClean="0"/>
-                  <a:t>некоторая заданная функция кодирования.</a:t>
+                  <a:t>некоторая заданная функция </a:t>
+                </a:r>
+                <a:r>
+                  <a:rPr lang="ru-RU" dirty="0" smtClean="0"/>
+                  <a:t>кодирования (некоторое преобразование).</a:t>
                 </a:r>
                 <a:endParaRPr lang="ru-RU" dirty="0"/>
               </a:p>
             </p:txBody>
           </p:sp>
         </mc:Choice>
-        <mc:Fallback xmlns="">
+        <mc:Fallback>
           <p:sp>
             <p:nvSpPr>
               <p:cNvPr id="3" name="Объект 2"/>
@@ -5785,7 +5795,7 @@
               <a:blipFill rotWithShape="0">
                 <a:blip r:embed="rId2"/>
                 <a:stretch>
-                  <a:fillRect t="-2101"/>
+                  <a:fillRect l="-1043" t="-2101"/>
                 </a:stretch>
               </a:blipFill>
             </p:spPr>
@@ -7406,15 +7416,7 @@
             </a:r>
             <a:r>
               <a:rPr lang="ru-RU" dirty="0" smtClean="0"/>
-              <a:t>СЛОМАН! </a:t>
-            </a:r>
-            <a:r>
-              <a:rPr lang="ru-RU" dirty="0" smtClean="0"/>
-              <a:t>(коллизии второго рода, хотя </a:t>
-            </a:r>
-            <a:r>
-              <a:rPr lang="ru-RU" dirty="0" smtClean="0"/>
-              <a:t>много где используется)</a:t>
+              <a:t>СЛОМАН! (коллизии второго рода, хотя много где используется)</a:t>
             </a:r>
             <a:endParaRPr lang="ru-RU" dirty="0"/>
           </a:p>
@@ -7684,7 +7686,15 @@
             </a:pPr>
             <a:r>
               <a:rPr lang="ru-RU" dirty="0" smtClean="0"/>
-              <a:t>Основа губчатой конструкции – перестановка на некотором множестве.</a:t>
+              <a:t>Основа губчатой конструкции </a:t>
+            </a:r>
+            <a:r>
+              <a:rPr lang="ru-RU" dirty="0" smtClean="0"/>
+              <a:t>– «волшебная» </a:t>
+            </a:r>
+            <a:r>
+              <a:rPr lang="ru-RU" dirty="0" smtClean="0"/>
+              <a:t>перестановка на некотором множестве.</a:t>
             </a:r>
           </a:p>
           <a:p>
@@ -8178,8 +8188,8 @@
           </a:p>
         </p:txBody>
       </p:sp>
-      <mc:AlternateContent xmlns:mc="http://schemas.openxmlformats.org/markup-compatibility/2006" xmlns:a14="http://schemas.microsoft.com/office/drawing/2010/main">
-        <mc:Choice Requires="a14">
+      <mc:AlternateContent xmlns:mc="http://schemas.openxmlformats.org/markup-compatibility/2006">
+        <mc:Choice xmlns:a14="http://schemas.microsoft.com/office/drawing/2010/main" Requires="a14">
           <p:sp>
             <p:nvSpPr>
               <p:cNvPr id="3" name="Объект 2"/>
@@ -8254,12 +8264,20 @@
                   <a:t> – </a:t>
                 </a:r>
                 <a:r>
-                  <a:rPr lang="ru-RU" dirty="0" err="1" smtClean="0"/>
+                  <a:rPr lang="ru-RU" dirty="0" smtClean="0"/>
                   <a:t>хэш</a:t>
                 </a:r>
                 <a:r>
+                  <a:rPr lang="ru-RU" dirty="0"/>
+                  <a:t>-</a:t>
+                </a:r>
+                <a:r>
                   <a:rPr lang="ru-RU" dirty="0" smtClean="0"/>
-                  <a:t> функция на </a:t>
+                  <a:t>функция </a:t>
+                </a:r>
+                <a:r>
+                  <a:rPr lang="ru-RU" dirty="0" smtClean="0"/>
+                  <a:t>на </a:t>
                 </a:r>
                 <a14:m>
                   <m:oMath xmlns:m="http://schemas.openxmlformats.org/officeDocument/2006/math">
@@ -8313,8 +8331,12 @@
                   <a:t> - </a:t>
                 </a:r>
                 <a:r>
+                  <a:rPr lang="ru-RU" b="1" dirty="0" smtClean="0"/>
+                  <a:t>односторонняя хэш-функция</a:t>
+                </a:r>
+                <a:r>
                   <a:rPr lang="ru-RU" dirty="0" smtClean="0"/>
-                  <a:t>односторонняя хэш-функция, если имея </a:t>
+                  <a:t>, если имея </a:t>
                 </a:r>
                 <a14:m>
                   <m:oMath xmlns:m="http://schemas.openxmlformats.org/officeDocument/2006/math">
@@ -8718,8 +8740,12 @@
                   <a:t> – </a:t>
                 </a:r>
                 <a:r>
+                  <a:rPr lang="ru-RU" b="1" dirty="0" smtClean="0"/>
+                  <a:t>случайный оракул</a:t>
+                </a:r>
+                <a:r>
                   <a:rPr lang="ru-RU" dirty="0" smtClean="0"/>
-                  <a:t>случайный оракул, если оракул </a:t>
+                  <a:t>, если оракул </a:t>
                 </a:r>
                 <a14:m>
                   <m:oMath xmlns:m="http://schemas.openxmlformats.org/officeDocument/2006/math">
@@ -8747,7 +8773,7 @@
             </p:txBody>
           </p:sp>
         </mc:Choice>
-        <mc:Fallback xmlns="">
+        <mc:Fallback>
           <p:sp>
             <p:nvSpPr>
               <p:cNvPr id="3" name="Объект 2"/>
@@ -8762,7 +8788,7 @@
               <a:blipFill rotWithShape="0">
                 <a:blip r:embed="rId2"/>
                 <a:stretch>
-                  <a:fillRect l="-1043" t="-2101"/>
+                  <a:fillRect l="-1043" t="-2101" r="-522"/>
                 </a:stretch>
               </a:blipFill>
             </p:spPr>
@@ -9051,6 +9077,467 @@
           <a:lstStyle/>
           <a:p>
             <a:r>
+              <a:rPr lang="ru-RU" dirty="0" smtClean="0"/>
+              <a:t>Модели хэш</a:t>
+            </a:r>
+            <a:r>
+              <a:rPr lang="ru-RU" dirty="0"/>
+              <a:t>-</a:t>
+            </a:r>
+            <a:r>
+              <a:rPr lang="ru-RU" dirty="0" smtClean="0"/>
+              <a:t>функций</a:t>
+            </a:r>
+            <a:endParaRPr lang="ru-RU" dirty="0"/>
+          </a:p>
+        </p:txBody>
+      </p:sp>
+      <p:graphicFrame>
+        <p:nvGraphicFramePr>
+          <p:cNvPr id="5" name="Объект 4"/>
+          <p:cNvGraphicFramePr>
+            <a:graphicFrameLocks noGrp="1"/>
+          </p:cNvGraphicFramePr>
+          <p:nvPr>
+            <p:ph idx="1"/>
+            <p:extLst>
+              <p:ext uri="{D42A27DB-BD31-4B8C-83A1-F6EECF244321}">
+                <p14:modId xmlns:p14="http://schemas.microsoft.com/office/powerpoint/2010/main" val="3136607284"/>
+              </p:ext>
+            </p:extLst>
+          </p:nvPr>
+        </p:nvGraphicFramePr>
+        <p:xfrm>
+          <a:off x="838200" y="1825625"/>
+          <a:ext cx="10515600" cy="3754120"/>
+        </p:xfrm>
+        <a:graphic>
+          <a:graphicData uri="http://schemas.openxmlformats.org/drawingml/2006/table">
+            <a:tbl>
+              <a:tblPr firstRow="1" bandRow="1">
+                <a:tableStyleId>{5C22544A-7EE6-4342-B048-85BDC9FD1C3A}</a:tableStyleId>
+              </a:tblPr>
+              <a:tblGrid>
+                <a:gridCol w="398929"/>
+                <a:gridCol w="3227295"/>
+                <a:gridCol w="4260476"/>
+                <a:gridCol w="2628900"/>
+              </a:tblGrid>
+              <a:tr h="370840">
+                <a:tc>
+                  <a:txBody>
+                    <a:bodyPr/>
+                    <a:lstStyle/>
+                    <a:p>
+                      <a:endParaRPr lang="ru-RU" dirty="0"/>
+                    </a:p>
+                  </a:txBody>
+                  <a:tcPr/>
+                </a:tc>
+                <a:tc>
+                  <a:txBody>
+                    <a:bodyPr/>
+                    <a:lstStyle/>
+                    <a:p>
+                      <a:r>
+                        <a:rPr lang="ru-RU" dirty="0" smtClean="0"/>
+                        <a:t>Русская терминология</a:t>
+                      </a:r>
+                      <a:endParaRPr lang="ru-RU" dirty="0"/>
+                    </a:p>
+                  </a:txBody>
+                  <a:tcPr/>
+                </a:tc>
+                <a:tc>
+                  <a:txBody>
+                    <a:bodyPr/>
+                    <a:lstStyle/>
+                    <a:p>
+                      <a:r>
+                        <a:rPr lang="ru-RU" dirty="0" smtClean="0"/>
+                        <a:t>Английская терминология</a:t>
+                      </a:r>
+                      <a:endParaRPr lang="ru-RU" dirty="0"/>
+                    </a:p>
+                  </a:txBody>
+                  <a:tcPr/>
+                </a:tc>
+                <a:tc>
+                  <a:txBody>
+                    <a:bodyPr/>
+                    <a:lstStyle/>
+                    <a:p>
+                      <a:r>
+                        <a:rPr lang="ru-RU" dirty="0" smtClean="0"/>
+                        <a:t>Отношение стойкости</a:t>
+                      </a:r>
+                      <a:endParaRPr lang="ru-RU" dirty="0"/>
+                    </a:p>
+                  </a:txBody>
+                  <a:tcPr/>
+                </a:tc>
+              </a:tr>
+              <a:tr h="370840">
+                <a:tc>
+                  <a:txBody>
+                    <a:bodyPr/>
+                    <a:lstStyle/>
+                    <a:p>
+                      <a:r>
+                        <a:rPr lang="en-US" dirty="0" smtClean="0"/>
+                        <a:t>1</a:t>
+                      </a:r>
+                      <a:endParaRPr lang="ru-RU" dirty="0"/>
+                    </a:p>
+                  </a:txBody>
+                  <a:tcPr/>
+                </a:tc>
+                <a:tc>
+                  <a:txBody>
+                    <a:bodyPr/>
+                    <a:lstStyle/>
+                    <a:p>
+                      <a:r>
+                        <a:rPr lang="ru-RU" dirty="0" smtClean="0"/>
+                        <a:t>Односторонняя хэш-функция</a:t>
+                      </a:r>
+                      <a:endParaRPr lang="ru-RU" dirty="0"/>
+                    </a:p>
+                  </a:txBody>
+                  <a:tcPr/>
+                </a:tc>
+                <a:tc>
+                  <a:txBody>
+                    <a:bodyPr/>
+                    <a:lstStyle/>
+                    <a:p>
+                      <a:r>
+                        <a:rPr lang="en-US" dirty="0" smtClean="0"/>
+                        <a:t>Preimage resistant, one-way</a:t>
+                      </a:r>
+                      <a:r>
+                        <a:rPr lang="en-US" baseline="0" dirty="0" smtClean="0"/>
+                        <a:t> (p</a:t>
+                      </a:r>
+                      <a:r>
+                        <a:rPr lang="en-US" dirty="0" smtClean="0"/>
+                        <a:t>reimage resistant)</a:t>
+                      </a:r>
+                      <a:r>
+                        <a:rPr lang="ru-RU" dirty="0" smtClean="0"/>
+                        <a:t> (</a:t>
+                      </a:r>
+                      <a:r>
+                        <a:rPr lang="en-US" dirty="0" smtClean="0"/>
+                        <a:t>aka</a:t>
+                      </a:r>
+                      <a:r>
+                        <a:rPr lang="en-US" baseline="0" dirty="0" smtClean="0"/>
+                        <a:t> </a:t>
+                      </a:r>
+                      <a:r>
+                        <a:rPr lang="ru-RU" baseline="0" dirty="0" smtClean="0"/>
+                        <a:t>стойкость к нахождению прообраза)</a:t>
+                      </a:r>
+                      <a:endParaRPr lang="ru-RU" dirty="0"/>
+                    </a:p>
+                  </a:txBody>
+                  <a:tcPr/>
+                </a:tc>
+                <a:tc>
+                  <a:txBody>
+                    <a:bodyPr/>
+                    <a:lstStyle/>
+                    <a:p>
+                      <a:r>
+                        <a:rPr lang="en-US" dirty="0" smtClean="0"/>
+                        <a:t>=&gt; 1</a:t>
+                      </a:r>
+                      <a:endParaRPr lang="ru-RU" dirty="0"/>
+                    </a:p>
+                  </a:txBody>
+                  <a:tcPr/>
+                </a:tc>
+              </a:tr>
+              <a:tr h="370840">
+                <a:tc>
+                  <a:txBody>
+                    <a:bodyPr/>
+                    <a:lstStyle/>
+                    <a:p>
+                      <a:r>
+                        <a:rPr lang="en-US" dirty="0" smtClean="0"/>
+                        <a:t>2</a:t>
+                      </a:r>
+                      <a:endParaRPr lang="ru-RU" dirty="0"/>
+                    </a:p>
+                  </a:txBody>
+                  <a:tcPr/>
+                </a:tc>
+                <a:tc>
+                  <a:txBody>
+                    <a:bodyPr/>
+                    <a:lstStyle/>
+                    <a:p>
+                      <a:r>
+                        <a:rPr lang="ru-RU" dirty="0" smtClean="0"/>
+                        <a:t>Стойкая к коллизиям первого рода</a:t>
+                      </a:r>
+                      <a:endParaRPr lang="ru-RU" dirty="0"/>
+                    </a:p>
+                  </a:txBody>
+                  <a:tcPr/>
+                </a:tc>
+                <a:tc>
+                  <a:txBody>
+                    <a:bodyPr/>
+                    <a:lstStyle/>
+                    <a:p>
+                      <a:r>
+                        <a:rPr lang="en-US" dirty="0" smtClean="0"/>
+                        <a:t>2nd-preimage resistant</a:t>
+                      </a:r>
+                      <a:r>
+                        <a:rPr lang="ru-RU" dirty="0" smtClean="0"/>
+                        <a:t> (</a:t>
+                      </a:r>
+                      <a:r>
+                        <a:rPr lang="en-US" dirty="0" smtClean="0"/>
+                        <a:t>aka</a:t>
+                      </a:r>
+                      <a:r>
+                        <a:rPr lang="en-US" baseline="0" dirty="0" smtClean="0"/>
+                        <a:t> </a:t>
+                      </a:r>
+                      <a:r>
+                        <a:rPr lang="ru-RU" baseline="0" dirty="0" smtClean="0"/>
+                        <a:t>стойкость к нахождению второго прообраза, когда один уже дан)</a:t>
+                      </a:r>
+                      <a:endParaRPr lang="ru-RU" dirty="0"/>
+                    </a:p>
+                  </a:txBody>
+                  <a:tcPr/>
+                </a:tc>
+                <a:tc>
+                  <a:txBody>
+                    <a:bodyPr/>
+                    <a:lstStyle/>
+                    <a:p>
+                      <a:pPr marL="285750" indent="-285750">
+                        <a:buFont typeface="Symbol" panose="05050102010706020507" pitchFamily="18" charset="2"/>
+                        <a:buChar char="Þ"/>
+                      </a:pPr>
+                      <a:r>
+                        <a:rPr lang="en-US" dirty="0" smtClean="0"/>
+                        <a:t>12</a:t>
+                      </a:r>
+                      <a:endParaRPr lang="ru-RU" dirty="0"/>
+                    </a:p>
+                  </a:txBody>
+                  <a:tcPr/>
+                </a:tc>
+              </a:tr>
+              <a:tr h="370840">
+                <a:tc>
+                  <a:txBody>
+                    <a:bodyPr/>
+                    <a:lstStyle/>
+                    <a:p>
+                      <a:r>
+                        <a:rPr lang="en-US" dirty="0" smtClean="0"/>
+                        <a:t>3</a:t>
+                      </a:r>
+                      <a:endParaRPr lang="ru-RU" dirty="0"/>
+                    </a:p>
+                  </a:txBody>
+                  <a:tcPr/>
+                </a:tc>
+                <a:tc>
+                  <a:txBody>
+                    <a:bodyPr/>
+                    <a:lstStyle/>
+                    <a:p>
+                      <a:r>
+                        <a:rPr lang="ru-RU" dirty="0" smtClean="0"/>
+                        <a:t>Стойкие к коллизиям второго рода</a:t>
+                      </a:r>
+                      <a:endParaRPr lang="ru-RU" dirty="0"/>
+                    </a:p>
+                  </a:txBody>
+                  <a:tcPr/>
+                </a:tc>
+                <a:tc>
+                  <a:txBody>
+                    <a:bodyPr/>
+                    <a:lstStyle/>
+                    <a:p>
+                      <a:r>
+                        <a:rPr lang="en-US" dirty="0" smtClean="0"/>
+                        <a:t>Collision Resistant (aka </a:t>
+                      </a:r>
+                      <a:r>
+                        <a:rPr lang="ru-RU" dirty="0" smtClean="0"/>
+                        <a:t>стойкость к коллизиям)</a:t>
+                      </a:r>
+                      <a:endParaRPr lang="ru-RU" dirty="0"/>
+                    </a:p>
+                  </a:txBody>
+                  <a:tcPr/>
+                </a:tc>
+                <a:tc>
+                  <a:txBody>
+                    <a:bodyPr/>
+                    <a:lstStyle/>
+                    <a:p>
+                      <a:pPr marL="285750" indent="-285750">
+                        <a:buFont typeface="Symbol" panose="05050102010706020507" pitchFamily="18" charset="2"/>
+                        <a:buChar char="Þ"/>
+                      </a:pPr>
+                      <a:r>
+                        <a:rPr lang="en-US" dirty="0" smtClean="0"/>
+                        <a:t>123</a:t>
+                      </a:r>
+                      <a:endParaRPr lang="ru-RU" dirty="0"/>
+                    </a:p>
+                  </a:txBody>
+                  <a:tcPr/>
+                </a:tc>
+              </a:tr>
+              <a:tr h="370840">
+                <a:tc>
+                  <a:txBody>
+                    <a:bodyPr/>
+                    <a:lstStyle/>
+                    <a:p>
+                      <a:r>
+                        <a:rPr lang="en-US" b="0" dirty="0" smtClean="0"/>
+                        <a:t>4</a:t>
+                      </a:r>
+                      <a:endParaRPr lang="ru-RU" b="0" dirty="0"/>
+                    </a:p>
+                  </a:txBody>
+                  <a:tcPr/>
+                </a:tc>
+                <a:tc>
+                  <a:txBody>
+                    <a:bodyPr/>
+                    <a:lstStyle/>
+                    <a:p>
+                      <a:r>
+                        <a:rPr lang="ru-RU" b="0" dirty="0" smtClean="0"/>
+                        <a:t>Случайный оракул (в старой терминологии не используется)</a:t>
+                      </a:r>
+                      <a:endParaRPr lang="ru-RU" b="0" dirty="0"/>
+                    </a:p>
+                  </a:txBody>
+                  <a:tcPr/>
+                </a:tc>
+                <a:tc>
+                  <a:txBody>
+                    <a:bodyPr/>
+                    <a:lstStyle/>
+                    <a:p>
+                      <a:r>
+                        <a:rPr lang="en-US" dirty="0" smtClean="0"/>
+                        <a:t>Random oracle</a:t>
+                      </a:r>
+                      <a:endParaRPr lang="ru-RU" dirty="0"/>
+                    </a:p>
+                  </a:txBody>
+                  <a:tcPr/>
+                </a:tc>
+                <a:tc>
+                  <a:txBody>
+                    <a:bodyPr/>
+                    <a:lstStyle/>
+                    <a:p>
+                      <a:pPr marL="285750" indent="-285750">
+                        <a:buFont typeface="Symbol" panose="05050102010706020507" pitchFamily="18" charset="2"/>
+                        <a:buChar char="Þ"/>
+                      </a:pPr>
+                      <a:r>
+                        <a:rPr lang="en-US" dirty="0" smtClean="0"/>
+                        <a:t>1234</a:t>
+                      </a:r>
+                      <a:endParaRPr lang="ru-RU" dirty="0"/>
+                    </a:p>
+                  </a:txBody>
+                  <a:tcPr/>
+                </a:tc>
+              </a:tr>
+            </a:tbl>
+          </a:graphicData>
+        </a:graphic>
+      </p:graphicFrame>
+      <p:sp>
+        <p:nvSpPr>
+          <p:cNvPr id="4" name="Номер слайда 3"/>
+          <p:cNvSpPr>
+            <a:spLocks noGrp="1"/>
+          </p:cNvSpPr>
+          <p:nvPr>
+            <p:ph type="sldNum" sz="quarter" idx="12"/>
+          </p:nvPr>
+        </p:nvSpPr>
+        <p:spPr/>
+        <p:txBody>
+          <a:bodyPr/>
+          <a:lstStyle/>
+          <a:p>
+            <a:fld id="{8253DDDB-F8F7-4D64-A7FD-3F3D61C1949F}" type="slidenum">
+              <a:rPr lang="ru-RU" smtClean="0"/>
+              <a:t>28</a:t>
+            </a:fld>
+            <a:endParaRPr lang="ru-RU"/>
+          </a:p>
+        </p:txBody>
+      </p:sp>
+    </p:spTree>
+    <p:extLst>
+      <p:ext uri="{BB962C8B-B14F-4D97-AF65-F5344CB8AC3E}">
+        <p14:creationId xmlns:p14="http://schemas.microsoft.com/office/powerpoint/2010/main" val="4196310877"/>
+      </p:ext>
+    </p:extLst>
+  </p:cSld>
+  <p:clrMapOvr>
+    <a:masterClrMapping/>
+  </p:clrMapOvr>
+</p:sld>
+</file>
+
+<file path=ppt/slides/slide29.xml><?xml version="1.0" encoding="utf-8"?>
+<p:sld xmlns:a="http://schemas.openxmlformats.org/drawingml/2006/main" xmlns:r="http://schemas.openxmlformats.org/officeDocument/2006/relationships" xmlns:p="http://schemas.openxmlformats.org/presentationml/2006/main">
+  <p:cSld>
+    <p:spTree>
+      <p:nvGrpSpPr>
+        <p:cNvPr id="1" name=""/>
+        <p:cNvGrpSpPr/>
+        <p:nvPr/>
+      </p:nvGrpSpPr>
+      <p:grpSpPr>
+        <a:xfrm>
+          <a:off x="0" y="0"/>
+          <a:ext cx="0" cy="0"/>
+          <a:chOff x="0" y="0"/>
+          <a:chExt cx="0" cy="0"/>
+        </a:xfrm>
+      </p:grpSpPr>
+      <p:sp>
+        <p:nvSpPr>
+          <p:cNvPr id="2" name="Заголовок 1"/>
+          <p:cNvSpPr>
+            <a:spLocks noGrp="1"/>
+          </p:cNvSpPr>
+          <p:nvPr>
+            <p:ph type="title"/>
+          </p:nvPr>
+        </p:nvSpPr>
+        <p:spPr/>
+        <p:txBody>
+          <a:bodyPr/>
+          <a:lstStyle/>
+          <a:p>
+            <a:r>
               <a:rPr lang="ru-RU" dirty="0"/>
               <a:t>Модели хэш-функций</a:t>
             </a:r>
@@ -9158,7 +9645,7 @@
           <a:p>
             <a:fld id="{8253DDDB-F8F7-4D64-A7FD-3F3D61C1949F}" type="slidenum">
               <a:rPr lang="ru-RU" smtClean="0"/>
-              <a:t>28</a:t>
+              <a:t>29</a:t>
             </a:fld>
             <a:endParaRPr lang="ru-RU"/>
           </a:p>
@@ -9177,7 +9664,294 @@
 </p:sld>
 </file>
 
-<file path=ppt/slides/slide29.xml><?xml version="1.0" encoding="utf-8"?>
+<file path=ppt/slides/slide3.xml><?xml version="1.0" encoding="utf-8"?>
+<p:sld xmlns:a="http://schemas.openxmlformats.org/drawingml/2006/main" xmlns:r="http://schemas.openxmlformats.org/officeDocument/2006/relationships" xmlns:p="http://schemas.openxmlformats.org/presentationml/2006/main">
+  <p:cSld>
+    <p:spTree>
+      <p:nvGrpSpPr>
+        <p:cNvPr id="1" name=""/>
+        <p:cNvGrpSpPr/>
+        <p:nvPr/>
+      </p:nvGrpSpPr>
+      <p:grpSpPr>
+        <a:xfrm>
+          <a:off x="0" y="0"/>
+          <a:ext cx="0" cy="0"/>
+          <a:chOff x="0" y="0"/>
+          <a:chExt cx="0" cy="0"/>
+        </a:xfrm>
+      </p:grpSpPr>
+      <p:sp>
+        <p:nvSpPr>
+          <p:cNvPr id="2" name="Заголовок 1"/>
+          <p:cNvSpPr>
+            <a:spLocks noGrp="1"/>
+          </p:cNvSpPr>
+          <p:nvPr>
+            <p:ph type="title"/>
+          </p:nvPr>
+        </p:nvSpPr>
+        <p:spPr/>
+        <p:txBody>
+          <a:bodyPr/>
+          <a:lstStyle/>
+          <a:p>
+            <a:r>
+              <a:rPr lang="ru-RU" dirty="0" smtClean="0"/>
+              <a:t>Применение хэш</a:t>
+            </a:r>
+            <a:r>
+              <a:rPr lang="ru-RU" dirty="0"/>
+              <a:t>-</a:t>
+            </a:r>
+            <a:r>
+              <a:rPr lang="ru-RU" dirty="0" smtClean="0"/>
+              <a:t>функций</a:t>
+            </a:r>
+            <a:endParaRPr lang="ru-RU" dirty="0"/>
+          </a:p>
+        </p:txBody>
+      </p:sp>
+      <mc:AlternateContent xmlns:mc="http://schemas.openxmlformats.org/markup-compatibility/2006" xmlns:a14="http://schemas.microsoft.com/office/drawing/2010/main">
+        <mc:Choice Requires="a14">
+          <p:sp>
+            <p:nvSpPr>
+              <p:cNvPr id="3" name="Объект 2"/>
+              <p:cNvSpPr>
+                <a:spLocks noGrp="1"/>
+              </p:cNvSpPr>
+              <p:nvPr>
+                <p:ph idx="1"/>
+              </p:nvPr>
+            </p:nvSpPr>
+            <p:spPr>
+              <a:xfrm>
+                <a:off x="838201" y="1825625"/>
+                <a:ext cx="7054951" cy="4895850"/>
+              </a:xfrm>
+            </p:spPr>
+            <p:txBody>
+              <a:bodyPr>
+                <a:normAutofit fontScale="92500"/>
+              </a:bodyPr>
+              <a:lstStyle/>
+              <a:p>
+                <a:r>
+                  <a:rPr lang="ru-RU" sz="2400" dirty="0" smtClean="0"/>
+                  <a:t>Расширение множества значений криптографических примитивов, обеспечивающих аутентичность и целостность (</a:t>
+                </a:r>
+                <a:r>
+                  <a:rPr lang="en-US" sz="2400" dirty="0" smtClean="0"/>
+                  <a:t>hash-then-mac, hash-then-sign). </a:t>
+                </a:r>
+                <a:r>
+                  <a:rPr lang="ru-RU" sz="2400" dirty="0" smtClean="0"/>
+                  <a:t>Возможно вычислить </a:t>
+                </a:r>
+                <a:r>
+                  <a:rPr lang="en-US" sz="2400" b="1" dirty="0" smtClean="0"/>
+                  <a:t>MAC</a:t>
+                </a:r>
+                <a:r>
+                  <a:rPr lang="en-US" sz="2400" dirty="0" smtClean="0"/>
+                  <a:t> </a:t>
+                </a:r>
+                <a:r>
+                  <a:rPr lang="ru-RU" sz="2400" dirty="0" smtClean="0"/>
+                  <a:t>или </a:t>
+                </a:r>
+                <a:r>
+                  <a:rPr lang="ru-RU" sz="2400" b="1" dirty="0" smtClean="0"/>
+                  <a:t>цифровую подпись</a:t>
+                </a:r>
+                <a:r>
+                  <a:rPr lang="ru-RU" sz="2400" dirty="0" smtClean="0"/>
+                  <a:t> для сообщения (</a:t>
+                </a:r>
+                <a:r>
+                  <a:rPr lang="ru-RU" sz="2400" b="1" dirty="0" smtClean="0"/>
+                  <a:t>произвольной длины</a:t>
+                </a:r>
+                <a:r>
+                  <a:rPr lang="ru-RU" sz="2400" dirty="0" smtClean="0"/>
+                  <a:t>), подписывая </a:t>
+                </a:r>
+                <a:r>
+                  <a:rPr lang="ru-RU" sz="2400" dirty="0" err="1" smtClean="0"/>
+                  <a:t>хэш</a:t>
+                </a:r>
+                <a:r>
+                  <a:rPr lang="ru-RU" sz="2400" dirty="0" smtClean="0"/>
+                  <a:t> от него, и используя только один вызов процедуры подписи на одном блоке.</a:t>
+                </a:r>
+              </a:p>
+              <a:p>
+                <a:r>
+                  <a:rPr lang="ru-RU" sz="2400" dirty="0" smtClean="0"/>
+                  <a:t>Обеспечение целостности файлов в файловой системе. Пусть существует </a:t>
+                </a:r>
+                <a14:m>
+                  <m:oMath xmlns:m="http://schemas.openxmlformats.org/officeDocument/2006/math">
+                    <m:r>
+                      <a:rPr lang="en-US" sz="2400" b="0" i="1" smtClean="0">
+                        <a:latin typeface="Cambria Math" panose="02040503050406030204" pitchFamily="18" charset="0"/>
+                      </a:rPr>
+                      <m:t>𝑛</m:t>
+                    </m:r>
+                  </m:oMath>
+                </a14:m>
+                <a:r>
+                  <a:rPr lang="en-US" sz="2400" dirty="0" smtClean="0"/>
+                  <a:t> </a:t>
+                </a:r>
+                <a:r>
+                  <a:rPr lang="ru-RU" sz="2400" dirty="0" smtClean="0"/>
+                  <a:t>часто изменяющихся файлов. Хотим проверить их целостность (что они не были модифицированы злоумышленником или вирусом). Используем </a:t>
+                </a:r>
+                <a:r>
+                  <a:rPr lang="en-US" sz="2400" dirty="0" smtClean="0"/>
+                  <a:t>read-only </a:t>
+                </a:r>
+                <a:r>
+                  <a:rPr lang="ru-RU" sz="2400" dirty="0" smtClean="0"/>
+                  <a:t>память для хранения </a:t>
+                </a:r>
+                <a:r>
+                  <a:rPr lang="ru-RU" sz="2400" dirty="0" err="1" smtClean="0"/>
+                  <a:t>хэш</a:t>
+                </a:r>
+                <a:r>
+                  <a:rPr lang="ru-RU" sz="2400" dirty="0" smtClean="0"/>
+                  <a:t>-значения от этих файлов. Для проверки достаточно повторно пересчитать это значение и сверить с хранимым.</a:t>
+                </a:r>
+                <a:endParaRPr lang="ru-RU" sz="2400" dirty="0"/>
+              </a:p>
+            </p:txBody>
+          </p:sp>
+        </mc:Choice>
+        <mc:Fallback xmlns="">
+          <p:sp>
+            <p:nvSpPr>
+              <p:cNvPr id="3" name="Объект 2"/>
+              <p:cNvSpPr>
+                <a:spLocks noGrp="1" noRot="1" noChangeAspect="1" noMove="1" noResize="1" noEditPoints="1" noAdjustHandles="1" noChangeArrowheads="1" noChangeShapeType="1" noTextEdit="1"/>
+              </p:cNvSpPr>
+              <p:nvPr>
+                <p:ph idx="1"/>
+              </p:nvPr>
+            </p:nvSpPr>
+            <p:spPr>
+              <a:xfrm>
+                <a:off x="838201" y="1825625"/>
+                <a:ext cx="7054951" cy="4895850"/>
+              </a:xfrm>
+              <a:blipFill rotWithShape="0">
+                <a:blip r:embed="rId2"/>
+                <a:stretch>
+                  <a:fillRect l="-1037" t="-1493" r="-1469"/>
+                </a:stretch>
+              </a:blipFill>
+            </p:spPr>
+            <p:txBody>
+              <a:bodyPr/>
+              <a:lstStyle/>
+              <a:p>
+                <a:r>
+                  <a:rPr lang="ru-RU">
+                    <a:noFill/>
+                  </a:rPr>
+                  <a:t> </a:t>
+                </a:r>
+              </a:p>
+            </p:txBody>
+          </p:sp>
+        </mc:Fallback>
+      </mc:AlternateContent>
+      <p:sp>
+        <p:nvSpPr>
+          <p:cNvPr id="4" name="Номер слайда 3"/>
+          <p:cNvSpPr>
+            <a:spLocks noGrp="1"/>
+          </p:cNvSpPr>
+          <p:nvPr>
+            <p:ph type="sldNum" sz="quarter" idx="12"/>
+          </p:nvPr>
+        </p:nvSpPr>
+        <p:spPr/>
+        <p:txBody>
+          <a:bodyPr/>
+          <a:lstStyle/>
+          <a:p>
+            <a:fld id="{8253DDDB-F8F7-4D64-A7FD-3F3D61C1949F}" type="slidenum">
+              <a:rPr lang="ru-RU" smtClean="0"/>
+              <a:t>3</a:t>
+            </a:fld>
+            <a:endParaRPr lang="ru-RU"/>
+          </a:p>
+        </p:txBody>
+      </p:sp>
+      <p:pic>
+        <p:nvPicPr>
+          <p:cNvPr id="5" name="Рисунок 4"/>
+          <p:cNvPicPr>
+            <a:picLocks noChangeAspect="1"/>
+          </p:cNvPicPr>
+          <p:nvPr/>
+        </p:nvPicPr>
+        <p:blipFill>
+          <a:blip r:embed="rId3"/>
+          <a:stretch>
+            <a:fillRect/>
+          </a:stretch>
+        </p:blipFill>
+        <p:spPr>
+          <a:xfrm>
+            <a:off x="8000030" y="1690688"/>
+            <a:ext cx="3964339" cy="1845830"/>
+          </a:xfrm>
+          <a:prstGeom prst="rect">
+            <a:avLst/>
+          </a:prstGeom>
+        </p:spPr>
+      </p:pic>
+      <p:pic>
+        <p:nvPicPr>
+          <p:cNvPr id="6" name="Рисунок 5"/>
+          <p:cNvPicPr>
+            <a:picLocks noChangeAspect="1"/>
+          </p:cNvPicPr>
+          <p:nvPr/>
+        </p:nvPicPr>
+        <p:blipFill>
+          <a:blip r:embed="rId4"/>
+          <a:stretch>
+            <a:fillRect/>
+          </a:stretch>
+        </p:blipFill>
+        <p:spPr>
+          <a:xfrm>
+            <a:off x="8160326" y="3916002"/>
+            <a:ext cx="3804043" cy="2060863"/>
+          </a:xfrm>
+          <a:prstGeom prst="rect">
+            <a:avLst/>
+          </a:prstGeom>
+        </p:spPr>
+      </p:pic>
+    </p:spTree>
+    <p:extLst>
+      <p:ext uri="{BB962C8B-B14F-4D97-AF65-F5344CB8AC3E}">
+        <p14:creationId xmlns:p14="http://schemas.microsoft.com/office/powerpoint/2010/main" val="2239048435"/>
+      </p:ext>
+    </p:extLst>
+  </p:cSld>
+  <p:clrMapOvr>
+    <a:masterClrMapping/>
+  </p:clrMapOvr>
+</p:sld>
+</file>
+
+<file path=ppt/slides/slide30.xml><?xml version="1.0" encoding="utf-8"?>
 <p:sld xmlns:a="http://schemas.openxmlformats.org/drawingml/2006/main" xmlns:r="http://schemas.openxmlformats.org/officeDocument/2006/relationships" xmlns:p="http://schemas.openxmlformats.org/presentationml/2006/main">
   <p:cSld>
     <p:spTree>
@@ -9255,8 +10029,8 @@
           </a:p>
         </p:txBody>
       </p:sp>
-      <mc:AlternateContent xmlns:mc="http://schemas.openxmlformats.org/markup-compatibility/2006" xmlns:a14="http://schemas.microsoft.com/office/drawing/2010/main">
-        <mc:Choice Requires="a14">
+      <mc:AlternateContent xmlns:mc="http://schemas.openxmlformats.org/markup-compatibility/2006">
+        <mc:Choice xmlns:a14="http://schemas.microsoft.com/office/drawing/2010/main" Requires="a14">
           <p:sp>
             <p:nvSpPr>
               <p:cNvPr id="3" name="Объект 2"/>
@@ -10115,19 +10889,27 @@
                   <a:t>на основе </a:t>
                 </a:r>
                 <a:r>
-                  <a:rPr lang="ru-RU" dirty="0" err="1" smtClean="0"/>
+                  <a:rPr lang="ru-RU" dirty="0" smtClean="0"/>
                   <a:t>хэш</a:t>
                 </a:r>
                 <a:r>
+                  <a:rPr lang="ru-RU" dirty="0"/>
+                  <a:t>-</a:t>
+                </a:r>
+                <a:r>
                   <a:rPr lang="ru-RU" dirty="0" smtClean="0"/>
-                  <a:t> функции, используя похожую конструкцию.</a:t>
+                  <a:t>функции</a:t>
+                </a:r>
+                <a:r>
+                  <a:rPr lang="ru-RU" dirty="0" smtClean="0"/>
+                  <a:t>, используя похожую конструкцию.</a:t>
                 </a:r>
                 <a:endParaRPr lang="en-US" dirty="0"/>
               </a:p>
             </p:txBody>
           </p:sp>
         </mc:Choice>
-        <mc:Fallback xmlns="">
+        <mc:Fallback>
           <p:sp>
             <p:nvSpPr>
               <p:cNvPr id="3" name="Объект 2"/>
@@ -10146,7 +10928,7 @@
               <a:blipFill rotWithShape="0">
                 <a:blip r:embed="rId2"/>
                 <a:stretch>
-                  <a:fillRect l="-1043" t="-1821" r="-1449"/>
+                  <a:fillRect l="-1043" t="-1821"/>
                 </a:stretch>
               </a:blipFill>
             </p:spPr>
@@ -10182,7 +10964,7 @@
           <a:p>
             <a:fld id="{8253DDDB-F8F7-4D64-A7FD-3F3D61C1949F}" type="slidenum">
               <a:rPr lang="ru-RU" smtClean="0"/>
-              <a:t>29</a:t>
+              <a:t>30</a:t>
             </a:fld>
             <a:endParaRPr lang="ru-RU"/>
           </a:p>
@@ -10216,483 +10998,6 @@
     <p:extLst>
       <p:ext uri="{BB962C8B-B14F-4D97-AF65-F5344CB8AC3E}">
         <p14:creationId xmlns:p14="http://schemas.microsoft.com/office/powerpoint/2010/main" val="2569641916"/>
-      </p:ext>
-    </p:extLst>
-  </p:cSld>
-  <p:clrMapOvr>
-    <a:masterClrMapping/>
-  </p:clrMapOvr>
-</p:sld>
-</file>
-
-<file path=ppt/slides/slide3.xml><?xml version="1.0" encoding="utf-8"?>
-<p:sld xmlns:a="http://schemas.openxmlformats.org/drawingml/2006/main" xmlns:r="http://schemas.openxmlformats.org/officeDocument/2006/relationships" xmlns:p="http://schemas.openxmlformats.org/presentationml/2006/main">
-  <p:cSld>
-    <p:spTree>
-      <p:nvGrpSpPr>
-        <p:cNvPr id="1" name=""/>
-        <p:cNvGrpSpPr/>
-        <p:nvPr/>
-      </p:nvGrpSpPr>
-      <p:grpSpPr>
-        <a:xfrm>
-          <a:off x="0" y="0"/>
-          <a:ext cx="0" cy="0"/>
-          <a:chOff x="0" y="0"/>
-          <a:chExt cx="0" cy="0"/>
-        </a:xfrm>
-      </p:grpSpPr>
-      <p:sp>
-        <p:nvSpPr>
-          <p:cNvPr id="2" name="Заголовок 1"/>
-          <p:cNvSpPr>
-            <a:spLocks noGrp="1"/>
-          </p:cNvSpPr>
-          <p:nvPr>
-            <p:ph type="title"/>
-          </p:nvPr>
-        </p:nvSpPr>
-        <p:spPr/>
-        <p:txBody>
-          <a:bodyPr/>
-          <a:lstStyle/>
-          <a:p>
-            <a:r>
-              <a:rPr lang="ru-RU" dirty="0" smtClean="0"/>
-              <a:t>Применение хэш</a:t>
-            </a:r>
-            <a:r>
-              <a:rPr lang="ru-RU" dirty="0"/>
-              <a:t>-</a:t>
-            </a:r>
-            <a:r>
-              <a:rPr lang="ru-RU" dirty="0" smtClean="0"/>
-              <a:t>функций</a:t>
-            </a:r>
-            <a:endParaRPr lang="ru-RU" dirty="0"/>
-          </a:p>
-        </p:txBody>
-      </p:sp>
-      <mc:AlternateContent xmlns:mc="http://schemas.openxmlformats.org/markup-compatibility/2006" xmlns:a14="http://schemas.microsoft.com/office/drawing/2010/main">
-        <mc:Choice Requires="a14">
-          <p:sp>
-            <p:nvSpPr>
-              <p:cNvPr id="3" name="Объект 2"/>
-              <p:cNvSpPr>
-                <a:spLocks noGrp="1"/>
-              </p:cNvSpPr>
-              <p:nvPr>
-                <p:ph idx="1"/>
-              </p:nvPr>
-            </p:nvSpPr>
-            <p:spPr>
-              <a:xfrm>
-                <a:off x="838201" y="1825625"/>
-                <a:ext cx="7054951" cy="4895850"/>
-              </a:xfrm>
-            </p:spPr>
-            <p:txBody>
-              <a:bodyPr>
-                <a:normAutofit fontScale="92500"/>
-              </a:bodyPr>
-              <a:lstStyle/>
-              <a:p>
-                <a:r>
-                  <a:rPr lang="ru-RU" sz="2400" dirty="0" smtClean="0"/>
-                  <a:t>Расширение множества значений криптографических примитивов, обеспечивающих аутентичность и целостность (</a:t>
-                </a:r>
-                <a:r>
-                  <a:rPr lang="en-US" sz="2400" dirty="0" smtClean="0"/>
-                  <a:t>hash-then-mac, hash-then-sign). </a:t>
-                </a:r>
-                <a:r>
-                  <a:rPr lang="ru-RU" sz="2400" dirty="0" smtClean="0"/>
-                  <a:t>Возможно вычислить </a:t>
-                </a:r>
-                <a:r>
-                  <a:rPr lang="en-US" sz="2400" b="1" dirty="0" smtClean="0"/>
-                  <a:t>MAC</a:t>
-                </a:r>
-                <a:r>
-                  <a:rPr lang="en-US" sz="2400" dirty="0" smtClean="0"/>
-                  <a:t> </a:t>
-                </a:r>
-                <a:r>
-                  <a:rPr lang="ru-RU" sz="2400" dirty="0" smtClean="0"/>
-                  <a:t>или </a:t>
-                </a:r>
-                <a:r>
-                  <a:rPr lang="ru-RU" sz="2400" b="1" dirty="0" smtClean="0"/>
-                  <a:t>цифровую подпись</a:t>
-                </a:r>
-                <a:r>
-                  <a:rPr lang="ru-RU" sz="2400" dirty="0" smtClean="0"/>
-                  <a:t> для сообщения (</a:t>
-                </a:r>
-                <a:r>
-                  <a:rPr lang="ru-RU" sz="2400" b="1" dirty="0" smtClean="0"/>
-                  <a:t>произвольной длины</a:t>
-                </a:r>
-                <a:r>
-                  <a:rPr lang="ru-RU" sz="2400" dirty="0" smtClean="0"/>
-                  <a:t>), подписывая </a:t>
-                </a:r>
-                <a:r>
-                  <a:rPr lang="ru-RU" sz="2400" dirty="0" err="1" smtClean="0"/>
-                  <a:t>хэш</a:t>
-                </a:r>
-                <a:r>
-                  <a:rPr lang="ru-RU" sz="2400" dirty="0" smtClean="0"/>
-                  <a:t> от него, и используя только один вызов процедуры подписи на одном блоке.</a:t>
-                </a:r>
-              </a:p>
-              <a:p>
-                <a:r>
-                  <a:rPr lang="ru-RU" sz="2400" dirty="0" smtClean="0"/>
-                  <a:t>Обеспечение целостности файлов в файловой системе. Пусть существует </a:t>
-                </a:r>
-                <a14:m>
-                  <m:oMath xmlns:m="http://schemas.openxmlformats.org/officeDocument/2006/math">
-                    <m:r>
-                      <a:rPr lang="en-US" sz="2400" b="0" i="1" smtClean="0">
-                        <a:latin typeface="Cambria Math" panose="02040503050406030204" pitchFamily="18" charset="0"/>
-                      </a:rPr>
-                      <m:t>𝑛</m:t>
-                    </m:r>
-                  </m:oMath>
-                </a14:m>
-                <a:r>
-                  <a:rPr lang="en-US" sz="2400" dirty="0" smtClean="0"/>
-                  <a:t> </a:t>
-                </a:r>
-                <a:r>
-                  <a:rPr lang="ru-RU" sz="2400" dirty="0" smtClean="0"/>
-                  <a:t>часто изменяющихся файлов. Хотим проверить их целостность (что они не были модифицированы злоумышленником или вирусом). Используем </a:t>
-                </a:r>
-                <a:r>
-                  <a:rPr lang="en-US" sz="2400" dirty="0" smtClean="0"/>
-                  <a:t>read-only </a:t>
-                </a:r>
-                <a:r>
-                  <a:rPr lang="ru-RU" sz="2400" dirty="0" smtClean="0"/>
-                  <a:t>память для хранения </a:t>
-                </a:r>
-                <a:r>
-                  <a:rPr lang="ru-RU" sz="2400" dirty="0" err="1" smtClean="0"/>
-                  <a:t>хэш</a:t>
-                </a:r>
-                <a:r>
-                  <a:rPr lang="ru-RU" sz="2400" dirty="0" smtClean="0"/>
-                  <a:t>-значения от этих файлов. Для проверки достаточно повторно пересчитать это значение и сверить с хранимым.</a:t>
-                </a:r>
-                <a:endParaRPr lang="ru-RU" sz="2400" dirty="0"/>
-              </a:p>
-            </p:txBody>
-          </p:sp>
-        </mc:Choice>
-        <mc:Fallback xmlns="">
-          <p:sp>
-            <p:nvSpPr>
-              <p:cNvPr id="3" name="Объект 2"/>
-              <p:cNvSpPr>
-                <a:spLocks noGrp="1" noRot="1" noChangeAspect="1" noMove="1" noResize="1" noEditPoints="1" noAdjustHandles="1" noChangeArrowheads="1" noChangeShapeType="1" noTextEdit="1"/>
-              </p:cNvSpPr>
-              <p:nvPr>
-                <p:ph idx="1"/>
-              </p:nvPr>
-            </p:nvSpPr>
-            <p:spPr>
-              <a:xfrm>
-                <a:off x="838201" y="1825625"/>
-                <a:ext cx="7054951" cy="4895850"/>
-              </a:xfrm>
-              <a:blipFill rotWithShape="0">
-                <a:blip r:embed="rId2"/>
-                <a:stretch>
-                  <a:fillRect l="-1037" t="-1493" r="-1469"/>
-                </a:stretch>
-              </a:blipFill>
-            </p:spPr>
-            <p:txBody>
-              <a:bodyPr/>
-              <a:lstStyle/>
-              <a:p>
-                <a:r>
-                  <a:rPr lang="ru-RU">
-                    <a:noFill/>
-                  </a:rPr>
-                  <a:t> </a:t>
-                </a:r>
-              </a:p>
-            </p:txBody>
-          </p:sp>
-        </mc:Fallback>
-      </mc:AlternateContent>
-      <p:sp>
-        <p:nvSpPr>
-          <p:cNvPr id="4" name="Номер слайда 3"/>
-          <p:cNvSpPr>
-            <a:spLocks noGrp="1"/>
-          </p:cNvSpPr>
-          <p:nvPr>
-            <p:ph type="sldNum" sz="quarter" idx="12"/>
-          </p:nvPr>
-        </p:nvSpPr>
-        <p:spPr/>
-        <p:txBody>
-          <a:bodyPr/>
-          <a:lstStyle/>
-          <a:p>
-            <a:fld id="{8253DDDB-F8F7-4D64-A7FD-3F3D61C1949F}" type="slidenum">
-              <a:rPr lang="ru-RU" smtClean="0"/>
-              <a:t>3</a:t>
-            </a:fld>
-            <a:endParaRPr lang="ru-RU"/>
-          </a:p>
-        </p:txBody>
-      </p:sp>
-      <p:pic>
-        <p:nvPicPr>
-          <p:cNvPr id="5" name="Рисунок 4"/>
-          <p:cNvPicPr>
-            <a:picLocks noChangeAspect="1"/>
-          </p:cNvPicPr>
-          <p:nvPr/>
-        </p:nvPicPr>
-        <p:blipFill>
-          <a:blip r:embed="rId3"/>
-          <a:stretch>
-            <a:fillRect/>
-          </a:stretch>
-        </p:blipFill>
-        <p:spPr>
-          <a:xfrm>
-            <a:off x="8000030" y="1690688"/>
-            <a:ext cx="3964339" cy="1845830"/>
-          </a:xfrm>
-          <a:prstGeom prst="rect">
-            <a:avLst/>
-          </a:prstGeom>
-        </p:spPr>
-      </p:pic>
-      <p:pic>
-        <p:nvPicPr>
-          <p:cNvPr id="6" name="Рисунок 5"/>
-          <p:cNvPicPr>
-            <a:picLocks noChangeAspect="1"/>
-          </p:cNvPicPr>
-          <p:nvPr/>
-        </p:nvPicPr>
-        <p:blipFill>
-          <a:blip r:embed="rId4"/>
-          <a:stretch>
-            <a:fillRect/>
-          </a:stretch>
-        </p:blipFill>
-        <p:spPr>
-          <a:xfrm>
-            <a:off x="8160326" y="3916002"/>
-            <a:ext cx="3804043" cy="2060863"/>
-          </a:xfrm>
-          <a:prstGeom prst="rect">
-            <a:avLst/>
-          </a:prstGeom>
-        </p:spPr>
-      </p:pic>
-    </p:spTree>
-    <p:extLst>
-      <p:ext uri="{BB962C8B-B14F-4D97-AF65-F5344CB8AC3E}">
-        <p14:creationId xmlns:p14="http://schemas.microsoft.com/office/powerpoint/2010/main" val="2239048435"/>
-      </p:ext>
-    </p:extLst>
-  </p:cSld>
-  <p:clrMapOvr>
-    <a:masterClrMapping/>
-  </p:clrMapOvr>
-</p:sld>
-</file>
-
-<file path=ppt/slides/slide30.xml><?xml version="1.0" encoding="utf-8"?>
-<p:sld xmlns:a="http://schemas.openxmlformats.org/drawingml/2006/main" xmlns:r="http://schemas.openxmlformats.org/officeDocument/2006/relationships" xmlns:p="http://schemas.openxmlformats.org/presentationml/2006/main">
-  <p:cSld>
-    <p:spTree>
-      <p:nvGrpSpPr>
-        <p:cNvPr id="1" name=""/>
-        <p:cNvGrpSpPr/>
-        <p:nvPr/>
-      </p:nvGrpSpPr>
-      <p:grpSpPr>
-        <a:xfrm>
-          <a:off x="0" y="0"/>
-          <a:ext cx="0" cy="0"/>
-          <a:chOff x="0" y="0"/>
-          <a:chExt cx="0" cy="0"/>
-        </a:xfrm>
-      </p:grpSpPr>
-      <p:sp>
-        <p:nvSpPr>
-          <p:cNvPr id="2" name="Заголовок 1"/>
-          <p:cNvSpPr>
-            <a:spLocks noGrp="1"/>
-          </p:cNvSpPr>
-          <p:nvPr>
-            <p:ph type="title"/>
-          </p:nvPr>
-        </p:nvSpPr>
-        <p:spPr/>
-        <p:txBody>
-          <a:bodyPr/>
-          <a:lstStyle/>
-          <a:p>
-            <a:r>
-              <a:rPr lang="en-US" dirty="0"/>
-              <a:t>NMAC</a:t>
-            </a:r>
-            <a:endParaRPr lang="ru-RU" dirty="0"/>
-          </a:p>
-        </p:txBody>
-      </p:sp>
-      <mc:AlternateContent xmlns:mc="http://schemas.openxmlformats.org/markup-compatibility/2006" xmlns:a14="http://schemas.microsoft.com/office/drawing/2010/main">
-        <mc:Choice Requires="a14">
-          <p:sp>
-            <p:nvSpPr>
-              <p:cNvPr id="3" name="Объект 2"/>
-              <p:cNvSpPr>
-                <a:spLocks noGrp="1"/>
-              </p:cNvSpPr>
-              <p:nvPr>
-                <p:ph idx="1"/>
-              </p:nvPr>
-            </p:nvSpPr>
-            <p:spPr/>
-            <p:txBody>
-              <a:bodyPr/>
-              <a:lstStyle/>
-              <a:p>
-                <a:r>
-                  <a:rPr lang="ru-RU" dirty="0"/>
-                  <a:t>Заменим </a:t>
-                </a:r>
-                <a14:m>
-                  <m:oMath xmlns:m="http://schemas.openxmlformats.org/officeDocument/2006/math">
-                    <m:r>
-                      <a:rPr lang="en-US" i="1">
-                        <a:latin typeface="Cambria Math" panose="02040503050406030204" pitchFamily="18" charset="0"/>
-                      </a:rPr>
-                      <m:t>𝐹</m:t>
-                    </m:r>
-                  </m:oMath>
-                </a14:m>
-                <a:r>
-                  <a:rPr lang="en-US" dirty="0"/>
-                  <a:t> </a:t>
-                </a:r>
-                <a:r>
-                  <a:rPr lang="ru-RU" dirty="0" smtClean="0"/>
-                  <a:t>на</a:t>
-                </a:r>
-                <a:r>
-                  <a:rPr lang="en-US" dirty="0" smtClean="0"/>
-                  <a:t> </a:t>
-                </a:r>
-                <a:r>
-                  <a:rPr lang="ru-RU" dirty="0" smtClean="0"/>
-                  <a:t>итеративную хэш-функцию хэш-функцию. Получим</a:t>
-                </a:r>
-                <a:r>
-                  <a:rPr lang="en-US" dirty="0" smtClean="0"/>
-                  <a:t>:</a:t>
-                </a:r>
-                <a:endParaRPr lang="ru-RU" dirty="0"/>
-              </a:p>
-            </p:txBody>
-          </p:sp>
-        </mc:Choice>
-        <mc:Fallback xmlns="">
-          <p:sp>
-            <p:nvSpPr>
-              <p:cNvPr id="3" name="Объект 2"/>
-              <p:cNvSpPr>
-                <a:spLocks noGrp="1" noRot="1" noChangeAspect="1" noMove="1" noResize="1" noEditPoints="1" noAdjustHandles="1" noChangeArrowheads="1" noChangeShapeType="1" noTextEdit="1"/>
-              </p:cNvSpPr>
-              <p:nvPr>
-                <p:ph idx="1"/>
-              </p:nvPr>
-            </p:nvSpPr>
-            <p:spPr>
-              <a:blipFill rotWithShape="0">
-                <a:blip r:embed="rId2"/>
-                <a:stretch>
-                  <a:fillRect l="-928" t="-2101"/>
-                </a:stretch>
-              </a:blipFill>
-            </p:spPr>
-            <p:txBody>
-              <a:bodyPr/>
-              <a:lstStyle/>
-              <a:p>
-                <a:r>
-                  <a:rPr lang="ru-RU">
-                    <a:noFill/>
-                  </a:rPr>
-                  <a:t> </a:t>
-                </a:r>
-              </a:p>
-            </p:txBody>
-          </p:sp>
-        </mc:Fallback>
-      </mc:AlternateContent>
-      <p:sp>
-        <p:nvSpPr>
-          <p:cNvPr id="4" name="Номер слайда 3"/>
-          <p:cNvSpPr>
-            <a:spLocks noGrp="1"/>
-          </p:cNvSpPr>
-          <p:nvPr>
-            <p:ph type="sldNum" sz="quarter" idx="12"/>
-          </p:nvPr>
-        </p:nvSpPr>
-        <p:spPr/>
-        <p:txBody>
-          <a:bodyPr/>
-          <a:lstStyle/>
-          <a:p>
-            <a:fld id="{8253DDDB-F8F7-4D64-A7FD-3F3D61C1949F}" type="slidenum">
-              <a:rPr lang="ru-RU" smtClean="0"/>
-              <a:t>30</a:t>
-            </a:fld>
-            <a:endParaRPr lang="ru-RU"/>
-          </a:p>
-        </p:txBody>
-      </p:sp>
-      <p:pic>
-        <p:nvPicPr>
-          <p:cNvPr id="5" name="Рисунок 4"/>
-          <p:cNvPicPr>
-            <a:picLocks noChangeAspect="1"/>
-          </p:cNvPicPr>
-          <p:nvPr/>
-        </p:nvPicPr>
-        <p:blipFill>
-          <a:blip r:embed="rId3"/>
-          <a:stretch>
-            <a:fillRect/>
-          </a:stretch>
-        </p:blipFill>
-        <p:spPr>
-          <a:xfrm>
-            <a:off x="2702626" y="2515425"/>
-            <a:ext cx="5669478" cy="3661538"/>
-          </a:xfrm>
-          <a:prstGeom prst="rect">
-            <a:avLst/>
-          </a:prstGeom>
-        </p:spPr>
-      </p:pic>
-    </p:spTree>
-    <p:extLst>
-      <p:ext uri="{BB962C8B-B14F-4D97-AF65-F5344CB8AC3E}">
-        <p14:creationId xmlns:p14="http://schemas.microsoft.com/office/powerpoint/2010/main" val="2638659315"/>
       </p:ext>
     </p:extLst>
   </p:cSld>
@@ -10759,6 +11064,196 @@
               <a:bodyPr/>
               <a:lstStyle/>
               <a:p>
+                <a:r>
+                  <a:rPr lang="ru-RU" dirty="0"/>
+                  <a:t>Заменим </a:t>
+                </a:r>
+                <a14:m>
+                  <m:oMath xmlns:m="http://schemas.openxmlformats.org/officeDocument/2006/math">
+                    <m:r>
+                      <a:rPr lang="en-US" i="1">
+                        <a:latin typeface="Cambria Math" panose="02040503050406030204" pitchFamily="18" charset="0"/>
+                      </a:rPr>
+                      <m:t>𝐹</m:t>
+                    </m:r>
+                  </m:oMath>
+                </a14:m>
+                <a:r>
+                  <a:rPr lang="en-US" dirty="0"/>
+                  <a:t> </a:t>
+                </a:r>
+                <a:r>
+                  <a:rPr lang="ru-RU" dirty="0" smtClean="0"/>
+                  <a:t>на</a:t>
+                </a:r>
+                <a:r>
+                  <a:rPr lang="en-US" dirty="0" smtClean="0"/>
+                  <a:t> </a:t>
+                </a:r>
+                <a:r>
+                  <a:rPr lang="ru-RU" dirty="0" smtClean="0"/>
+                  <a:t>итеративную хэш-функцию хэш-функцию. Получим</a:t>
+                </a:r>
+                <a:r>
+                  <a:rPr lang="en-US" dirty="0" smtClean="0"/>
+                  <a:t>:</a:t>
+                </a:r>
+                <a:endParaRPr lang="ru-RU" dirty="0"/>
+              </a:p>
+            </p:txBody>
+          </p:sp>
+        </mc:Choice>
+        <mc:Fallback xmlns="">
+          <p:sp>
+            <p:nvSpPr>
+              <p:cNvPr id="3" name="Объект 2"/>
+              <p:cNvSpPr>
+                <a:spLocks noGrp="1" noRot="1" noChangeAspect="1" noMove="1" noResize="1" noEditPoints="1" noAdjustHandles="1" noChangeArrowheads="1" noChangeShapeType="1" noTextEdit="1"/>
+              </p:cNvSpPr>
+              <p:nvPr>
+                <p:ph idx="1"/>
+              </p:nvPr>
+            </p:nvSpPr>
+            <p:spPr>
+              <a:blipFill rotWithShape="0">
+                <a:blip r:embed="rId2"/>
+                <a:stretch>
+                  <a:fillRect l="-928" t="-2101"/>
+                </a:stretch>
+              </a:blipFill>
+            </p:spPr>
+            <p:txBody>
+              <a:bodyPr/>
+              <a:lstStyle/>
+              <a:p>
+                <a:r>
+                  <a:rPr lang="ru-RU">
+                    <a:noFill/>
+                  </a:rPr>
+                  <a:t> </a:t>
+                </a:r>
+              </a:p>
+            </p:txBody>
+          </p:sp>
+        </mc:Fallback>
+      </mc:AlternateContent>
+      <p:sp>
+        <p:nvSpPr>
+          <p:cNvPr id="4" name="Номер слайда 3"/>
+          <p:cNvSpPr>
+            <a:spLocks noGrp="1"/>
+          </p:cNvSpPr>
+          <p:nvPr>
+            <p:ph type="sldNum" sz="quarter" idx="12"/>
+          </p:nvPr>
+        </p:nvSpPr>
+        <p:spPr/>
+        <p:txBody>
+          <a:bodyPr/>
+          <a:lstStyle/>
+          <a:p>
+            <a:fld id="{8253DDDB-F8F7-4D64-A7FD-3F3D61C1949F}" type="slidenum">
+              <a:rPr lang="ru-RU" smtClean="0"/>
+              <a:t>31</a:t>
+            </a:fld>
+            <a:endParaRPr lang="ru-RU"/>
+          </a:p>
+        </p:txBody>
+      </p:sp>
+      <p:pic>
+        <p:nvPicPr>
+          <p:cNvPr id="5" name="Рисунок 4"/>
+          <p:cNvPicPr>
+            <a:picLocks noChangeAspect="1"/>
+          </p:cNvPicPr>
+          <p:nvPr/>
+        </p:nvPicPr>
+        <p:blipFill>
+          <a:blip r:embed="rId3"/>
+          <a:stretch>
+            <a:fillRect/>
+          </a:stretch>
+        </p:blipFill>
+        <p:spPr>
+          <a:xfrm>
+            <a:off x="2702626" y="2515425"/>
+            <a:ext cx="5669478" cy="3661538"/>
+          </a:xfrm>
+          <a:prstGeom prst="rect">
+            <a:avLst/>
+          </a:prstGeom>
+        </p:spPr>
+      </p:pic>
+    </p:spTree>
+    <p:extLst>
+      <p:ext uri="{BB962C8B-B14F-4D97-AF65-F5344CB8AC3E}">
+        <p14:creationId xmlns:p14="http://schemas.microsoft.com/office/powerpoint/2010/main" val="2638659315"/>
+      </p:ext>
+    </p:extLst>
+  </p:cSld>
+  <p:clrMapOvr>
+    <a:masterClrMapping/>
+  </p:clrMapOvr>
+</p:sld>
+</file>
+
+<file path=ppt/slides/slide32.xml><?xml version="1.0" encoding="utf-8"?>
+<p:sld xmlns:a="http://schemas.openxmlformats.org/drawingml/2006/main" xmlns:r="http://schemas.openxmlformats.org/officeDocument/2006/relationships" xmlns:p="http://schemas.openxmlformats.org/presentationml/2006/main">
+  <p:cSld>
+    <p:spTree>
+      <p:nvGrpSpPr>
+        <p:cNvPr id="1" name=""/>
+        <p:cNvGrpSpPr/>
+        <p:nvPr/>
+      </p:nvGrpSpPr>
+      <p:grpSpPr>
+        <a:xfrm>
+          <a:off x="0" y="0"/>
+          <a:ext cx="0" cy="0"/>
+          <a:chOff x="0" y="0"/>
+          <a:chExt cx="0" cy="0"/>
+        </a:xfrm>
+      </p:grpSpPr>
+      <p:sp>
+        <p:nvSpPr>
+          <p:cNvPr id="2" name="Заголовок 1"/>
+          <p:cNvSpPr>
+            <a:spLocks noGrp="1"/>
+          </p:cNvSpPr>
+          <p:nvPr>
+            <p:ph type="title"/>
+          </p:nvPr>
+        </p:nvSpPr>
+        <p:spPr/>
+        <p:txBody>
+          <a:bodyPr/>
+          <a:lstStyle/>
+          <a:p>
+            <a:r>
+              <a:rPr lang="en-US" dirty="0"/>
+              <a:t>NMAC</a:t>
+            </a:r>
+            <a:endParaRPr lang="ru-RU" dirty="0"/>
+          </a:p>
+        </p:txBody>
+      </p:sp>
+      <mc:AlternateContent xmlns:mc="http://schemas.openxmlformats.org/markup-compatibility/2006" xmlns:a14="http://schemas.microsoft.com/office/drawing/2010/main">
+        <mc:Choice Requires="a14">
+          <p:sp>
+            <p:nvSpPr>
+              <p:cNvPr id="3" name="Объект 2"/>
+              <p:cNvSpPr>
+                <a:spLocks noGrp="1"/>
+              </p:cNvSpPr>
+              <p:nvPr>
+                <p:ph idx="1"/>
+              </p:nvPr>
+            </p:nvSpPr>
+            <p:spPr/>
+            <p:txBody>
+              <a:bodyPr/>
+              <a:lstStyle/>
+              <a:p>
                 <a:pPr marL="0" indent="0">
                   <a:buNone/>
                 </a:pPr>
@@ -10986,7 +11481,7 @@
           <a:p>
             <a:fld id="{8253DDDB-F8F7-4D64-A7FD-3F3D61C1949F}" type="slidenum">
               <a:rPr lang="ru-RU" smtClean="0"/>
-              <a:t>31</a:t>
+              <a:t>32</a:t>
             </a:fld>
             <a:endParaRPr lang="ru-RU"/>
           </a:p>
@@ -11029,7 +11524,7 @@
 </p:sld>
 </file>
 
-<file path=ppt/slides/slide32.xml><?xml version="1.0" encoding="utf-8"?>
+<file path=ppt/slides/slide33.xml><?xml version="1.0" encoding="utf-8"?>
 <p:sld xmlns:a="http://schemas.openxmlformats.org/drawingml/2006/main" xmlns:r="http://schemas.openxmlformats.org/officeDocument/2006/relationships" xmlns:p="http://schemas.openxmlformats.org/presentationml/2006/main">
   <p:cSld>
     <p:spTree>
@@ -11785,7 +12280,7 @@
           <a:p>
             <a:fld id="{8253DDDB-F8F7-4D64-A7FD-3F3D61C1949F}" type="slidenum">
               <a:rPr lang="ru-RU" smtClean="0"/>
-              <a:t>32</a:t>
+              <a:t>33</a:t>
             </a:fld>
             <a:endParaRPr lang="ru-RU"/>
           </a:p>
@@ -11804,7 +12299,7 @@
 </p:sld>
 </file>
 
-<file path=ppt/slides/slide33.xml><?xml version="1.0" encoding="utf-8"?>
+<file path=ppt/slides/slide34.xml><?xml version="1.0" encoding="utf-8"?>
 <p:sld xmlns:a="http://schemas.openxmlformats.org/drawingml/2006/main" xmlns:r="http://schemas.openxmlformats.org/officeDocument/2006/relationships" xmlns:p="http://schemas.openxmlformats.org/presentationml/2006/main">
   <p:cSld>
     <p:spTree>
@@ -11937,7 +12432,7 @@
           <a:p>
             <a:fld id="{8253DDDB-F8F7-4D64-A7FD-3F3D61C1949F}" type="slidenum">
               <a:rPr lang="ru-RU" smtClean="0"/>
-              <a:t>33</a:t>
+              <a:t>34</a:t>
             </a:fld>
             <a:endParaRPr lang="ru-RU"/>
           </a:p>
@@ -11956,7 +12451,7 @@
 </p:sld>
 </file>
 
-<file path=ppt/slides/slide34.xml><?xml version="1.0" encoding="utf-8"?>
+<file path=ppt/slides/slide35.xml><?xml version="1.0" encoding="utf-8"?>
 <p:sld xmlns:a="http://schemas.openxmlformats.org/drawingml/2006/main" xmlns:r="http://schemas.openxmlformats.org/officeDocument/2006/relationships" xmlns:p="http://schemas.openxmlformats.org/presentationml/2006/main">
   <p:cSld>
     <p:spTree>
@@ -12095,10 +12590,10 @@
         </p:nvGrpSpPr>
         <p:grpSpPr>
           <a:xfrm>
-            <a:off x="2540000" y="5765803"/>
-            <a:ext cx="8026400" cy="787975"/>
-            <a:chOff x="1676400" y="2876550"/>
-            <a:chExt cx="6019800" cy="590981"/>
+            <a:off x="2743199" y="5473412"/>
+            <a:ext cx="7823201" cy="904229"/>
+            <a:chOff x="1828799" y="2657259"/>
+            <a:chExt cx="5867401" cy="678172"/>
           </a:xfrm>
         </p:grpSpPr>
         <p:sp>
@@ -12109,7 +12604,7 @@
           </p:nvSpPr>
           <p:spPr>
             <a:xfrm>
-              <a:off x="1676400" y="2876550"/>
+              <a:off x="1828799" y="2878231"/>
               <a:ext cx="914400" cy="457200"/>
             </a:xfrm>
             <a:prstGeom prst="rect">
@@ -12294,7 +12789,7 @@
           </p:nvSpPr>
           <p:spPr>
             <a:xfrm>
-              <a:off x="3276600" y="3028950"/>
+              <a:off x="3336478" y="2657259"/>
               <a:ext cx="642244" cy="438581"/>
             </a:xfrm>
             <a:prstGeom prst="rect">
@@ -12320,650 +12815,6 @@
     <p:extLst>
       <p:ext uri="{BB962C8B-B14F-4D97-AF65-F5344CB8AC3E}">
         <p14:creationId xmlns:p14="http://schemas.microsoft.com/office/powerpoint/2010/main" val="3323615069"/>
-      </p:ext>
-    </p:extLst>
-  </p:cSld>
-  <p:clrMapOvr>
-    <a:masterClrMapping/>
-  </p:clrMapOvr>
-  <p:timing>
-    <p:tnLst>
-      <p:par>
-        <p:cTn id="1" dur="indefinite" restart="never" nodeType="tmRoot"/>
-      </p:par>
-    </p:tnLst>
-  </p:timing>
-</p:sld>
-</file>
-
-<file path=ppt/slides/slide35.xml><?xml version="1.0" encoding="utf-8"?>
-<p:sld xmlns:a="http://schemas.openxmlformats.org/drawingml/2006/main" xmlns:r="http://schemas.openxmlformats.org/officeDocument/2006/relationships" xmlns:p="http://schemas.openxmlformats.org/presentationml/2006/main">
-  <p:cSld>
-    <p:spTree>
-      <p:nvGrpSpPr>
-        <p:cNvPr id="1" name=""/>
-        <p:cNvGrpSpPr/>
-        <p:nvPr/>
-      </p:nvGrpSpPr>
-      <p:grpSpPr>
-        <a:xfrm>
-          <a:off x="0" y="0"/>
-          <a:ext cx="0" cy="0"/>
-          <a:chOff x="0" y="0"/>
-          <a:chExt cx="0" cy="0"/>
-        </a:xfrm>
-      </p:grpSpPr>
-      <p:sp>
-        <p:nvSpPr>
-          <p:cNvPr id="2" name="Title 1"/>
-          <p:cNvSpPr>
-            <a:spLocks noGrp="1"/>
-          </p:cNvSpPr>
-          <p:nvPr>
-            <p:ph type="title"/>
-          </p:nvPr>
-        </p:nvSpPr>
-        <p:spPr/>
-        <p:txBody>
-          <a:bodyPr/>
-          <a:lstStyle/>
-          <a:p>
-            <a:r>
-              <a:rPr lang="ru-RU" dirty="0" smtClean="0"/>
-              <a:t>Если источник ключей имеет равномерное распределение</a:t>
-            </a:r>
-            <a:endParaRPr lang="en-US" dirty="0"/>
-          </a:p>
-        </p:txBody>
-      </p:sp>
-      <mc:AlternateContent xmlns:mc="http://schemas.openxmlformats.org/markup-compatibility/2006" xmlns:a14="http://schemas.microsoft.com/office/drawing/2010/main">
-        <mc:Choice Requires="a14">
-          <p:sp>
-            <p:nvSpPr>
-              <p:cNvPr id="3" name="Content Placeholder 2"/>
-              <p:cNvSpPr>
-                <a:spLocks noGrp="1"/>
-              </p:cNvSpPr>
-              <p:nvPr>
-                <p:ph idx="1"/>
-              </p:nvPr>
-            </p:nvSpPr>
-            <p:spPr>
-              <a:xfrm>
-                <a:off x="838200" y="1938528"/>
-                <a:ext cx="11252200" cy="4919472"/>
-              </a:xfrm>
-            </p:spPr>
-            <p:txBody>
-              <a:bodyPr/>
-              <a:lstStyle/>
-              <a:p>
-                <a:pPr marL="0" indent="0">
-                  <a:buNone/>
-                </a:pPr>
-                <a14:m>
-                  <m:oMath xmlns:m="http://schemas.openxmlformats.org/officeDocument/2006/math">
-                    <m:r>
-                      <a:rPr lang="en-US" b="0" i="1" smtClean="0">
-                        <a:latin typeface="Cambria Math" panose="02040503050406030204" pitchFamily="18" charset="0"/>
-                      </a:rPr>
-                      <m:t>𝐹</m:t>
-                    </m:r>
-                    <m:r>
-                      <a:rPr lang="en-US" b="0" i="0" smtClean="0">
-                        <a:latin typeface="Cambria Math" panose="02040503050406030204" pitchFamily="18" charset="0"/>
-                      </a:rPr>
-                      <m:t>:</m:t>
-                    </m:r>
-                    <m:r>
-                      <a:rPr lang="en-US" b="0" i="1" smtClean="0">
-                        <a:latin typeface="Cambria Math" panose="02040503050406030204" pitchFamily="18" charset="0"/>
-                      </a:rPr>
-                      <m:t>𝐾</m:t>
-                    </m:r>
-                    <m:r>
-                      <a:rPr lang="en-US" b="0" i="1" smtClean="0">
-                        <a:latin typeface="Cambria Math" panose="02040503050406030204" pitchFamily="18" charset="0"/>
-                      </a:rPr>
-                      <m:t>×</m:t>
-                    </m:r>
-                    <m:r>
-                      <a:rPr lang="en-US" b="0" i="1" smtClean="0">
-                        <a:latin typeface="Cambria Math" panose="02040503050406030204" pitchFamily="18" charset="0"/>
-                      </a:rPr>
-                      <m:t>𝑋</m:t>
-                    </m:r>
-                    <m:r>
-                      <a:rPr lang="en-US" b="0" i="1" smtClean="0">
-                        <a:latin typeface="Cambria Math" panose="02040503050406030204" pitchFamily="18" charset="0"/>
-                      </a:rPr>
-                      <m:t>→</m:t>
-                    </m:r>
-                    <m:sSup>
-                      <m:sSupPr>
-                        <m:ctrlPr>
-                          <a:rPr lang="en-US" b="0" i="1" smtClean="0">
-                            <a:latin typeface="Cambria Math" panose="02040503050406030204" pitchFamily="18" charset="0"/>
-                          </a:rPr>
-                        </m:ctrlPr>
-                      </m:sSupPr>
-                      <m:e>
-                        <m:d>
-                          <m:dPr>
-                            <m:begChr m:val="{"/>
-                            <m:endChr m:val="}"/>
-                            <m:ctrlPr>
-                              <a:rPr lang="en-US" b="0" i="1" smtClean="0">
-                                <a:latin typeface="Cambria Math" panose="02040503050406030204" pitchFamily="18" charset="0"/>
-                              </a:rPr>
-                            </m:ctrlPr>
-                          </m:dPr>
-                          <m:e>
-                            <m:r>
-                              <a:rPr lang="en-US" b="0" i="1" smtClean="0">
-                                <a:latin typeface="Cambria Math" panose="02040503050406030204" pitchFamily="18" charset="0"/>
-                              </a:rPr>
-                              <m:t>0,1</m:t>
-                            </m:r>
-                          </m:e>
-                        </m:d>
-                      </m:e>
-                      <m:sup>
-                        <m:r>
-                          <a:rPr lang="en-US" b="0" i="1" smtClean="0">
-                            <a:latin typeface="Cambria Math" panose="02040503050406030204" pitchFamily="18" charset="0"/>
-                          </a:rPr>
-                          <m:t>𝑛</m:t>
-                        </m:r>
-                      </m:sup>
-                    </m:sSup>
-                  </m:oMath>
-                </a14:m>
-                <a:r>
-                  <a:rPr lang="en-US" dirty="0" smtClean="0"/>
-                  <a:t> - PRF</a:t>
-                </a:r>
-                <a:endParaRPr lang="ru-RU" dirty="0" smtClean="0"/>
-              </a:p>
-              <a:p>
-                <a:pPr marL="0" indent="0">
-                  <a:buNone/>
-                </a:pPr>
-                <a:endParaRPr lang="ru-RU" dirty="0" smtClean="0"/>
-              </a:p>
-              <a:p>
-                <a:pPr marL="0" indent="0">
-                  <a:buNone/>
-                </a:pPr>
-                <a:endParaRPr lang="en-US" dirty="0"/>
-              </a:p>
-              <a:p>
-                <a:pPr marL="0" indent="0">
-                  <a:buNone/>
-                </a:pPr>
-                <a:endParaRPr lang="en-US" dirty="0" smtClean="0"/>
-              </a:p>
-              <a:p>
-                <a:pPr marL="0" indent="0">
-                  <a:buNone/>
-                </a:pPr>
-                <a:endParaRPr lang="en-US" dirty="0"/>
-              </a:p>
-              <a:p>
-                <a:pPr marL="0" indent="0">
-                  <a:buNone/>
-                </a:pPr>
-                <a:endParaRPr lang="en-US" dirty="0"/>
-              </a:p>
-              <a:p>
-                <a:pPr marL="0" indent="0">
-                  <a:buNone/>
-                </a:pPr>
-                <a:r>
-                  <a:rPr lang="en-US" b="1" dirty="0" smtClean="0"/>
-                  <a:t>CTX:</a:t>
-                </a:r>
-                <a:r>
-                  <a:rPr lang="en-US" dirty="0" smtClean="0"/>
-                  <a:t>   </a:t>
-                </a:r>
-                <a:r>
-                  <a:rPr lang="ru-RU" dirty="0" smtClean="0"/>
-                  <a:t>контекст, строка, уникально представляющая приложение или назначению ключей (для независимой генерации различных ключей для различных приложений).</a:t>
-                </a:r>
-                <a:endParaRPr lang="en-US" dirty="0"/>
-              </a:p>
-            </p:txBody>
-          </p:sp>
-        </mc:Choice>
-        <mc:Fallback xmlns="">
-          <p:sp>
-            <p:nvSpPr>
-              <p:cNvPr id="3" name="Content Placeholder 2"/>
-              <p:cNvSpPr>
-                <a:spLocks noGrp="1" noRot="1" noChangeAspect="1" noMove="1" noResize="1" noEditPoints="1" noAdjustHandles="1" noChangeArrowheads="1" noChangeShapeType="1" noTextEdit="1"/>
-              </p:cNvSpPr>
-              <p:nvPr>
-                <p:ph idx="1"/>
-              </p:nvPr>
-            </p:nvSpPr>
-            <p:spPr>
-              <a:xfrm>
-                <a:off x="838200" y="1938528"/>
-                <a:ext cx="11252200" cy="4919472"/>
-              </a:xfrm>
-              <a:blipFill rotWithShape="0">
-                <a:blip r:embed="rId2"/>
-                <a:stretch>
-                  <a:fillRect l="-976" t="-1859"/>
-                </a:stretch>
-              </a:blipFill>
-            </p:spPr>
-            <p:txBody>
-              <a:bodyPr/>
-              <a:lstStyle/>
-              <a:p>
-                <a:r>
-                  <a:rPr lang="ru-RU">
-                    <a:noFill/>
-                  </a:rPr>
-                  <a:t> </a:t>
-                </a:r>
-              </a:p>
-            </p:txBody>
-          </p:sp>
-        </mc:Fallback>
-      </mc:AlternateContent>
-      <p:sp>
-        <p:nvSpPr>
-          <p:cNvPr id="4" name="Rounded Rectangle 3"/>
-          <p:cNvSpPr/>
-          <p:nvPr/>
-        </p:nvSpPr>
-        <p:spPr>
-          <a:xfrm>
-            <a:off x="927100" y="3077464"/>
-            <a:ext cx="11074400" cy="1320800"/>
-          </a:xfrm>
-          <a:prstGeom prst="roundRect">
-            <a:avLst/>
-          </a:prstGeom>
-          <a:solidFill>
-            <a:srgbClr val="FAC090"/>
-          </a:solidFill>
-        </p:spPr>
-        <p:style>
-          <a:lnRef idx="1">
-            <a:schemeClr val="accent1"/>
-          </a:lnRef>
-          <a:fillRef idx="3">
-            <a:schemeClr val="accent1"/>
-          </a:fillRef>
-          <a:effectRef idx="2">
-            <a:schemeClr val="accent1"/>
-          </a:effectRef>
-          <a:fontRef idx="minor">
-            <a:schemeClr val="lt1"/>
-          </a:fontRef>
-        </p:style>
-        <p:txBody>
-          <a:bodyPr rtlCol="0" anchor="ctr"/>
-          <a:lstStyle/>
-          <a:p>
-            <a:pPr>
-              <a:spcBef>
-                <a:spcPts val="1696"/>
-              </a:spcBef>
-            </a:pPr>
-            <a:r>
-              <a:rPr lang="en-US" sz="3200" b="1" dirty="0">
-                <a:solidFill>
-                  <a:schemeClr val="tx1"/>
-                </a:solidFill>
-              </a:rPr>
-              <a:t>KDF</a:t>
-            </a:r>
-            <a:r>
-              <a:rPr lang="en-US" sz="2667" dirty="0">
-                <a:solidFill>
-                  <a:schemeClr val="tx1"/>
-                </a:solidFill>
-              </a:rPr>
-              <a:t>( SK, CTX, L)</a:t>
-            </a:r>
-            <a:r>
-              <a:rPr lang="en-US" sz="3200" dirty="0"/>
-              <a:t> </a:t>
-            </a:r>
-            <a:r>
-              <a:rPr lang="en-US" sz="3200" dirty="0">
-                <a:solidFill>
-                  <a:srgbClr val="000000"/>
-                </a:solidFill>
-              </a:rPr>
-              <a:t>:=</a:t>
-            </a:r>
-          </a:p>
-          <a:p>
-            <a:pPr>
-              <a:lnSpc>
-                <a:spcPct val="60000"/>
-              </a:lnSpc>
-              <a:spcBef>
-                <a:spcPts val="1696"/>
-              </a:spcBef>
-            </a:pPr>
-            <a:r>
-              <a:rPr lang="en-US" sz="3200" dirty="0"/>
-              <a:t>      </a:t>
-            </a:r>
-            <a:r>
-              <a:rPr lang="en-US" sz="3200" dirty="0">
-                <a:solidFill>
-                  <a:schemeClr val="bg1">
-                    <a:lumMod val="50000"/>
-                  </a:schemeClr>
-                </a:solidFill>
-              </a:rPr>
-              <a:t>F</a:t>
-            </a:r>
-            <a:r>
-              <a:rPr lang="en-US" sz="3733" dirty="0">
-                <a:solidFill>
-                  <a:schemeClr val="bg1">
-                    <a:lumMod val="50000"/>
-                  </a:schemeClr>
-                </a:solidFill>
-              </a:rPr>
-              <a:t>(</a:t>
-            </a:r>
-            <a:r>
-              <a:rPr lang="en-US" sz="2667" dirty="0">
-                <a:solidFill>
-                  <a:schemeClr val="bg1">
-                    <a:lumMod val="50000"/>
-                  </a:schemeClr>
-                </a:solidFill>
-              </a:rPr>
-              <a:t>SK</a:t>
-            </a:r>
-            <a:r>
-              <a:rPr lang="en-US" sz="3200" dirty="0">
-                <a:solidFill>
-                  <a:schemeClr val="bg1">
-                    <a:lumMod val="50000"/>
-                  </a:schemeClr>
-                </a:solidFill>
-              </a:rPr>
-              <a:t>,  (</a:t>
-            </a:r>
-            <a:r>
-              <a:rPr lang="en-US" sz="3200" b="1" dirty="0">
-                <a:solidFill>
-                  <a:srgbClr val="0000FF"/>
-                </a:solidFill>
-              </a:rPr>
-              <a:t>CTX </a:t>
-            </a:r>
-            <a:r>
-              <a:rPr lang="en-US" sz="3200" b="1" dirty="0" err="1">
-                <a:solidFill>
-                  <a:srgbClr val="0000FF"/>
-                </a:solidFill>
-              </a:rPr>
-              <a:t>ll</a:t>
-            </a:r>
-            <a:r>
-              <a:rPr lang="en-US" sz="3200" b="1" dirty="0">
-                <a:solidFill>
-                  <a:srgbClr val="0000FF"/>
-                </a:solidFill>
-              </a:rPr>
-              <a:t> 0</a:t>
-            </a:r>
-            <a:r>
-              <a:rPr lang="en-US" sz="3200" dirty="0">
-                <a:solidFill>
-                  <a:srgbClr val="7F7F7F"/>
-                </a:solidFill>
-              </a:rPr>
-              <a:t>)</a:t>
-            </a:r>
-            <a:r>
-              <a:rPr lang="en-US" sz="3733" dirty="0">
-                <a:solidFill>
-                  <a:srgbClr val="7F7F7F"/>
-                </a:solidFill>
-              </a:rPr>
-              <a:t>)</a:t>
-            </a:r>
-            <a:r>
-              <a:rPr lang="en-US" sz="3200" dirty="0">
-                <a:solidFill>
-                  <a:srgbClr val="7F7F7F"/>
-                </a:solidFill>
-              </a:rPr>
-              <a:t>  </a:t>
-            </a:r>
-            <a:r>
-              <a:rPr lang="en-US" sz="3733" dirty="0" err="1">
-                <a:solidFill>
-                  <a:srgbClr val="7F7F7F"/>
-                </a:solidFill>
-              </a:rPr>
-              <a:t>ll</a:t>
-            </a:r>
-            <a:r>
-              <a:rPr lang="en-US" sz="3200" dirty="0">
-                <a:solidFill>
-                  <a:srgbClr val="7F7F7F"/>
-                </a:solidFill>
-              </a:rPr>
-              <a:t>  F</a:t>
-            </a:r>
-            <a:r>
-              <a:rPr lang="en-US" sz="3733" dirty="0">
-                <a:solidFill>
-                  <a:srgbClr val="7F7F7F"/>
-                </a:solidFill>
-              </a:rPr>
-              <a:t>(</a:t>
-            </a:r>
-            <a:r>
-              <a:rPr lang="en-US" sz="2667" dirty="0">
-                <a:solidFill>
-                  <a:srgbClr val="7F7F7F"/>
-                </a:solidFill>
-              </a:rPr>
-              <a:t>SK</a:t>
-            </a:r>
-            <a:r>
-              <a:rPr lang="en-US" sz="3200" dirty="0">
-                <a:solidFill>
-                  <a:srgbClr val="7F7F7F"/>
-                </a:solidFill>
-              </a:rPr>
-              <a:t>,  (</a:t>
-            </a:r>
-            <a:r>
-              <a:rPr lang="en-US" sz="3200" b="1" dirty="0">
-                <a:solidFill>
-                  <a:srgbClr val="0000FF"/>
-                </a:solidFill>
-              </a:rPr>
-              <a:t>CTX </a:t>
-            </a:r>
-            <a:r>
-              <a:rPr lang="en-US" sz="3200" b="1" dirty="0" err="1">
-                <a:solidFill>
-                  <a:srgbClr val="0000FF"/>
-                </a:solidFill>
-              </a:rPr>
-              <a:t>ll</a:t>
-            </a:r>
-            <a:r>
-              <a:rPr lang="en-US" sz="3200" b="1" dirty="0">
-                <a:solidFill>
-                  <a:srgbClr val="0000FF"/>
-                </a:solidFill>
-              </a:rPr>
-              <a:t> 1</a:t>
-            </a:r>
-            <a:r>
-              <a:rPr lang="en-US" sz="3200" dirty="0">
-                <a:solidFill>
-                  <a:srgbClr val="7F7F7F"/>
-                </a:solidFill>
-              </a:rPr>
-              <a:t>)</a:t>
-            </a:r>
-            <a:r>
-              <a:rPr lang="en-US" sz="3733" dirty="0">
-                <a:solidFill>
-                  <a:srgbClr val="7F7F7F"/>
-                </a:solidFill>
-              </a:rPr>
-              <a:t>)</a:t>
-            </a:r>
-            <a:r>
-              <a:rPr lang="en-US" sz="3200" dirty="0">
-                <a:solidFill>
-                  <a:srgbClr val="7F7F7F"/>
-                </a:solidFill>
-              </a:rPr>
-              <a:t>  </a:t>
-            </a:r>
-            <a:r>
-              <a:rPr lang="en-US" sz="3733" dirty="0" err="1">
-                <a:solidFill>
-                  <a:srgbClr val="7F7F7F"/>
-                </a:solidFill>
-              </a:rPr>
-              <a:t>ll</a:t>
-            </a:r>
-            <a:r>
-              <a:rPr lang="en-US" sz="3733" dirty="0">
-                <a:solidFill>
-                  <a:srgbClr val="7F7F7F"/>
-                </a:solidFill>
-              </a:rPr>
-              <a:t>  </a:t>
-            </a:r>
-            <a:r>
-              <a:rPr lang="en-US" sz="3733" b="1" dirty="0">
-                <a:solidFill>
-                  <a:srgbClr val="7F7F7F"/>
-                </a:solidFill>
-              </a:rPr>
-              <a:t>⋯</a:t>
-            </a:r>
-            <a:r>
-              <a:rPr lang="en-US" sz="3733" dirty="0">
-                <a:solidFill>
-                  <a:srgbClr val="7F7F7F"/>
-                </a:solidFill>
-              </a:rPr>
-              <a:t>  </a:t>
-            </a:r>
-            <a:r>
-              <a:rPr lang="en-US" sz="3733" dirty="0" err="1">
-                <a:solidFill>
-                  <a:srgbClr val="7F7F7F"/>
-                </a:solidFill>
-              </a:rPr>
-              <a:t>ll</a:t>
-            </a:r>
-            <a:r>
-              <a:rPr lang="en-US" sz="3733" dirty="0">
-                <a:solidFill>
-                  <a:srgbClr val="7F7F7F"/>
-                </a:solidFill>
-              </a:rPr>
-              <a:t> </a:t>
-            </a:r>
-            <a:r>
-              <a:rPr lang="en-US" sz="3200" dirty="0">
-                <a:solidFill>
-                  <a:srgbClr val="7F7F7F"/>
-                </a:solidFill>
-              </a:rPr>
-              <a:t>F</a:t>
-            </a:r>
-            <a:r>
-              <a:rPr lang="en-US" sz="3733" dirty="0">
-                <a:solidFill>
-                  <a:srgbClr val="7F7F7F"/>
-                </a:solidFill>
-              </a:rPr>
-              <a:t>(</a:t>
-            </a:r>
-            <a:r>
-              <a:rPr lang="en-US" sz="2667" dirty="0">
-                <a:solidFill>
-                  <a:srgbClr val="7F7F7F"/>
-                </a:solidFill>
-              </a:rPr>
-              <a:t>SK</a:t>
-            </a:r>
-            <a:r>
-              <a:rPr lang="en-US" sz="3200" dirty="0">
-                <a:solidFill>
-                  <a:srgbClr val="7F7F7F"/>
-                </a:solidFill>
-              </a:rPr>
-              <a:t>,  (</a:t>
-            </a:r>
-            <a:r>
-              <a:rPr lang="en-US" sz="3200" b="1" dirty="0">
-                <a:solidFill>
-                  <a:srgbClr val="0000FF"/>
-                </a:solidFill>
-              </a:rPr>
-              <a:t>CTX </a:t>
-            </a:r>
-            <a:r>
-              <a:rPr lang="en-US" sz="3200" b="1" dirty="0" err="1">
-                <a:solidFill>
-                  <a:srgbClr val="0000FF"/>
-                </a:solidFill>
-              </a:rPr>
-              <a:t>ll</a:t>
-            </a:r>
-            <a:r>
-              <a:rPr lang="en-US" sz="3200" b="1" dirty="0">
-                <a:solidFill>
-                  <a:srgbClr val="0000FF"/>
-                </a:solidFill>
-              </a:rPr>
-              <a:t> L</a:t>
-            </a:r>
-            <a:r>
-              <a:rPr lang="en-US" sz="3200" dirty="0">
-                <a:solidFill>
-                  <a:srgbClr val="7F7F7F"/>
-                </a:solidFill>
-              </a:rPr>
-              <a:t>)</a:t>
-            </a:r>
-            <a:r>
-              <a:rPr lang="en-US" sz="3733" dirty="0">
-                <a:solidFill>
-                  <a:srgbClr val="7F7F7F"/>
-                </a:solidFill>
-              </a:rPr>
-              <a:t>)</a:t>
-            </a:r>
-            <a:r>
-              <a:rPr lang="en-US" sz="3200" dirty="0"/>
-              <a:t> </a:t>
-            </a:r>
-          </a:p>
-        </p:txBody>
-      </p:sp>
-    </p:spTree>
-    <p:extLst>
-      <p:ext uri="{BB962C8B-B14F-4D97-AF65-F5344CB8AC3E}">
-        <p14:creationId xmlns:p14="http://schemas.microsoft.com/office/powerpoint/2010/main" val="1408221677"/>
       </p:ext>
     </p:extLst>
   </p:cSld>
@@ -13014,6 +12865,650 @@
           <a:p>
             <a:r>
               <a:rPr lang="ru-RU" dirty="0" smtClean="0"/>
+              <a:t>Если источник ключей имеет равномерное распределение</a:t>
+            </a:r>
+            <a:endParaRPr lang="en-US" dirty="0"/>
+          </a:p>
+        </p:txBody>
+      </p:sp>
+      <mc:AlternateContent xmlns:mc="http://schemas.openxmlformats.org/markup-compatibility/2006" xmlns:a14="http://schemas.microsoft.com/office/drawing/2010/main">
+        <mc:Choice Requires="a14">
+          <p:sp>
+            <p:nvSpPr>
+              <p:cNvPr id="3" name="Content Placeholder 2"/>
+              <p:cNvSpPr>
+                <a:spLocks noGrp="1"/>
+              </p:cNvSpPr>
+              <p:nvPr>
+                <p:ph idx="1"/>
+              </p:nvPr>
+            </p:nvSpPr>
+            <p:spPr>
+              <a:xfrm>
+                <a:off x="838200" y="1938528"/>
+                <a:ext cx="11252200" cy="4919472"/>
+              </a:xfrm>
+            </p:spPr>
+            <p:txBody>
+              <a:bodyPr/>
+              <a:lstStyle/>
+              <a:p>
+                <a:pPr marL="0" indent="0">
+                  <a:buNone/>
+                </a:pPr>
+                <a14:m>
+                  <m:oMath xmlns:m="http://schemas.openxmlformats.org/officeDocument/2006/math">
+                    <m:r>
+                      <a:rPr lang="en-US" b="0" i="1" smtClean="0">
+                        <a:latin typeface="Cambria Math" panose="02040503050406030204" pitchFamily="18" charset="0"/>
+                      </a:rPr>
+                      <m:t>𝐹</m:t>
+                    </m:r>
+                    <m:r>
+                      <a:rPr lang="en-US" b="0" i="0" smtClean="0">
+                        <a:latin typeface="Cambria Math" panose="02040503050406030204" pitchFamily="18" charset="0"/>
+                      </a:rPr>
+                      <m:t>:</m:t>
+                    </m:r>
+                    <m:r>
+                      <a:rPr lang="en-US" b="0" i="1" smtClean="0">
+                        <a:latin typeface="Cambria Math" panose="02040503050406030204" pitchFamily="18" charset="0"/>
+                      </a:rPr>
+                      <m:t>𝐾</m:t>
+                    </m:r>
+                    <m:r>
+                      <a:rPr lang="en-US" b="0" i="1" smtClean="0">
+                        <a:latin typeface="Cambria Math" panose="02040503050406030204" pitchFamily="18" charset="0"/>
+                      </a:rPr>
+                      <m:t>×</m:t>
+                    </m:r>
+                    <m:r>
+                      <a:rPr lang="en-US" b="0" i="1" smtClean="0">
+                        <a:latin typeface="Cambria Math" panose="02040503050406030204" pitchFamily="18" charset="0"/>
+                      </a:rPr>
+                      <m:t>𝑋</m:t>
+                    </m:r>
+                    <m:r>
+                      <a:rPr lang="en-US" b="0" i="1" smtClean="0">
+                        <a:latin typeface="Cambria Math" panose="02040503050406030204" pitchFamily="18" charset="0"/>
+                      </a:rPr>
+                      <m:t>→</m:t>
+                    </m:r>
+                    <m:sSup>
+                      <m:sSupPr>
+                        <m:ctrlPr>
+                          <a:rPr lang="en-US" b="0" i="1" smtClean="0">
+                            <a:latin typeface="Cambria Math" panose="02040503050406030204" pitchFamily="18" charset="0"/>
+                          </a:rPr>
+                        </m:ctrlPr>
+                      </m:sSupPr>
+                      <m:e>
+                        <m:d>
+                          <m:dPr>
+                            <m:begChr m:val="{"/>
+                            <m:endChr m:val="}"/>
+                            <m:ctrlPr>
+                              <a:rPr lang="en-US" b="0" i="1" smtClean="0">
+                                <a:latin typeface="Cambria Math" panose="02040503050406030204" pitchFamily="18" charset="0"/>
+                              </a:rPr>
+                            </m:ctrlPr>
+                          </m:dPr>
+                          <m:e>
+                            <m:r>
+                              <a:rPr lang="en-US" b="0" i="1" smtClean="0">
+                                <a:latin typeface="Cambria Math" panose="02040503050406030204" pitchFamily="18" charset="0"/>
+                              </a:rPr>
+                              <m:t>0,1</m:t>
+                            </m:r>
+                          </m:e>
+                        </m:d>
+                      </m:e>
+                      <m:sup>
+                        <m:r>
+                          <a:rPr lang="en-US" b="0" i="1" smtClean="0">
+                            <a:latin typeface="Cambria Math" panose="02040503050406030204" pitchFamily="18" charset="0"/>
+                          </a:rPr>
+                          <m:t>𝑛</m:t>
+                        </m:r>
+                      </m:sup>
+                    </m:sSup>
+                  </m:oMath>
+                </a14:m>
+                <a:r>
+                  <a:rPr lang="en-US" dirty="0" smtClean="0"/>
+                  <a:t> - PRF</a:t>
+                </a:r>
+                <a:endParaRPr lang="ru-RU" dirty="0" smtClean="0"/>
+              </a:p>
+              <a:p>
+                <a:pPr marL="0" indent="0">
+                  <a:buNone/>
+                </a:pPr>
+                <a:endParaRPr lang="ru-RU" dirty="0" smtClean="0"/>
+              </a:p>
+              <a:p>
+                <a:pPr marL="0" indent="0">
+                  <a:buNone/>
+                </a:pPr>
+                <a:endParaRPr lang="en-US" dirty="0"/>
+              </a:p>
+              <a:p>
+                <a:pPr marL="0" indent="0">
+                  <a:buNone/>
+                </a:pPr>
+                <a:endParaRPr lang="en-US" dirty="0" smtClean="0"/>
+              </a:p>
+              <a:p>
+                <a:pPr marL="0" indent="0">
+                  <a:buNone/>
+                </a:pPr>
+                <a:endParaRPr lang="en-US" dirty="0"/>
+              </a:p>
+              <a:p>
+                <a:pPr marL="0" indent="0">
+                  <a:buNone/>
+                </a:pPr>
+                <a:endParaRPr lang="en-US" dirty="0"/>
+              </a:p>
+              <a:p>
+                <a:pPr marL="0" indent="0">
+                  <a:buNone/>
+                </a:pPr>
+                <a:r>
+                  <a:rPr lang="en-US" b="1" dirty="0" smtClean="0"/>
+                  <a:t>CTX:</a:t>
+                </a:r>
+                <a:r>
+                  <a:rPr lang="en-US" dirty="0" smtClean="0"/>
+                  <a:t>   </a:t>
+                </a:r>
+                <a:r>
+                  <a:rPr lang="ru-RU" dirty="0" smtClean="0"/>
+                  <a:t>контекст, строка, уникально представляющая приложение или назначению ключей (для независимой генерации различных ключей для различных приложений).</a:t>
+                </a:r>
+                <a:endParaRPr lang="en-US" dirty="0"/>
+              </a:p>
+            </p:txBody>
+          </p:sp>
+        </mc:Choice>
+        <mc:Fallback xmlns="">
+          <p:sp>
+            <p:nvSpPr>
+              <p:cNvPr id="3" name="Content Placeholder 2"/>
+              <p:cNvSpPr>
+                <a:spLocks noGrp="1" noRot="1" noChangeAspect="1" noMove="1" noResize="1" noEditPoints="1" noAdjustHandles="1" noChangeArrowheads="1" noChangeShapeType="1" noTextEdit="1"/>
+              </p:cNvSpPr>
+              <p:nvPr>
+                <p:ph idx="1"/>
+              </p:nvPr>
+            </p:nvSpPr>
+            <p:spPr>
+              <a:xfrm>
+                <a:off x="838200" y="1938528"/>
+                <a:ext cx="11252200" cy="4919472"/>
+              </a:xfrm>
+              <a:blipFill rotWithShape="0">
+                <a:blip r:embed="rId2"/>
+                <a:stretch>
+                  <a:fillRect l="-976" t="-1859"/>
+                </a:stretch>
+              </a:blipFill>
+            </p:spPr>
+            <p:txBody>
+              <a:bodyPr/>
+              <a:lstStyle/>
+              <a:p>
+                <a:r>
+                  <a:rPr lang="ru-RU">
+                    <a:noFill/>
+                  </a:rPr>
+                  <a:t> </a:t>
+                </a:r>
+              </a:p>
+            </p:txBody>
+          </p:sp>
+        </mc:Fallback>
+      </mc:AlternateContent>
+      <p:sp>
+        <p:nvSpPr>
+          <p:cNvPr id="4" name="Rounded Rectangle 3"/>
+          <p:cNvSpPr/>
+          <p:nvPr/>
+        </p:nvSpPr>
+        <p:spPr>
+          <a:xfrm>
+            <a:off x="927100" y="3077464"/>
+            <a:ext cx="11074400" cy="1320800"/>
+          </a:xfrm>
+          <a:prstGeom prst="roundRect">
+            <a:avLst/>
+          </a:prstGeom>
+          <a:solidFill>
+            <a:srgbClr val="FAC090"/>
+          </a:solidFill>
+        </p:spPr>
+        <p:style>
+          <a:lnRef idx="1">
+            <a:schemeClr val="accent1"/>
+          </a:lnRef>
+          <a:fillRef idx="3">
+            <a:schemeClr val="accent1"/>
+          </a:fillRef>
+          <a:effectRef idx="2">
+            <a:schemeClr val="accent1"/>
+          </a:effectRef>
+          <a:fontRef idx="minor">
+            <a:schemeClr val="lt1"/>
+          </a:fontRef>
+        </p:style>
+        <p:txBody>
+          <a:bodyPr rtlCol="0" anchor="ctr"/>
+          <a:lstStyle/>
+          <a:p>
+            <a:pPr>
+              <a:spcBef>
+                <a:spcPts val="1696"/>
+              </a:spcBef>
+            </a:pPr>
+            <a:r>
+              <a:rPr lang="en-US" sz="3200" b="1" dirty="0">
+                <a:solidFill>
+                  <a:schemeClr val="tx1"/>
+                </a:solidFill>
+              </a:rPr>
+              <a:t>KDF</a:t>
+            </a:r>
+            <a:r>
+              <a:rPr lang="en-US" sz="2667" dirty="0">
+                <a:solidFill>
+                  <a:schemeClr val="tx1"/>
+                </a:solidFill>
+              </a:rPr>
+              <a:t>( SK, CTX, L)</a:t>
+            </a:r>
+            <a:r>
+              <a:rPr lang="en-US" sz="3200" dirty="0"/>
+              <a:t> </a:t>
+            </a:r>
+            <a:r>
+              <a:rPr lang="en-US" sz="3200" dirty="0">
+                <a:solidFill>
+                  <a:srgbClr val="000000"/>
+                </a:solidFill>
+              </a:rPr>
+              <a:t>:=</a:t>
+            </a:r>
+          </a:p>
+          <a:p>
+            <a:pPr>
+              <a:lnSpc>
+                <a:spcPct val="60000"/>
+              </a:lnSpc>
+              <a:spcBef>
+                <a:spcPts val="1696"/>
+              </a:spcBef>
+            </a:pPr>
+            <a:r>
+              <a:rPr lang="en-US" sz="3200" dirty="0"/>
+              <a:t>      </a:t>
+            </a:r>
+            <a:r>
+              <a:rPr lang="en-US" sz="3200" dirty="0">
+                <a:solidFill>
+                  <a:schemeClr val="bg1">
+                    <a:lumMod val="50000"/>
+                  </a:schemeClr>
+                </a:solidFill>
+              </a:rPr>
+              <a:t>F</a:t>
+            </a:r>
+            <a:r>
+              <a:rPr lang="en-US" sz="3733" dirty="0">
+                <a:solidFill>
+                  <a:schemeClr val="bg1">
+                    <a:lumMod val="50000"/>
+                  </a:schemeClr>
+                </a:solidFill>
+              </a:rPr>
+              <a:t>(</a:t>
+            </a:r>
+            <a:r>
+              <a:rPr lang="en-US" sz="2667" dirty="0">
+                <a:solidFill>
+                  <a:schemeClr val="bg1">
+                    <a:lumMod val="50000"/>
+                  </a:schemeClr>
+                </a:solidFill>
+              </a:rPr>
+              <a:t>SK</a:t>
+            </a:r>
+            <a:r>
+              <a:rPr lang="en-US" sz="3200" dirty="0">
+                <a:solidFill>
+                  <a:schemeClr val="bg1">
+                    <a:lumMod val="50000"/>
+                  </a:schemeClr>
+                </a:solidFill>
+              </a:rPr>
+              <a:t>,  (</a:t>
+            </a:r>
+            <a:r>
+              <a:rPr lang="en-US" sz="3200" b="1" dirty="0">
+                <a:solidFill>
+                  <a:srgbClr val="0000FF"/>
+                </a:solidFill>
+              </a:rPr>
+              <a:t>CTX </a:t>
+            </a:r>
+            <a:r>
+              <a:rPr lang="en-US" sz="3200" b="1" dirty="0" err="1">
+                <a:solidFill>
+                  <a:srgbClr val="0000FF"/>
+                </a:solidFill>
+              </a:rPr>
+              <a:t>ll</a:t>
+            </a:r>
+            <a:r>
+              <a:rPr lang="en-US" sz="3200" b="1" dirty="0">
+                <a:solidFill>
+                  <a:srgbClr val="0000FF"/>
+                </a:solidFill>
+              </a:rPr>
+              <a:t> 0</a:t>
+            </a:r>
+            <a:r>
+              <a:rPr lang="en-US" sz="3200" dirty="0">
+                <a:solidFill>
+                  <a:srgbClr val="7F7F7F"/>
+                </a:solidFill>
+              </a:rPr>
+              <a:t>)</a:t>
+            </a:r>
+            <a:r>
+              <a:rPr lang="en-US" sz="3733" dirty="0">
+                <a:solidFill>
+                  <a:srgbClr val="7F7F7F"/>
+                </a:solidFill>
+              </a:rPr>
+              <a:t>)</a:t>
+            </a:r>
+            <a:r>
+              <a:rPr lang="en-US" sz="3200" dirty="0">
+                <a:solidFill>
+                  <a:srgbClr val="7F7F7F"/>
+                </a:solidFill>
+              </a:rPr>
+              <a:t>  </a:t>
+            </a:r>
+            <a:r>
+              <a:rPr lang="en-US" sz="3733" dirty="0" err="1">
+                <a:solidFill>
+                  <a:srgbClr val="7F7F7F"/>
+                </a:solidFill>
+              </a:rPr>
+              <a:t>ll</a:t>
+            </a:r>
+            <a:r>
+              <a:rPr lang="en-US" sz="3200" dirty="0">
+                <a:solidFill>
+                  <a:srgbClr val="7F7F7F"/>
+                </a:solidFill>
+              </a:rPr>
+              <a:t>  F</a:t>
+            </a:r>
+            <a:r>
+              <a:rPr lang="en-US" sz="3733" dirty="0">
+                <a:solidFill>
+                  <a:srgbClr val="7F7F7F"/>
+                </a:solidFill>
+              </a:rPr>
+              <a:t>(</a:t>
+            </a:r>
+            <a:r>
+              <a:rPr lang="en-US" sz="2667" dirty="0">
+                <a:solidFill>
+                  <a:srgbClr val="7F7F7F"/>
+                </a:solidFill>
+              </a:rPr>
+              <a:t>SK</a:t>
+            </a:r>
+            <a:r>
+              <a:rPr lang="en-US" sz="3200" dirty="0">
+                <a:solidFill>
+                  <a:srgbClr val="7F7F7F"/>
+                </a:solidFill>
+              </a:rPr>
+              <a:t>,  (</a:t>
+            </a:r>
+            <a:r>
+              <a:rPr lang="en-US" sz="3200" b="1" dirty="0">
+                <a:solidFill>
+                  <a:srgbClr val="0000FF"/>
+                </a:solidFill>
+              </a:rPr>
+              <a:t>CTX </a:t>
+            </a:r>
+            <a:r>
+              <a:rPr lang="en-US" sz="3200" b="1" dirty="0" err="1">
+                <a:solidFill>
+                  <a:srgbClr val="0000FF"/>
+                </a:solidFill>
+              </a:rPr>
+              <a:t>ll</a:t>
+            </a:r>
+            <a:r>
+              <a:rPr lang="en-US" sz="3200" b="1" dirty="0">
+                <a:solidFill>
+                  <a:srgbClr val="0000FF"/>
+                </a:solidFill>
+              </a:rPr>
+              <a:t> 1</a:t>
+            </a:r>
+            <a:r>
+              <a:rPr lang="en-US" sz="3200" dirty="0">
+                <a:solidFill>
+                  <a:srgbClr val="7F7F7F"/>
+                </a:solidFill>
+              </a:rPr>
+              <a:t>)</a:t>
+            </a:r>
+            <a:r>
+              <a:rPr lang="en-US" sz="3733" dirty="0">
+                <a:solidFill>
+                  <a:srgbClr val="7F7F7F"/>
+                </a:solidFill>
+              </a:rPr>
+              <a:t>)</a:t>
+            </a:r>
+            <a:r>
+              <a:rPr lang="en-US" sz="3200" dirty="0">
+                <a:solidFill>
+                  <a:srgbClr val="7F7F7F"/>
+                </a:solidFill>
+              </a:rPr>
+              <a:t>  </a:t>
+            </a:r>
+            <a:r>
+              <a:rPr lang="en-US" sz="3733" dirty="0" err="1">
+                <a:solidFill>
+                  <a:srgbClr val="7F7F7F"/>
+                </a:solidFill>
+              </a:rPr>
+              <a:t>ll</a:t>
+            </a:r>
+            <a:r>
+              <a:rPr lang="en-US" sz="3733" dirty="0">
+                <a:solidFill>
+                  <a:srgbClr val="7F7F7F"/>
+                </a:solidFill>
+              </a:rPr>
+              <a:t>  </a:t>
+            </a:r>
+            <a:r>
+              <a:rPr lang="en-US" sz="3733" b="1" dirty="0">
+                <a:solidFill>
+                  <a:srgbClr val="7F7F7F"/>
+                </a:solidFill>
+              </a:rPr>
+              <a:t>⋯</a:t>
+            </a:r>
+            <a:r>
+              <a:rPr lang="en-US" sz="3733" dirty="0">
+                <a:solidFill>
+                  <a:srgbClr val="7F7F7F"/>
+                </a:solidFill>
+              </a:rPr>
+              <a:t>  </a:t>
+            </a:r>
+            <a:r>
+              <a:rPr lang="en-US" sz="3733" dirty="0" err="1">
+                <a:solidFill>
+                  <a:srgbClr val="7F7F7F"/>
+                </a:solidFill>
+              </a:rPr>
+              <a:t>ll</a:t>
+            </a:r>
+            <a:r>
+              <a:rPr lang="en-US" sz="3733" dirty="0">
+                <a:solidFill>
+                  <a:srgbClr val="7F7F7F"/>
+                </a:solidFill>
+              </a:rPr>
+              <a:t> </a:t>
+            </a:r>
+            <a:r>
+              <a:rPr lang="en-US" sz="3200" dirty="0">
+                <a:solidFill>
+                  <a:srgbClr val="7F7F7F"/>
+                </a:solidFill>
+              </a:rPr>
+              <a:t>F</a:t>
+            </a:r>
+            <a:r>
+              <a:rPr lang="en-US" sz="3733" dirty="0">
+                <a:solidFill>
+                  <a:srgbClr val="7F7F7F"/>
+                </a:solidFill>
+              </a:rPr>
+              <a:t>(</a:t>
+            </a:r>
+            <a:r>
+              <a:rPr lang="en-US" sz="2667" dirty="0">
+                <a:solidFill>
+                  <a:srgbClr val="7F7F7F"/>
+                </a:solidFill>
+              </a:rPr>
+              <a:t>SK</a:t>
+            </a:r>
+            <a:r>
+              <a:rPr lang="en-US" sz="3200" dirty="0">
+                <a:solidFill>
+                  <a:srgbClr val="7F7F7F"/>
+                </a:solidFill>
+              </a:rPr>
+              <a:t>,  (</a:t>
+            </a:r>
+            <a:r>
+              <a:rPr lang="en-US" sz="3200" b="1" dirty="0">
+                <a:solidFill>
+                  <a:srgbClr val="0000FF"/>
+                </a:solidFill>
+              </a:rPr>
+              <a:t>CTX </a:t>
+            </a:r>
+            <a:r>
+              <a:rPr lang="en-US" sz="3200" b="1" dirty="0" err="1">
+                <a:solidFill>
+                  <a:srgbClr val="0000FF"/>
+                </a:solidFill>
+              </a:rPr>
+              <a:t>ll</a:t>
+            </a:r>
+            <a:r>
+              <a:rPr lang="en-US" sz="3200" b="1" dirty="0">
+                <a:solidFill>
+                  <a:srgbClr val="0000FF"/>
+                </a:solidFill>
+              </a:rPr>
+              <a:t> L</a:t>
+            </a:r>
+            <a:r>
+              <a:rPr lang="en-US" sz="3200" dirty="0">
+                <a:solidFill>
+                  <a:srgbClr val="7F7F7F"/>
+                </a:solidFill>
+              </a:rPr>
+              <a:t>)</a:t>
+            </a:r>
+            <a:r>
+              <a:rPr lang="en-US" sz="3733" dirty="0">
+                <a:solidFill>
+                  <a:srgbClr val="7F7F7F"/>
+                </a:solidFill>
+              </a:rPr>
+              <a:t>)</a:t>
+            </a:r>
+            <a:r>
+              <a:rPr lang="en-US" sz="3200" dirty="0"/>
+              <a:t> </a:t>
+            </a:r>
+          </a:p>
+        </p:txBody>
+      </p:sp>
+    </p:spTree>
+    <p:extLst>
+      <p:ext uri="{BB962C8B-B14F-4D97-AF65-F5344CB8AC3E}">
+        <p14:creationId xmlns:p14="http://schemas.microsoft.com/office/powerpoint/2010/main" val="1408221677"/>
+      </p:ext>
+    </p:extLst>
+  </p:cSld>
+  <p:clrMapOvr>
+    <a:masterClrMapping/>
+  </p:clrMapOvr>
+  <p:timing>
+    <p:tnLst>
+      <p:par>
+        <p:cTn id="1" dur="indefinite" restart="never" nodeType="tmRoot"/>
+      </p:par>
+    </p:tnLst>
+  </p:timing>
+</p:sld>
+</file>
+
+<file path=ppt/slides/slide37.xml><?xml version="1.0" encoding="utf-8"?>
+<p:sld xmlns:a="http://schemas.openxmlformats.org/drawingml/2006/main" xmlns:r="http://schemas.openxmlformats.org/officeDocument/2006/relationships" xmlns:p="http://schemas.openxmlformats.org/presentationml/2006/main">
+  <p:cSld>
+    <p:spTree>
+      <p:nvGrpSpPr>
+        <p:cNvPr id="1" name=""/>
+        <p:cNvGrpSpPr/>
+        <p:nvPr/>
+      </p:nvGrpSpPr>
+      <p:grpSpPr>
+        <a:xfrm>
+          <a:off x="0" y="0"/>
+          <a:ext cx="0" cy="0"/>
+          <a:chOff x="0" y="0"/>
+          <a:chExt cx="0" cy="0"/>
+        </a:xfrm>
+      </p:grpSpPr>
+      <p:sp>
+        <p:nvSpPr>
+          <p:cNvPr id="2" name="Title 1"/>
+          <p:cNvSpPr>
+            <a:spLocks noGrp="1"/>
+          </p:cNvSpPr>
+          <p:nvPr>
+            <p:ph type="title"/>
+          </p:nvPr>
+        </p:nvSpPr>
+        <p:spPr/>
+        <p:txBody>
+          <a:bodyPr/>
+          <a:lstStyle/>
+          <a:p>
+            <a:r>
+              <a:rPr lang="ru-RU" dirty="0" smtClean="0"/>
               <a:t>Если источник не имеет равномерное распределение</a:t>
             </a:r>
             <a:endParaRPr lang="en-US" dirty="0"/>
@@ -13137,7 +13632,19 @@
             </a:r>
             <a:r>
               <a:rPr lang="ru-RU" dirty="0" smtClean="0"/>
-              <a:t> …. Без комментариев</a:t>
+              <a:t> …. </a:t>
+            </a:r>
+            <a:r>
+              <a:rPr lang="ru-RU" dirty="0"/>
+              <a:t>б</a:t>
+            </a:r>
+            <a:r>
+              <a:rPr lang="ru-RU" dirty="0" smtClean="0"/>
+              <a:t>ез </a:t>
+            </a:r>
+            <a:r>
+              <a:rPr lang="ru-RU" dirty="0" smtClean="0"/>
+              <a:t>комментариев</a:t>
             </a:r>
             <a:endParaRPr lang="en-US" dirty="0"/>
           </a:p>
@@ -13163,7 +13670,7 @@
 </p:sld>
 </file>
 
-<file path=ppt/slides/slide37.xml><?xml version="1.0" encoding="utf-8"?>
+<file path=ppt/slides/slide38.xml><?xml version="1.0" encoding="utf-8"?>
 <p:sld xmlns:a="http://schemas.openxmlformats.org/drawingml/2006/main" xmlns:r="http://schemas.openxmlformats.org/officeDocument/2006/relationships" xmlns:p="http://schemas.openxmlformats.org/presentationml/2006/main">
   <p:cSld>
     <p:spTree>
@@ -14153,7 +14660,7 @@
 </p:sld>
 </file>
 
-<file path=ppt/slides/slide38.xml><?xml version="1.0" encoding="utf-8"?>
+<file path=ppt/slides/slide39.xml><?xml version="1.0" encoding="utf-8"?>
 <p:sld xmlns:a="http://schemas.openxmlformats.org/drawingml/2006/main" xmlns:r="http://schemas.openxmlformats.org/officeDocument/2006/relationships" xmlns:p="http://schemas.openxmlformats.org/presentationml/2006/main">
   <p:cSld>
     <p:spTree>
@@ -14326,298 +14833,6 @@
       </p:par>
     </p:tnLst>
   </p:timing>
-</p:sld>
-</file>
-
-<file path=ppt/slides/slide39.xml><?xml version="1.0" encoding="utf-8"?>
-<p:sld xmlns:a="http://schemas.openxmlformats.org/drawingml/2006/main" xmlns:r="http://schemas.openxmlformats.org/officeDocument/2006/relationships" xmlns:p="http://schemas.openxmlformats.org/presentationml/2006/main">
-  <p:cSld>
-    <p:spTree>
-      <p:nvGrpSpPr>
-        <p:cNvPr id="1" name=""/>
-        <p:cNvGrpSpPr/>
-        <p:nvPr/>
-      </p:nvGrpSpPr>
-      <p:grpSpPr>
-        <a:xfrm>
-          <a:off x="0" y="0"/>
-          <a:ext cx="0" cy="0"/>
-          <a:chOff x="0" y="0"/>
-          <a:chExt cx="0" cy="0"/>
-        </a:xfrm>
-      </p:grpSpPr>
-      <p:sp>
-        <p:nvSpPr>
-          <p:cNvPr id="2" name="Заголовок 1"/>
-          <p:cNvSpPr>
-            <a:spLocks noGrp="1"/>
-          </p:cNvSpPr>
-          <p:nvPr>
-            <p:ph type="title"/>
-          </p:nvPr>
-        </p:nvSpPr>
-        <p:spPr/>
-        <p:txBody>
-          <a:bodyPr/>
-          <a:lstStyle/>
-          <a:p>
-            <a:r>
-              <a:rPr lang="en-US" dirty="0" smtClean="0"/>
-              <a:t>H</a:t>
-            </a:r>
-            <a:r>
-              <a:rPr lang="en-US" dirty="0"/>
-              <a:t>K</a:t>
-            </a:r>
-            <a:r>
-              <a:rPr lang="en-US" dirty="0" smtClean="0"/>
-              <a:t>DF</a:t>
-            </a:r>
-            <a:endParaRPr lang="ru-RU" dirty="0"/>
-          </a:p>
-        </p:txBody>
-      </p:sp>
-      <mc:AlternateContent xmlns:mc="http://schemas.openxmlformats.org/markup-compatibility/2006" xmlns:a14="http://schemas.microsoft.com/office/drawing/2010/main">
-        <mc:Choice Requires="a14">
-          <p:sp>
-            <p:nvSpPr>
-              <p:cNvPr id="3" name="Объект 2"/>
-              <p:cNvSpPr>
-                <a:spLocks noGrp="1"/>
-              </p:cNvSpPr>
-              <p:nvPr>
-                <p:ph idx="1"/>
-              </p:nvPr>
-            </p:nvSpPr>
-            <p:spPr/>
-            <p:txBody>
-              <a:bodyPr/>
-              <a:lstStyle/>
-              <a:p>
-                <a:pPr marL="0" indent="0">
-                  <a:buNone/>
-                </a:pPr>
-                <a:r>
-                  <a:rPr lang="ru-RU" dirty="0" smtClean="0"/>
-                  <a:t>Более</a:t>
-                </a:r>
-                <a:r>
-                  <a:rPr lang="en-US" dirty="0" smtClean="0"/>
-                  <a:t> </a:t>
-                </a:r>
-                <a:r>
-                  <a:rPr lang="ru-RU" dirty="0" smtClean="0"/>
-                  <a:t>формально </a:t>
-                </a:r>
-              </a:p>
-              <a:p>
-                <a:pPr marL="0" indent="0">
-                  <a:buNone/>
-                </a:pPr>
-                <a:endParaRPr lang="ru-RU" dirty="0"/>
-              </a:p>
-              <a:p>
-                <a:pPr marL="0" indent="0">
-                  <a:buNone/>
-                </a:pPr>
-                <a:endParaRPr lang="ru-RU" dirty="0" smtClean="0"/>
-              </a:p>
-              <a:p>
-                <a:pPr marL="0" indent="0">
-                  <a:buNone/>
-                </a:pPr>
-                <a:endParaRPr lang="ru-RU" dirty="0"/>
-              </a:p>
-              <a:p>
-                <a:pPr marL="0" indent="0">
-                  <a:buNone/>
-                </a:pPr>
-                <a:endParaRPr lang="ru-RU" dirty="0" smtClean="0"/>
-              </a:p>
-              <a:p>
-                <a:pPr marL="0" indent="0">
-                  <a:buNone/>
-                </a:pPr>
-                <a:endParaRPr lang="ru-RU" dirty="0"/>
-              </a:p>
-              <a:p>
-                <a:pPr marL="0" indent="0">
-                  <a:buNone/>
-                </a:pPr>
-                <a14:m>
-                  <m:oMath xmlns:m="http://schemas.openxmlformats.org/officeDocument/2006/math">
-                    <m:r>
-                      <a:rPr lang="en-US" b="0" i="1" smtClean="0">
-                        <a:latin typeface="Cambria Math" panose="02040503050406030204" pitchFamily="18" charset="0"/>
-                      </a:rPr>
-                      <m:t>𝑋𝑇𝑆</m:t>
-                    </m:r>
-                  </m:oMath>
-                </a14:m>
-                <a:r>
-                  <a:rPr lang="en-US" dirty="0" smtClean="0"/>
-                  <a:t> – </a:t>
-                </a:r>
-                <a:r>
-                  <a:rPr lang="ru-RU" dirty="0" smtClean="0"/>
-                  <a:t>соль, </a:t>
-                </a:r>
-                <a14:m>
-                  <m:oMath xmlns:m="http://schemas.openxmlformats.org/officeDocument/2006/math">
-                    <m:r>
-                      <a:rPr lang="en-US" b="0" i="1" smtClean="0">
-                        <a:latin typeface="Cambria Math" panose="02040503050406030204" pitchFamily="18" charset="0"/>
-                      </a:rPr>
-                      <m:t>𝑆𝐾𝑀</m:t>
-                    </m:r>
-                  </m:oMath>
-                </a14:m>
-                <a:r>
-                  <a:rPr lang="en-US" dirty="0" smtClean="0"/>
-                  <a:t> – </a:t>
-                </a:r>
-                <a:r>
-                  <a:rPr lang="ru-RU" dirty="0" smtClean="0"/>
-                  <a:t>ключевой материал, </a:t>
-                </a:r>
-                <a14:m>
-                  <m:oMath xmlns:m="http://schemas.openxmlformats.org/officeDocument/2006/math">
-                    <m:r>
-                      <a:rPr lang="en-US" b="0" i="1" smtClean="0">
-                        <a:latin typeface="Cambria Math" panose="02040503050406030204" pitchFamily="18" charset="0"/>
-                      </a:rPr>
-                      <m:t>𝐾</m:t>
-                    </m:r>
-                    <m:r>
-                      <a:rPr lang="en-US" b="0" i="1" smtClean="0">
-                        <a:latin typeface="Cambria Math" panose="02040503050406030204" pitchFamily="18" charset="0"/>
-                      </a:rPr>
-                      <m:t>(</m:t>
-                    </m:r>
-                    <m:r>
-                      <a:rPr lang="en-US" b="0" i="1" smtClean="0">
-                        <a:latin typeface="Cambria Math" panose="02040503050406030204" pitchFamily="18" charset="0"/>
-                      </a:rPr>
-                      <m:t>𝑖</m:t>
-                    </m:r>
-                    <m:r>
-                      <a:rPr lang="en-US" b="0" i="1" smtClean="0">
-                        <a:latin typeface="Cambria Math" panose="02040503050406030204" pitchFamily="18" charset="0"/>
-                      </a:rPr>
-                      <m:t>)</m:t>
-                    </m:r>
-                  </m:oMath>
-                </a14:m>
-                <a:r>
-                  <a:rPr lang="en-US" dirty="0" smtClean="0"/>
-                  <a:t> – </a:t>
-                </a:r>
-                <a:r>
-                  <a:rPr lang="ru-RU" dirty="0" smtClean="0"/>
-                  <a:t>выходы</a:t>
-                </a:r>
-                <a:endParaRPr lang="en-US" dirty="0" smtClean="0"/>
-              </a:p>
-              <a:p>
-                <a:pPr marL="0" indent="0">
-                  <a:buNone/>
-                </a:pPr>
-                <a:endParaRPr lang="ru-RU" dirty="0"/>
-              </a:p>
-            </p:txBody>
-          </p:sp>
-        </mc:Choice>
-        <mc:Fallback xmlns="">
-          <p:sp>
-            <p:nvSpPr>
-              <p:cNvPr id="3" name="Объект 2"/>
-              <p:cNvSpPr>
-                <a:spLocks noGrp="1" noRot="1" noChangeAspect="1" noMove="1" noResize="1" noEditPoints="1" noAdjustHandles="1" noChangeArrowheads="1" noChangeShapeType="1" noTextEdit="1"/>
-              </p:cNvSpPr>
-              <p:nvPr>
-                <p:ph idx="1"/>
-              </p:nvPr>
-            </p:nvSpPr>
-            <p:spPr>
-              <a:blipFill rotWithShape="0">
-                <a:blip r:embed="rId2"/>
-                <a:stretch>
-                  <a:fillRect l="-1043" t="-2101"/>
-                </a:stretch>
-              </a:blipFill>
-            </p:spPr>
-            <p:txBody>
-              <a:bodyPr/>
-              <a:lstStyle/>
-              <a:p>
-                <a:r>
-                  <a:rPr lang="ru-RU">
-                    <a:noFill/>
-                  </a:rPr>
-                  <a:t> </a:t>
-                </a:r>
-              </a:p>
-            </p:txBody>
-          </p:sp>
-        </mc:Fallback>
-      </mc:AlternateContent>
-      <p:sp>
-        <p:nvSpPr>
-          <p:cNvPr id="4" name="Номер слайда 3"/>
-          <p:cNvSpPr>
-            <a:spLocks noGrp="1"/>
-          </p:cNvSpPr>
-          <p:nvPr>
-            <p:ph type="sldNum" sz="quarter" idx="12"/>
-          </p:nvPr>
-        </p:nvSpPr>
-        <p:spPr/>
-        <p:txBody>
-          <a:bodyPr/>
-          <a:lstStyle/>
-          <a:p>
-            <a:fld id="{8253DDDB-F8F7-4D64-A7FD-3F3D61C1949F}" type="slidenum">
-              <a:rPr lang="ru-RU" smtClean="0"/>
-              <a:t>39</a:t>
-            </a:fld>
-            <a:endParaRPr lang="ru-RU"/>
-          </a:p>
-        </p:txBody>
-      </p:sp>
-      <p:pic>
-        <p:nvPicPr>
-          <p:cNvPr id="7" name="Объект 4"/>
-          <p:cNvPicPr>
-            <a:picLocks noChangeAspect="1"/>
-          </p:cNvPicPr>
-          <p:nvPr/>
-        </p:nvPicPr>
-        <p:blipFill>
-          <a:blip r:embed="rId3"/>
-          <a:stretch>
-            <a:fillRect/>
-          </a:stretch>
-        </p:blipFill>
-        <p:spPr>
-          <a:xfrm>
-            <a:off x="2499579" y="2504367"/>
-            <a:ext cx="6683983" cy="2177927"/>
-          </a:xfrm>
-          <a:prstGeom prst="rect">
-            <a:avLst/>
-          </a:prstGeom>
-        </p:spPr>
-      </p:pic>
-    </p:spTree>
-    <p:extLst>
-      <p:ext uri="{BB962C8B-B14F-4D97-AF65-F5344CB8AC3E}">
-        <p14:creationId xmlns:p14="http://schemas.microsoft.com/office/powerpoint/2010/main" val="614826178"/>
-      </p:ext>
-    </p:extLst>
-  </p:cSld>
-  <p:clrMapOvr>
-    <a:masterClrMapping/>
-  </p:clrMapOvr>
 </p:sld>
 </file>
 
@@ -14673,8 +14888,8 @@
           </a:p>
         </p:txBody>
       </p:sp>
-      <mc:AlternateContent xmlns:mc="http://schemas.openxmlformats.org/markup-compatibility/2006" xmlns:a14="http://schemas.microsoft.com/office/drawing/2010/main">
-        <mc:Choice Requires="a14">
+      <mc:AlternateContent xmlns:mc="http://schemas.openxmlformats.org/markup-compatibility/2006">
+        <mc:Choice xmlns:a14="http://schemas.microsoft.com/office/drawing/2010/main" Requires="a14">
           <p:sp>
             <p:nvSpPr>
               <p:cNvPr id="3" name="Объект 2"/>
@@ -14700,7 +14915,7 @@
                 </a:pPr>
                 <a:r>
                   <a:rPr lang="ru-RU" dirty="0" smtClean="0"/>
-                  <a:t>Хэш функция</a:t>
+                  <a:t>Хэш-функция</a:t>
                 </a:r>
                 <a:r>
                   <a:rPr lang="en-US" dirty="0" smtClean="0"/>
@@ -15385,7 +15600,7 @@
             </p:txBody>
           </p:sp>
         </mc:Choice>
-        <mc:Fallback xmlns="">
+        <mc:Fallback>
           <p:sp>
             <p:nvSpPr>
               <p:cNvPr id="3" name="Объект 2"/>
@@ -15404,7 +15619,7 @@
               <a:blipFill rotWithShape="0">
                 <a:blip r:embed="rId2"/>
                 <a:stretch>
-                  <a:fillRect l="-1043" t="-1904"/>
+                  <a:fillRect l="-1043" t="-1904" r="-174"/>
                 </a:stretch>
               </a:blipFill>
             </p:spPr>
@@ -16323,8 +16538,16 @@
           <a:lstStyle/>
           <a:p>
             <a:r>
+              <a:rPr lang="en-US" dirty="0" smtClean="0"/>
+              <a:t>H</a:t>
+            </a:r>
+            <a:r>
               <a:rPr lang="en-US" dirty="0"/>
-              <a:t>HKDF</a:t>
+              <a:t>K</a:t>
+            </a:r>
+            <a:r>
+              <a:rPr lang="en-US" dirty="0" smtClean="0"/>
+              <a:t>DF</a:t>
             </a:r>
             <a:endParaRPr lang="ru-RU" dirty="0"/>
           </a:p>
@@ -16342,12 +16565,7 @@
                 <p:ph idx="1"/>
               </p:nvPr>
             </p:nvSpPr>
-            <p:spPr>
-              <a:xfrm>
-                <a:off x="838199" y="2799470"/>
-                <a:ext cx="9924757" cy="4094919"/>
-              </a:xfrm>
-            </p:spPr>
+            <p:spPr/>
             <p:txBody>
               <a:bodyPr/>
               <a:lstStyle/>
@@ -16355,78 +16573,48 @@
                 <a:pPr marL="0" indent="0">
                   <a:buNone/>
                 </a:pPr>
-                <a14:m>
-                  <m:oMath xmlns:m="http://schemas.openxmlformats.org/officeDocument/2006/math">
-                    <m:r>
-                      <a:rPr lang="en-US" b="0" i="1" smtClean="0">
-                        <a:latin typeface="Cambria Math" panose="02040503050406030204" pitchFamily="18" charset="0"/>
-                      </a:rPr>
-                      <m:t>𝑋𝑇𝑆</m:t>
-                    </m:r>
-                  </m:oMath>
-                </a14:m>
                 <a:r>
                   <a:rPr lang="ru-RU" dirty="0" smtClean="0"/>
-                  <a:t> – случайная</a:t>
+                  <a:t>Более</a:t>
                 </a:r>
                 <a:r>
                   <a:rPr lang="en-US" dirty="0" smtClean="0"/>
-                  <a:t> =&gt;</a:t>
+                  <a:t> </a:t>
                 </a:r>
                 <a:r>
                   <a:rPr lang="ru-RU" dirty="0" smtClean="0"/>
-                  <a:t> </a:t>
-                </a:r>
-                <a14:m>
-                  <m:oMath xmlns:m="http://schemas.openxmlformats.org/officeDocument/2006/math">
-                    <m:r>
-                      <a:rPr lang="en-US" b="0" i="1" smtClean="0">
-                        <a:latin typeface="Cambria Math" panose="02040503050406030204" pitchFamily="18" charset="0"/>
-                      </a:rPr>
-                      <m:t>𝑃𝑅𝐾</m:t>
-                    </m:r>
-                  </m:oMath>
-                </a14:m>
-                <a:r>
-                  <a:rPr lang="ru-RU" dirty="0" smtClean="0"/>
-                  <a:t> – стойкая </a:t>
-                </a:r>
-                <a:r>
-                  <a:rPr lang="en-US" dirty="0" smtClean="0"/>
-                  <a:t>PRF (</a:t>
-                </a:r>
-                <a:r>
-                  <a:rPr lang="ru-RU" dirty="0" smtClean="0"/>
-                  <a:t>т.к. </a:t>
-                </a:r>
-                <a:r>
-                  <a:rPr lang="en-US" dirty="0" smtClean="0"/>
-                  <a:t>HMAC </a:t>
-                </a:r>
-                <a:r>
-                  <a:rPr lang="ru-RU" dirty="0" smtClean="0"/>
-                  <a:t>– стойкая </a:t>
-                </a:r>
-                <a:r>
-                  <a:rPr lang="en-US" dirty="0" smtClean="0"/>
-                  <a:t>PRF</a:t>
-                </a:r>
-                <a:r>
-                  <a:rPr lang="ru-RU" dirty="0" smtClean="0"/>
-                  <a:t>), требование на хэш</a:t>
-                </a:r>
-                <a:r>
-                  <a:rPr lang="ru-RU" dirty="0"/>
-                  <a:t>-</a:t>
-                </a:r>
-                <a:r>
-                  <a:rPr lang="ru-RU" dirty="0" smtClean="0"/>
-                  <a:t>функцию – необходимые требования для стойкости </a:t>
-                </a:r>
-                <a:r>
-                  <a:rPr lang="en-US" dirty="0" smtClean="0"/>
-                  <a:t>MAC</a:t>
-                </a:r>
+                  <a:t>формально </a:t>
+                </a:r>
+              </a:p>
+              <a:p>
+                <a:pPr marL="0" indent="0">
+                  <a:buNone/>
+                </a:pPr>
+                <a:endParaRPr lang="ru-RU" dirty="0"/>
+              </a:p>
+              <a:p>
+                <a:pPr marL="0" indent="0">
+                  <a:buNone/>
+                </a:pPr>
+                <a:endParaRPr lang="ru-RU" dirty="0" smtClean="0"/>
+              </a:p>
+              <a:p>
+                <a:pPr marL="0" indent="0">
+                  <a:buNone/>
+                </a:pPr>
+                <a:endParaRPr lang="ru-RU" dirty="0"/>
+              </a:p>
+              <a:p>
+                <a:pPr marL="0" indent="0">
+                  <a:buNone/>
+                </a:pPr>
+                <a:endParaRPr lang="ru-RU" dirty="0" smtClean="0"/>
+              </a:p>
+              <a:p>
+                <a:pPr marL="0" indent="0">
+                  <a:buNone/>
+                </a:pPr>
+                <a:endParaRPr lang="ru-RU" dirty="0"/>
               </a:p>
               <a:p>
                 <a:pPr marL="0" indent="0">
@@ -16435,7 +16623,7 @@
                 <a14:m>
                   <m:oMath xmlns:m="http://schemas.openxmlformats.org/officeDocument/2006/math">
                     <m:r>
-                      <a:rPr lang="en-US" i="1">
+                      <a:rPr lang="en-US" b="0" i="1" smtClean="0">
                         <a:latin typeface="Cambria Math" panose="02040503050406030204" pitchFamily="18" charset="0"/>
                       </a:rPr>
                       <m:t>𝑋𝑇𝑆</m:t>
@@ -16443,20 +16631,12 @@
                   </m:oMath>
                 </a14:m>
                 <a:r>
+                  <a:rPr lang="en-US" dirty="0" smtClean="0"/>
+                  <a:t> – </a:t>
+                </a:r>
+                <a:r>
                   <a:rPr lang="ru-RU" dirty="0" smtClean="0"/>
-                  <a:t> </a:t>
-                </a:r>
-                <a:r>
-                  <a:rPr lang="ru-RU" dirty="0"/>
-                  <a:t>–</a:t>
-                </a:r>
-                <a:r>
-                  <a:rPr lang="en-US" dirty="0" smtClean="0"/>
-                  <a:t> </a:t>
-                </a:r>
-                <a:r>
-                  <a:rPr lang="ru-RU" dirty="0" smtClean="0"/>
-                  <a:t>константа 0. </a:t>
+                  <a:t>соль, </a:t>
                 </a:r>
                 <a14:m>
                   <m:oMath xmlns:m="http://schemas.openxmlformats.org/officeDocument/2006/math">
@@ -16464,7 +16644,7 @@
                       <a:rPr lang="en-US" b="0" i="1" smtClean="0">
                         <a:latin typeface="Cambria Math" panose="02040503050406030204" pitchFamily="18" charset="0"/>
                       </a:rPr>
-                      <m:t>𝑃𝑅𝐾</m:t>
+                      <m:t>𝑆𝐾𝑀</m:t>
                     </m:r>
                   </m:oMath>
                 </a14:m>
@@ -16474,23 +16654,7 @@
                 </a:r>
                 <a:r>
                   <a:rPr lang="ru-RU" dirty="0" smtClean="0"/>
-                  <a:t>детерминированная хэш</a:t>
-                </a:r>
-                <a:r>
-                  <a:rPr lang="ru-RU" dirty="0"/>
-                  <a:t>-</a:t>
-                </a:r>
-                <a:r>
-                  <a:rPr lang="ru-RU" dirty="0" smtClean="0"/>
-                  <a:t>функция, на основе хэш-функции, использованной в </a:t>
-                </a:r>
-                <a:r>
-                  <a:rPr lang="en-US" dirty="0" smtClean="0"/>
-                  <a:t>HMAC</a:t>
-                </a:r>
-                <a:r>
-                  <a:rPr lang="ru-RU" dirty="0" smtClean="0"/>
-                  <a:t>. Для получения псевдослучайных выходов </a:t>
+                  <a:t>ключевой материал, </a:t>
                 </a:r>
                 <a14:m>
                   <m:oMath xmlns:m="http://schemas.openxmlformats.org/officeDocument/2006/math">
@@ -16521,44 +16685,14 @@
                   </m:oMath>
                 </a14:m>
                 <a:r>
+                  <a:rPr lang="en-US" dirty="0" smtClean="0"/>
+                  <a:t> – </a:t>
+                </a:r>
+                <a:r>
                   <a:rPr lang="ru-RU" dirty="0" smtClean="0"/>
-                  <a:t> необходимо использовать модель случайного оракула для хэш-функции.</a:t>
-                </a:r>
-              </a:p>
-              <a:p>
-                <a:pPr marL="0" indent="0">
-                  <a:buNone/>
-                </a:pPr>
-                <a:r>
-                  <a:rPr lang="ru-RU" dirty="0" smtClean="0"/>
-                  <a:t>Промежуточные решения – использование различных констант, счётчиков, </a:t>
-                </a:r>
-                <a:r>
-                  <a:rPr lang="en-US" dirty="0" smtClean="0"/>
-                  <a:t>nonce</a:t>
-                </a:r>
-                <a:r>
-                  <a:rPr lang="ru-RU" dirty="0" smtClean="0"/>
-                  <a:t>, дают промежуточные </a:t>
-                </a:r>
-                <a:r>
-                  <a:rPr lang="ru-RU" dirty="0" err="1" smtClean="0"/>
-                  <a:t>результыты</a:t>
-                </a:r>
-                <a:r>
-                  <a:rPr lang="ru-RU" dirty="0" smtClean="0"/>
-                  <a:t>.</a:t>
-                </a:r>
-              </a:p>
-              <a:p>
-                <a:pPr marL="0" indent="0">
-                  <a:buNone/>
-                </a:pPr>
-                <a:r>
-                  <a:rPr lang="ru-RU" dirty="0" smtClean="0"/>
-                  <a:t> </a:t>
-                </a:r>
-                <a:endParaRPr lang="en-US" dirty="0"/>
+                  <a:t>выходы</a:t>
+                </a:r>
+                <a:endParaRPr lang="en-US" dirty="0" smtClean="0"/>
               </a:p>
               <a:p>
                 <a:pPr marL="0" indent="0">
@@ -16581,14 +16715,10 @@
               </p:nvPr>
             </p:nvSpPr>
             <p:spPr>
-              <a:xfrm>
-                <a:off x="838199" y="2799470"/>
-                <a:ext cx="9924757" cy="4094919"/>
-              </a:xfrm>
               <a:blipFill rotWithShape="0">
                 <a:blip r:embed="rId2"/>
                 <a:stretch>
-                  <a:fillRect l="-1044" t="-2232"/>
+                  <a:fillRect l="-1043" t="-2101"/>
                 </a:stretch>
               </a:blipFill>
             </p:spPr>
@@ -16632,7 +16762,7 @@
       </p:sp>
       <p:pic>
         <p:nvPicPr>
-          <p:cNvPr id="5" name="Объект 4"/>
+          <p:cNvPr id="7" name="Объект 4"/>
           <p:cNvPicPr>
             <a:picLocks noChangeAspect="1"/>
           </p:cNvPicPr>
@@ -16646,7 +16776,7 @@
         </p:blipFill>
         <p:spPr>
           <a:xfrm>
-            <a:off x="5268608" y="365125"/>
+            <a:off x="2499579" y="2504367"/>
             <a:ext cx="6683983" cy="2177927"/>
           </a:xfrm>
           <a:prstGeom prst="rect">
@@ -16657,7 +16787,7 @@
     </p:spTree>
     <p:extLst>
       <p:ext uri="{BB962C8B-B14F-4D97-AF65-F5344CB8AC3E}">
-        <p14:creationId xmlns:p14="http://schemas.microsoft.com/office/powerpoint/2010/main" val="1523815543"/>
+        <p14:creationId xmlns:p14="http://schemas.microsoft.com/office/powerpoint/2010/main" val="614826178"/>
       </p:ext>
     </p:extLst>
   </p:cSld>
@@ -16700,6 +16830,383 @@
           <a:lstStyle/>
           <a:p>
             <a:r>
+              <a:rPr lang="en-US" dirty="0"/>
+              <a:t>HKDF</a:t>
+            </a:r>
+            <a:endParaRPr lang="ru-RU" dirty="0"/>
+          </a:p>
+        </p:txBody>
+      </p:sp>
+      <mc:AlternateContent xmlns:mc="http://schemas.openxmlformats.org/markup-compatibility/2006" xmlns:a14="http://schemas.microsoft.com/office/drawing/2010/main">
+        <mc:Choice Requires="a14">
+          <p:sp>
+            <p:nvSpPr>
+              <p:cNvPr id="3" name="Объект 2"/>
+              <p:cNvSpPr>
+                <a:spLocks noGrp="1"/>
+              </p:cNvSpPr>
+              <p:nvPr>
+                <p:ph idx="1"/>
+              </p:nvPr>
+            </p:nvSpPr>
+            <p:spPr>
+              <a:xfrm>
+                <a:off x="838199" y="2799470"/>
+                <a:ext cx="9924757" cy="4094919"/>
+              </a:xfrm>
+            </p:spPr>
+            <p:txBody>
+              <a:bodyPr/>
+              <a:lstStyle/>
+              <a:p>
+                <a:pPr marL="0" indent="0">
+                  <a:buNone/>
+                </a:pPr>
+                <a14:m>
+                  <m:oMath xmlns:m="http://schemas.openxmlformats.org/officeDocument/2006/math">
+                    <m:r>
+                      <a:rPr lang="en-US" b="0" i="1" smtClean="0">
+                        <a:latin typeface="Cambria Math" panose="02040503050406030204" pitchFamily="18" charset="0"/>
+                      </a:rPr>
+                      <m:t>𝑋𝑇𝑆</m:t>
+                    </m:r>
+                  </m:oMath>
+                </a14:m>
+                <a:r>
+                  <a:rPr lang="ru-RU" dirty="0" smtClean="0"/>
+                  <a:t> – случайная</a:t>
+                </a:r>
+                <a:r>
+                  <a:rPr lang="en-US" dirty="0" smtClean="0"/>
+                  <a:t> =&gt;</a:t>
+                </a:r>
+                <a:r>
+                  <a:rPr lang="ru-RU" dirty="0" smtClean="0"/>
+                  <a:t> </a:t>
+                </a:r>
+                <a14:m>
+                  <m:oMath xmlns:m="http://schemas.openxmlformats.org/officeDocument/2006/math">
+                    <m:r>
+                      <a:rPr lang="en-US" b="0" i="1" smtClean="0">
+                        <a:latin typeface="Cambria Math" panose="02040503050406030204" pitchFamily="18" charset="0"/>
+                      </a:rPr>
+                      <m:t>𝑃𝑅𝐾</m:t>
+                    </m:r>
+                  </m:oMath>
+                </a14:m>
+                <a:r>
+                  <a:rPr lang="ru-RU" dirty="0" smtClean="0"/>
+                  <a:t> – стойкая </a:t>
+                </a:r>
+                <a:r>
+                  <a:rPr lang="en-US" dirty="0" smtClean="0"/>
+                  <a:t>PRF (</a:t>
+                </a:r>
+                <a:r>
+                  <a:rPr lang="ru-RU" dirty="0" smtClean="0"/>
+                  <a:t>т.к. </a:t>
+                </a:r>
+                <a:r>
+                  <a:rPr lang="en-US" dirty="0" smtClean="0"/>
+                  <a:t>HMAC </a:t>
+                </a:r>
+                <a:r>
+                  <a:rPr lang="ru-RU" dirty="0" smtClean="0"/>
+                  <a:t>– стойкая </a:t>
+                </a:r>
+                <a:r>
+                  <a:rPr lang="en-US" dirty="0" smtClean="0"/>
+                  <a:t>PRF</a:t>
+                </a:r>
+                <a:r>
+                  <a:rPr lang="ru-RU" dirty="0" smtClean="0"/>
+                  <a:t>), требование на хэш</a:t>
+                </a:r>
+                <a:r>
+                  <a:rPr lang="ru-RU" dirty="0"/>
+                  <a:t>-</a:t>
+                </a:r>
+                <a:r>
+                  <a:rPr lang="ru-RU" dirty="0" smtClean="0"/>
+                  <a:t>функцию – необходимые требования для стойкости </a:t>
+                </a:r>
+                <a:r>
+                  <a:rPr lang="en-US" dirty="0" smtClean="0"/>
+                  <a:t>MAC</a:t>
+                </a:r>
+              </a:p>
+              <a:p>
+                <a:pPr marL="0" indent="0">
+                  <a:buNone/>
+                </a:pPr>
+                <a14:m>
+                  <m:oMath xmlns:m="http://schemas.openxmlformats.org/officeDocument/2006/math">
+                    <m:r>
+                      <a:rPr lang="en-US" i="1">
+                        <a:latin typeface="Cambria Math" panose="02040503050406030204" pitchFamily="18" charset="0"/>
+                      </a:rPr>
+                      <m:t>𝑋𝑇𝑆</m:t>
+                    </m:r>
+                  </m:oMath>
+                </a14:m>
+                <a:r>
+                  <a:rPr lang="ru-RU" dirty="0" smtClean="0"/>
+                  <a:t> </a:t>
+                </a:r>
+                <a:r>
+                  <a:rPr lang="ru-RU" dirty="0"/>
+                  <a:t>–</a:t>
+                </a:r>
+                <a:r>
+                  <a:rPr lang="en-US" dirty="0" smtClean="0"/>
+                  <a:t> </a:t>
+                </a:r>
+                <a:r>
+                  <a:rPr lang="ru-RU" dirty="0" smtClean="0"/>
+                  <a:t>константа 0. </a:t>
+                </a:r>
+                <a14:m>
+                  <m:oMath xmlns:m="http://schemas.openxmlformats.org/officeDocument/2006/math">
+                    <m:r>
+                      <a:rPr lang="en-US" b="0" i="1" smtClean="0">
+                        <a:latin typeface="Cambria Math" panose="02040503050406030204" pitchFamily="18" charset="0"/>
+                      </a:rPr>
+                      <m:t>𝑃𝑅𝐾</m:t>
+                    </m:r>
+                  </m:oMath>
+                </a14:m>
+                <a:r>
+                  <a:rPr lang="en-US" dirty="0" smtClean="0"/>
+                  <a:t> – </a:t>
+                </a:r>
+                <a:r>
+                  <a:rPr lang="ru-RU" dirty="0" smtClean="0"/>
+                  <a:t>детерминированная хэш</a:t>
+                </a:r>
+                <a:r>
+                  <a:rPr lang="ru-RU" dirty="0"/>
+                  <a:t>-</a:t>
+                </a:r>
+                <a:r>
+                  <a:rPr lang="ru-RU" dirty="0" smtClean="0"/>
+                  <a:t>функция, на основе хэш-функции, использованной в </a:t>
+                </a:r>
+                <a:r>
+                  <a:rPr lang="en-US" dirty="0" smtClean="0"/>
+                  <a:t>HMAC</a:t>
+                </a:r>
+                <a:r>
+                  <a:rPr lang="ru-RU" dirty="0" smtClean="0"/>
+                  <a:t>. Для получения псевдослучайных выходов </a:t>
+                </a:r>
+                <a14:m>
+                  <m:oMath xmlns:m="http://schemas.openxmlformats.org/officeDocument/2006/math">
+                    <m:r>
+                      <a:rPr lang="en-US" b="0" i="1" smtClean="0">
+                        <a:latin typeface="Cambria Math" panose="02040503050406030204" pitchFamily="18" charset="0"/>
+                      </a:rPr>
+                      <m:t>𝐾</m:t>
+                    </m:r>
+                    <m:r>
+                      <a:rPr lang="en-US" b="0" i="1" smtClean="0">
+                        <a:latin typeface="Cambria Math" panose="02040503050406030204" pitchFamily="18" charset="0"/>
+                      </a:rPr>
+                      <m:t>(</m:t>
+                    </m:r>
+                    <m:r>
+                      <a:rPr lang="en-US" b="0" i="1" smtClean="0">
+                        <a:latin typeface="Cambria Math" panose="02040503050406030204" pitchFamily="18" charset="0"/>
+                      </a:rPr>
+                      <m:t>𝑖</m:t>
+                    </m:r>
+                    <m:r>
+                      <a:rPr lang="en-US" b="0" i="1" smtClean="0">
+                        <a:latin typeface="Cambria Math" panose="02040503050406030204" pitchFamily="18" charset="0"/>
+                      </a:rPr>
+                      <m:t>)</m:t>
+                    </m:r>
+                  </m:oMath>
+                </a14:m>
+                <a:r>
+                  <a:rPr lang="ru-RU" dirty="0" smtClean="0"/>
+                  <a:t> необходимо использовать модель случайного оракула для хэш-функции.</a:t>
+                </a:r>
+              </a:p>
+              <a:p>
+                <a:pPr marL="0" indent="0">
+                  <a:buNone/>
+                </a:pPr>
+                <a:r>
+                  <a:rPr lang="ru-RU" dirty="0" smtClean="0"/>
+                  <a:t>Промежуточные решения – использование различных констант, счётчиков, </a:t>
+                </a:r>
+                <a:r>
+                  <a:rPr lang="en-US" dirty="0" smtClean="0"/>
+                  <a:t>nonce</a:t>
+                </a:r>
+                <a:r>
+                  <a:rPr lang="ru-RU" dirty="0" smtClean="0"/>
+                  <a:t>, дают промежуточные </a:t>
+                </a:r>
+                <a:r>
+                  <a:rPr lang="ru-RU" dirty="0" err="1" smtClean="0"/>
+                  <a:t>результыты</a:t>
+                </a:r>
+                <a:r>
+                  <a:rPr lang="ru-RU" dirty="0" smtClean="0"/>
+                  <a:t>.</a:t>
+                </a:r>
+              </a:p>
+              <a:p>
+                <a:pPr marL="0" indent="0">
+                  <a:buNone/>
+                </a:pPr>
+                <a:r>
+                  <a:rPr lang="ru-RU" dirty="0" smtClean="0"/>
+                  <a:t> </a:t>
+                </a:r>
+                <a:endParaRPr lang="en-US" dirty="0"/>
+              </a:p>
+              <a:p>
+                <a:pPr marL="0" indent="0">
+                  <a:buNone/>
+                </a:pPr>
+                <a:endParaRPr lang="ru-RU" dirty="0"/>
+              </a:p>
+            </p:txBody>
+          </p:sp>
+        </mc:Choice>
+        <mc:Fallback xmlns="">
+          <p:sp>
+            <p:nvSpPr>
+              <p:cNvPr id="3" name="Объект 2"/>
+              <p:cNvSpPr>
+                <a:spLocks noGrp="1" noRot="1" noChangeAspect="1" noMove="1" noResize="1" noEditPoints="1" noAdjustHandles="1" noChangeArrowheads="1" noChangeShapeType="1" noTextEdit="1"/>
+              </p:cNvSpPr>
+              <p:nvPr>
+                <p:ph idx="1"/>
+              </p:nvPr>
+            </p:nvSpPr>
+            <p:spPr>
+              <a:xfrm>
+                <a:off x="838199" y="2799470"/>
+                <a:ext cx="9924757" cy="4094919"/>
+              </a:xfrm>
+              <a:blipFill rotWithShape="0">
+                <a:blip r:embed="rId2"/>
+                <a:stretch>
+                  <a:fillRect l="-1044" t="-2232"/>
+                </a:stretch>
+              </a:blipFill>
+            </p:spPr>
+            <p:txBody>
+              <a:bodyPr/>
+              <a:lstStyle/>
+              <a:p>
+                <a:r>
+                  <a:rPr lang="ru-RU">
+                    <a:noFill/>
+                  </a:rPr>
+                  <a:t> </a:t>
+                </a:r>
+              </a:p>
+            </p:txBody>
+          </p:sp>
+        </mc:Fallback>
+      </mc:AlternateContent>
+      <p:sp>
+        <p:nvSpPr>
+          <p:cNvPr id="4" name="Номер слайда 3"/>
+          <p:cNvSpPr>
+            <a:spLocks noGrp="1"/>
+          </p:cNvSpPr>
+          <p:nvPr>
+            <p:ph type="sldNum" sz="quarter" idx="12"/>
+          </p:nvPr>
+        </p:nvSpPr>
+        <p:spPr/>
+        <p:txBody>
+          <a:bodyPr/>
+          <a:lstStyle/>
+          <a:p>
+            <a:fld id="{8253DDDB-F8F7-4D64-A7FD-3F3D61C1949F}" type="slidenum">
+              <a:rPr lang="ru-RU" smtClean="0"/>
+              <a:t>41</a:t>
+            </a:fld>
+            <a:endParaRPr lang="ru-RU"/>
+          </a:p>
+        </p:txBody>
+      </p:sp>
+      <p:pic>
+        <p:nvPicPr>
+          <p:cNvPr id="5" name="Объект 4"/>
+          <p:cNvPicPr>
+            <a:picLocks noChangeAspect="1"/>
+          </p:cNvPicPr>
+          <p:nvPr/>
+        </p:nvPicPr>
+        <p:blipFill>
+          <a:blip r:embed="rId3"/>
+          <a:stretch>
+            <a:fillRect/>
+          </a:stretch>
+        </p:blipFill>
+        <p:spPr>
+          <a:xfrm>
+            <a:off x="5268608" y="365125"/>
+            <a:ext cx="6683983" cy="2177927"/>
+          </a:xfrm>
+          <a:prstGeom prst="rect">
+            <a:avLst/>
+          </a:prstGeom>
+        </p:spPr>
+      </p:pic>
+    </p:spTree>
+    <p:extLst>
+      <p:ext uri="{BB962C8B-B14F-4D97-AF65-F5344CB8AC3E}">
+        <p14:creationId xmlns:p14="http://schemas.microsoft.com/office/powerpoint/2010/main" val="1523815543"/>
+      </p:ext>
+    </p:extLst>
+  </p:cSld>
+  <p:clrMapOvr>
+    <a:masterClrMapping/>
+  </p:clrMapOvr>
+</p:sld>
+</file>
+
+<file path=ppt/slides/slide42.xml><?xml version="1.0" encoding="utf-8"?>
+<p:sld xmlns:a="http://schemas.openxmlformats.org/drawingml/2006/main" xmlns:r="http://schemas.openxmlformats.org/officeDocument/2006/relationships" xmlns:p="http://schemas.openxmlformats.org/presentationml/2006/main">
+  <p:cSld>
+    <p:spTree>
+      <p:nvGrpSpPr>
+        <p:cNvPr id="1" name=""/>
+        <p:cNvGrpSpPr/>
+        <p:nvPr/>
+      </p:nvGrpSpPr>
+      <p:grpSpPr>
+        <a:xfrm>
+          <a:off x="0" y="0"/>
+          <a:ext cx="0" cy="0"/>
+          <a:chOff x="0" y="0"/>
+          <a:chExt cx="0" cy="0"/>
+        </a:xfrm>
+      </p:grpSpPr>
+      <p:sp>
+        <p:nvSpPr>
+          <p:cNvPr id="2" name="Заголовок 1"/>
+          <p:cNvSpPr>
+            <a:spLocks noGrp="1"/>
+          </p:cNvSpPr>
+          <p:nvPr>
+            <p:ph type="title"/>
+          </p:nvPr>
+        </p:nvSpPr>
+        <p:spPr/>
+        <p:txBody>
+          <a:bodyPr/>
+          <a:lstStyle/>
+          <a:p>
+            <a:r>
               <a:rPr lang="en-US" dirty="0" smtClean="0"/>
               <a:t>HKDF</a:t>
             </a:r>
@@ -16783,7 +17290,7 @@
           <a:p>
             <a:fld id="{8253DDDB-F8F7-4D64-A7FD-3F3D61C1949F}" type="slidenum">
               <a:rPr lang="ru-RU" smtClean="0"/>
-              <a:t>41</a:t>
+              <a:t>42</a:t>
             </a:fld>
             <a:endParaRPr lang="ru-RU"/>
           </a:p>
@@ -16802,7 +17309,7 @@
 </p:sld>
 </file>
 
-<file path=ppt/slides/slide42.xml><?xml version="1.0" encoding="utf-8"?>
+<file path=ppt/slides/slide43.xml><?xml version="1.0" encoding="utf-8"?>
 <p:sld xmlns:a="http://schemas.openxmlformats.org/drawingml/2006/main" xmlns:r="http://schemas.openxmlformats.org/officeDocument/2006/relationships" xmlns:p="http://schemas.openxmlformats.org/presentationml/2006/main">
   <p:cSld>
     <p:spTree>
@@ -17041,7 +17548,7 @@
 </p:sld>
 </file>
 
-<file path=ppt/slides/slide43.xml><?xml version="1.0" encoding="utf-8"?>
+<file path=ppt/slides/slide44.xml><?xml version="1.0" encoding="utf-8"?>
 <p:sld xmlns:a="http://schemas.openxmlformats.org/drawingml/2006/main" xmlns:r="http://schemas.openxmlformats.org/officeDocument/2006/relationships" xmlns:p="http://schemas.openxmlformats.org/presentationml/2006/main">
   <p:cSld>
     <p:spTree>
@@ -17085,8 +17592,8 @@
           </a:p>
         </p:txBody>
       </p:sp>
-      <mc:AlternateContent xmlns:mc="http://schemas.openxmlformats.org/markup-compatibility/2006" xmlns:a14="http://schemas.microsoft.com/office/drawing/2010/main">
-        <mc:Choice Requires="a14">
+      <mc:AlternateContent xmlns:mc="http://schemas.openxmlformats.org/markup-compatibility/2006">
+        <mc:Choice xmlns:a14="http://schemas.microsoft.com/office/drawing/2010/main" Requires="a14">
           <p:sp>
             <p:nvSpPr>
               <p:cNvPr id="3" name="Объект 2"/>
@@ -17099,7 +17606,9 @@
             </p:nvSpPr>
             <p:spPr/>
             <p:txBody>
-              <a:bodyPr/>
+              <a:bodyPr>
+                <a:normAutofit lnSpcReduction="10000"/>
+              </a:bodyPr>
               <a:lstStyle/>
               <a:p>
                 <a14:m>
@@ -17276,7 +17785,7 @@
                       <a:rPr lang="en-US" b="0" i="1" smtClean="0">
                         <a:latin typeface="Cambria Math" panose="02040503050406030204" pitchFamily="18" charset="0"/>
                       </a:rPr>
-                      <m:t>𝑠</m:t>
+                      <m:t>𝑆</m:t>
                     </m:r>
                     <m:r>
                       <a:rPr lang="en-US" b="0" i="1" smtClean="0">
@@ -17684,12 +18193,44 @@
                     </m:sSub>
                   </m:oMath>
                 </a14:m>
+                <a:r>
+                  <a:rPr lang="en-US" dirty="0" smtClean="0"/>
+                  <a:t> (</a:t>
+                </a:r>
+                <a14:m>
+                  <m:oMath xmlns:m="http://schemas.openxmlformats.org/officeDocument/2006/math">
+                    <m:r>
+                      <a:rPr lang="en-US" i="1" dirty="0" smtClean="0">
+                        <a:latin typeface="Cambria Math" panose="02040503050406030204" pitchFamily="18" charset="0"/>
+                      </a:rPr>
+                      <m:t>𝑀𝐾</m:t>
+                    </m:r>
+                  </m:oMath>
+                </a14:m>
+                <a:r>
+                  <a:rPr lang="en-US" dirty="0" smtClean="0"/>
+                  <a:t> </a:t>
+                </a:r>
+                <a:endParaRPr lang="ru-RU" dirty="0" smtClean="0"/>
+              </a:p>
+              <a:p>
+                <a:pPr marL="0" indent="0">
+                  <a:buNone/>
+                </a:pPr>
+                <a:r>
+                  <a:rPr lang="ru-RU" dirty="0" smtClean="0"/>
+                  <a:t>на картинке</a:t>
+                </a:r>
+                <a:r>
+                  <a:rPr lang="en-US" dirty="0" smtClean="0"/>
+                  <a:t>)</a:t>
+                </a:r>
                 <a:endParaRPr lang="ru-RU" dirty="0"/>
               </a:p>
             </p:txBody>
           </p:sp>
         </mc:Choice>
-        <mc:Fallback xmlns="">
+        <mc:Fallback>
           <p:sp>
             <p:nvSpPr>
               <p:cNvPr id="3" name="Объект 2"/>
@@ -17704,7 +18245,7 @@
               <a:blipFill rotWithShape="0">
                 <a:blip r:embed="rId2"/>
                 <a:stretch>
-                  <a:fillRect t="-2241"/>
+                  <a:fillRect l="-1043" t="-3081" b="-2941"/>
                 </a:stretch>
               </a:blipFill>
             </p:spPr>
@@ -17740,7 +18281,146 @@
           <a:p>
             <a:fld id="{8253DDDB-F8F7-4D64-A7FD-3F3D61C1949F}" type="slidenum">
               <a:rPr lang="ru-RU" smtClean="0"/>
-              <a:t>43</a:t>
+              <a:t>44</a:t>
+            </a:fld>
+            <a:endParaRPr lang="ru-RU"/>
+          </a:p>
+        </p:txBody>
+      </p:sp>
+      <p:pic>
+        <p:nvPicPr>
+          <p:cNvPr id="5" name="Рисунок 4"/>
+          <p:cNvPicPr>
+            <a:picLocks noChangeAspect="1"/>
+          </p:cNvPicPr>
+          <p:nvPr/>
+        </p:nvPicPr>
+        <p:blipFill>
+          <a:blip r:embed="rId3">
+            <a:extLst>
+              <a:ext uri="{28A0092B-C50C-407E-A947-70E740481C1C}">
+                <a14:useLocalDpi xmlns:a14="http://schemas.microsoft.com/office/drawing/2010/main" val="0"/>
+              </a:ext>
+            </a:extLst>
+          </a:blip>
+          <a:stretch>
+            <a:fillRect/>
+          </a:stretch>
+        </p:blipFill>
+        <p:spPr>
+          <a:xfrm>
+            <a:off x="5607424" y="2746144"/>
+            <a:ext cx="6350866" cy="3871681"/>
+          </a:xfrm>
+          <a:prstGeom prst="rect">
+            <a:avLst/>
+          </a:prstGeom>
+        </p:spPr>
+      </p:pic>
+    </p:spTree>
+    <p:extLst>
+      <p:ext uri="{BB962C8B-B14F-4D97-AF65-F5344CB8AC3E}">
+        <p14:creationId xmlns:p14="http://schemas.microsoft.com/office/powerpoint/2010/main" val="1417151626"/>
+      </p:ext>
+    </p:extLst>
+  </p:cSld>
+  <p:clrMapOvr>
+    <a:masterClrMapping/>
+  </p:clrMapOvr>
+</p:sld>
+</file>
+
+<file path=ppt/slides/slide45.xml><?xml version="1.0" encoding="utf-8"?>
+<p:sld xmlns:a="http://schemas.openxmlformats.org/drawingml/2006/main" xmlns:r="http://schemas.openxmlformats.org/officeDocument/2006/relationships" xmlns:p="http://schemas.openxmlformats.org/presentationml/2006/main">
+  <p:cSld>
+    <p:spTree>
+      <p:nvGrpSpPr>
+        <p:cNvPr id="1" name=""/>
+        <p:cNvGrpSpPr/>
+        <p:nvPr/>
+      </p:nvGrpSpPr>
+      <p:grpSpPr>
+        <a:xfrm>
+          <a:off x="0" y="0"/>
+          <a:ext cx="0" cy="0"/>
+          <a:chOff x="0" y="0"/>
+          <a:chExt cx="0" cy="0"/>
+        </a:xfrm>
+      </p:grpSpPr>
+      <p:sp>
+        <p:nvSpPr>
+          <p:cNvPr id="2" name="Заголовок 1"/>
+          <p:cNvSpPr>
+            <a:spLocks noGrp="1"/>
+          </p:cNvSpPr>
+          <p:nvPr>
+            <p:ph type="title"/>
+          </p:nvPr>
+        </p:nvSpPr>
+        <p:spPr/>
+        <p:txBody>
+          <a:bodyPr/>
+          <a:lstStyle/>
+          <a:p>
+            <a:r>
+              <a:rPr lang="en-US" dirty="0" smtClean="0"/>
+              <a:t>PBKDF2</a:t>
+            </a:r>
+            <a:r>
+              <a:rPr lang="ru-RU" dirty="0" smtClean="0"/>
+              <a:t>, ещё одна картинка</a:t>
+            </a:r>
+            <a:endParaRPr lang="ru-RU" dirty="0"/>
+          </a:p>
+        </p:txBody>
+      </p:sp>
+      <p:pic>
+        <p:nvPicPr>
+          <p:cNvPr id="5" name="Объект 4"/>
+          <p:cNvPicPr>
+            <a:picLocks noGrp="1" noChangeAspect="1"/>
+          </p:cNvPicPr>
+          <p:nvPr>
+            <p:ph idx="1"/>
+          </p:nvPr>
+        </p:nvPicPr>
+        <p:blipFill>
+          <a:blip r:embed="rId2">
+            <a:extLst>
+              <a:ext uri="{28A0092B-C50C-407E-A947-70E740481C1C}">
+                <a14:useLocalDpi xmlns:a14="http://schemas.microsoft.com/office/drawing/2010/main" val="0"/>
+              </a:ext>
+            </a:extLst>
+          </a:blip>
+          <a:stretch>
+            <a:fillRect/>
+          </a:stretch>
+        </p:blipFill>
+        <p:spPr>
+          <a:xfrm>
+            <a:off x="2218765" y="1521354"/>
+            <a:ext cx="7452453" cy="5200121"/>
+          </a:xfrm>
+        </p:spPr>
+      </p:pic>
+      <p:sp>
+        <p:nvSpPr>
+          <p:cNvPr id="4" name="Номер слайда 3"/>
+          <p:cNvSpPr>
+            <a:spLocks noGrp="1"/>
+          </p:cNvSpPr>
+          <p:nvPr>
+            <p:ph type="sldNum" sz="quarter" idx="12"/>
+          </p:nvPr>
+        </p:nvSpPr>
+        <p:spPr/>
+        <p:txBody>
+          <a:bodyPr/>
+          <a:lstStyle/>
+          <a:p>
+            <a:fld id="{8253DDDB-F8F7-4D64-A7FD-3F3D61C1949F}" type="slidenum">
+              <a:rPr lang="ru-RU" smtClean="0"/>
+              <a:t>45</a:t>
             </a:fld>
             <a:endParaRPr lang="ru-RU"/>
           </a:p>
@@ -17749,7 +18429,120 @@
     </p:spTree>
     <p:extLst>
       <p:ext uri="{BB962C8B-B14F-4D97-AF65-F5344CB8AC3E}">
-        <p14:creationId xmlns:p14="http://schemas.microsoft.com/office/powerpoint/2010/main" val="1417151626"/>
+        <p14:creationId xmlns:p14="http://schemas.microsoft.com/office/powerpoint/2010/main" val="4058750049"/>
+      </p:ext>
+    </p:extLst>
+  </p:cSld>
+  <p:clrMapOvr>
+    <a:masterClrMapping/>
+  </p:clrMapOvr>
+</p:sld>
+</file>
+
+<file path=ppt/slides/slide46.xml><?xml version="1.0" encoding="utf-8"?>
+<p:sld xmlns:a="http://schemas.openxmlformats.org/drawingml/2006/main" xmlns:r="http://schemas.openxmlformats.org/officeDocument/2006/relationships" xmlns:p="http://schemas.openxmlformats.org/presentationml/2006/main">
+  <p:cSld>
+    <p:spTree>
+      <p:nvGrpSpPr>
+        <p:cNvPr id="1" name=""/>
+        <p:cNvGrpSpPr/>
+        <p:nvPr/>
+      </p:nvGrpSpPr>
+      <p:grpSpPr>
+        <a:xfrm>
+          <a:off x="0" y="0"/>
+          <a:ext cx="0" cy="0"/>
+          <a:chOff x="0" y="0"/>
+          <a:chExt cx="0" cy="0"/>
+        </a:xfrm>
+      </p:grpSpPr>
+      <p:sp>
+        <p:nvSpPr>
+          <p:cNvPr id="2" name="Заголовок 1"/>
+          <p:cNvSpPr>
+            <a:spLocks noGrp="1"/>
+          </p:cNvSpPr>
+          <p:nvPr>
+            <p:ph type="title"/>
+          </p:nvPr>
+        </p:nvSpPr>
+        <p:spPr/>
+        <p:txBody>
+          <a:bodyPr/>
+          <a:lstStyle/>
+          <a:p>
+            <a:r>
+              <a:rPr lang="en-US" dirty="0" smtClean="0"/>
+              <a:t>PBKDF</a:t>
+            </a:r>
+            <a:r>
+              <a:rPr lang="ru-RU" dirty="0" smtClean="0"/>
+              <a:t>2, </a:t>
+            </a:r>
+            <a:r>
+              <a:rPr lang="ru-RU" smtClean="0"/>
+              <a:t>порядок перебора</a:t>
+            </a:r>
+            <a:endParaRPr lang="ru-RU" dirty="0"/>
+          </a:p>
+        </p:txBody>
+      </p:sp>
+      <p:pic>
+        <p:nvPicPr>
+          <p:cNvPr id="5" name="Объект 4"/>
+          <p:cNvPicPr>
+            <a:picLocks noGrp="1" noChangeAspect="1"/>
+          </p:cNvPicPr>
+          <p:nvPr>
+            <p:ph idx="1"/>
+          </p:nvPr>
+        </p:nvPicPr>
+        <p:blipFill>
+          <a:blip r:embed="rId2">
+            <a:extLst>
+              <a:ext uri="{28A0092B-C50C-407E-A947-70E740481C1C}">
+                <a14:useLocalDpi xmlns:a14="http://schemas.microsoft.com/office/drawing/2010/main" val="0"/>
+              </a:ext>
+            </a:extLst>
+          </a:blip>
+          <a:stretch>
+            <a:fillRect/>
+          </a:stretch>
+        </p:blipFill>
+        <p:spPr>
+          <a:xfrm>
+            <a:off x="961421" y="1825625"/>
+            <a:ext cx="10269157" cy="4351338"/>
+          </a:xfrm>
+        </p:spPr>
+      </p:pic>
+      <p:sp>
+        <p:nvSpPr>
+          <p:cNvPr id="4" name="Номер слайда 3"/>
+          <p:cNvSpPr>
+            <a:spLocks noGrp="1"/>
+          </p:cNvSpPr>
+          <p:nvPr>
+            <p:ph type="sldNum" sz="quarter" idx="12"/>
+          </p:nvPr>
+        </p:nvSpPr>
+        <p:spPr/>
+        <p:txBody>
+          <a:bodyPr/>
+          <a:lstStyle/>
+          <a:p>
+            <a:fld id="{8253DDDB-F8F7-4D64-A7FD-3F3D61C1949F}" type="slidenum">
+              <a:rPr lang="ru-RU" smtClean="0"/>
+              <a:t>46</a:t>
+            </a:fld>
+            <a:endParaRPr lang="ru-RU"/>
+          </a:p>
+        </p:txBody>
+      </p:sp>
+    </p:spTree>
+    <p:extLst>
+      <p:ext uri="{BB962C8B-B14F-4D97-AF65-F5344CB8AC3E}">
+        <p14:creationId xmlns:p14="http://schemas.microsoft.com/office/powerpoint/2010/main" val="1794441812"/>
       </p:ext>
     </p:extLst>
   </p:cSld>
@@ -17810,8 +18603,8 @@
           </a:p>
         </p:txBody>
       </p:sp>
-      <mc:AlternateContent xmlns:mc="http://schemas.openxmlformats.org/markup-compatibility/2006" xmlns:a14="http://schemas.microsoft.com/office/drawing/2010/main">
-        <mc:Choice Requires="a14">
+      <mc:AlternateContent xmlns:mc="http://schemas.openxmlformats.org/markup-compatibility/2006">
+        <mc:Choice xmlns:a14="http://schemas.microsoft.com/office/drawing/2010/main" Requires="a14">
           <p:sp>
             <p:nvSpPr>
               <p:cNvPr id="3" name="Объект 2"/>
@@ -18072,7 +18865,15 @@
                 </a:r>
                 <a:r>
                   <a:rPr lang="ru-RU" dirty="0" smtClean="0"/>
-                  <a:t> неторным системным параметром </a:t>
+                  <a:t> </a:t>
+                </a:r>
+                <a:r>
+                  <a:rPr lang="ru-RU" dirty="0" smtClean="0"/>
+                  <a:t>некоторым </a:t>
+                </a:r>
+                <a:r>
+                  <a:rPr lang="ru-RU" dirty="0" smtClean="0"/>
+                  <a:t>системным параметром </a:t>
                 </a:r>
                 <a14:m>
                   <m:oMath xmlns:m="http://schemas.openxmlformats.org/officeDocument/2006/math">
@@ -18101,7 +18902,7 @@
             </p:txBody>
           </p:sp>
         </mc:Choice>
-        <mc:Fallback xmlns="">
+        <mc:Fallback>
           <p:sp>
             <p:nvSpPr>
               <p:cNvPr id="3" name="Объект 2"/>

--- a/Lectures/Lecture11.pptx
+++ b/Lectures/Lecture11.pptx
@@ -331,7 +331,7 @@
           <a:p>
             <a:fld id="{CBA08D16-15DC-4E25-BDC3-F25146157B16}" type="datetimeFigureOut">
               <a:rPr lang="ru-RU" smtClean="0"/>
-              <a:t>25.11.2019</a:t>
+              <a:t>03.12.2019</a:t>
             </a:fld>
             <a:endParaRPr lang="ru-RU"/>
           </a:p>
@@ -730,7 +730,7 @@
           <a:p>
             <a:fld id="{FCEC8293-DB51-454A-BE81-EC8FCB31EBA2}" type="datetime1">
               <a:rPr lang="ru-RU" smtClean="0"/>
-              <a:t>25.11.2019</a:t>
+              <a:t>03.12.2019</a:t>
             </a:fld>
             <a:endParaRPr lang="ru-RU"/>
           </a:p>
@@ -904,7 +904,7 @@
           <a:p>
             <a:fld id="{241C87B1-1C35-4DBD-BC18-2BC72E776603}" type="datetime1">
               <a:rPr lang="ru-RU" smtClean="0"/>
-              <a:t>25.11.2019</a:t>
+              <a:t>03.12.2019</a:t>
             </a:fld>
             <a:endParaRPr lang="ru-RU"/>
           </a:p>
@@ -1088,7 +1088,7 @@
           <a:p>
             <a:fld id="{3134C275-26C0-42CD-9111-9ADE65922AF9}" type="datetime1">
               <a:rPr lang="ru-RU" smtClean="0"/>
-              <a:t>25.11.2019</a:t>
+              <a:t>03.12.2019</a:t>
             </a:fld>
             <a:endParaRPr lang="ru-RU"/>
           </a:p>
@@ -1262,7 +1262,7 @@
           <a:p>
             <a:fld id="{C1A9A50B-C350-45F5-8AAB-ADB9E670AF2E}" type="datetime1">
               <a:rPr lang="ru-RU" smtClean="0"/>
-              <a:t>25.11.2019</a:t>
+              <a:t>03.12.2019</a:t>
             </a:fld>
             <a:endParaRPr lang="ru-RU"/>
           </a:p>
@@ -1512,7 +1512,7 @@
           <a:p>
             <a:fld id="{089688C9-348F-42F9-B6C0-5990DDE0C5B2}" type="datetime1">
               <a:rPr lang="ru-RU" smtClean="0"/>
-              <a:t>25.11.2019</a:t>
+              <a:t>03.12.2019</a:t>
             </a:fld>
             <a:endParaRPr lang="ru-RU"/>
           </a:p>
@@ -1748,7 +1748,7 @@
           <a:p>
             <a:fld id="{684AFD8F-6DD9-4AD3-A505-FDC3F5C5F3F6}" type="datetime1">
               <a:rPr lang="ru-RU" smtClean="0"/>
-              <a:t>25.11.2019</a:t>
+              <a:t>03.12.2019</a:t>
             </a:fld>
             <a:endParaRPr lang="ru-RU"/>
           </a:p>
@@ -2119,7 +2119,7 @@
           <a:p>
             <a:fld id="{63551EFE-4D02-45EB-A747-8B6F047B5AA0}" type="datetime1">
               <a:rPr lang="ru-RU" smtClean="0"/>
-              <a:t>25.11.2019</a:t>
+              <a:t>03.12.2019</a:t>
             </a:fld>
             <a:endParaRPr lang="ru-RU"/>
           </a:p>
@@ -2241,7 +2241,7 @@
           <a:p>
             <a:fld id="{813A9F34-E5CD-4B8F-AA9E-889C84372B20}" type="datetime1">
               <a:rPr lang="ru-RU" smtClean="0"/>
-              <a:t>25.11.2019</a:t>
+              <a:t>03.12.2019</a:t>
             </a:fld>
             <a:endParaRPr lang="ru-RU"/>
           </a:p>
@@ -2340,7 +2340,7 @@
           <a:p>
             <a:fld id="{51224D22-9B29-44A6-8E82-95FC492DEDC1}" type="datetime1">
               <a:rPr lang="ru-RU" smtClean="0"/>
-              <a:t>25.11.2019</a:t>
+              <a:t>03.12.2019</a:t>
             </a:fld>
             <a:endParaRPr lang="ru-RU"/>
           </a:p>
@@ -2621,7 +2621,7 @@
           <a:p>
             <a:fld id="{91D1034F-4441-48A1-BDC0-25EA1022324A}" type="datetime1">
               <a:rPr lang="ru-RU" smtClean="0"/>
-              <a:t>25.11.2019</a:t>
+              <a:t>03.12.2019</a:t>
             </a:fld>
             <a:endParaRPr lang="ru-RU"/>
           </a:p>
@@ -2878,7 +2878,7 @@
           <a:p>
             <a:fld id="{B0FFDE79-B627-473B-AE17-4C65BD2495F7}" type="datetime1">
               <a:rPr lang="ru-RU" smtClean="0"/>
-              <a:t>25.11.2019</a:t>
+              <a:t>03.12.2019</a:t>
             </a:fld>
             <a:endParaRPr lang="ru-RU"/>
           </a:p>
@@ -3095,7 +3095,7 @@
           <a:p>
             <a:fld id="{11CA537A-1B8C-47BA-9BA6-7CE3FAFDA8BE}" type="datetime1">
               <a:rPr lang="ru-RU" smtClean="0"/>
-              <a:t>25.11.2019</a:t>
+              <a:t>03.12.2019</a:t>
             </a:fld>
             <a:endParaRPr lang="ru-RU"/>
           </a:p>
@@ -5709,8 +5709,8 @@
           </a:p>
         </p:txBody>
       </p:sp>
-      <mc:AlternateContent xmlns:mc="http://schemas.openxmlformats.org/markup-compatibility/2006">
-        <mc:Choice xmlns:a14="http://schemas.microsoft.com/office/drawing/2010/main" Requires="a14">
+      <mc:AlternateContent xmlns:mc="http://schemas.openxmlformats.org/markup-compatibility/2006" xmlns:a14="http://schemas.microsoft.com/office/drawing/2010/main">
+        <mc:Choice Requires="a14">
           <p:sp>
             <p:nvSpPr>
               <p:cNvPr id="3" name="Объект 2"/>
@@ -5769,18 +5769,14 @@
                 </a:r>
                 <a:r>
                   <a:rPr lang="ru-RU" dirty="0" smtClean="0"/>
-                  <a:t>некоторая заданная функция </a:t>
-                </a:r>
-                <a:r>
-                  <a:rPr lang="ru-RU" dirty="0" smtClean="0"/>
-                  <a:t>кодирования (некоторое преобразование).</a:t>
+                  <a:t>некоторая заданная функция кодирования (некоторое преобразование).</a:t>
                 </a:r>
                 <a:endParaRPr lang="ru-RU" dirty="0"/>
               </a:p>
             </p:txBody>
           </p:sp>
         </mc:Choice>
-        <mc:Fallback>
+        <mc:Fallback xmlns="">
           <p:sp>
             <p:nvSpPr>
               <p:cNvPr id="3" name="Объект 2"/>
@@ -7686,15 +7682,7 @@
             </a:pPr>
             <a:r>
               <a:rPr lang="ru-RU" dirty="0" smtClean="0"/>
-              <a:t>Основа губчатой конструкции </a:t>
-            </a:r>
-            <a:r>
-              <a:rPr lang="ru-RU" dirty="0" smtClean="0"/>
-              <a:t>– «волшебная» </a:t>
-            </a:r>
-            <a:r>
-              <a:rPr lang="ru-RU" dirty="0" smtClean="0"/>
-              <a:t>перестановка на некотором множестве.</a:t>
+              <a:t>Основа губчатой конструкции – «волшебная» перестановка на некотором множестве.</a:t>
             </a:r>
           </a:p>
           <a:p>
@@ -8188,8 +8176,8 @@
           </a:p>
         </p:txBody>
       </p:sp>
-      <mc:AlternateContent xmlns:mc="http://schemas.openxmlformats.org/markup-compatibility/2006">
-        <mc:Choice xmlns:a14="http://schemas.microsoft.com/office/drawing/2010/main" Requires="a14">
+      <mc:AlternateContent xmlns:mc="http://schemas.openxmlformats.org/markup-compatibility/2006" xmlns:a14="http://schemas.microsoft.com/office/drawing/2010/main">
+        <mc:Choice Requires="a14">
           <p:sp>
             <p:nvSpPr>
               <p:cNvPr id="3" name="Объект 2"/>
@@ -8273,11 +8261,7 @@
                 </a:r>
                 <a:r>
                   <a:rPr lang="ru-RU" dirty="0" smtClean="0"/>
-                  <a:t>функция </a:t>
-                </a:r>
-                <a:r>
-                  <a:rPr lang="ru-RU" dirty="0" smtClean="0"/>
-                  <a:t>на </a:t>
+                  <a:t>функция на </a:t>
                 </a:r>
                 <a14:m>
                   <m:oMath xmlns:m="http://schemas.openxmlformats.org/officeDocument/2006/math">
@@ -8773,7 +8757,7 @@
             </p:txBody>
           </p:sp>
         </mc:Choice>
-        <mc:Fallback>
+        <mc:Fallback xmlns="">
           <p:sp>
             <p:nvSpPr>
               <p:cNvPr id="3" name="Объект 2"/>
@@ -10029,8 +10013,8 @@
           </a:p>
         </p:txBody>
       </p:sp>
-      <mc:AlternateContent xmlns:mc="http://schemas.openxmlformats.org/markup-compatibility/2006">
-        <mc:Choice xmlns:a14="http://schemas.microsoft.com/office/drawing/2010/main" Requires="a14">
+      <mc:AlternateContent xmlns:mc="http://schemas.openxmlformats.org/markup-compatibility/2006" xmlns:a14="http://schemas.microsoft.com/office/drawing/2010/main">
+        <mc:Choice Requires="a14">
           <p:sp>
             <p:nvSpPr>
               <p:cNvPr id="3" name="Объект 2"/>
@@ -10886,11 +10870,7 @@
                 </a:r>
                 <a:r>
                   <a:rPr lang="ru-RU" dirty="0" smtClean="0"/>
-                  <a:t>на основе </a:t>
-                </a:r>
-                <a:r>
-                  <a:rPr lang="ru-RU" dirty="0" smtClean="0"/>
-                  <a:t>хэш</a:t>
+                  <a:t>на основе хэш</a:t>
                 </a:r>
                 <a:r>
                   <a:rPr lang="ru-RU" dirty="0"/>
@@ -10898,18 +10878,14 @@
                 </a:r>
                 <a:r>
                   <a:rPr lang="ru-RU" dirty="0" smtClean="0"/>
-                  <a:t>функции</a:t>
-                </a:r>
-                <a:r>
-                  <a:rPr lang="ru-RU" dirty="0" smtClean="0"/>
-                  <a:t>, используя похожую конструкцию.</a:t>
+                  <a:t>функции, используя похожую конструкцию.</a:t>
                 </a:r>
                 <a:endParaRPr lang="en-US" dirty="0"/>
               </a:p>
             </p:txBody>
           </p:sp>
         </mc:Choice>
-        <mc:Fallback>
+        <mc:Fallback xmlns="">
           <p:sp>
             <p:nvSpPr>
               <p:cNvPr id="3" name="Объект 2"/>
@@ -11564,8 +11540,8 @@
           </a:p>
         </p:txBody>
       </p:sp>
-      <mc:AlternateContent xmlns:mc="http://schemas.openxmlformats.org/markup-compatibility/2006" xmlns:a14="http://schemas.microsoft.com/office/drawing/2010/main">
-        <mc:Choice Requires="a14">
+      <mc:AlternateContent xmlns:mc="http://schemas.openxmlformats.org/markup-compatibility/2006">
+        <mc:Choice xmlns:a14="http://schemas.microsoft.com/office/drawing/2010/main" Requires="a14">
           <p:sp>
             <p:nvSpPr>
               <p:cNvPr id="3" name="Объект 2"/>
@@ -12067,7 +12043,7 @@
                         <a:rPr lang="en-US" b="0" i="1" dirty="0" smtClean="0">
                           <a:latin typeface="Cambria Math" panose="02040503050406030204" pitchFamily="18" charset="0"/>
                         </a:rPr>
-                        <m:t>𝐾</m:t>
+                        <m:t>𝐻</m:t>
                       </m:r>
                       <m:r>
                         <a:rPr lang="en-US" b="0" i="1" dirty="0" smtClean="0">
@@ -12229,7 +12205,7 @@
             </p:txBody>
           </p:sp>
         </mc:Choice>
-        <mc:Fallback xmlns="">
+        <mc:Fallback>
           <p:sp>
             <p:nvSpPr>
               <p:cNvPr id="3" name="Объект 2"/>
@@ -13640,11 +13616,7 @@
             </a:r>
             <a:r>
               <a:rPr lang="ru-RU" dirty="0" smtClean="0"/>
-              <a:t>ез </a:t>
-            </a:r>
-            <a:r>
-              <a:rPr lang="ru-RU" dirty="0" smtClean="0"/>
-              <a:t>комментариев</a:t>
+              <a:t>ез комментариев</a:t>
             </a:r>
             <a:endParaRPr lang="en-US" dirty="0"/>
           </a:p>
@@ -14888,8 +14860,8 @@
           </a:p>
         </p:txBody>
       </p:sp>
-      <mc:AlternateContent xmlns:mc="http://schemas.openxmlformats.org/markup-compatibility/2006">
-        <mc:Choice xmlns:a14="http://schemas.microsoft.com/office/drawing/2010/main" Requires="a14">
+      <mc:AlternateContent xmlns:mc="http://schemas.openxmlformats.org/markup-compatibility/2006" xmlns:a14="http://schemas.microsoft.com/office/drawing/2010/main">
+        <mc:Choice Requires="a14">
           <p:sp>
             <p:nvSpPr>
               <p:cNvPr id="3" name="Объект 2"/>
@@ -15600,7 +15572,7 @@
             </p:txBody>
           </p:sp>
         </mc:Choice>
-        <mc:Fallback>
+        <mc:Fallback xmlns="">
           <p:sp>
             <p:nvSpPr>
               <p:cNvPr id="3" name="Объект 2"/>
@@ -17592,8 +17564,8 @@
           </a:p>
         </p:txBody>
       </p:sp>
-      <mc:AlternateContent xmlns:mc="http://schemas.openxmlformats.org/markup-compatibility/2006">
-        <mc:Choice xmlns:a14="http://schemas.microsoft.com/office/drawing/2010/main" Requires="a14">
+      <mc:AlternateContent xmlns:mc="http://schemas.openxmlformats.org/markup-compatibility/2006" xmlns:a14="http://schemas.microsoft.com/office/drawing/2010/main">
+        <mc:Choice Requires="a14">
           <p:sp>
             <p:nvSpPr>
               <p:cNvPr id="3" name="Объект 2"/>
@@ -18230,7 +18202,7 @@
             </p:txBody>
           </p:sp>
         </mc:Choice>
-        <mc:Fallback>
+        <mc:Fallback xmlns="">
           <p:sp>
             <p:nvSpPr>
               <p:cNvPr id="3" name="Объект 2"/>
@@ -18603,8 +18575,8 @@
           </a:p>
         </p:txBody>
       </p:sp>
-      <mc:AlternateContent xmlns:mc="http://schemas.openxmlformats.org/markup-compatibility/2006">
-        <mc:Choice xmlns:a14="http://schemas.microsoft.com/office/drawing/2010/main" Requires="a14">
+      <mc:AlternateContent xmlns:mc="http://schemas.openxmlformats.org/markup-compatibility/2006" xmlns:a14="http://schemas.microsoft.com/office/drawing/2010/main">
+        <mc:Choice Requires="a14">
           <p:sp>
             <p:nvSpPr>
               <p:cNvPr id="3" name="Объект 2"/>
@@ -18865,15 +18837,7 @@
                 </a:r>
                 <a:r>
                   <a:rPr lang="ru-RU" dirty="0" smtClean="0"/>
-                  <a:t> </a:t>
-                </a:r>
-                <a:r>
-                  <a:rPr lang="ru-RU" dirty="0" smtClean="0"/>
-                  <a:t>некоторым </a:t>
-                </a:r>
-                <a:r>
-                  <a:rPr lang="ru-RU" dirty="0" smtClean="0"/>
-                  <a:t>системным параметром </a:t>
+                  <a:t> некоторым системным параметром </a:t>
                 </a:r>
                 <a14:m>
                   <m:oMath xmlns:m="http://schemas.openxmlformats.org/officeDocument/2006/math">
@@ -18902,7 +18866,7 @@
             </p:txBody>
           </p:sp>
         </mc:Choice>
-        <mc:Fallback>
+        <mc:Fallback xmlns="">
           <p:sp>
             <p:nvSpPr>
               <p:cNvPr id="3" name="Объект 2"/>

--- a/Lectures/Lecture11.pptx
+++ b/Lectures/Lecture11.pptx
@@ -331,7 +331,7 @@
           <a:p>
             <a:fld id="{CBA08D16-15DC-4E25-BDC3-F25146157B16}" type="datetimeFigureOut">
               <a:rPr lang="ru-RU" smtClean="0"/>
-              <a:t>03.12.2019</a:t>
+              <a:t>19.02.2020</a:t>
             </a:fld>
             <a:endParaRPr lang="ru-RU"/>
           </a:p>
@@ -730,7 +730,7 @@
           <a:p>
             <a:fld id="{FCEC8293-DB51-454A-BE81-EC8FCB31EBA2}" type="datetime1">
               <a:rPr lang="ru-RU" smtClean="0"/>
-              <a:t>03.12.2019</a:t>
+              <a:t>19.02.2020</a:t>
             </a:fld>
             <a:endParaRPr lang="ru-RU"/>
           </a:p>
@@ -904,7 +904,7 @@
           <a:p>
             <a:fld id="{241C87B1-1C35-4DBD-BC18-2BC72E776603}" type="datetime1">
               <a:rPr lang="ru-RU" smtClean="0"/>
-              <a:t>03.12.2019</a:t>
+              <a:t>19.02.2020</a:t>
             </a:fld>
             <a:endParaRPr lang="ru-RU"/>
           </a:p>
@@ -1088,7 +1088,7 @@
           <a:p>
             <a:fld id="{3134C275-26C0-42CD-9111-9ADE65922AF9}" type="datetime1">
               <a:rPr lang="ru-RU" smtClean="0"/>
-              <a:t>03.12.2019</a:t>
+              <a:t>19.02.2020</a:t>
             </a:fld>
             <a:endParaRPr lang="ru-RU"/>
           </a:p>
@@ -1262,7 +1262,7 @@
           <a:p>
             <a:fld id="{C1A9A50B-C350-45F5-8AAB-ADB9E670AF2E}" type="datetime1">
               <a:rPr lang="ru-RU" smtClean="0"/>
-              <a:t>03.12.2019</a:t>
+              <a:t>19.02.2020</a:t>
             </a:fld>
             <a:endParaRPr lang="ru-RU"/>
           </a:p>
@@ -1512,7 +1512,7 @@
           <a:p>
             <a:fld id="{089688C9-348F-42F9-B6C0-5990DDE0C5B2}" type="datetime1">
               <a:rPr lang="ru-RU" smtClean="0"/>
-              <a:t>03.12.2019</a:t>
+              <a:t>19.02.2020</a:t>
             </a:fld>
             <a:endParaRPr lang="ru-RU"/>
           </a:p>
@@ -1748,7 +1748,7 @@
           <a:p>
             <a:fld id="{684AFD8F-6DD9-4AD3-A505-FDC3F5C5F3F6}" type="datetime1">
               <a:rPr lang="ru-RU" smtClean="0"/>
-              <a:t>03.12.2019</a:t>
+              <a:t>19.02.2020</a:t>
             </a:fld>
             <a:endParaRPr lang="ru-RU"/>
           </a:p>
@@ -2119,7 +2119,7 @@
           <a:p>
             <a:fld id="{63551EFE-4D02-45EB-A747-8B6F047B5AA0}" type="datetime1">
               <a:rPr lang="ru-RU" smtClean="0"/>
-              <a:t>03.12.2019</a:t>
+              <a:t>19.02.2020</a:t>
             </a:fld>
             <a:endParaRPr lang="ru-RU"/>
           </a:p>
@@ -2241,7 +2241,7 @@
           <a:p>
             <a:fld id="{813A9F34-E5CD-4B8F-AA9E-889C84372B20}" type="datetime1">
               <a:rPr lang="ru-RU" smtClean="0"/>
-              <a:t>03.12.2019</a:t>
+              <a:t>19.02.2020</a:t>
             </a:fld>
             <a:endParaRPr lang="ru-RU"/>
           </a:p>
@@ -2340,7 +2340,7 @@
           <a:p>
             <a:fld id="{51224D22-9B29-44A6-8E82-95FC492DEDC1}" type="datetime1">
               <a:rPr lang="ru-RU" smtClean="0"/>
-              <a:t>03.12.2019</a:t>
+              <a:t>19.02.2020</a:t>
             </a:fld>
             <a:endParaRPr lang="ru-RU"/>
           </a:p>
@@ -2621,7 +2621,7 @@
           <a:p>
             <a:fld id="{91D1034F-4441-48A1-BDC0-25EA1022324A}" type="datetime1">
               <a:rPr lang="ru-RU" smtClean="0"/>
-              <a:t>03.12.2019</a:t>
+              <a:t>19.02.2020</a:t>
             </a:fld>
             <a:endParaRPr lang="ru-RU"/>
           </a:p>
@@ -2878,7 +2878,7 @@
           <a:p>
             <a:fld id="{B0FFDE79-B627-473B-AE17-4C65BD2495F7}" type="datetime1">
               <a:rPr lang="ru-RU" smtClean="0"/>
-              <a:t>03.12.2019</a:t>
+              <a:t>19.02.2020</a:t>
             </a:fld>
             <a:endParaRPr lang="ru-RU"/>
           </a:p>
@@ -3095,7 +3095,7 @@
           <a:p>
             <a:fld id="{11CA537A-1B8C-47BA-9BA6-7CE3FAFDA8BE}" type="datetime1">
               <a:rPr lang="ru-RU" smtClean="0"/>
-              <a:t>03.12.2019</a:t>
+              <a:t>19.02.2020</a:t>
             </a:fld>
             <a:endParaRPr lang="ru-RU"/>
           </a:p>
@@ -11540,8 +11540,8 @@
           </a:p>
         </p:txBody>
       </p:sp>
-      <mc:AlternateContent xmlns:mc="http://schemas.openxmlformats.org/markup-compatibility/2006">
-        <mc:Choice xmlns:a14="http://schemas.microsoft.com/office/drawing/2010/main" Requires="a14">
+      <mc:AlternateContent xmlns:mc="http://schemas.openxmlformats.org/markup-compatibility/2006" xmlns:a14="http://schemas.microsoft.com/office/drawing/2010/main">
+        <mc:Choice Requires="a14">
           <p:sp>
             <p:nvSpPr>
               <p:cNvPr id="3" name="Объект 2"/>
@@ -12205,7 +12205,7 @@
             </p:txBody>
           </p:sp>
         </mc:Choice>
-        <mc:Fallback>
+        <mc:Fallback xmlns="">
           <p:sp>
             <p:nvSpPr>
               <p:cNvPr id="3" name="Объект 2"/>
@@ -17564,8 +17564,8 @@
           </a:p>
         </p:txBody>
       </p:sp>
-      <mc:AlternateContent xmlns:mc="http://schemas.openxmlformats.org/markup-compatibility/2006" xmlns:a14="http://schemas.microsoft.com/office/drawing/2010/main">
-        <mc:Choice Requires="a14">
+      <mc:AlternateContent xmlns:mc="http://schemas.openxmlformats.org/markup-compatibility/2006">
+        <mc:Choice xmlns:a14="http://schemas.microsoft.com/office/drawing/2010/main" Requires="a14">
           <p:sp>
             <p:nvSpPr>
               <p:cNvPr id="3" name="Объект 2"/>
@@ -17579,7 +17579,7 @@
             <p:spPr/>
             <p:txBody>
               <a:bodyPr>
-                <a:normAutofit lnSpcReduction="10000"/>
+                <a:normAutofit/>
               </a:bodyPr>
               <a:lstStyle/>
               <a:p>
@@ -17644,16 +17644,16 @@
                   <a:t> – </a:t>
                 </a:r>
                 <a:r>
-                  <a:rPr lang="ru-RU" dirty="0" smtClean="0">
+                  <a:rPr lang="ru-RU" smtClean="0">
                     <a:latin typeface="Cambria Math" panose="02040503050406030204" pitchFamily="18" charset="0"/>
                   </a:rPr>
-                  <a:t>текущая итерация генерации ключа (при генерации нового ключа увеличивается на 1)</a:t>
+                  <a:t>число итераций,</a:t>
                 </a:r>
                 <a:r>
                   <a:rPr lang="en-US" dirty="0" smtClean="0">
                     <a:latin typeface="Cambria Math" panose="02040503050406030204" pitchFamily="18" charset="0"/>
                   </a:rPr>
-                  <a:t>, </a:t>
+                  <a:t> </a:t>
                 </a:r>
                 <a14:m>
                   <m:oMath xmlns:m="http://schemas.openxmlformats.org/officeDocument/2006/math">
@@ -18202,7 +18202,7 @@
             </p:txBody>
           </p:sp>
         </mc:Choice>
-        <mc:Fallback xmlns="">
+        <mc:Fallback>
           <p:sp>
             <p:nvSpPr>
               <p:cNvPr id="3" name="Объект 2"/>
@@ -18217,7 +18217,7 @@
               <a:blipFill rotWithShape="0">
                 <a:blip r:embed="rId2"/>
                 <a:stretch>
-                  <a:fillRect l="-1043" t="-3081" b="-2941"/>
+                  <a:fillRect l="-1043" t="-2241"/>
                 </a:stretch>
               </a:blipFill>
             </p:spPr>

--- a/Lectures/Lecture11.pptx
+++ b/Lectures/Lecture11.pptx
@@ -331,7 +331,7 @@
           <a:p>
             <a:fld id="{CBA08D16-15DC-4E25-BDC3-F25146157B16}" type="datetimeFigureOut">
               <a:rPr lang="ru-RU" smtClean="0"/>
-              <a:t>19.02.2020</a:t>
+              <a:t>15.04.2020</a:t>
             </a:fld>
             <a:endParaRPr lang="ru-RU"/>
           </a:p>
@@ -730,7 +730,7 @@
           <a:p>
             <a:fld id="{FCEC8293-DB51-454A-BE81-EC8FCB31EBA2}" type="datetime1">
               <a:rPr lang="ru-RU" smtClean="0"/>
-              <a:t>19.02.2020</a:t>
+              <a:t>15.04.2020</a:t>
             </a:fld>
             <a:endParaRPr lang="ru-RU"/>
           </a:p>
@@ -904,7 +904,7 @@
           <a:p>
             <a:fld id="{241C87B1-1C35-4DBD-BC18-2BC72E776603}" type="datetime1">
               <a:rPr lang="ru-RU" smtClean="0"/>
-              <a:t>19.02.2020</a:t>
+              <a:t>15.04.2020</a:t>
             </a:fld>
             <a:endParaRPr lang="ru-RU"/>
           </a:p>
@@ -1088,7 +1088,7 @@
           <a:p>
             <a:fld id="{3134C275-26C0-42CD-9111-9ADE65922AF9}" type="datetime1">
               <a:rPr lang="ru-RU" smtClean="0"/>
-              <a:t>19.02.2020</a:t>
+              <a:t>15.04.2020</a:t>
             </a:fld>
             <a:endParaRPr lang="ru-RU"/>
           </a:p>
@@ -1262,7 +1262,7 @@
           <a:p>
             <a:fld id="{C1A9A50B-C350-45F5-8AAB-ADB9E670AF2E}" type="datetime1">
               <a:rPr lang="ru-RU" smtClean="0"/>
-              <a:t>19.02.2020</a:t>
+              <a:t>15.04.2020</a:t>
             </a:fld>
             <a:endParaRPr lang="ru-RU"/>
           </a:p>
@@ -1512,7 +1512,7 @@
           <a:p>
             <a:fld id="{089688C9-348F-42F9-B6C0-5990DDE0C5B2}" type="datetime1">
               <a:rPr lang="ru-RU" smtClean="0"/>
-              <a:t>19.02.2020</a:t>
+              <a:t>15.04.2020</a:t>
             </a:fld>
             <a:endParaRPr lang="ru-RU"/>
           </a:p>
@@ -1748,7 +1748,7 @@
           <a:p>
             <a:fld id="{684AFD8F-6DD9-4AD3-A505-FDC3F5C5F3F6}" type="datetime1">
               <a:rPr lang="ru-RU" smtClean="0"/>
-              <a:t>19.02.2020</a:t>
+              <a:t>15.04.2020</a:t>
             </a:fld>
             <a:endParaRPr lang="ru-RU"/>
           </a:p>
@@ -2119,7 +2119,7 @@
           <a:p>
             <a:fld id="{63551EFE-4D02-45EB-A747-8B6F047B5AA0}" type="datetime1">
               <a:rPr lang="ru-RU" smtClean="0"/>
-              <a:t>19.02.2020</a:t>
+              <a:t>15.04.2020</a:t>
             </a:fld>
             <a:endParaRPr lang="ru-RU"/>
           </a:p>
@@ -2241,7 +2241,7 @@
           <a:p>
             <a:fld id="{813A9F34-E5CD-4B8F-AA9E-889C84372B20}" type="datetime1">
               <a:rPr lang="ru-RU" smtClean="0"/>
-              <a:t>19.02.2020</a:t>
+              <a:t>15.04.2020</a:t>
             </a:fld>
             <a:endParaRPr lang="ru-RU"/>
           </a:p>
@@ -2340,7 +2340,7 @@
           <a:p>
             <a:fld id="{51224D22-9B29-44A6-8E82-95FC492DEDC1}" type="datetime1">
               <a:rPr lang="ru-RU" smtClean="0"/>
-              <a:t>19.02.2020</a:t>
+              <a:t>15.04.2020</a:t>
             </a:fld>
             <a:endParaRPr lang="ru-RU"/>
           </a:p>
@@ -2621,7 +2621,7 @@
           <a:p>
             <a:fld id="{91D1034F-4441-48A1-BDC0-25EA1022324A}" type="datetime1">
               <a:rPr lang="ru-RU" smtClean="0"/>
-              <a:t>19.02.2020</a:t>
+              <a:t>15.04.2020</a:t>
             </a:fld>
             <a:endParaRPr lang="ru-RU"/>
           </a:p>
@@ -2878,7 +2878,7 @@
           <a:p>
             <a:fld id="{B0FFDE79-B627-473B-AE17-4C65BD2495F7}" type="datetime1">
               <a:rPr lang="ru-RU" smtClean="0"/>
-              <a:t>19.02.2020</a:t>
+              <a:t>15.04.2020</a:t>
             </a:fld>
             <a:endParaRPr lang="ru-RU"/>
           </a:p>
@@ -3095,7 +3095,7 @@
           <a:p>
             <a:fld id="{11CA537A-1B8C-47BA-9BA6-7CE3FAFDA8BE}" type="datetime1">
               <a:rPr lang="ru-RU" smtClean="0"/>
-              <a:t>19.02.2020</a:t>
+              <a:t>15.04.2020</a:t>
             </a:fld>
             <a:endParaRPr lang="ru-RU"/>
           </a:p>
@@ -9102,10 +9102,34 @@
                 <a:tableStyleId>{5C22544A-7EE6-4342-B048-85BDC9FD1C3A}</a:tableStyleId>
               </a:tblPr>
               <a:tblGrid>
-                <a:gridCol w="398929"/>
-                <a:gridCol w="3227295"/>
-                <a:gridCol w="4260476"/>
-                <a:gridCol w="2628900"/>
+                <a:gridCol w="398929">
+                  <a:extLst>
+                    <a:ext uri="{9D8B030D-6E8A-4147-A177-3AD203B41FA5}">
+                      <a16:colId xmlns:a16="http://schemas.microsoft.com/office/drawing/2014/main" val="20000"/>
+                    </a:ext>
+                  </a:extLst>
+                </a:gridCol>
+                <a:gridCol w="3227295">
+                  <a:extLst>
+                    <a:ext uri="{9D8B030D-6E8A-4147-A177-3AD203B41FA5}">
+                      <a16:colId xmlns:a16="http://schemas.microsoft.com/office/drawing/2014/main" val="20001"/>
+                    </a:ext>
+                  </a:extLst>
+                </a:gridCol>
+                <a:gridCol w="4260476">
+                  <a:extLst>
+                    <a:ext uri="{9D8B030D-6E8A-4147-A177-3AD203B41FA5}">
+                      <a16:colId xmlns:a16="http://schemas.microsoft.com/office/drawing/2014/main" val="20002"/>
+                    </a:ext>
+                  </a:extLst>
+                </a:gridCol>
+                <a:gridCol w="2628900">
+                  <a:extLst>
+                    <a:ext uri="{9D8B030D-6E8A-4147-A177-3AD203B41FA5}">
+                      <a16:colId xmlns:a16="http://schemas.microsoft.com/office/drawing/2014/main" val="20003"/>
+                    </a:ext>
+                  </a:extLst>
+                </a:gridCol>
               </a:tblGrid>
               <a:tr h="370840">
                 <a:tc>
@@ -9160,6 +9184,11 @@
                   </a:txBody>
                   <a:tcPr/>
                 </a:tc>
+                <a:extLst>
+                  <a:ext uri="{0D108BD9-81ED-4DB2-BD59-A6C34878D82A}">
+                    <a16:rowId xmlns:a16="http://schemas.microsoft.com/office/drawing/2014/main" val="10000"/>
+                  </a:ext>
+                </a:extLst>
               </a:tr>
               <a:tr h="370840">
                 <a:tc>
@@ -9242,6 +9271,11 @@
                   </a:txBody>
                   <a:tcPr/>
                 </a:tc>
+                <a:extLst>
+                  <a:ext uri="{0D108BD9-81ED-4DB2-BD59-A6C34878D82A}">
+                    <a16:rowId xmlns:a16="http://schemas.microsoft.com/office/drawing/2014/main" val="10001"/>
+                  </a:ext>
+                </a:extLst>
               </a:tr>
               <a:tr h="370840">
                 <a:tc>
@@ -9320,6 +9354,11 @@
                   </a:txBody>
                   <a:tcPr/>
                 </a:tc>
+                <a:extLst>
+                  <a:ext uri="{0D108BD9-81ED-4DB2-BD59-A6C34878D82A}">
+                    <a16:rowId xmlns:a16="http://schemas.microsoft.com/office/drawing/2014/main" val="10002"/>
+                  </a:ext>
+                </a:extLst>
               </a:tr>
               <a:tr h="370840">
                 <a:tc>
@@ -9386,6 +9425,11 @@
                   </a:txBody>
                   <a:tcPr/>
                 </a:tc>
+                <a:extLst>
+                  <a:ext uri="{0D108BD9-81ED-4DB2-BD59-A6C34878D82A}">
+                    <a16:rowId xmlns:a16="http://schemas.microsoft.com/office/drawing/2014/main" val="10003"/>
+                  </a:ext>
+                </a:extLst>
               </a:tr>
               <a:tr h="370840">
                 <a:tc>
@@ -9448,6 +9492,11 @@
                   </a:txBody>
                   <a:tcPr/>
                 </a:tc>
+                <a:extLst>
+                  <a:ext uri="{0D108BD9-81ED-4DB2-BD59-A6C34878D82A}">
+                    <a16:rowId xmlns:a16="http://schemas.microsoft.com/office/drawing/2014/main" val="10004"/>
+                  </a:ext>
+                </a:extLst>
               </a:tr>
             </a:tbl>
           </a:graphicData>
@@ -11540,8 +11589,8 @@
           </a:p>
         </p:txBody>
       </p:sp>
-      <mc:AlternateContent xmlns:mc="http://schemas.openxmlformats.org/markup-compatibility/2006" xmlns:a14="http://schemas.microsoft.com/office/drawing/2010/main">
-        <mc:Choice Requires="a14">
+      <mc:AlternateContent xmlns:mc="http://schemas.openxmlformats.org/markup-compatibility/2006">
+        <mc:Choice xmlns:a14="http://schemas.microsoft.com/office/drawing/2010/main" Requires="a14">
           <p:sp>
             <p:nvSpPr>
               <p:cNvPr id="3" name="Объект 2"/>
@@ -11999,7 +12048,7 @@
                     </m:oMathParaPr>
                     <m:oMath xmlns:m="http://schemas.openxmlformats.org/officeDocument/2006/math">
                       <m:r>
-                        <a:rPr lang="en-US" i="1" dirty="0" smtClean="0">
+                        <a:rPr lang="en-US" i="1" dirty="0">
                           <a:latin typeface="Cambria Math" panose="02040503050406030204" pitchFamily="18" charset="0"/>
                         </a:rPr>
                         <m:t>𝐻𝑀𝐴𝐶</m:t>
@@ -12007,26 +12056,26 @@
                       <m:d>
                         <m:dPr>
                           <m:ctrlPr>
-                            <a:rPr lang="en-US" i="1" dirty="0" smtClean="0">
+                            <a:rPr lang="en-US" i="1" dirty="0">
                               <a:latin typeface="Cambria Math" panose="02040503050406030204" pitchFamily="18" charset="0"/>
                             </a:rPr>
                           </m:ctrlPr>
                         </m:dPr>
                         <m:e>
                           <m:r>
-                            <a:rPr lang="en-US" i="1" dirty="0" smtClean="0">
+                            <a:rPr lang="en-US" i="1" dirty="0">
                               <a:latin typeface="Cambria Math" panose="02040503050406030204" pitchFamily="18" charset="0"/>
                             </a:rPr>
                             <m:t>𝑘</m:t>
                           </m:r>
                           <m:r>
-                            <a:rPr lang="en-US" i="1" dirty="0" smtClean="0">
+                            <a:rPr lang="en-US" i="1" dirty="0">
                               <a:latin typeface="Cambria Math" panose="02040503050406030204" pitchFamily="18" charset="0"/>
                             </a:rPr>
                             <m:t>,</m:t>
                           </m:r>
                           <m:r>
-                            <a:rPr lang="en-US" b="0" i="1" dirty="0" smtClean="0">
+                            <a:rPr lang="en-US" i="1" dirty="0">
                               <a:latin typeface="Cambria Math" panose="02040503050406030204" pitchFamily="18" charset="0"/>
                             </a:rPr>
                             <m:t>𝑚</m:t>
@@ -12034,104 +12083,92 @@
                         </m:e>
                       </m:d>
                       <m:r>
-                        <a:rPr lang="en-US" b="0" i="1" dirty="0" smtClean="0">
+                        <a:rPr lang="en-US" i="1" dirty="0">
                           <a:latin typeface="Cambria Math" panose="02040503050406030204" pitchFamily="18" charset="0"/>
                         </a:rPr>
                         <m:t>=</m:t>
                       </m:r>
                       <m:r>
-                        <a:rPr lang="en-US" b="0" i="1" dirty="0" smtClean="0">
+                        <a:rPr lang="en-US" i="1" dirty="0">
                           <a:latin typeface="Cambria Math" panose="02040503050406030204" pitchFamily="18" charset="0"/>
                         </a:rPr>
                         <m:t>𝐻</m:t>
                       </m:r>
                       <m:r>
-                        <a:rPr lang="en-US" b="0" i="1" dirty="0" smtClean="0">
+                        <a:rPr lang="en-US" i="1" dirty="0">
                           <a:latin typeface="Cambria Math" panose="02040503050406030204" pitchFamily="18" charset="0"/>
                         </a:rPr>
                         <m:t>(</m:t>
                       </m:r>
                       <m:r>
-                        <a:rPr lang="en-US" b="0" i="1" dirty="0" smtClean="0">
+                        <a:rPr lang="en-US" i="1" dirty="0">
                           <a:latin typeface="Cambria Math" panose="02040503050406030204" pitchFamily="18" charset="0"/>
                         </a:rPr>
                         <m:t>𝑘</m:t>
                       </m:r>
                       <m:r>
-                        <a:rPr lang="en-US" b="0" i="1" dirty="0" smtClean="0">
+                        <a:rPr lang="en-US" i="1" dirty="0">
                           <a:latin typeface="Cambria Math" panose="02040503050406030204" pitchFamily="18" charset="0"/>
                         </a:rPr>
                         <m:t>⊕</m:t>
                       </m:r>
                       <m:r>
-                        <a:rPr lang="en-US" b="0" i="1" dirty="0" smtClean="0">
+                        <a:rPr lang="en-US" i="1" dirty="0">
                           <a:latin typeface="Cambria Math" panose="02040503050406030204" pitchFamily="18" charset="0"/>
                         </a:rPr>
                         <m:t>𝑜𝑝𝑎𝑑</m:t>
                       </m:r>
                       <m:r>
-                        <a:rPr lang="en-US" b="0" i="1" dirty="0" smtClean="0">
+                        <a:rPr lang="en-US" i="1" dirty="0">
                           <a:latin typeface="Cambria Math" panose="02040503050406030204" pitchFamily="18" charset="0"/>
                         </a:rPr>
-                        <m:t>|</m:t>
+                        <m:t>||</m:t>
+                      </m:r>
+                      <m:r>
+                        <a:rPr lang="en-US" i="1" dirty="0">
+                          <a:latin typeface="Cambria Math" panose="02040503050406030204" pitchFamily="18" charset="0"/>
+                        </a:rPr>
+                        <m:t>𝐻</m:t>
                       </m:r>
                       <m:d>
                         <m:dPr>
-                          <m:begChr m:val="|"/>
                           <m:ctrlPr>
-                            <a:rPr lang="en-US" b="0" i="1" dirty="0" smtClean="0">
+                            <a:rPr lang="en-US" i="1" dirty="0">
                               <a:latin typeface="Cambria Math" panose="02040503050406030204" pitchFamily="18" charset="0"/>
                             </a:rPr>
                           </m:ctrlPr>
                         </m:dPr>
                         <m:e>
                           <m:r>
-                            <a:rPr lang="en-US" b="0" i="1" dirty="0" smtClean="0">
+                            <a:rPr lang="en-US" i="1" dirty="0">
                               <a:latin typeface="Cambria Math" panose="02040503050406030204" pitchFamily="18" charset="0"/>
                             </a:rPr>
-                            <m:t>𝐻</m:t>
+                            <m:t>𝑘</m:t>
                           </m:r>
-                          <m:d>
-                            <m:dPr>
-                              <m:ctrlPr>
-                                <a:rPr lang="en-US" b="0" i="1" dirty="0" smtClean="0">
-                                  <a:latin typeface="Cambria Math" panose="02040503050406030204" pitchFamily="18" charset="0"/>
-                                </a:rPr>
-                              </m:ctrlPr>
-                            </m:dPr>
-                            <m:e>
-                              <m:r>
-                                <a:rPr lang="en-US" b="0" i="1" dirty="0" smtClean="0">
-                                  <a:latin typeface="Cambria Math" panose="02040503050406030204" pitchFamily="18" charset="0"/>
-                                </a:rPr>
-                                <m:t>𝑘</m:t>
-                              </m:r>
-                              <m:r>
-                                <a:rPr lang="en-US" b="0" i="1" dirty="0" smtClean="0">
-                                  <a:latin typeface="Cambria Math" panose="02040503050406030204" pitchFamily="18" charset="0"/>
-                                </a:rPr>
-                                <m:t>⊕</m:t>
-                              </m:r>
-                              <m:r>
-                                <a:rPr lang="en-US" b="0" i="1" dirty="0" smtClean="0">
-                                  <a:latin typeface="Cambria Math" panose="02040503050406030204" pitchFamily="18" charset="0"/>
-                                </a:rPr>
-                                <m:t>𝑖𝑝𝑎𝑑</m:t>
-                              </m:r>
-                              <m:r>
-                                <a:rPr lang="en-US" b="0" i="1" dirty="0" smtClean="0">
-                                  <a:latin typeface="Cambria Math" panose="02040503050406030204" pitchFamily="18" charset="0"/>
-                                </a:rPr>
-                                <m:t>,</m:t>
-                              </m:r>
-                              <m:r>
-                                <a:rPr lang="en-US" b="0" i="1" dirty="0" smtClean="0">
-                                  <a:latin typeface="Cambria Math" panose="02040503050406030204" pitchFamily="18" charset="0"/>
-                                </a:rPr>
-                                <m:t>𝑚</m:t>
-                              </m:r>
-                            </m:e>
-                          </m:d>
+                          <m:r>
+                            <a:rPr lang="en-US" i="1" dirty="0">
+                              <a:latin typeface="Cambria Math" panose="02040503050406030204" pitchFamily="18" charset="0"/>
+                            </a:rPr>
+                            <m:t>⊕</m:t>
+                          </m:r>
+                          <m:r>
+                            <a:rPr lang="en-US" i="1" dirty="0">
+                              <a:latin typeface="Cambria Math" panose="02040503050406030204" pitchFamily="18" charset="0"/>
+                            </a:rPr>
+                            <m:t>𝑖𝑝𝑎𝑑</m:t>
+                          </m:r>
+                          <m:r>
+                            <a:rPr lang="en-US" i="1" dirty="0">
+                              <a:latin typeface="Cambria Math" panose="02040503050406030204" pitchFamily="18" charset="0"/>
+                            </a:rPr>
+                            <m:t>||</m:t>
+                          </m:r>
+                          <m:r>
+                            <a:rPr lang="en-US" i="1" dirty="0">
+                              <a:latin typeface="Cambria Math" panose="02040503050406030204" pitchFamily="18" charset="0"/>
+                            </a:rPr>
+                            <m:t>𝑚</m:t>
+                          </m:r>
                         </m:e>
                       </m:d>
                     </m:oMath>
@@ -12205,7 +12242,7 @@
             </p:txBody>
           </p:sp>
         </mc:Choice>
-        <mc:Fallback xmlns="">
+        <mc:Fallback>
           <p:sp>
             <p:nvSpPr>
               <p:cNvPr id="3" name="Объект 2"/>
@@ -12217,10 +12254,10 @@
               </p:nvPr>
             </p:nvSpPr>
             <p:spPr>
-              <a:blipFill rotWithShape="0">
+              <a:blipFill>
                 <a:blip r:embed="rId2"/>
                 <a:stretch>
-                  <a:fillRect l="-928" t="-2661" b="-3361"/>
+                  <a:fillRect l="-928" t="-2661" b="-2381"/>
                 </a:stretch>
               </a:blipFill>
             </p:spPr>
@@ -17564,8 +17601,8 @@
           </a:p>
         </p:txBody>
       </p:sp>
-      <mc:AlternateContent xmlns:mc="http://schemas.openxmlformats.org/markup-compatibility/2006">
-        <mc:Choice xmlns:a14="http://schemas.microsoft.com/office/drawing/2010/main" Requires="a14">
+      <mc:AlternateContent xmlns:mc="http://schemas.openxmlformats.org/markup-compatibility/2006" xmlns:a14="http://schemas.microsoft.com/office/drawing/2010/main">
+        <mc:Choice Requires="a14">
           <p:sp>
             <p:nvSpPr>
               <p:cNvPr id="3" name="Объект 2"/>
@@ -18202,7 +18239,7 @@
             </p:txBody>
           </p:sp>
         </mc:Choice>
-        <mc:Fallback>
+        <mc:Fallback xmlns="">
           <p:sp>
             <p:nvSpPr>
               <p:cNvPr id="3" name="Объект 2"/>

--- a/Lectures/Lecture11.pptx
+++ b/Lectures/Lecture11.pptx
@@ -333,7 +333,7 @@
           <a:p>
             <a:fld id="{CBA08D16-15DC-4E25-BDC3-F25146157B16}" type="datetimeFigureOut">
               <a:rPr lang="ru-RU" smtClean="0"/>
-              <a:t>26.11.2020</a:t>
+              <a:t>07.04.2021</a:t>
             </a:fld>
             <a:endParaRPr lang="ru-RU"/>
           </a:p>
@@ -732,7 +732,7 @@
           <a:p>
             <a:fld id="{FCEC8293-DB51-454A-BE81-EC8FCB31EBA2}" type="datetime1">
               <a:rPr lang="ru-RU" smtClean="0"/>
-              <a:t>26.11.2020</a:t>
+              <a:t>07.04.2021</a:t>
             </a:fld>
             <a:endParaRPr lang="ru-RU"/>
           </a:p>
@@ -906,7 +906,7 @@
           <a:p>
             <a:fld id="{241C87B1-1C35-4DBD-BC18-2BC72E776603}" type="datetime1">
               <a:rPr lang="ru-RU" smtClean="0"/>
-              <a:t>26.11.2020</a:t>
+              <a:t>07.04.2021</a:t>
             </a:fld>
             <a:endParaRPr lang="ru-RU"/>
           </a:p>
@@ -1090,7 +1090,7 @@
           <a:p>
             <a:fld id="{3134C275-26C0-42CD-9111-9ADE65922AF9}" type="datetime1">
               <a:rPr lang="ru-RU" smtClean="0"/>
-              <a:t>26.11.2020</a:t>
+              <a:t>07.04.2021</a:t>
             </a:fld>
             <a:endParaRPr lang="ru-RU"/>
           </a:p>
@@ -1264,7 +1264,7 @@
           <a:p>
             <a:fld id="{C1A9A50B-C350-45F5-8AAB-ADB9E670AF2E}" type="datetime1">
               <a:rPr lang="ru-RU" smtClean="0"/>
-              <a:t>26.11.2020</a:t>
+              <a:t>07.04.2021</a:t>
             </a:fld>
             <a:endParaRPr lang="ru-RU"/>
           </a:p>
@@ -1514,7 +1514,7 @@
           <a:p>
             <a:fld id="{089688C9-348F-42F9-B6C0-5990DDE0C5B2}" type="datetime1">
               <a:rPr lang="ru-RU" smtClean="0"/>
-              <a:t>26.11.2020</a:t>
+              <a:t>07.04.2021</a:t>
             </a:fld>
             <a:endParaRPr lang="ru-RU"/>
           </a:p>
@@ -1750,7 +1750,7 @@
           <a:p>
             <a:fld id="{684AFD8F-6DD9-4AD3-A505-FDC3F5C5F3F6}" type="datetime1">
               <a:rPr lang="ru-RU" smtClean="0"/>
-              <a:t>26.11.2020</a:t>
+              <a:t>07.04.2021</a:t>
             </a:fld>
             <a:endParaRPr lang="ru-RU"/>
           </a:p>
@@ -2121,7 +2121,7 @@
           <a:p>
             <a:fld id="{63551EFE-4D02-45EB-A747-8B6F047B5AA0}" type="datetime1">
               <a:rPr lang="ru-RU" smtClean="0"/>
-              <a:t>26.11.2020</a:t>
+              <a:t>07.04.2021</a:t>
             </a:fld>
             <a:endParaRPr lang="ru-RU"/>
           </a:p>
@@ -2243,7 +2243,7 @@
           <a:p>
             <a:fld id="{813A9F34-E5CD-4B8F-AA9E-889C84372B20}" type="datetime1">
               <a:rPr lang="ru-RU" smtClean="0"/>
-              <a:t>26.11.2020</a:t>
+              <a:t>07.04.2021</a:t>
             </a:fld>
             <a:endParaRPr lang="ru-RU"/>
           </a:p>
@@ -2342,7 +2342,7 @@
           <a:p>
             <a:fld id="{51224D22-9B29-44A6-8E82-95FC492DEDC1}" type="datetime1">
               <a:rPr lang="ru-RU" smtClean="0"/>
-              <a:t>26.11.2020</a:t>
+              <a:t>07.04.2021</a:t>
             </a:fld>
             <a:endParaRPr lang="ru-RU"/>
           </a:p>
@@ -2623,7 +2623,7 @@
           <a:p>
             <a:fld id="{91D1034F-4441-48A1-BDC0-25EA1022324A}" type="datetime1">
               <a:rPr lang="ru-RU" smtClean="0"/>
-              <a:t>26.11.2020</a:t>
+              <a:t>07.04.2021</a:t>
             </a:fld>
             <a:endParaRPr lang="ru-RU"/>
           </a:p>
@@ -2880,7 +2880,7 @@
           <a:p>
             <a:fld id="{B0FFDE79-B627-473B-AE17-4C65BD2495F7}" type="datetime1">
               <a:rPr lang="ru-RU" smtClean="0"/>
-              <a:t>26.11.2020</a:t>
+              <a:t>07.04.2021</a:t>
             </a:fld>
             <a:endParaRPr lang="ru-RU"/>
           </a:p>
@@ -3097,7 +3097,7 @@
           <a:p>
             <a:fld id="{11CA537A-1B8C-47BA-9BA6-7CE3FAFDA8BE}" type="datetime1">
               <a:rPr lang="ru-RU" smtClean="0"/>
-              <a:t>26.11.2020</a:t>
+              <a:t>07.04.2021</a:t>
             </a:fld>
             <a:endParaRPr lang="ru-RU"/>
           </a:p>
@@ -3599,11 +3599,7 @@
           <a:p>
             <a:r>
               <a:rPr lang="ru-RU" dirty="0" smtClean="0"/>
-              <a:t>МИФИ </a:t>
-            </a:r>
-            <a:r>
-              <a:rPr lang="ru-RU" dirty="0" smtClean="0"/>
-              <a:t>20</a:t>
+              <a:t>МИФИ 20</a:t>
             </a:r>
             <a:r>
               <a:rPr lang="en-US" dirty="0" smtClean="0"/>
@@ -3677,8 +3673,8 @@
           </a:p>
         </p:txBody>
       </p:sp>
-      <mc:AlternateContent xmlns:mc="http://schemas.openxmlformats.org/markup-compatibility/2006">
-        <mc:Choice xmlns:a14="http://schemas.microsoft.com/office/drawing/2010/main" Requires="a14">
+      <mc:AlternateContent xmlns:mc="http://schemas.openxmlformats.org/markup-compatibility/2006" xmlns:a14="http://schemas.microsoft.com/office/drawing/2010/main">
+        <mc:Choice Requires="a14">
           <p:sp>
             <p:nvSpPr>
               <p:cNvPr id="3" name="Объект 2"/>
@@ -3706,19 +3702,7 @@
                 </a:pPr>
                 <a:r>
                   <a:rPr lang="ru-RU" dirty="0" smtClean="0"/>
-                  <a:t>Большинство современных хэш-функций стоится по итеративному принципу. Сначала описывается некоторая хэш-функция для сообщений малой </a:t>
-                </a:r>
-                <a:r>
-                  <a:rPr lang="ru-RU" dirty="0" smtClean="0"/>
-                  <a:t>фиксированной </a:t>
-                </a:r>
-                <a:r>
-                  <a:rPr lang="ru-RU" dirty="0" smtClean="0"/>
-                  <a:t>длины</a:t>
-                </a:r>
-                <a:r>
-                  <a:rPr lang="ru-RU" dirty="0" smtClean="0"/>
-                  <a:t>, которая затем итеративно используется для </a:t>
+                  <a:t>Большинство современных хэш-функций стоится по итеративному принципу. Сначала описывается некоторая хэш-функция для сообщений малой фиксированной длины, которая затем итеративно используется для </a:t>
                 </a:r>
                 <a:r>
                   <a:rPr lang="ru-RU" dirty="0" err="1" smtClean="0"/>
@@ -4447,7 +4431,7 @@
             </p:txBody>
           </p:sp>
         </mc:Choice>
-        <mc:Fallback>
+        <mc:Fallback xmlns="">
           <p:sp>
             <p:nvSpPr>
               <p:cNvPr id="3" name="Объект 2"/>
@@ -8603,19 +8587,7 @@
             </a:pPr>
             <a:r>
               <a:rPr lang="ru-RU" dirty="0" smtClean="0"/>
-              <a:t>Две основных операции – </a:t>
-            </a:r>
-            <a:r>
-              <a:rPr lang="ru-RU" dirty="0" smtClean="0"/>
-              <a:t>«поглощение» </a:t>
-            </a:r>
-            <a:r>
-              <a:rPr lang="ru-RU" dirty="0" smtClean="0"/>
-              <a:t>и «выжимание</a:t>
-            </a:r>
-            <a:r>
-              <a:rPr lang="ru-RU" dirty="0" smtClean="0"/>
-              <a:t>» губки</a:t>
+              <a:t>Две основных операции – «поглощение» и «выжимание» губки</a:t>
             </a:r>
             <a:endParaRPr lang="ru-RU" dirty="0"/>
           </a:p>
@@ -18152,11 +18124,7 @@
           <a:p>
             <a:r>
               <a:rPr lang="ru-RU" dirty="0" smtClean="0"/>
-              <a:t>Контекст </a:t>
-            </a:r>
-            <a:r>
-              <a:rPr lang="ru-RU" dirty="0" smtClean="0"/>
-              <a:t>используется для изоляции ключей между приложениями или применениями</a:t>
+              <a:t>Контекст используется для изоляции ключей между приложениями или применениями</a:t>
             </a:r>
           </a:p>
           <a:p>
@@ -18511,8 +18479,8 @@
           </a:p>
         </p:txBody>
       </p:sp>
-      <mc:AlternateContent xmlns:mc="http://schemas.openxmlformats.org/markup-compatibility/2006" xmlns:a14="http://schemas.microsoft.com/office/drawing/2010/main">
-        <mc:Choice Requires="a14">
+      <mc:AlternateContent xmlns:mc="http://schemas.openxmlformats.org/markup-compatibility/2006">
+        <mc:Choice xmlns:a14="http://schemas.microsoft.com/office/drawing/2010/main" Requires="a14">
           <p:sp>
             <p:nvSpPr>
               <p:cNvPr id="3" name="Объект 2"/>
@@ -18591,7 +18559,7 @@
                   <a:t> – </a:t>
                 </a:r>
                 <a:r>
-                  <a:rPr lang="ru-RU" smtClean="0">
+                  <a:rPr lang="ru-RU" dirty="0" smtClean="0">
                     <a:latin typeface="Cambria Math" panose="02040503050406030204" pitchFamily="18" charset="0"/>
                   </a:rPr>
                   <a:t>число итераций,</a:t>
@@ -18777,6 +18745,18 @@
                         </m:ctrlPr>
                       </m:dPr>
                       <m:e>
+                        <m:r>
+                          <a:rPr lang="en-US" b="0" i="1" smtClean="0">
+                            <a:latin typeface="Cambria Math" panose="02040503050406030204" pitchFamily="18" charset="0"/>
+                          </a:rPr>
+                          <m:t>𝑃</m:t>
+                        </m:r>
+                        <m:r>
+                          <a:rPr lang="en-US" b="0" i="1" smtClean="0">
+                            <a:latin typeface="Cambria Math" panose="02040503050406030204" pitchFamily="18" charset="0"/>
+                          </a:rPr>
+                          <m:t>,</m:t>
+                        </m:r>
                         <m:sSub>
                           <m:sSubPr>
                             <m:ctrlPr>
@@ -19149,7 +19129,7 @@
             </p:txBody>
           </p:sp>
         </mc:Choice>
-        <mc:Fallback xmlns="">
+        <mc:Fallback>
           <p:sp>
             <p:nvSpPr>
               <p:cNvPr id="3" name="Объект 2"/>
@@ -19161,7 +19141,7 @@
               </p:nvPr>
             </p:nvSpPr>
             <p:spPr>
-              <a:blipFill rotWithShape="0">
+              <a:blipFill>
                 <a:blip r:embed="rId2"/>
                 <a:stretch>
                   <a:fillRect l="-1043" t="-2241"/>
@@ -22024,8 +22004,8 @@
           </a:p>
         </p:txBody>
       </p:sp>
-      <mc:AlternateContent xmlns:mc="http://schemas.openxmlformats.org/markup-compatibility/2006">
-        <mc:Choice xmlns:a14="http://schemas.microsoft.com/office/drawing/2010/main" Requires="a14">
+      <mc:AlternateContent xmlns:mc="http://schemas.openxmlformats.org/markup-compatibility/2006" xmlns:a14="http://schemas.microsoft.com/office/drawing/2010/main">
+        <mc:Choice Requires="a14">
           <p:graphicFrame>
             <p:nvGraphicFramePr>
               <p:cNvPr id="5" name="Объект 4"/>
@@ -22180,6 +22160,7 @@
                         <a:bodyPr/>
                         <a:lstStyle/>
                         <a:p>
+                          <a:pPr/>
                           <a14:m>
                             <m:oMathPara xmlns:m="http://schemas.openxmlformats.org/officeDocument/2006/math">
                               <m:oMathParaPr>
@@ -22224,6 +22205,7 @@
                         <a:bodyPr/>
                         <a:lstStyle/>
                         <a:p>
+                          <a:pPr/>
                           <a14:m>
                             <m:oMathPara xmlns:m="http://schemas.openxmlformats.org/officeDocument/2006/math">
                               <m:oMathParaPr>
@@ -22249,6 +22231,7 @@
                         <a:bodyPr/>
                         <a:lstStyle/>
                         <a:p>
+                          <a:pPr/>
                           <a14:m>
                             <m:oMathPara xmlns:m="http://schemas.openxmlformats.org/officeDocument/2006/math">
                               <m:oMathParaPr>
@@ -22346,6 +22329,7 @@
                         <a:bodyPr/>
                         <a:lstStyle/>
                         <a:p>
+                          <a:pPr/>
                           <a14:m>
                             <m:oMathPara xmlns:m="http://schemas.openxmlformats.org/officeDocument/2006/math">
                               <m:oMathParaPr>
@@ -22421,6 +22405,7 @@
                         <a:bodyPr/>
                         <a:lstStyle/>
                         <a:p>
+                          <a:pPr/>
                           <a14:m>
                             <m:oMathPara xmlns:m="http://schemas.openxmlformats.org/officeDocument/2006/math">
                               <m:oMathParaPr>
@@ -22446,6 +22431,7 @@
                         <a:bodyPr/>
                         <a:lstStyle/>
                         <a:p>
+                          <a:pPr/>
                           <a14:m>
                             <m:oMathPara xmlns:m="http://schemas.openxmlformats.org/officeDocument/2006/math">
                               <m:oMathParaPr>
@@ -22646,6 +22632,7 @@
                         <a:bodyPr/>
                         <a:lstStyle/>
                         <a:p>
+                          <a:pPr/>
                           <a14:m>
                             <m:oMathPara xmlns:m="http://schemas.openxmlformats.org/officeDocument/2006/math">
                               <m:oMathParaPr>
@@ -22727,6 +22714,7 @@
                         <a:bodyPr/>
                         <a:lstStyle/>
                         <a:p>
+                          <a:pPr/>
                           <a14:m>
                             <m:oMathPara xmlns:m="http://schemas.openxmlformats.org/officeDocument/2006/math">
                               <m:oMathParaPr>
@@ -23157,6 +23145,7 @@
                         <a:bodyPr/>
                         <a:lstStyle/>
                         <a:p>
+                          <a:pPr/>
                           <a14:m>
                             <m:oMathPara xmlns:m="http://schemas.openxmlformats.org/officeDocument/2006/math">
                               <m:oMathParaPr>
@@ -23264,6 +23253,7 @@
                         <a:bodyPr/>
                         <a:lstStyle/>
                         <a:p>
+                          <a:pPr/>
                           <a14:m>
                             <m:oMathPara xmlns:m="http://schemas.openxmlformats.org/officeDocument/2006/math">
                               <m:oMathParaPr>
@@ -23325,6 +23315,7 @@
                           <a:endParaRPr lang="en-US" b="0" dirty="0" smtClean="0"/>
                         </a:p>
                         <a:p>
+                          <a:pPr/>
                           <a14:m>
                             <m:oMathPara xmlns:m="http://schemas.openxmlformats.org/officeDocument/2006/math">
                               <m:oMathParaPr>
@@ -23477,6 +23468,7 @@
                           <a:endParaRPr lang="en-US" b="0" dirty="0" smtClean="0"/>
                         </a:p>
                         <a:p>
+                          <a:pPr/>
                           <a14:m>
                             <m:oMathPara xmlns:m="http://schemas.openxmlformats.org/officeDocument/2006/math">
                               <m:oMathParaPr>
@@ -23680,6 +23672,7 @@
                         <a:bodyPr/>
                         <a:lstStyle/>
                         <a:p>
+                          <a:pPr/>
                           <a14:m>
                             <m:oMathPara xmlns:m="http://schemas.openxmlformats.org/officeDocument/2006/math">
                               <m:oMathParaPr>
@@ -24217,6 +24210,7 @@
                         <a:bodyPr/>
                         <a:lstStyle/>
                         <a:p>
+                          <a:pPr/>
                           <a14:m>
                             <m:oMathPara xmlns:m="http://schemas.openxmlformats.org/officeDocument/2006/math">
                               <m:oMathParaPr>
@@ -24279,6 +24273,7 @@
                         <a:bodyPr/>
                         <a:lstStyle/>
                         <a:p>
+                          <a:pPr/>
                           <a14:m>
                             <m:oMathPara xmlns:m="http://schemas.openxmlformats.org/officeDocument/2006/math">
                               <m:oMathParaPr>
@@ -24310,6 +24305,7 @@
                         <a:bodyPr/>
                         <a:lstStyle/>
                         <a:p>
+                          <a:pPr/>
                           <a14:m>
                             <m:oMathPara xmlns:m="http://schemas.openxmlformats.org/officeDocument/2006/math">
                               <m:oMathParaPr>
@@ -24377,6 +24373,7 @@
                           <a:endParaRPr lang="en-US" b="0" dirty="0" smtClean="0"/>
                         </a:p>
                         <a:p>
+                          <a:pPr/>
                           <a14:m>
                             <m:oMathPara xmlns:m="http://schemas.openxmlformats.org/officeDocument/2006/math">
                               <m:oMathParaPr>
@@ -24520,6 +24517,7 @@
                           <a:endParaRPr lang="en-US" b="0" dirty="0" smtClean="0"/>
                         </a:p>
                         <a:p>
+                          <a:pPr/>
                           <a14:m>
                             <m:oMathPara xmlns:m="http://schemas.openxmlformats.org/officeDocument/2006/math">
                               <m:oMathParaPr>
@@ -24663,6 +24661,7 @@
                           <a:endParaRPr lang="en-US" b="0" dirty="0" smtClean="0"/>
                         </a:p>
                         <a:p>
+                          <a:pPr/>
                           <a14:m>
                             <m:oMathPara xmlns:m="http://schemas.openxmlformats.org/officeDocument/2006/math">
                               <m:oMathParaPr>
@@ -24819,7 +24818,7 @@
             </a:graphic>
           </p:graphicFrame>
         </mc:Choice>
-        <mc:Fallback>
+        <mc:Fallback xmlns="">
           <p:graphicFrame>
             <p:nvGraphicFramePr>
               <p:cNvPr id="5" name="Объект 4"/>

--- a/Lectures/Lecture11.pptx
+++ b/Lectures/Lecture11.pptx
@@ -333,7 +333,7 @@
           <a:p>
             <a:fld id="{CBA08D16-15DC-4E25-BDC3-F25146157B16}" type="datetimeFigureOut">
               <a:rPr lang="ru-RU" smtClean="0"/>
-              <a:t>07.04.2021</a:t>
+              <a:t>02.12.2021</a:t>
             </a:fld>
             <a:endParaRPr lang="ru-RU"/>
           </a:p>
@@ -732,7 +732,7 @@
           <a:p>
             <a:fld id="{FCEC8293-DB51-454A-BE81-EC8FCB31EBA2}" type="datetime1">
               <a:rPr lang="ru-RU" smtClean="0"/>
-              <a:t>07.04.2021</a:t>
+              <a:t>02.12.2021</a:t>
             </a:fld>
             <a:endParaRPr lang="ru-RU"/>
           </a:p>
@@ -906,7 +906,7 @@
           <a:p>
             <a:fld id="{241C87B1-1C35-4DBD-BC18-2BC72E776603}" type="datetime1">
               <a:rPr lang="ru-RU" smtClean="0"/>
-              <a:t>07.04.2021</a:t>
+              <a:t>02.12.2021</a:t>
             </a:fld>
             <a:endParaRPr lang="ru-RU"/>
           </a:p>
@@ -1090,7 +1090,7 @@
           <a:p>
             <a:fld id="{3134C275-26C0-42CD-9111-9ADE65922AF9}" type="datetime1">
               <a:rPr lang="ru-RU" smtClean="0"/>
-              <a:t>07.04.2021</a:t>
+              <a:t>02.12.2021</a:t>
             </a:fld>
             <a:endParaRPr lang="ru-RU"/>
           </a:p>
@@ -1264,7 +1264,7 @@
           <a:p>
             <a:fld id="{C1A9A50B-C350-45F5-8AAB-ADB9E670AF2E}" type="datetime1">
               <a:rPr lang="ru-RU" smtClean="0"/>
-              <a:t>07.04.2021</a:t>
+              <a:t>02.12.2021</a:t>
             </a:fld>
             <a:endParaRPr lang="ru-RU"/>
           </a:p>
@@ -1514,7 +1514,7 @@
           <a:p>
             <a:fld id="{089688C9-348F-42F9-B6C0-5990DDE0C5B2}" type="datetime1">
               <a:rPr lang="ru-RU" smtClean="0"/>
-              <a:t>07.04.2021</a:t>
+              <a:t>02.12.2021</a:t>
             </a:fld>
             <a:endParaRPr lang="ru-RU"/>
           </a:p>
@@ -1750,7 +1750,7 @@
           <a:p>
             <a:fld id="{684AFD8F-6DD9-4AD3-A505-FDC3F5C5F3F6}" type="datetime1">
               <a:rPr lang="ru-RU" smtClean="0"/>
-              <a:t>07.04.2021</a:t>
+              <a:t>02.12.2021</a:t>
             </a:fld>
             <a:endParaRPr lang="ru-RU"/>
           </a:p>
@@ -2121,7 +2121,7 @@
           <a:p>
             <a:fld id="{63551EFE-4D02-45EB-A747-8B6F047B5AA0}" type="datetime1">
               <a:rPr lang="ru-RU" smtClean="0"/>
-              <a:t>07.04.2021</a:t>
+              <a:t>02.12.2021</a:t>
             </a:fld>
             <a:endParaRPr lang="ru-RU"/>
           </a:p>
@@ -2243,7 +2243,7 @@
           <a:p>
             <a:fld id="{813A9F34-E5CD-4B8F-AA9E-889C84372B20}" type="datetime1">
               <a:rPr lang="ru-RU" smtClean="0"/>
-              <a:t>07.04.2021</a:t>
+              <a:t>02.12.2021</a:t>
             </a:fld>
             <a:endParaRPr lang="ru-RU"/>
           </a:p>
@@ -2342,7 +2342,7 @@
           <a:p>
             <a:fld id="{51224D22-9B29-44A6-8E82-95FC492DEDC1}" type="datetime1">
               <a:rPr lang="ru-RU" smtClean="0"/>
-              <a:t>07.04.2021</a:t>
+              <a:t>02.12.2021</a:t>
             </a:fld>
             <a:endParaRPr lang="ru-RU"/>
           </a:p>
@@ -2623,7 +2623,7 @@
           <a:p>
             <a:fld id="{91D1034F-4441-48A1-BDC0-25EA1022324A}" type="datetime1">
               <a:rPr lang="ru-RU" smtClean="0"/>
-              <a:t>07.04.2021</a:t>
+              <a:t>02.12.2021</a:t>
             </a:fld>
             <a:endParaRPr lang="ru-RU"/>
           </a:p>
@@ -2880,7 +2880,7 @@
           <a:p>
             <a:fld id="{B0FFDE79-B627-473B-AE17-4C65BD2495F7}" type="datetime1">
               <a:rPr lang="ru-RU" smtClean="0"/>
-              <a:t>07.04.2021</a:t>
+              <a:t>02.12.2021</a:t>
             </a:fld>
             <a:endParaRPr lang="ru-RU"/>
           </a:p>
@@ -3097,7 +3097,7 @@
           <a:p>
             <a:fld id="{11CA537A-1B8C-47BA-9BA6-7CE3FAFDA8BE}" type="datetime1">
               <a:rPr lang="ru-RU" smtClean="0"/>
-              <a:t>07.04.2021</a:t>
+              <a:t>02.12.2021</a:t>
             </a:fld>
             <a:endParaRPr lang="ru-RU"/>
           </a:p>
@@ -4502,6 +4502,13 @@
   <p:clrMapOvr>
     <a:masterClrMapping/>
   </p:clrMapOvr>
+  <p:timing>
+    <p:tnLst>
+      <p:par>
+        <p:cTn id="1" dur="indefinite" restart="never" nodeType="tmRoot"/>
+      </p:par>
+    </p:tnLst>
+  </p:timing>
 </p:sld>
 </file>
 
@@ -4617,6 +4624,13 @@
   <p:clrMapOvr>
     <a:masterClrMapping/>
   </p:clrMapOvr>
+  <p:timing>
+    <p:tnLst>
+      <p:par>
+        <p:cTn id="1" dur="indefinite" restart="never" nodeType="tmRoot"/>
+      </p:par>
+    </p:tnLst>
+  </p:timing>
 </p:sld>
 </file>
 
@@ -5068,6 +5082,13 @@
   <p:clrMapOvr>
     <a:masterClrMapping/>
   </p:clrMapOvr>
+  <p:timing>
+    <p:tnLst>
+      <p:par>
+        <p:cTn id="1" dur="indefinite" restart="never" nodeType="tmRoot"/>
+      </p:par>
+    </p:tnLst>
+  </p:timing>
 </p:sld>
 </file>
 
@@ -5191,6 +5212,13 @@
   <p:clrMapOvr>
     <a:masterClrMapping/>
   </p:clrMapOvr>
+  <p:timing>
+    <p:tnLst>
+      <p:par>
+        <p:cTn id="1" dur="indefinite" restart="never" nodeType="tmRoot"/>
+      </p:par>
+    </p:tnLst>
+  </p:timing>
 </p:sld>
 </file>
 
@@ -5893,6 +5921,13 @@
   <p:clrMapOvr>
     <a:masterClrMapping/>
   </p:clrMapOvr>
+  <p:timing>
+    <p:tnLst>
+      <p:par>
+        <p:cTn id="1" dur="indefinite" restart="never" nodeType="tmRoot"/>
+      </p:par>
+    </p:tnLst>
+  </p:timing>
 </p:sld>
 </file>
 
@@ -6412,6 +6447,13 @@
   <p:clrMapOvr>
     <a:masterClrMapping/>
   </p:clrMapOvr>
+  <p:timing>
+    <p:tnLst>
+      <p:par>
+        <p:cTn id="1" dur="indefinite" restart="never" nodeType="tmRoot"/>
+      </p:par>
+    </p:tnLst>
+  </p:timing>
 </p:sld>
 </file>
 
@@ -6532,6 +6574,13 @@
   <p:clrMapOvr>
     <a:masterClrMapping/>
   </p:clrMapOvr>
+  <p:timing>
+    <p:tnLst>
+      <p:par>
+        <p:cTn id="1" dur="indefinite" restart="never" nodeType="tmRoot"/>
+      </p:par>
+    </p:tnLst>
+  </p:timing>
 </p:sld>
 </file>
 
@@ -6745,6 +6794,13 @@
   <p:clrMapOvr>
     <a:masterClrMapping/>
   </p:clrMapOvr>
+  <p:timing>
+    <p:tnLst>
+      <p:par>
+        <p:cTn id="1" dur="indefinite" restart="never" nodeType="tmRoot"/>
+      </p:par>
+    </p:tnLst>
+  </p:timing>
 </p:sld>
 </file>
 
@@ -7255,6 +7311,13 @@
   <p:clrMapOvr>
     <a:masterClrMapping/>
   </p:clrMapOvr>
+  <p:timing>
+    <p:tnLst>
+      <p:par>
+        <p:cTn id="1" dur="indefinite" restart="never" nodeType="tmRoot"/>
+      </p:par>
+    </p:tnLst>
+  </p:timing>
 </p:sld>
 </file>
 
@@ -7440,6 +7503,13 @@
   <p:clrMapOvr>
     <a:masterClrMapping/>
   </p:clrMapOvr>
+  <p:timing>
+    <p:tnLst>
+      <p:par>
+        <p:cTn id="1" dur="indefinite" restart="never" nodeType="tmRoot"/>
+      </p:par>
+    </p:tnLst>
+  </p:timing>
 </p:sld>
 </file>
 
@@ -8183,6 +8253,13 @@
   <p:clrMapOvr>
     <a:masterClrMapping/>
   </p:clrMapOvr>
+  <p:timing>
+    <p:tnLst>
+      <p:par>
+        <p:cTn id="1" dur="indefinite" restart="never" nodeType="tmRoot"/>
+      </p:par>
+    </p:tnLst>
+  </p:timing>
 </p:sld>
 </file>
 
@@ -8329,6 +8406,13 @@
   <p:clrMapOvr>
     <a:masterClrMapping/>
   </p:clrMapOvr>
+  <p:timing>
+    <p:tnLst>
+      <p:par>
+        <p:cTn id="1" dur="indefinite" restart="never" nodeType="tmRoot"/>
+      </p:par>
+    </p:tnLst>
+  </p:timing>
 </p:sld>
 </file>
 
@@ -8497,6 +8581,13 @@
   <p:clrMapOvr>
     <a:masterClrMapping/>
   </p:clrMapOvr>
+  <p:timing>
+    <p:tnLst>
+      <p:par>
+        <p:cTn id="1" dur="indefinite" restart="never" nodeType="tmRoot"/>
+      </p:par>
+    </p:tnLst>
+  </p:timing>
 </p:sld>
 </file>
 
@@ -8626,6 +8717,13 @@
   <p:clrMapOvr>
     <a:masterClrMapping/>
   </p:clrMapOvr>
+  <p:timing>
+    <p:tnLst>
+      <p:par>
+        <p:cTn id="1" dur="indefinite" restart="never" nodeType="tmRoot"/>
+      </p:par>
+    </p:tnLst>
+  </p:timing>
 </p:sld>
 </file>
 
@@ -8753,6 +8851,13 @@
   <p:clrMapOvr>
     <a:masterClrMapping/>
   </p:clrMapOvr>
+  <p:timing>
+    <p:tnLst>
+      <p:par>
+        <p:cTn id="1" dur="indefinite" restart="never" nodeType="tmRoot"/>
+      </p:par>
+    </p:tnLst>
+  </p:timing>
 </p:sld>
 </file>
 
@@ -8878,6 +8983,13 @@
   <p:clrMapOvr>
     <a:masterClrMapping/>
   </p:clrMapOvr>
+  <p:timing>
+    <p:tnLst>
+      <p:par>
+        <p:cTn id="1" dur="indefinite" restart="never" nodeType="tmRoot"/>
+      </p:par>
+    </p:tnLst>
+  </p:timing>
 </p:sld>
 </file>
 
@@ -9003,6 +9115,13 @@
   <p:clrMapOvr>
     <a:masterClrMapping/>
   </p:clrMapOvr>
+  <p:timing>
+    <p:tnLst>
+      <p:par>
+        <p:cTn id="1" dur="indefinite" restart="never" nodeType="tmRoot"/>
+      </p:par>
+    </p:tnLst>
+  </p:timing>
 </p:sld>
 </file>
 
@@ -9702,6 +9821,13 @@
   <p:clrMapOvr>
     <a:masterClrMapping/>
   </p:clrMapOvr>
+  <p:timing>
+    <p:tnLst>
+      <p:par>
+        <p:cTn id="1" dur="indefinite" restart="never" nodeType="tmRoot"/>
+      </p:par>
+    </p:tnLst>
+  </p:timing>
 </p:sld>
 </file>
 
@@ -9903,6 +10029,13 @@
   <p:clrMapOvr>
     <a:masterClrMapping/>
   </p:clrMapOvr>
+  <p:timing>
+    <p:tnLst>
+      <p:par>
+        <p:cTn id="1" dur="indefinite" restart="never" nodeType="tmRoot"/>
+      </p:par>
+    </p:tnLst>
+  </p:timing>
 </p:sld>
 </file>
 
@@ -10413,6 +10546,13 @@
   <p:clrMapOvr>
     <a:masterClrMapping/>
   </p:clrMapOvr>
+  <p:timing>
+    <p:tnLst>
+      <p:par>
+        <p:cTn id="1" dur="indefinite" restart="never" nodeType="tmRoot"/>
+      </p:par>
+    </p:tnLst>
+  </p:timing>
 </p:sld>
 </file>
 
@@ -10700,6 +10840,13 @@
   <p:clrMapOvr>
     <a:masterClrMapping/>
   </p:clrMapOvr>
+  <p:timing>
+    <p:tnLst>
+      <p:par>
+        <p:cTn id="1" dur="indefinite" restart="never" nodeType="tmRoot"/>
+      </p:par>
+    </p:tnLst>
+  </p:timing>
 </p:sld>
 </file>
 
@@ -10859,6 +11006,13 @@
   <p:clrMapOvr>
     <a:masterClrMapping/>
   </p:clrMapOvr>
+  <p:timing>
+    <p:tnLst>
+      <p:par>
+        <p:cTn id="1" dur="indefinite" restart="never" nodeType="tmRoot"/>
+      </p:par>
+    </p:tnLst>
+  </p:timing>
 </p:sld>
 </file>
 
@@ -10879,6 +11033,30 @@
           <a:chExt cx="0" cy="0"/>
         </a:xfrm>
       </p:grpSpPr>
+      <p:pic>
+        <p:nvPicPr>
+          <p:cNvPr id="5" name="Рисунок 4"/>
+          <p:cNvPicPr>
+            <a:picLocks noChangeAspect="1"/>
+          </p:cNvPicPr>
+          <p:nvPr/>
+        </p:nvPicPr>
+        <p:blipFill>
+          <a:blip r:embed="rId2"/>
+          <a:stretch>
+            <a:fillRect/>
+          </a:stretch>
+        </p:blipFill>
+        <p:spPr>
+          <a:xfrm>
+            <a:off x="4944533" y="0"/>
+            <a:ext cx="7211251" cy="2311111"/>
+          </a:xfrm>
+          <a:prstGeom prst="rect">
+            <a:avLst/>
+          </a:prstGeom>
+        </p:spPr>
+      </p:pic>
       <p:sp>
         <p:nvSpPr>
           <p:cNvPr id="6" name="Скругленный прямоугольник 5"/>
@@ -11829,7 +12007,7 @@
                 <a:ext cx="10515600" cy="4351338"/>
               </a:xfrm>
               <a:blipFill rotWithShape="0">
-                <a:blip r:embed="rId2"/>
+                <a:blip r:embed="rId3"/>
                 <a:stretch>
                   <a:fillRect l="-1043" t="-1821"/>
                 </a:stretch>
@@ -11873,30 +12051,6 @@
           </a:p>
         </p:txBody>
       </p:sp>
-      <p:pic>
-        <p:nvPicPr>
-          <p:cNvPr id="5" name="Рисунок 4"/>
-          <p:cNvPicPr>
-            <a:picLocks noChangeAspect="1"/>
-          </p:cNvPicPr>
-          <p:nvPr/>
-        </p:nvPicPr>
-        <p:blipFill>
-          <a:blip r:embed="rId3"/>
-          <a:stretch>
-            <a:fillRect/>
-          </a:stretch>
-        </p:blipFill>
-        <p:spPr>
-          <a:xfrm>
-            <a:off x="4807567" y="182706"/>
-            <a:ext cx="7211251" cy="2311111"/>
-          </a:xfrm>
-          <a:prstGeom prst="rect">
-            <a:avLst/>
-          </a:prstGeom>
-        </p:spPr>
-      </p:pic>
     </p:spTree>
     <p:extLst>
       <p:ext uri="{BB962C8B-B14F-4D97-AF65-F5344CB8AC3E}">
@@ -11907,6 +12061,13 @@
   <p:clrMapOvr>
     <a:masterClrMapping/>
   </p:clrMapOvr>
+  <p:timing>
+    <p:tnLst>
+      <p:par>
+        <p:cTn id="1" dur="indefinite" restart="never" nodeType="tmRoot"/>
+      </p:par>
+    </p:tnLst>
+  </p:timing>
 </p:sld>
 </file>
 
@@ -12097,6 +12258,13 @@
   <p:clrMapOvr>
     <a:masterClrMapping/>
   </p:clrMapOvr>
+  <p:timing>
+    <p:tnLst>
+      <p:par>
+        <p:cTn id="1" dur="indefinite" restart="never" nodeType="tmRoot"/>
+      </p:par>
+    </p:tnLst>
+  </p:timing>
 </p:sld>
 </file>
 
@@ -12424,6 +12592,13 @@
   <p:clrMapOvr>
     <a:masterClrMapping/>
   </p:clrMapOvr>
+  <p:timing>
+    <p:tnLst>
+      <p:par>
+        <p:cTn id="1" dur="indefinite" restart="never" nodeType="tmRoot"/>
+      </p:par>
+    </p:tnLst>
+  </p:timing>
 </p:sld>
 </file>
 
@@ -13187,6 +13362,13 @@
   <p:clrMapOvr>
     <a:masterClrMapping/>
   </p:clrMapOvr>
+  <p:timing>
+    <p:tnLst>
+      <p:par>
+        <p:cTn id="1" dur="indefinite" restart="never" nodeType="tmRoot"/>
+      </p:par>
+    </p:tnLst>
+  </p:timing>
 </p:sld>
 </file>
 
@@ -13339,6 +13521,13 @@
   <p:clrMapOvr>
     <a:masterClrMapping/>
   </p:clrMapOvr>
+  <p:timing>
+    <p:tnLst>
+      <p:par>
+        <p:cTn id="1" dur="indefinite" restart="never" nodeType="tmRoot"/>
+      </p:par>
+    </p:tnLst>
+  </p:timing>
 </p:sld>
 </file>
 
@@ -15599,8 +15788,8 @@
           </a:p>
         </p:txBody>
       </p:sp>
-      <mc:AlternateContent xmlns:mc="http://schemas.openxmlformats.org/markup-compatibility/2006" xmlns:a14="http://schemas.microsoft.com/office/drawing/2010/main">
-        <mc:Choice Requires="a14">
+      <mc:AlternateContent xmlns:mc="http://schemas.openxmlformats.org/markup-compatibility/2006">
+        <mc:Choice xmlns:a14="http://schemas.microsoft.com/office/drawing/2010/main" Requires="a14">
           <p:sp>
             <p:nvSpPr>
               <p:cNvPr id="3" name="Объект 2"/>
@@ -15662,7 +15851,7 @@
                       <a:rPr lang="en-US" b="0" i="1" smtClean="0">
                         <a:latin typeface="Cambria Math" panose="02040503050406030204" pitchFamily="18" charset="0"/>
                       </a:rPr>
-                      <m:t>𝐻</m:t>
+                      <m:t>𝑀</m:t>
                     </m:r>
                     <m:r>
                       <a:rPr lang="en-US" b="0" i="1" smtClean="0">
@@ -15674,7 +15863,7 @@
                       <a:rPr lang="en-US" b="0" i="1" smtClean="0">
                         <a:latin typeface="Cambria Math" panose="02040503050406030204" pitchFamily="18" charset="0"/>
                       </a:rPr>
-                      <m:t>𝑀</m:t>
+                      <m:t>𝑇</m:t>
                     </m:r>
                     <m:r>
                       <a:rPr lang="en-US" b="0" i="1" smtClean="0">
@@ -16311,7 +16500,7 @@
             </p:txBody>
           </p:sp>
         </mc:Choice>
-        <mc:Fallback xmlns="">
+        <mc:Fallback>
           <p:sp>
             <p:nvSpPr>
               <p:cNvPr id="3" name="Объект 2"/>
@@ -16327,10 +16516,10 @@
                 <a:off x="838200" y="1825625"/>
                 <a:ext cx="10515600" cy="4800806"/>
               </a:xfrm>
-              <a:blipFill rotWithShape="0">
+              <a:blipFill>
                 <a:blip r:embed="rId2"/>
                 <a:stretch>
-                  <a:fillRect l="-1043" t="-1904" r="-174"/>
+                  <a:fillRect l="-1043" t="-1904"/>
                 </a:stretch>
               </a:blipFill>
             </p:spPr>
@@ -17213,6 +17402,13 @@
   <p:clrMapOvr>
     <a:masterClrMapping/>
   </p:clrMapOvr>
+  <p:timing>
+    <p:tnLst>
+      <p:par>
+        <p:cTn id="1" dur="indefinite" restart="never" nodeType="tmRoot"/>
+      </p:par>
+    </p:tnLst>
+  </p:timing>
 </p:sld>
 </file>
 
@@ -17282,11 +17478,11 @@
             </a:pPr>
             <a:r>
               <a:rPr lang="ru-RU" dirty="0" smtClean="0"/>
-              <a:t>Реализует </a:t>
+              <a:t>Реализует парадигму </a:t>
             </a:r>
             <a:r>
               <a:rPr lang="ru-RU" dirty="0"/>
-              <a:t>Парадигма извлечения и </a:t>
+              <a:t>извлечения и </a:t>
             </a:r>
             <a:r>
               <a:rPr lang="ru-RU" dirty="0" smtClean="0"/>
@@ -17681,6 +17877,13 @@
   <p:clrMapOvr>
     <a:masterClrMapping/>
   </p:clrMapOvr>
+  <p:timing>
+    <p:tnLst>
+      <p:par>
+        <p:cTn id="1" dur="indefinite" restart="never" nodeType="tmRoot"/>
+      </p:par>
+    </p:tnLst>
+  </p:timing>
 </p:sld>
 </file>
 
@@ -18058,6 +18261,13 @@
   <p:clrMapOvr>
     <a:masterClrMapping/>
   </p:clrMapOvr>
+  <p:timing>
+    <p:tnLst>
+      <p:par>
+        <p:cTn id="1" dur="indefinite" restart="never" nodeType="tmRoot"/>
+      </p:par>
+    </p:tnLst>
+  </p:timing>
 </p:sld>
 </file>
 
@@ -18193,6 +18403,13 @@
   <p:clrMapOvr>
     <a:masterClrMapping/>
   </p:clrMapOvr>
+  <p:timing>
+    <p:tnLst>
+      <p:par>
+        <p:cTn id="1" dur="indefinite" restart="never" nodeType="tmRoot"/>
+      </p:par>
+    </p:tnLst>
+  </p:timing>
 </p:sld>
 </file>
 
@@ -18479,8 +18696,8 @@
           </a:p>
         </p:txBody>
       </p:sp>
-      <mc:AlternateContent xmlns:mc="http://schemas.openxmlformats.org/markup-compatibility/2006">
-        <mc:Choice xmlns:a14="http://schemas.microsoft.com/office/drawing/2010/main" Requires="a14">
+      <mc:AlternateContent xmlns:mc="http://schemas.openxmlformats.org/markup-compatibility/2006" xmlns:a14="http://schemas.microsoft.com/office/drawing/2010/main">
+        <mc:Choice Requires="a14">
           <p:sp>
             <p:nvSpPr>
               <p:cNvPr id="3" name="Объект 2"/>
@@ -19129,7 +19346,7 @@
             </p:txBody>
           </p:sp>
         </mc:Choice>
-        <mc:Fallback>
+        <mc:Fallback xmlns="">
           <p:sp>
             <p:nvSpPr>
               <p:cNvPr id="3" name="Объект 2"/>
@@ -19226,6 +19443,13 @@
   <p:clrMapOvr>
     <a:masterClrMapping/>
   </p:clrMapOvr>
+  <p:timing>
+    <p:tnLst>
+      <p:par>
+        <p:cTn id="1" dur="indefinite" restart="never" nodeType="tmRoot"/>
+      </p:par>
+    </p:tnLst>
+  </p:timing>
 </p:sld>
 </file>
 
@@ -19335,6 +19559,13 @@
   <p:clrMapOvr>
     <a:masterClrMapping/>
   </p:clrMapOvr>
+  <p:timing>
+    <p:tnLst>
+      <p:par>
+        <p:cTn id="1" dur="indefinite" restart="never" nodeType="tmRoot"/>
+      </p:par>
+    </p:tnLst>
+  </p:timing>
 </p:sld>
 </file>
 
@@ -19448,6 +19679,13 @@
   <p:clrMapOvr>
     <a:masterClrMapping/>
   </p:clrMapOvr>
+  <p:timing>
+    <p:tnLst>
+      <p:par>
+        <p:cTn id="1" dur="indefinite" restart="never" nodeType="tmRoot"/>
+      </p:par>
+    </p:tnLst>
+  </p:timing>
 </p:sld>
 </file>
 
@@ -19502,8 +19740,8 @@
           </a:p>
         </p:txBody>
       </p:sp>
-      <mc:AlternateContent xmlns:mc="http://schemas.openxmlformats.org/markup-compatibility/2006" xmlns:a14="http://schemas.microsoft.com/office/drawing/2010/main">
-        <mc:Choice Requires="a14">
+      <mc:AlternateContent xmlns:mc="http://schemas.openxmlformats.org/markup-compatibility/2006">
+        <mc:Choice xmlns:a14="http://schemas.microsoft.com/office/drawing/2010/main" Requires="a14">
           <p:sp>
             <p:nvSpPr>
               <p:cNvPr id="3" name="Объект 2"/>
@@ -19567,10 +19805,10 @@
                       </m:dPr>
                       <m:e>
                         <m:r>
-                          <a:rPr lang="en-US" i="1">
-                            <a:latin typeface="Cambria Math" panose="02040503050406030204" pitchFamily="18" charset="0"/>
-                          </a:rPr>
-                          <m:t>𝐻</m:t>
+                          <a:rPr lang="en-US" b="0" i="1" smtClean="0">
+                            <a:latin typeface="Cambria Math" panose="02040503050406030204" pitchFamily="18" charset="0"/>
+                          </a:rPr>
+                          <m:t>𝑀</m:t>
                         </m:r>
                         <m:r>
                           <a:rPr lang="en-US" i="1">
@@ -19579,10 +19817,10 @@
                           <m:t>,</m:t>
                         </m:r>
                         <m:r>
-                          <a:rPr lang="en-US" i="1">
-                            <a:latin typeface="Cambria Math" panose="02040503050406030204" pitchFamily="18" charset="0"/>
-                          </a:rPr>
-                          <m:t>𝑀</m:t>
+                          <a:rPr lang="en-US" b="0" i="1" smtClean="0">
+                            <a:latin typeface="Cambria Math" panose="02040503050406030204" pitchFamily="18" charset="0"/>
+                          </a:rPr>
+                          <m:t>𝑇</m:t>
                         </m:r>
                       </m:e>
                     </m:d>
@@ -19793,7 +20031,7 @@
             </p:txBody>
           </p:sp>
         </mc:Choice>
-        <mc:Fallback xmlns="">
+        <mc:Fallback>
           <p:sp>
             <p:nvSpPr>
               <p:cNvPr id="3" name="Объект 2"/>
@@ -19809,7 +20047,7 @@
                 <a:off x="838200" y="1825625"/>
                 <a:ext cx="6781800" cy="4351338"/>
               </a:xfrm>
-              <a:blipFill rotWithShape="0">
+              <a:blipFill>
                 <a:blip r:embed="rId2"/>
                 <a:stretch>
                   <a:fillRect l="-1619" t="-2801" r="-629"/>
@@ -19888,6 +20126,13 @@
   <p:clrMapOvr>
     <a:masterClrMapping/>
   </p:clrMapOvr>
+  <p:timing>
+    <p:tnLst>
+      <p:par>
+        <p:cTn id="1" dur="indefinite" restart="never" nodeType="tmRoot"/>
+      </p:par>
+    </p:tnLst>
+  </p:timing>
 </p:sld>
 </file>
 
@@ -21236,6 +21481,13 @@
   <p:clrMapOvr>
     <a:masterClrMapping/>
   </p:clrMapOvr>
+  <p:timing>
+    <p:tnLst>
+      <p:par>
+        <p:cTn id="1" dur="indefinite" restart="never" nodeType="tmRoot"/>
+      </p:par>
+    </p:tnLst>
+  </p:timing>
 </p:sld>
 </file>
 
@@ -21841,6 +22093,13 @@
   <p:clrMapOvr>
     <a:masterClrMapping/>
   </p:clrMapOvr>
+  <p:timing>
+    <p:tnLst>
+      <p:par>
+        <p:cTn id="1" dur="indefinite" restart="never" nodeType="tmRoot"/>
+      </p:par>
+    </p:tnLst>
+  </p:timing>
 </p:sld>
 </file>
 
@@ -21956,6 +22215,13 @@
   <p:clrMapOvr>
     <a:masterClrMapping/>
   </p:clrMapOvr>
+  <p:timing>
+    <p:tnLst>
+      <p:par>
+        <p:cTn id="1" dur="indefinite" restart="never" nodeType="tmRoot"/>
+      </p:par>
+    </p:tnLst>
+  </p:timing>
 </p:sld>
 </file>
 
@@ -25622,6 +25888,13 @@
   <p:clrMapOvr>
     <a:masterClrMapping/>
   </p:clrMapOvr>
+  <p:timing>
+    <p:tnLst>
+      <p:par>
+        <p:cTn id="1" dur="indefinite" restart="never" nodeType="tmRoot"/>
+      </p:par>
+    </p:tnLst>
+  </p:timing>
 </p:sld>
 </file>
 

--- a/Lectures/Lecture11.pptx
+++ b/Lectures/Lecture11.pptx
@@ -339,7 +339,7 @@
           <a:p>
             <a:fld id="{CBA08D16-15DC-4E25-BDC3-F25146157B16}" type="datetimeFigureOut">
               <a:rPr lang="ru-RU" smtClean="0"/>
-              <a:t>30.11.2023</a:t>
+              <a:t>04.12.2024</a:t>
             </a:fld>
             <a:endParaRPr lang="ru-RU"/>
           </a:p>
@@ -738,7 +738,7 @@
           <a:p>
             <a:fld id="{FCEC8293-DB51-454A-BE81-EC8FCB31EBA2}" type="datetime1">
               <a:rPr lang="ru-RU" smtClean="0"/>
-              <a:t>30.11.2023</a:t>
+              <a:t>04.12.2024</a:t>
             </a:fld>
             <a:endParaRPr lang="ru-RU"/>
           </a:p>
@@ -912,7 +912,7 @@
           <a:p>
             <a:fld id="{241C87B1-1C35-4DBD-BC18-2BC72E776603}" type="datetime1">
               <a:rPr lang="ru-RU" smtClean="0"/>
-              <a:t>30.11.2023</a:t>
+              <a:t>04.12.2024</a:t>
             </a:fld>
             <a:endParaRPr lang="ru-RU"/>
           </a:p>
@@ -1096,7 +1096,7 @@
           <a:p>
             <a:fld id="{3134C275-26C0-42CD-9111-9ADE65922AF9}" type="datetime1">
               <a:rPr lang="ru-RU" smtClean="0"/>
-              <a:t>30.11.2023</a:t>
+              <a:t>04.12.2024</a:t>
             </a:fld>
             <a:endParaRPr lang="ru-RU"/>
           </a:p>
@@ -1270,7 +1270,7 @@
           <a:p>
             <a:fld id="{C1A9A50B-C350-45F5-8AAB-ADB9E670AF2E}" type="datetime1">
               <a:rPr lang="ru-RU" smtClean="0"/>
-              <a:t>30.11.2023</a:t>
+              <a:t>04.12.2024</a:t>
             </a:fld>
             <a:endParaRPr lang="ru-RU"/>
           </a:p>
@@ -1520,7 +1520,7 @@
           <a:p>
             <a:fld id="{089688C9-348F-42F9-B6C0-5990DDE0C5B2}" type="datetime1">
               <a:rPr lang="ru-RU" smtClean="0"/>
-              <a:t>30.11.2023</a:t>
+              <a:t>04.12.2024</a:t>
             </a:fld>
             <a:endParaRPr lang="ru-RU"/>
           </a:p>
@@ -1756,7 +1756,7 @@
           <a:p>
             <a:fld id="{684AFD8F-6DD9-4AD3-A505-FDC3F5C5F3F6}" type="datetime1">
               <a:rPr lang="ru-RU" smtClean="0"/>
-              <a:t>30.11.2023</a:t>
+              <a:t>04.12.2024</a:t>
             </a:fld>
             <a:endParaRPr lang="ru-RU"/>
           </a:p>
@@ -2127,7 +2127,7 @@
           <a:p>
             <a:fld id="{63551EFE-4D02-45EB-A747-8B6F047B5AA0}" type="datetime1">
               <a:rPr lang="ru-RU" smtClean="0"/>
-              <a:t>30.11.2023</a:t>
+              <a:t>04.12.2024</a:t>
             </a:fld>
             <a:endParaRPr lang="ru-RU"/>
           </a:p>
@@ -2249,7 +2249,7 @@
           <a:p>
             <a:fld id="{813A9F34-E5CD-4B8F-AA9E-889C84372B20}" type="datetime1">
               <a:rPr lang="ru-RU" smtClean="0"/>
-              <a:t>30.11.2023</a:t>
+              <a:t>04.12.2024</a:t>
             </a:fld>
             <a:endParaRPr lang="ru-RU"/>
           </a:p>
@@ -2348,7 +2348,7 @@
           <a:p>
             <a:fld id="{51224D22-9B29-44A6-8E82-95FC492DEDC1}" type="datetime1">
               <a:rPr lang="ru-RU" smtClean="0"/>
-              <a:t>30.11.2023</a:t>
+              <a:t>04.12.2024</a:t>
             </a:fld>
             <a:endParaRPr lang="ru-RU"/>
           </a:p>
@@ -2629,7 +2629,7 @@
           <a:p>
             <a:fld id="{91D1034F-4441-48A1-BDC0-25EA1022324A}" type="datetime1">
               <a:rPr lang="ru-RU" smtClean="0"/>
-              <a:t>30.11.2023</a:t>
+              <a:t>04.12.2024</a:t>
             </a:fld>
             <a:endParaRPr lang="ru-RU"/>
           </a:p>
@@ -2886,7 +2886,7 @@
           <a:p>
             <a:fld id="{B0FFDE79-B627-473B-AE17-4C65BD2495F7}" type="datetime1">
               <a:rPr lang="ru-RU" smtClean="0"/>
-              <a:t>30.11.2023</a:t>
+              <a:t>04.12.2024</a:t>
             </a:fld>
             <a:endParaRPr lang="ru-RU"/>
           </a:p>
@@ -3103,7 +3103,7 @@
           <a:p>
             <a:fld id="{11CA537A-1B8C-47BA-9BA6-7CE3FAFDA8BE}" type="datetime1">
               <a:rPr lang="ru-RU" smtClean="0"/>
-              <a:t>30.11.2023</a:t>
+              <a:t>04.12.2024</a:t>
             </a:fld>
             <a:endParaRPr lang="ru-RU"/>
           </a:p>
@@ -3608,12 +3608,12 @@
               <a:t>МИФИ 20</a:t>
             </a:r>
             <a:r>
-              <a:rPr lang="en-US" dirty="0" smtClean="0"/>
+              <a:rPr lang="en-US" smtClean="0"/>
               <a:t>2</a:t>
             </a:r>
             <a:r>
-              <a:rPr lang="ru-RU" dirty="0" smtClean="0"/>
-              <a:t>3</a:t>
+              <a:rPr lang="en-US" dirty="0"/>
+              <a:t>4</a:t>
             </a:r>
             <a:endParaRPr lang="ru-RU" dirty="0"/>
           </a:p>
@@ -4449,28 +4449,28 @@
                     <a:gridCol w="3367454">
                       <a:extLst>
                         <a:ext uri="{9D8B030D-6E8A-4147-A177-3AD203B41FA5}">
-                          <a16:colId xmlns:a16="http://schemas.microsoft.com/office/drawing/2014/main" val="3095361251"/>
+                          <a16:colId xmlns="" xmlns:a16="http://schemas.microsoft.com/office/drawing/2014/main" val="3095361251"/>
                         </a:ext>
                       </a:extLst>
                     </a:gridCol>
                     <a:gridCol w="1899138">
                       <a:extLst>
                         <a:ext uri="{9D8B030D-6E8A-4147-A177-3AD203B41FA5}">
-                          <a16:colId xmlns:a16="http://schemas.microsoft.com/office/drawing/2014/main" val="391994044"/>
+                          <a16:colId xmlns="" xmlns:a16="http://schemas.microsoft.com/office/drawing/2014/main" val="391994044"/>
                         </a:ext>
                       </a:extLst>
                     </a:gridCol>
                     <a:gridCol w="2312377">
                       <a:extLst>
                         <a:ext uri="{9D8B030D-6E8A-4147-A177-3AD203B41FA5}">
-                          <a16:colId xmlns:a16="http://schemas.microsoft.com/office/drawing/2014/main" val="4006091932"/>
+                          <a16:colId xmlns="" xmlns:a16="http://schemas.microsoft.com/office/drawing/2014/main" val="4006091932"/>
                         </a:ext>
                       </a:extLst>
                     </a:gridCol>
                     <a:gridCol w="4018085">
                       <a:extLst>
                         <a:ext uri="{9D8B030D-6E8A-4147-A177-3AD203B41FA5}">
-                          <a16:colId xmlns:a16="http://schemas.microsoft.com/office/drawing/2014/main" val="327045744"/>
+                          <a16:colId xmlns="" xmlns:a16="http://schemas.microsoft.com/office/drawing/2014/main" val="327045744"/>
                         </a:ext>
                       </a:extLst>
                     </a:gridCol>
@@ -4546,7 +4546,7 @@
                     </a:tc>
                     <a:extLst>
                       <a:ext uri="{0D108BD9-81ED-4DB2-BD59-A6C34878D82A}">
-                        <a16:rowId xmlns:a16="http://schemas.microsoft.com/office/drawing/2014/main" val="3632249135"/>
+                        <a16:rowId xmlns="" xmlns:a16="http://schemas.microsoft.com/office/drawing/2014/main" val="3632249135"/>
                       </a:ext>
                     </a:extLst>
                   </a:tr>
@@ -4711,7 +4711,7 @@
                     </a:tc>
                     <a:extLst>
                       <a:ext uri="{0D108BD9-81ED-4DB2-BD59-A6C34878D82A}">
-                        <a16:rowId xmlns:a16="http://schemas.microsoft.com/office/drawing/2014/main" val="2414182040"/>
+                        <a16:rowId xmlns="" xmlns:a16="http://schemas.microsoft.com/office/drawing/2014/main" val="2414182040"/>
                       </a:ext>
                     </a:extLst>
                   </a:tr>
@@ -4954,7 +4954,7 @@
                     </a:tc>
                     <a:extLst>
                       <a:ext uri="{0D108BD9-81ED-4DB2-BD59-A6C34878D82A}">
-                        <a16:rowId xmlns:a16="http://schemas.microsoft.com/office/drawing/2014/main" val="3511686225"/>
+                        <a16:rowId xmlns="" xmlns:a16="http://schemas.microsoft.com/office/drawing/2014/main" val="3511686225"/>
                       </a:ext>
                     </a:extLst>
                   </a:tr>
@@ -5523,7 +5523,7 @@
                     </a:tc>
                     <a:extLst>
                       <a:ext uri="{0D108BD9-81ED-4DB2-BD59-A6C34878D82A}">
-                        <a16:rowId xmlns:a16="http://schemas.microsoft.com/office/drawing/2014/main" val="497652221"/>
+                        <a16:rowId xmlns="" xmlns:a16="http://schemas.microsoft.com/office/drawing/2014/main" val="497652221"/>
                       </a:ext>
                     </a:extLst>
                   </a:tr>
@@ -6030,7 +6030,7 @@
                     </a:tc>
                     <a:extLst>
                       <a:ext uri="{0D108BD9-81ED-4DB2-BD59-A6C34878D82A}">
-                        <a16:rowId xmlns:a16="http://schemas.microsoft.com/office/drawing/2014/main" val="3102881815"/>
+                        <a16:rowId xmlns="" xmlns:a16="http://schemas.microsoft.com/office/drawing/2014/main" val="3102881815"/>
                       </a:ext>
                     </a:extLst>
                   </a:tr>
@@ -6576,7 +6576,7 @@
                     </a:tc>
                     <a:extLst>
                       <a:ext uri="{0D108BD9-81ED-4DB2-BD59-A6C34878D82A}">
-                        <a16:rowId xmlns:a16="http://schemas.microsoft.com/office/drawing/2014/main" val="3360630052"/>
+                        <a16:rowId xmlns="" xmlns:a16="http://schemas.microsoft.com/office/drawing/2014/main" val="3360630052"/>
                       </a:ext>
                     </a:extLst>
                   </a:tr>
@@ -7223,7 +7223,7 @@
                     </a:tc>
                     <a:extLst>
                       <a:ext uri="{0D108BD9-81ED-4DB2-BD59-A6C34878D82A}">
-                        <a16:rowId xmlns:a16="http://schemas.microsoft.com/office/drawing/2014/main" val="1040356728"/>
+                        <a16:rowId xmlns="" xmlns:a16="http://schemas.microsoft.com/office/drawing/2014/main" val="1040356728"/>
                       </a:ext>
                     </a:extLst>
                   </a:tr>
@@ -8090,8 +8090,8 @@
           </a:p>
         </p:txBody>
       </p:sp>
-      <mc:AlternateContent xmlns:mc="http://schemas.openxmlformats.org/markup-compatibility/2006">
-        <mc:Choice xmlns:a14="http://schemas.microsoft.com/office/drawing/2010/main" Requires="a14">
+      <mc:AlternateContent xmlns:mc="http://schemas.openxmlformats.org/markup-compatibility/2006" xmlns:a14="http://schemas.microsoft.com/office/drawing/2010/main">
+        <mc:Choice Requires="a14">
           <p:sp>
             <p:nvSpPr>
               <p:cNvPr id="3" name="Объект 2"/>
@@ -8123,11 +8123,7 @@
                 </a:r>
                 <a:r>
                   <a:rPr lang="ru-RU" smtClean="0"/>
-                  <a:t>хэш-функций </a:t>
-                </a:r>
-                <a:r>
-                  <a:rPr lang="ru-RU" smtClean="0"/>
-                  <a:t>строится </a:t>
+                  <a:t>хэш-функций строится </a:t>
                 </a:r>
                 <a:r>
                   <a:rPr lang="ru-RU" dirty="0" smtClean="0"/>
@@ -8860,7 +8856,7 @@
             </p:txBody>
           </p:sp>
         </mc:Choice>
-        <mc:Fallback>
+        <mc:Fallback xmlns="">
           <p:sp>
             <p:nvSpPr>
               <p:cNvPr id="3" name="Объект 2"/>
@@ -13473,8 +13469,8 @@
           </a:p>
         </p:txBody>
       </p:sp>
-      <mc:AlternateContent xmlns:mc="http://schemas.openxmlformats.org/markup-compatibility/2006">
-        <mc:Choice xmlns:a14="http://schemas.microsoft.com/office/drawing/2010/main" Requires="a14">
+      <mc:AlternateContent xmlns:mc="http://schemas.openxmlformats.org/markup-compatibility/2006" xmlns:a14="http://schemas.microsoft.com/office/drawing/2010/main">
+        <mc:Choice Requires="a14">
           <p:sp>
             <p:nvSpPr>
               <p:cNvPr id="3" name="TextBox 2"/>
@@ -13609,7 +13605,7 @@
             </p:txBody>
           </p:sp>
         </mc:Choice>
-        <mc:Fallback>
+        <mc:Fallback xmlns="">
           <p:sp>
             <p:nvSpPr>
               <p:cNvPr id="3" name="TextBox 2"/>
@@ -14831,28 +14827,28 @@
                 <a:gridCol w="398929">
                   <a:extLst>
                     <a:ext uri="{9D8B030D-6E8A-4147-A177-3AD203B41FA5}">
-                      <a16:colId xmlns:a16="http://schemas.microsoft.com/office/drawing/2014/main" val="20000"/>
+                      <a16:colId xmlns="" xmlns:a16="http://schemas.microsoft.com/office/drawing/2014/main" val="20000"/>
                     </a:ext>
                   </a:extLst>
                 </a:gridCol>
                 <a:gridCol w="3227295">
                   <a:extLst>
                     <a:ext uri="{9D8B030D-6E8A-4147-A177-3AD203B41FA5}">
-                      <a16:colId xmlns:a16="http://schemas.microsoft.com/office/drawing/2014/main" val="20001"/>
+                      <a16:colId xmlns="" xmlns:a16="http://schemas.microsoft.com/office/drawing/2014/main" val="20001"/>
                     </a:ext>
                   </a:extLst>
                 </a:gridCol>
                 <a:gridCol w="4260476">
                   <a:extLst>
                     <a:ext uri="{9D8B030D-6E8A-4147-A177-3AD203B41FA5}">
-                      <a16:colId xmlns:a16="http://schemas.microsoft.com/office/drawing/2014/main" val="20002"/>
+                      <a16:colId xmlns="" xmlns:a16="http://schemas.microsoft.com/office/drawing/2014/main" val="20002"/>
                     </a:ext>
                   </a:extLst>
                 </a:gridCol>
                 <a:gridCol w="2628900">
                   <a:extLst>
                     <a:ext uri="{9D8B030D-6E8A-4147-A177-3AD203B41FA5}">
-                      <a16:colId xmlns:a16="http://schemas.microsoft.com/office/drawing/2014/main" val="20003"/>
+                      <a16:colId xmlns="" xmlns:a16="http://schemas.microsoft.com/office/drawing/2014/main" val="20003"/>
                     </a:ext>
                   </a:extLst>
                 </a:gridCol>
@@ -14912,7 +14908,7 @@
                 </a:tc>
                 <a:extLst>
                   <a:ext uri="{0D108BD9-81ED-4DB2-BD59-A6C34878D82A}">
-                    <a16:rowId xmlns:a16="http://schemas.microsoft.com/office/drawing/2014/main" val="10000"/>
+                    <a16:rowId xmlns="" xmlns:a16="http://schemas.microsoft.com/office/drawing/2014/main" val="10000"/>
                   </a:ext>
                 </a:extLst>
               </a:tr>
@@ -14999,7 +14995,7 @@
                 </a:tc>
                 <a:extLst>
                   <a:ext uri="{0D108BD9-81ED-4DB2-BD59-A6C34878D82A}">
-                    <a16:rowId xmlns:a16="http://schemas.microsoft.com/office/drawing/2014/main" val="10001"/>
+                    <a16:rowId xmlns="" xmlns:a16="http://schemas.microsoft.com/office/drawing/2014/main" val="10001"/>
                   </a:ext>
                 </a:extLst>
               </a:tr>
@@ -15082,7 +15078,7 @@
                 </a:tc>
                 <a:extLst>
                   <a:ext uri="{0D108BD9-81ED-4DB2-BD59-A6C34878D82A}">
-                    <a16:rowId xmlns:a16="http://schemas.microsoft.com/office/drawing/2014/main" val="10002"/>
+                    <a16:rowId xmlns="" xmlns:a16="http://schemas.microsoft.com/office/drawing/2014/main" val="10002"/>
                   </a:ext>
                 </a:extLst>
               </a:tr>
@@ -15153,7 +15149,7 @@
                 </a:tc>
                 <a:extLst>
                   <a:ext uri="{0D108BD9-81ED-4DB2-BD59-A6C34878D82A}">
-                    <a16:rowId xmlns:a16="http://schemas.microsoft.com/office/drawing/2014/main" val="10003"/>
+                    <a16:rowId xmlns="" xmlns:a16="http://schemas.microsoft.com/office/drawing/2014/main" val="10003"/>
                   </a:ext>
                 </a:extLst>
               </a:tr>
@@ -15220,7 +15216,7 @@
                 </a:tc>
                 <a:extLst>
                   <a:ext uri="{0D108BD9-81ED-4DB2-BD59-A6C34878D82A}">
-                    <a16:rowId xmlns:a16="http://schemas.microsoft.com/office/drawing/2014/main" val="10004"/>
+                    <a16:rowId xmlns="" xmlns:a16="http://schemas.microsoft.com/office/drawing/2014/main" val="10004"/>
                   </a:ext>
                 </a:extLst>
               </a:tr>
@@ -25466,8 +25462,8 @@
           </a:p>
         </p:txBody>
       </p:sp>
-      <mc:AlternateContent xmlns:mc="http://schemas.openxmlformats.org/markup-compatibility/2006">
-        <mc:Choice xmlns:a14="http://schemas.microsoft.com/office/drawing/2010/main" Requires="a14">
+      <mc:AlternateContent xmlns:mc="http://schemas.openxmlformats.org/markup-compatibility/2006" xmlns:a14="http://schemas.microsoft.com/office/drawing/2010/main">
+        <mc:Choice Requires="a14">
           <p:sp>
             <p:nvSpPr>
               <p:cNvPr id="3" name="Объект 2"/>
@@ -25750,18 +25746,14 @@
                 </a:r>
                 <a:r>
                   <a:rPr lang="ru-RU" dirty="0" smtClean="0"/>
-                  <a:t>функций. </a:t>
-                </a:r>
-                <a:r>
-                  <a:rPr lang="ru-RU" dirty="0" smtClean="0"/>
-                  <a:t>Конкретная реализация хэш-функции может быть выбрана случайно на основе данного параметра.</a:t>
+                  <a:t>функций. Конкретная реализация хэш-функции может быть выбрана случайно на основе данного параметра.</a:t>
                 </a:r>
                 <a:endParaRPr lang="ru-RU" dirty="0"/>
               </a:p>
             </p:txBody>
           </p:sp>
         </mc:Choice>
-        <mc:Fallback>
+        <mc:Fallback xmlns="">
           <p:sp>
             <p:nvSpPr>
               <p:cNvPr id="3" name="Объект 2"/>

--- a/Lectures/Lecture11.pptx
+++ b/Lectures/Lecture11.pptx
@@ -5,7 +5,7 @@
     <p:sldMasterId id="2147483648" r:id="rId1"/>
   </p:sldMasterIdLst>
   <p:notesMasterIdLst>
-    <p:notesMasterId r:id="rId52"/>
+    <p:notesMasterId r:id="rId54"/>
   </p:notesMasterIdLst>
   <p:sldIdLst>
     <p:sldId id="296" r:id="rId2"/>
@@ -58,6 +58,8 @@
     <p:sldId id="545" r:id="rId49"/>
     <p:sldId id="547" r:id="rId50"/>
     <p:sldId id="548" r:id="rId51"/>
+    <p:sldId id="553" r:id="rId52"/>
+    <p:sldId id="554" r:id="rId53"/>
   </p:sldIdLst>
   <p:sldSz cx="12192000" cy="6858000"/>
   <p:notesSz cx="6858000" cy="9144000"/>
@@ -243,6 +245,12 @@
             <p14:sldId id="545"/>
             <p14:sldId id="547"/>
             <p14:sldId id="548"/>
+            <p14:sldId id="553"/>
+          </p14:sldIdLst>
+        </p14:section>
+        <p14:section name="тесты" id="{5179675C-659D-4102-9DCA-87D54D2C8FBF}">
+          <p14:sldIdLst>
+            <p14:sldId id="554"/>
           </p14:sldIdLst>
         </p14:section>
       </p14:sectionLst>
@@ -339,7 +347,7 @@
           <a:p>
             <a:fld id="{CBA08D16-15DC-4E25-BDC3-F25146157B16}" type="datetimeFigureOut">
               <a:rPr lang="ru-RU" smtClean="0"/>
-              <a:t>04.12.2024</a:t>
+              <a:t>19.11.2025</a:t>
             </a:fld>
             <a:endParaRPr lang="ru-RU"/>
           </a:p>
@@ -403,38 +411,37 @@
           <a:p>
             <a:pPr lvl="0"/>
             <a:r>
-              <a:rPr lang="ru-RU" smtClean="0"/>
+              <a:rPr lang="ru-RU"/>
               <a:t>Образец текста</a:t>
             </a:r>
           </a:p>
           <a:p>
             <a:pPr lvl="1"/>
             <a:r>
-              <a:rPr lang="ru-RU" smtClean="0"/>
+              <a:rPr lang="ru-RU"/>
               <a:t>Второй уровень</a:t>
             </a:r>
           </a:p>
           <a:p>
             <a:pPr lvl="2"/>
             <a:r>
-              <a:rPr lang="ru-RU" smtClean="0"/>
+              <a:rPr lang="ru-RU"/>
               <a:t>Третий уровень</a:t>
             </a:r>
           </a:p>
           <a:p>
             <a:pPr lvl="3"/>
             <a:r>
-              <a:rPr lang="ru-RU" smtClean="0"/>
+              <a:rPr lang="ru-RU"/>
               <a:t>Четвертый уровень</a:t>
             </a:r>
           </a:p>
           <a:p>
             <a:pPr lvl="4"/>
             <a:r>
-              <a:rPr lang="ru-RU" smtClean="0"/>
+              <a:rPr lang="ru-RU"/>
               <a:t>Пятый уровень</a:t>
             </a:r>
-            <a:endParaRPr lang="ru-RU"/>
           </a:p>
         </p:txBody>
       </p:sp>
@@ -649,10 +656,9 @@
           </a:lstStyle>
           <a:p>
             <a:r>
-              <a:rPr lang="ru-RU" smtClean="0"/>
+              <a:rPr lang="ru-RU"/>
               <a:t>Образец заголовка</a:t>
             </a:r>
-            <a:endParaRPr lang="ru-RU"/>
           </a:p>
         </p:txBody>
       </p:sp>
@@ -714,10 +720,9 @@
           </a:lstStyle>
           <a:p>
             <a:r>
-              <a:rPr lang="ru-RU" smtClean="0"/>
+              <a:rPr lang="ru-RU"/>
               <a:t>Образец подзаголовка</a:t>
             </a:r>
-            <a:endParaRPr lang="ru-RU"/>
           </a:p>
         </p:txBody>
       </p:sp>
@@ -738,7 +743,7 @@
           <a:p>
             <a:fld id="{FCEC8293-DB51-454A-BE81-EC8FCB31EBA2}" type="datetime1">
               <a:rPr lang="ru-RU" smtClean="0"/>
-              <a:t>04.12.2024</a:t>
+              <a:t>19.11.2025</a:t>
             </a:fld>
             <a:endParaRPr lang="ru-RU"/>
           </a:p>
@@ -760,10 +765,9 @@
           <a:lstStyle/>
           <a:p>
             <a:r>
-              <a:rPr lang="ru-RU" smtClean="0"/>
+              <a:rPr lang="ru-RU"/>
               <a:t>Артём Макаров</a:t>
             </a:r>
-            <a:endParaRPr lang="ru-RU"/>
           </a:p>
         </p:txBody>
       </p:sp>
@@ -836,10 +840,9 @@
           <a:lstStyle/>
           <a:p>
             <a:r>
-              <a:rPr lang="ru-RU" smtClean="0"/>
+              <a:rPr lang="ru-RU"/>
               <a:t>Образец заголовка</a:t>
             </a:r>
-            <a:endParaRPr lang="ru-RU"/>
           </a:p>
         </p:txBody>
       </p:sp>
@@ -860,38 +863,37 @@
           <a:p>
             <a:pPr lvl="0"/>
             <a:r>
-              <a:rPr lang="ru-RU" smtClean="0"/>
+              <a:rPr lang="ru-RU"/>
               <a:t>Образец текста</a:t>
             </a:r>
           </a:p>
           <a:p>
             <a:pPr lvl="1"/>
             <a:r>
-              <a:rPr lang="ru-RU" smtClean="0"/>
+              <a:rPr lang="ru-RU"/>
               <a:t>Второй уровень</a:t>
             </a:r>
           </a:p>
           <a:p>
             <a:pPr lvl="2"/>
             <a:r>
-              <a:rPr lang="ru-RU" smtClean="0"/>
+              <a:rPr lang="ru-RU"/>
               <a:t>Третий уровень</a:t>
             </a:r>
           </a:p>
           <a:p>
             <a:pPr lvl="3"/>
             <a:r>
-              <a:rPr lang="ru-RU" smtClean="0"/>
+              <a:rPr lang="ru-RU"/>
               <a:t>Четвертый уровень</a:t>
             </a:r>
           </a:p>
           <a:p>
             <a:pPr lvl="4"/>
             <a:r>
-              <a:rPr lang="ru-RU" smtClean="0"/>
+              <a:rPr lang="ru-RU"/>
               <a:t>Пятый уровень</a:t>
             </a:r>
-            <a:endParaRPr lang="ru-RU"/>
           </a:p>
         </p:txBody>
       </p:sp>
@@ -912,7 +914,7 @@
           <a:p>
             <a:fld id="{241C87B1-1C35-4DBD-BC18-2BC72E776603}" type="datetime1">
               <a:rPr lang="ru-RU" smtClean="0"/>
-              <a:t>04.12.2024</a:t>
+              <a:t>19.11.2025</a:t>
             </a:fld>
             <a:endParaRPr lang="ru-RU"/>
           </a:p>
@@ -934,10 +936,9 @@
           <a:lstStyle/>
           <a:p>
             <a:r>
-              <a:rPr lang="ru-RU" smtClean="0"/>
+              <a:rPr lang="ru-RU"/>
               <a:t>Артём Макаров</a:t>
             </a:r>
-            <a:endParaRPr lang="ru-RU"/>
           </a:p>
         </p:txBody>
       </p:sp>
@@ -1015,10 +1016,9 @@
           <a:lstStyle/>
           <a:p>
             <a:r>
-              <a:rPr lang="ru-RU" smtClean="0"/>
+              <a:rPr lang="ru-RU"/>
               <a:t>Образец заголовка</a:t>
             </a:r>
-            <a:endParaRPr lang="ru-RU"/>
           </a:p>
         </p:txBody>
       </p:sp>
@@ -1044,38 +1044,37 @@
           <a:p>
             <a:pPr lvl="0"/>
             <a:r>
-              <a:rPr lang="ru-RU" smtClean="0"/>
+              <a:rPr lang="ru-RU"/>
               <a:t>Образец текста</a:t>
             </a:r>
           </a:p>
           <a:p>
             <a:pPr lvl="1"/>
             <a:r>
-              <a:rPr lang="ru-RU" smtClean="0"/>
+              <a:rPr lang="ru-RU"/>
               <a:t>Второй уровень</a:t>
             </a:r>
           </a:p>
           <a:p>
             <a:pPr lvl="2"/>
             <a:r>
-              <a:rPr lang="ru-RU" smtClean="0"/>
+              <a:rPr lang="ru-RU"/>
               <a:t>Третий уровень</a:t>
             </a:r>
           </a:p>
           <a:p>
             <a:pPr lvl="3"/>
             <a:r>
-              <a:rPr lang="ru-RU" smtClean="0"/>
+              <a:rPr lang="ru-RU"/>
               <a:t>Четвертый уровень</a:t>
             </a:r>
           </a:p>
           <a:p>
             <a:pPr lvl="4"/>
             <a:r>
-              <a:rPr lang="ru-RU" smtClean="0"/>
+              <a:rPr lang="ru-RU"/>
               <a:t>Пятый уровень</a:t>
             </a:r>
-            <a:endParaRPr lang="ru-RU"/>
           </a:p>
         </p:txBody>
       </p:sp>
@@ -1096,7 +1095,7 @@
           <a:p>
             <a:fld id="{3134C275-26C0-42CD-9111-9ADE65922AF9}" type="datetime1">
               <a:rPr lang="ru-RU" smtClean="0"/>
-              <a:t>04.12.2024</a:t>
+              <a:t>19.11.2025</a:t>
             </a:fld>
             <a:endParaRPr lang="ru-RU"/>
           </a:p>
@@ -1118,10 +1117,9 @@
           <a:lstStyle/>
           <a:p>
             <a:r>
-              <a:rPr lang="ru-RU" smtClean="0"/>
+              <a:rPr lang="ru-RU"/>
               <a:t>Артём Макаров</a:t>
             </a:r>
-            <a:endParaRPr lang="ru-RU"/>
           </a:p>
         </p:txBody>
       </p:sp>
@@ -1194,10 +1192,9 @@
           <a:lstStyle/>
           <a:p>
             <a:r>
-              <a:rPr lang="ru-RU" smtClean="0"/>
+              <a:rPr lang="ru-RU"/>
               <a:t>Образец заголовка</a:t>
             </a:r>
-            <a:endParaRPr lang="ru-RU"/>
           </a:p>
         </p:txBody>
       </p:sp>
@@ -1218,38 +1215,37 @@
           <a:p>
             <a:pPr lvl="0"/>
             <a:r>
-              <a:rPr lang="ru-RU" dirty="0" smtClean="0"/>
+              <a:rPr lang="ru-RU" dirty="0"/>
               <a:t>Образец текста</a:t>
             </a:r>
           </a:p>
           <a:p>
             <a:pPr lvl="1"/>
             <a:r>
-              <a:rPr lang="ru-RU" dirty="0" smtClean="0"/>
+              <a:rPr lang="ru-RU" dirty="0"/>
               <a:t>Второй уровень</a:t>
             </a:r>
           </a:p>
           <a:p>
             <a:pPr lvl="2"/>
             <a:r>
-              <a:rPr lang="ru-RU" dirty="0" smtClean="0"/>
+              <a:rPr lang="ru-RU" dirty="0"/>
               <a:t>Третий уровень</a:t>
             </a:r>
           </a:p>
           <a:p>
             <a:pPr lvl="3"/>
             <a:r>
-              <a:rPr lang="ru-RU" dirty="0" smtClean="0"/>
+              <a:rPr lang="ru-RU" dirty="0"/>
               <a:t>Четвертый уровень</a:t>
             </a:r>
           </a:p>
           <a:p>
             <a:pPr lvl="4"/>
             <a:r>
-              <a:rPr lang="ru-RU" dirty="0" smtClean="0"/>
+              <a:rPr lang="ru-RU" dirty="0"/>
               <a:t>Пятый уровень</a:t>
             </a:r>
-            <a:endParaRPr lang="ru-RU" dirty="0"/>
           </a:p>
         </p:txBody>
       </p:sp>
@@ -1270,7 +1266,7 @@
           <a:p>
             <a:fld id="{C1A9A50B-C350-45F5-8AAB-ADB9E670AF2E}" type="datetime1">
               <a:rPr lang="ru-RU" smtClean="0"/>
-              <a:t>04.12.2024</a:t>
+              <a:t>19.11.2025</a:t>
             </a:fld>
             <a:endParaRPr lang="ru-RU"/>
           </a:p>
@@ -1292,10 +1288,9 @@
           <a:lstStyle/>
           <a:p>
             <a:r>
-              <a:rPr lang="ru-RU" smtClean="0"/>
+              <a:rPr lang="ru-RU"/>
               <a:t>Артём Макаров</a:t>
             </a:r>
-            <a:endParaRPr lang="ru-RU"/>
           </a:p>
         </p:txBody>
       </p:sp>
@@ -1377,10 +1372,9 @@
           </a:lstStyle>
           <a:p>
             <a:r>
-              <a:rPr lang="ru-RU" smtClean="0"/>
+              <a:rPr lang="ru-RU"/>
               <a:t>Образец заголовка</a:t>
             </a:r>
-            <a:endParaRPr lang="ru-RU"/>
           </a:p>
         </p:txBody>
       </p:sp>
@@ -1497,7 +1491,7 @@
           <a:p>
             <a:pPr lvl="0"/>
             <a:r>
-              <a:rPr lang="ru-RU" smtClean="0"/>
+              <a:rPr lang="ru-RU"/>
               <a:t>Образец текста</a:t>
             </a:r>
           </a:p>
@@ -1520,7 +1514,7 @@
           <a:p>
             <a:fld id="{089688C9-348F-42F9-B6C0-5990DDE0C5B2}" type="datetime1">
               <a:rPr lang="ru-RU" smtClean="0"/>
-              <a:t>04.12.2024</a:t>
+              <a:t>19.11.2025</a:t>
             </a:fld>
             <a:endParaRPr lang="ru-RU"/>
           </a:p>
@@ -1542,10 +1536,9 @@
           <a:lstStyle/>
           <a:p>
             <a:r>
-              <a:rPr lang="ru-RU" smtClean="0"/>
+              <a:rPr lang="ru-RU"/>
               <a:t>Артём Макаров</a:t>
             </a:r>
-            <a:endParaRPr lang="ru-RU"/>
           </a:p>
         </p:txBody>
       </p:sp>
@@ -1618,10 +1611,9 @@
           <a:lstStyle/>
           <a:p>
             <a:r>
-              <a:rPr lang="ru-RU" smtClean="0"/>
+              <a:rPr lang="ru-RU"/>
               <a:t>Образец заголовка</a:t>
             </a:r>
-            <a:endParaRPr lang="ru-RU"/>
           </a:p>
         </p:txBody>
       </p:sp>
@@ -1647,38 +1639,37 @@
           <a:p>
             <a:pPr lvl="0"/>
             <a:r>
-              <a:rPr lang="ru-RU" smtClean="0"/>
+              <a:rPr lang="ru-RU"/>
               <a:t>Образец текста</a:t>
             </a:r>
           </a:p>
           <a:p>
             <a:pPr lvl="1"/>
             <a:r>
-              <a:rPr lang="ru-RU" smtClean="0"/>
+              <a:rPr lang="ru-RU"/>
               <a:t>Второй уровень</a:t>
             </a:r>
           </a:p>
           <a:p>
             <a:pPr lvl="2"/>
             <a:r>
-              <a:rPr lang="ru-RU" smtClean="0"/>
+              <a:rPr lang="ru-RU"/>
               <a:t>Третий уровень</a:t>
             </a:r>
           </a:p>
           <a:p>
             <a:pPr lvl="3"/>
             <a:r>
-              <a:rPr lang="ru-RU" smtClean="0"/>
+              <a:rPr lang="ru-RU"/>
               <a:t>Четвертый уровень</a:t>
             </a:r>
           </a:p>
           <a:p>
             <a:pPr lvl="4"/>
             <a:r>
-              <a:rPr lang="ru-RU" smtClean="0"/>
+              <a:rPr lang="ru-RU"/>
               <a:t>Пятый уровень</a:t>
             </a:r>
-            <a:endParaRPr lang="ru-RU"/>
           </a:p>
         </p:txBody>
       </p:sp>
@@ -1704,38 +1695,37 @@
           <a:p>
             <a:pPr lvl="0"/>
             <a:r>
-              <a:rPr lang="ru-RU" smtClean="0"/>
+              <a:rPr lang="ru-RU"/>
               <a:t>Образец текста</a:t>
             </a:r>
           </a:p>
           <a:p>
             <a:pPr lvl="1"/>
             <a:r>
-              <a:rPr lang="ru-RU" smtClean="0"/>
+              <a:rPr lang="ru-RU"/>
               <a:t>Второй уровень</a:t>
             </a:r>
           </a:p>
           <a:p>
             <a:pPr lvl="2"/>
             <a:r>
-              <a:rPr lang="ru-RU" smtClean="0"/>
+              <a:rPr lang="ru-RU"/>
               <a:t>Третий уровень</a:t>
             </a:r>
           </a:p>
           <a:p>
             <a:pPr lvl="3"/>
             <a:r>
-              <a:rPr lang="ru-RU" smtClean="0"/>
+              <a:rPr lang="ru-RU"/>
               <a:t>Четвертый уровень</a:t>
             </a:r>
           </a:p>
           <a:p>
             <a:pPr lvl="4"/>
             <a:r>
-              <a:rPr lang="ru-RU" smtClean="0"/>
+              <a:rPr lang="ru-RU"/>
               <a:t>Пятый уровень</a:t>
             </a:r>
-            <a:endParaRPr lang="ru-RU"/>
           </a:p>
         </p:txBody>
       </p:sp>
@@ -1756,7 +1746,7 @@
           <a:p>
             <a:fld id="{684AFD8F-6DD9-4AD3-A505-FDC3F5C5F3F6}" type="datetime1">
               <a:rPr lang="ru-RU" smtClean="0"/>
-              <a:t>04.12.2024</a:t>
+              <a:t>19.11.2025</a:t>
             </a:fld>
             <a:endParaRPr lang="ru-RU"/>
           </a:p>
@@ -1778,10 +1768,9 @@
           <a:lstStyle/>
           <a:p>
             <a:r>
-              <a:rPr lang="ru-RU" smtClean="0"/>
+              <a:rPr lang="ru-RU"/>
               <a:t>Артём Макаров</a:t>
             </a:r>
-            <a:endParaRPr lang="ru-RU"/>
           </a:p>
         </p:txBody>
       </p:sp>
@@ -1859,10 +1848,9 @@
           <a:lstStyle/>
           <a:p>
             <a:r>
-              <a:rPr lang="ru-RU" smtClean="0"/>
+              <a:rPr lang="ru-RU"/>
               <a:t>Образец заголовка</a:t>
             </a:r>
-            <a:endParaRPr lang="ru-RU"/>
           </a:p>
         </p:txBody>
       </p:sp>
@@ -1925,7 +1913,7 @@
           <a:p>
             <a:pPr lvl="0"/>
             <a:r>
-              <a:rPr lang="ru-RU" dirty="0" smtClean="0"/>
+              <a:rPr lang="ru-RU" dirty="0"/>
               <a:t>Образец текста</a:t>
             </a:r>
           </a:p>
@@ -1953,38 +1941,37 @@
           <a:p>
             <a:pPr lvl="0"/>
             <a:r>
-              <a:rPr lang="ru-RU" dirty="0" smtClean="0"/>
+              <a:rPr lang="ru-RU" dirty="0"/>
               <a:t>Образец текста</a:t>
             </a:r>
           </a:p>
           <a:p>
             <a:pPr lvl="1"/>
             <a:r>
-              <a:rPr lang="ru-RU" dirty="0" smtClean="0"/>
+              <a:rPr lang="ru-RU" dirty="0"/>
               <a:t>Второй уровень</a:t>
             </a:r>
           </a:p>
           <a:p>
             <a:pPr lvl="2"/>
             <a:r>
-              <a:rPr lang="ru-RU" dirty="0" smtClean="0"/>
+              <a:rPr lang="ru-RU" dirty="0"/>
               <a:t>Третий уровень</a:t>
             </a:r>
           </a:p>
           <a:p>
             <a:pPr lvl="3"/>
             <a:r>
-              <a:rPr lang="ru-RU" dirty="0" smtClean="0"/>
+              <a:rPr lang="ru-RU" dirty="0"/>
               <a:t>Четвертый уровень</a:t>
             </a:r>
           </a:p>
           <a:p>
             <a:pPr lvl="4"/>
             <a:r>
-              <a:rPr lang="ru-RU" dirty="0" smtClean="0"/>
+              <a:rPr lang="ru-RU" dirty="0"/>
               <a:t>Пятый уровень</a:t>
             </a:r>
-            <a:endParaRPr lang="ru-RU" dirty="0"/>
           </a:p>
         </p:txBody>
       </p:sp>
@@ -2047,7 +2034,7 @@
           <a:p>
             <a:pPr lvl="0"/>
             <a:r>
-              <a:rPr lang="ru-RU" smtClean="0"/>
+              <a:rPr lang="ru-RU"/>
               <a:t>Образец текста</a:t>
             </a:r>
           </a:p>
@@ -2075,38 +2062,37 @@
           <a:p>
             <a:pPr lvl="0"/>
             <a:r>
-              <a:rPr lang="ru-RU" smtClean="0"/>
+              <a:rPr lang="ru-RU"/>
               <a:t>Образец текста</a:t>
             </a:r>
           </a:p>
           <a:p>
             <a:pPr lvl="1"/>
             <a:r>
-              <a:rPr lang="ru-RU" smtClean="0"/>
+              <a:rPr lang="ru-RU"/>
               <a:t>Второй уровень</a:t>
             </a:r>
           </a:p>
           <a:p>
             <a:pPr lvl="2"/>
             <a:r>
-              <a:rPr lang="ru-RU" smtClean="0"/>
+              <a:rPr lang="ru-RU"/>
               <a:t>Третий уровень</a:t>
             </a:r>
           </a:p>
           <a:p>
             <a:pPr lvl="3"/>
             <a:r>
-              <a:rPr lang="ru-RU" smtClean="0"/>
+              <a:rPr lang="ru-RU"/>
               <a:t>Четвертый уровень</a:t>
             </a:r>
           </a:p>
           <a:p>
             <a:pPr lvl="4"/>
             <a:r>
-              <a:rPr lang="ru-RU" smtClean="0"/>
+              <a:rPr lang="ru-RU"/>
               <a:t>Пятый уровень</a:t>
             </a:r>
-            <a:endParaRPr lang="ru-RU"/>
           </a:p>
         </p:txBody>
       </p:sp>
@@ -2127,7 +2113,7 @@
           <a:p>
             <a:fld id="{63551EFE-4D02-45EB-A747-8B6F047B5AA0}" type="datetime1">
               <a:rPr lang="ru-RU" smtClean="0"/>
-              <a:t>04.12.2024</a:t>
+              <a:t>19.11.2025</a:t>
             </a:fld>
             <a:endParaRPr lang="ru-RU"/>
           </a:p>
@@ -2149,10 +2135,9 @@
           <a:lstStyle/>
           <a:p>
             <a:r>
-              <a:rPr lang="ru-RU" smtClean="0"/>
+              <a:rPr lang="ru-RU"/>
               <a:t>Артём Макаров</a:t>
             </a:r>
-            <a:endParaRPr lang="ru-RU"/>
           </a:p>
         </p:txBody>
       </p:sp>
@@ -2225,10 +2210,9 @@
           <a:lstStyle/>
           <a:p>
             <a:r>
-              <a:rPr lang="ru-RU" smtClean="0"/>
+              <a:rPr lang="ru-RU"/>
               <a:t>Образец заголовка</a:t>
             </a:r>
-            <a:endParaRPr lang="ru-RU"/>
           </a:p>
         </p:txBody>
       </p:sp>
@@ -2249,7 +2233,7 @@
           <a:p>
             <a:fld id="{813A9F34-E5CD-4B8F-AA9E-889C84372B20}" type="datetime1">
               <a:rPr lang="ru-RU" smtClean="0"/>
-              <a:t>04.12.2024</a:t>
+              <a:t>19.11.2025</a:t>
             </a:fld>
             <a:endParaRPr lang="ru-RU"/>
           </a:p>
@@ -2271,10 +2255,9 @@
           <a:lstStyle/>
           <a:p>
             <a:r>
-              <a:rPr lang="ru-RU" smtClean="0"/>
+              <a:rPr lang="ru-RU"/>
               <a:t>Артём Макаров</a:t>
             </a:r>
-            <a:endParaRPr lang="ru-RU"/>
           </a:p>
         </p:txBody>
       </p:sp>
@@ -2348,7 +2331,7 @@
           <a:p>
             <a:fld id="{51224D22-9B29-44A6-8E82-95FC492DEDC1}" type="datetime1">
               <a:rPr lang="ru-RU" smtClean="0"/>
-              <a:t>04.12.2024</a:t>
+              <a:t>19.11.2025</a:t>
             </a:fld>
             <a:endParaRPr lang="ru-RU"/>
           </a:p>
@@ -2370,10 +2353,9 @@
           <a:lstStyle/>
           <a:p>
             <a:r>
-              <a:rPr lang="ru-RU" smtClean="0"/>
+              <a:rPr lang="ru-RU"/>
               <a:t>Артём Макаров</a:t>
             </a:r>
-            <a:endParaRPr lang="ru-RU"/>
           </a:p>
         </p:txBody>
       </p:sp>
@@ -2455,10 +2437,9 @@
           </a:lstStyle>
           <a:p>
             <a:r>
-              <a:rPr lang="ru-RU" smtClean="0"/>
+              <a:rPr lang="ru-RU"/>
               <a:t>Образец заголовка</a:t>
             </a:r>
-            <a:endParaRPr lang="ru-RU"/>
           </a:p>
         </p:txBody>
       </p:sp>
@@ -2512,38 +2493,37 @@
           <a:p>
             <a:pPr lvl="0"/>
             <a:r>
-              <a:rPr lang="ru-RU" smtClean="0"/>
+              <a:rPr lang="ru-RU"/>
               <a:t>Образец текста</a:t>
             </a:r>
           </a:p>
           <a:p>
             <a:pPr lvl="1"/>
             <a:r>
-              <a:rPr lang="ru-RU" smtClean="0"/>
+              <a:rPr lang="ru-RU"/>
               <a:t>Второй уровень</a:t>
             </a:r>
           </a:p>
           <a:p>
             <a:pPr lvl="2"/>
             <a:r>
-              <a:rPr lang="ru-RU" smtClean="0"/>
+              <a:rPr lang="ru-RU"/>
               <a:t>Третий уровень</a:t>
             </a:r>
           </a:p>
           <a:p>
             <a:pPr lvl="3"/>
             <a:r>
-              <a:rPr lang="ru-RU" smtClean="0"/>
+              <a:rPr lang="ru-RU"/>
               <a:t>Четвертый уровень</a:t>
             </a:r>
           </a:p>
           <a:p>
             <a:pPr lvl="4"/>
             <a:r>
-              <a:rPr lang="ru-RU" smtClean="0"/>
+              <a:rPr lang="ru-RU"/>
               <a:t>Пятый уровень</a:t>
             </a:r>
-            <a:endParaRPr lang="ru-RU"/>
           </a:p>
         </p:txBody>
       </p:sp>
@@ -2606,7 +2586,7 @@
           <a:p>
             <a:pPr lvl="0"/>
             <a:r>
-              <a:rPr lang="ru-RU" smtClean="0"/>
+              <a:rPr lang="ru-RU"/>
               <a:t>Образец текста</a:t>
             </a:r>
           </a:p>
@@ -2629,7 +2609,7 @@
           <a:p>
             <a:fld id="{91D1034F-4441-48A1-BDC0-25EA1022324A}" type="datetime1">
               <a:rPr lang="ru-RU" smtClean="0"/>
-              <a:t>04.12.2024</a:t>
+              <a:t>19.11.2025</a:t>
             </a:fld>
             <a:endParaRPr lang="ru-RU"/>
           </a:p>
@@ -2651,10 +2631,9 @@
           <a:lstStyle/>
           <a:p>
             <a:r>
-              <a:rPr lang="ru-RU" smtClean="0"/>
+              <a:rPr lang="ru-RU"/>
               <a:t>Артём Макаров</a:t>
             </a:r>
-            <a:endParaRPr lang="ru-RU"/>
           </a:p>
         </p:txBody>
       </p:sp>
@@ -2736,10 +2715,9 @@
           </a:lstStyle>
           <a:p>
             <a:r>
-              <a:rPr lang="ru-RU" smtClean="0"/>
+              <a:rPr lang="ru-RU"/>
               <a:t>Образец заголовка</a:t>
             </a:r>
-            <a:endParaRPr lang="ru-RU"/>
           </a:p>
         </p:txBody>
       </p:sp>
@@ -2863,7 +2841,7 @@
           <a:p>
             <a:pPr lvl="0"/>
             <a:r>
-              <a:rPr lang="ru-RU" smtClean="0"/>
+              <a:rPr lang="ru-RU"/>
               <a:t>Образец текста</a:t>
             </a:r>
           </a:p>
@@ -2886,7 +2864,7 @@
           <a:p>
             <a:fld id="{B0FFDE79-B627-473B-AE17-4C65BD2495F7}" type="datetime1">
               <a:rPr lang="ru-RU" smtClean="0"/>
-              <a:t>04.12.2024</a:t>
+              <a:t>19.11.2025</a:t>
             </a:fld>
             <a:endParaRPr lang="ru-RU"/>
           </a:p>
@@ -2908,10 +2886,9 @@
           <a:lstStyle/>
           <a:p>
             <a:r>
-              <a:rPr lang="ru-RU" smtClean="0"/>
+              <a:rPr lang="ru-RU"/>
               <a:t>Артём Макаров</a:t>
             </a:r>
-            <a:endParaRPr lang="ru-RU"/>
           </a:p>
         </p:txBody>
       </p:sp>
@@ -2999,10 +2976,9 @@
           <a:lstStyle/>
           <a:p>
             <a:r>
-              <a:rPr lang="ru-RU" dirty="0" smtClean="0"/>
+              <a:rPr lang="ru-RU" dirty="0"/>
               <a:t>Образец заголовка</a:t>
             </a:r>
-            <a:endParaRPr lang="ru-RU" dirty="0"/>
           </a:p>
         </p:txBody>
       </p:sp>
@@ -3033,38 +3009,37 @@
           <a:p>
             <a:pPr lvl="0"/>
             <a:r>
-              <a:rPr lang="ru-RU" dirty="0" smtClean="0"/>
+              <a:rPr lang="ru-RU" dirty="0"/>
               <a:t>Образец текста</a:t>
             </a:r>
           </a:p>
           <a:p>
             <a:pPr lvl="1"/>
             <a:r>
-              <a:rPr lang="ru-RU" dirty="0" smtClean="0"/>
+              <a:rPr lang="ru-RU" dirty="0"/>
               <a:t>Второй уровень</a:t>
             </a:r>
           </a:p>
           <a:p>
             <a:pPr lvl="2"/>
             <a:r>
-              <a:rPr lang="ru-RU" dirty="0" smtClean="0"/>
+              <a:rPr lang="ru-RU" dirty="0"/>
               <a:t>Третий уровень</a:t>
             </a:r>
           </a:p>
           <a:p>
             <a:pPr lvl="3"/>
             <a:r>
-              <a:rPr lang="ru-RU" dirty="0" smtClean="0"/>
+              <a:rPr lang="ru-RU" dirty="0"/>
               <a:t>Четвертый уровень</a:t>
             </a:r>
           </a:p>
           <a:p>
             <a:pPr lvl="4"/>
             <a:r>
-              <a:rPr lang="ru-RU" dirty="0" smtClean="0"/>
+              <a:rPr lang="ru-RU" dirty="0"/>
               <a:t>Пятый уровень</a:t>
             </a:r>
-            <a:endParaRPr lang="ru-RU" dirty="0"/>
           </a:p>
         </p:txBody>
       </p:sp>
@@ -3103,7 +3078,7 @@
           <a:p>
             <a:fld id="{11CA537A-1B8C-47BA-9BA6-7CE3FAFDA8BE}" type="datetime1">
               <a:rPr lang="ru-RU" smtClean="0"/>
-              <a:t>04.12.2024</a:t>
+              <a:t>19.11.2025</a:t>
             </a:fld>
             <a:endParaRPr lang="ru-RU"/>
           </a:p>
@@ -3143,10 +3118,9 @@
           </a:lstStyle>
           <a:p>
             <a:r>
-              <a:rPr lang="ru-RU" smtClean="0"/>
+              <a:rPr lang="ru-RU"/>
               <a:t>Артём Макаров</a:t>
             </a:r>
-            <a:endParaRPr lang="ru-RU"/>
           </a:p>
         </p:txBody>
       </p:sp>
@@ -3536,44 +3510,31 @@
           <a:lstStyle/>
           <a:p>
             <a:r>
-              <a:rPr lang="ru-RU" dirty="0" smtClean="0"/>
-              <a:t>Прикладная </a:t>
-            </a:r>
-            <a:r>
               <a:rPr lang="ru-RU" dirty="0"/>
-              <a:t>К</a:t>
-            </a:r>
-            <a:r>
-              <a:rPr lang="ru-RU" dirty="0" smtClean="0"/>
-              <a:t>риптография</a:t>
-            </a:r>
-            <a:r>
-              <a:rPr lang="en-US" dirty="0" smtClean="0"/>
+              <a:t>Прикладная Криптография</a:t>
+            </a:r>
+            <a:r>
+              <a:rPr lang="en-US" dirty="0"/>
               <a:t>:</a:t>
             </a:r>
             <a:br>
-              <a:rPr lang="en-US" dirty="0" smtClean="0"/>
+              <a:rPr lang="en-US" dirty="0"/>
             </a:br>
             <a:r>
-              <a:rPr lang="ru-RU" dirty="0" smtClean="0"/>
+              <a:rPr lang="ru-RU" dirty="0"/>
               <a:t>Симметричные криптосистемы</a:t>
             </a:r>
-            <a:r>
-              <a:rPr lang="en-US" dirty="0" smtClean="0"/>
-              <a:t/>
-            </a:r>
             <a:br>
-              <a:rPr lang="en-US" dirty="0" smtClean="0"/>
+              <a:rPr lang="en-US" dirty="0"/>
             </a:br>
             <a:r>
-              <a:rPr lang="en-US" dirty="0" smtClean="0"/>
+              <a:rPr lang="en-US" dirty="0"/>
               <a:t> </a:t>
             </a:r>
             <a:r>
-              <a:rPr lang="ru-RU" dirty="0" smtClean="0"/>
+              <a:rPr lang="ru-RU" dirty="0"/>
               <a:t>Хэш-функции</a:t>
             </a:r>
-            <a:endParaRPr lang="ru-RU" dirty="0"/>
           </a:p>
         </p:txBody>
       </p:sp>
@@ -3598,27 +3559,53 @@
           <a:lstStyle/>
           <a:p>
             <a:r>
-              <a:rPr lang="ru-RU" dirty="0" smtClean="0"/>
+              <a:rPr lang="ru-RU" dirty="0"/>
               <a:t>Макаров Артём </a:t>
             </a:r>
           </a:p>
           <a:p>
             <a:r>
-              <a:rPr lang="ru-RU" dirty="0" smtClean="0"/>
+              <a:rPr lang="ru-RU" dirty="0"/>
               <a:t>МИФИ 20</a:t>
             </a:r>
             <a:r>
-              <a:rPr lang="en-US" smtClean="0"/>
-              <a:t>2</a:t>
-            </a:r>
-            <a:r>
               <a:rPr lang="en-US" dirty="0"/>
-              <a:t>4</a:t>
+              <a:t>25</a:t>
             </a:r>
             <a:endParaRPr lang="ru-RU" dirty="0"/>
           </a:p>
         </p:txBody>
       </p:sp>
+      <p:pic>
+        <p:nvPicPr>
+          <p:cNvPr id="4" name="Рисунок 3">
+            <a:extLst>
+              <a:ext uri="{FF2B5EF4-FFF2-40B4-BE49-F238E27FC236}">
+                <a16:creationId xmlns:a16="http://schemas.microsoft.com/office/drawing/2014/main" id="{1FEA7840-6D5C-436A-A8DE-640ECC5C5422}"/>
+              </a:ext>
+            </a:extLst>
+          </p:cNvPr>
+          <p:cNvPicPr>
+            <a:picLocks noChangeAspect="1"/>
+          </p:cNvPicPr>
+          <p:nvPr/>
+        </p:nvPicPr>
+        <p:blipFill>
+          <a:blip r:embed="rId2"/>
+          <a:stretch>
+            <a:fillRect/>
+          </a:stretch>
+        </p:blipFill>
+        <p:spPr>
+          <a:xfrm>
+            <a:off x="9375706" y="3135124"/>
+            <a:ext cx="1895475" cy="1933575"/>
+          </a:xfrm>
+          <a:prstGeom prst="rect">
+            <a:avLst/>
+          </a:prstGeom>
+        </p:spPr>
+      </p:pic>
     </p:spTree>
     <p:extLst>
       <p:ext uri="{BB962C8B-B14F-4D97-AF65-F5344CB8AC3E}">
@@ -3629,13 +3616,6 @@
   <p:clrMapOvr>
     <a:masterClrMapping/>
   </p:clrMapOvr>
-  <p:timing>
-    <p:tnLst>
-      <p:par>
-        <p:cTn id="1" dur="indefinite" restart="never" nodeType="tmRoot"/>
-      </p:par>
-    </p:tnLst>
-  </p:timing>
 </p:sld>
 </file>
 
@@ -3672,10 +3652,9 @@
           <a:lstStyle/>
           <a:p>
             <a:r>
-              <a:rPr lang="ru-RU" dirty="0" smtClean="0"/>
+              <a:rPr lang="ru-RU" dirty="0"/>
               <a:t>Атаки на основе парадокса дней рождений</a:t>
             </a:r>
-            <a:endParaRPr lang="ru-RU" dirty="0"/>
           </a:p>
         </p:txBody>
       </p:sp>
@@ -3702,7 +3681,7 @@
                   <a:buNone/>
                 </a:pPr>
                 <a:r>
-                  <a:rPr lang="ru-RU" dirty="0" smtClean="0"/>
+                  <a:rPr lang="ru-RU" dirty="0"/>
                   <a:t>Пусть </a:t>
                 </a:r>
                 <a14:m>
@@ -3754,7 +3733,7 @@
                   <a:t>хэш-функция.</a:t>
                 </a:r>
                 <a:r>
-                  <a:rPr lang="en-US" dirty="0" smtClean="0"/>
+                  <a:rPr lang="en-US" dirty="0"/>
                   <a:t> </a:t>
                 </a:r>
                 <a14:m>
@@ -3811,25 +3790,25 @@
                     </m:sSup>
                   </m:oMath>
                 </a14:m>
-                <a:endParaRPr lang="en-US" dirty="0" smtClean="0"/>
+                <a:endParaRPr lang="en-US" dirty="0"/>
               </a:p>
               <a:p>
                 <a:pPr marL="0" indent="0">
                   <a:buNone/>
                 </a:pPr>
                 <a:r>
-                  <a:rPr lang="ru-RU" dirty="0" smtClean="0"/>
+                  <a:rPr lang="ru-RU" dirty="0"/>
                   <a:t>Алгоритм перебора для нахождения коллизии</a:t>
                 </a:r>
                 <a:r>
-                  <a:rPr lang="en-US" dirty="0" smtClean="0"/>
+                  <a:rPr lang="en-US" dirty="0"/>
                   <a:t>:</a:t>
                 </a:r>
-                <a:endParaRPr lang="ru-RU" dirty="0" smtClean="0"/>
+                <a:endParaRPr lang="ru-RU" dirty="0"/>
               </a:p>
               <a:p>
                 <a:r>
-                  <a:rPr lang="ru-RU" dirty="0" smtClean="0"/>
+                  <a:rPr lang="ru-RU" dirty="0"/>
                   <a:t>Выбрать </a:t>
                 </a:r>
                 <a14:m>
@@ -3868,11 +3847,11 @@
                   </m:oMath>
                 </a14:m>
                 <a:r>
-                  <a:rPr lang="en-US" dirty="0" smtClean="0"/>
+                  <a:rPr lang="en-US" dirty="0"/>
                   <a:t> </a:t>
                 </a:r>
                 <a:r>
-                  <a:rPr lang="ru-RU" dirty="0" smtClean="0"/>
+                  <a:rPr lang="ru-RU" dirty="0"/>
                   <a:t>случайных сообщений из </a:t>
                 </a:r>
                 <a14:m>
@@ -3885,11 +3864,11 @@
                     </m:r>
                   </m:oMath>
                 </a14:m>
-                <a:endParaRPr lang="ru-RU" dirty="0" smtClean="0"/>
+                <a:endParaRPr lang="ru-RU" dirty="0"/>
               </a:p>
               <a:p>
                 <a:r>
-                  <a:rPr lang="ru-RU" dirty="0" smtClean="0"/>
+                  <a:rPr lang="ru-RU" dirty="0"/>
                   <a:t>Вычислить </a:t>
                 </a:r>
                 <a14:m>
@@ -3970,11 +3949,11 @@
                     </m:r>
                   </m:oMath>
                 </a14:m>
-                <a:endParaRPr lang="en-US" dirty="0" smtClean="0"/>
+                <a:endParaRPr lang="en-US" dirty="0"/>
               </a:p>
               <a:p>
                 <a:r>
-                  <a:rPr lang="ru-RU" dirty="0" smtClean="0"/>
+                  <a:rPr lang="ru-RU" dirty="0"/>
                   <a:t>Найти коллизию </a:t>
                 </a:r>
                 <a14:m>
@@ -4062,7 +4041,7 @@
                   </m:oMath>
                 </a14:m>
                 <a:r>
-                  <a:rPr lang="ru-RU" dirty="0" smtClean="0"/>
+                  <a:rPr lang="ru-RU" dirty="0"/>
                   <a:t> </a:t>
                 </a:r>
               </a:p>
@@ -4071,7 +4050,7 @@
                   <a:buNone/>
                 </a:pPr>
                 <a:r>
-                  <a:rPr lang="ru-RU" dirty="0" smtClean="0"/>
+                  <a:rPr lang="ru-RU" dirty="0"/>
                   <a:t>Вероятность успешного завершения алгоритма = ½ (из за парадокса дней рождений). Сложность атаки </a:t>
                 </a:r>
                 <a14:m>
@@ -4153,23 +4132,22 @@
                     </m:rad>
                   </m:oMath>
                 </a14:m>
-                <a:endParaRPr lang="en-US" dirty="0" smtClean="0"/>
+                <a:endParaRPr lang="en-US" dirty="0"/>
               </a:p>
               <a:p>
                 <a:pPr marL="0" indent="0">
                   <a:buNone/>
                 </a:pPr>
-                <a:endParaRPr lang="en-US" dirty="0" smtClean="0"/>
+                <a:endParaRPr lang="en-US" dirty="0"/>
               </a:p>
               <a:p>
                 <a:pPr marL="0" indent="0">
                   <a:buNone/>
                 </a:pPr>
                 <a:r>
-                  <a:rPr lang="ru-RU" dirty="0" smtClean="0"/>
+                  <a:rPr lang="ru-RU" dirty="0"/>
                   <a:t>Следовательно, чем меньше область определений хэш-функции, тем проще атаковать хэш-функцию используя алгоритм выше.</a:t>
                 </a:r>
-                <a:endParaRPr lang="ru-RU" dirty="0"/>
               </a:p>
             </p:txBody>
           </p:sp>
@@ -4241,13 +4219,6 @@
   <p:clrMapOvr>
     <a:masterClrMapping/>
   </p:clrMapOvr>
-  <p:timing>
-    <p:tnLst>
-      <p:par>
-        <p:cTn id="1" dur="indefinite" restart="never" nodeType="tmRoot"/>
-      </p:par>
-    </p:tnLst>
-  </p:timing>
 </p:sld>
 </file>
 
@@ -4363,13 +4334,6 @@
   <p:clrMapOvr>
     <a:masterClrMapping/>
   </p:clrMapOvr>
-  <p:timing>
-    <p:tnLst>
-      <p:par>
-        <p:cTn id="1" dur="indefinite" restart="never" nodeType="tmRoot"/>
-      </p:par>
-    </p:tnLst>
-  </p:timing>
 </p:sld>
 </file>
 
@@ -4411,10 +4375,9 @@
           <a:lstStyle/>
           <a:p>
             <a:r>
-              <a:rPr lang="ru-RU" dirty="0" smtClean="0"/>
+              <a:rPr lang="ru-RU" dirty="0"/>
               <a:t>Другие атаки на нахождение коллизий</a:t>
             </a:r>
-            <a:endParaRPr lang="ru-RU" dirty="0"/>
           </a:p>
         </p:txBody>
       </p:sp>
@@ -4449,28 +4412,28 @@
                     <a:gridCol w="3367454">
                       <a:extLst>
                         <a:ext uri="{9D8B030D-6E8A-4147-A177-3AD203B41FA5}">
-                          <a16:colId xmlns="" xmlns:a16="http://schemas.microsoft.com/office/drawing/2014/main" val="3095361251"/>
+                          <a16:colId xmlns:a16="http://schemas.microsoft.com/office/drawing/2014/main" val="3095361251"/>
                         </a:ext>
                       </a:extLst>
                     </a:gridCol>
                     <a:gridCol w="1899138">
                       <a:extLst>
                         <a:ext uri="{9D8B030D-6E8A-4147-A177-3AD203B41FA5}">
-                          <a16:colId xmlns="" xmlns:a16="http://schemas.microsoft.com/office/drawing/2014/main" val="391994044"/>
+                          <a16:colId xmlns:a16="http://schemas.microsoft.com/office/drawing/2014/main" val="391994044"/>
                         </a:ext>
                       </a:extLst>
                     </a:gridCol>
                     <a:gridCol w="2312377">
                       <a:extLst>
                         <a:ext uri="{9D8B030D-6E8A-4147-A177-3AD203B41FA5}">
-                          <a16:colId xmlns="" xmlns:a16="http://schemas.microsoft.com/office/drawing/2014/main" val="4006091932"/>
+                          <a16:colId xmlns:a16="http://schemas.microsoft.com/office/drawing/2014/main" val="4006091932"/>
                         </a:ext>
                       </a:extLst>
                     </a:gridCol>
                     <a:gridCol w="4018085">
                       <a:extLst>
                         <a:ext uri="{9D8B030D-6E8A-4147-A177-3AD203B41FA5}">
-                          <a16:colId xmlns="" xmlns:a16="http://schemas.microsoft.com/office/drawing/2014/main" val="327045744"/>
+                          <a16:colId xmlns:a16="http://schemas.microsoft.com/office/drawing/2014/main" val="327045744"/>
                         </a:ext>
                       </a:extLst>
                     </a:gridCol>
@@ -4482,10 +4445,9 @@
                         <a:lstStyle/>
                         <a:p>
                           <a:r>
-                            <a:rPr lang="ru-RU" dirty="0" smtClean="0"/>
+                            <a:rPr lang="ru-RU" dirty="0"/>
                             <a:t>Алгоритм</a:t>
                           </a:r>
-                          <a:endParaRPr lang="ru-RU" dirty="0"/>
                         </a:p>
                       </a:txBody>
                       <a:tcPr/>
@@ -4496,11 +4458,11 @@
                         <a:lstStyle/>
                         <a:p>
                           <a:r>
-                            <a:rPr lang="ru-RU" dirty="0" smtClean="0"/>
+                            <a:rPr lang="ru-RU" dirty="0"/>
                             <a:t>Вычислительная</a:t>
                           </a:r>
                           <a:r>
-                            <a:rPr lang="ru-RU" baseline="0" dirty="0" smtClean="0"/>
+                            <a:rPr lang="ru-RU" baseline="0" dirty="0"/>
                             <a:t> сложность, оп</a:t>
                           </a:r>
                           <a:endParaRPr lang="ru-RU" dirty="0"/>
@@ -4514,11 +4476,11 @@
                         <a:lstStyle/>
                         <a:p>
                           <a:r>
-                            <a:rPr lang="ru-RU" dirty="0" smtClean="0"/>
+                            <a:rPr lang="ru-RU" dirty="0"/>
                             <a:t>Затраты памяти, </a:t>
                           </a:r>
                           <a:r>
-                            <a:rPr lang="en-US" dirty="0" err="1" smtClean="0"/>
+                            <a:rPr lang="en-US" dirty="0" err="1"/>
                             <a:t>hash_size</a:t>
                           </a:r>
                           <a:endParaRPr lang="ru-RU" dirty="0"/>
@@ -4532,11 +4494,11 @@
                         <a:lstStyle/>
                         <a:p>
                           <a:r>
-                            <a:rPr lang="ru-RU" dirty="0" smtClean="0"/>
+                            <a:rPr lang="ru-RU" dirty="0"/>
                             <a:t>Реальные</a:t>
                           </a:r>
                           <a:r>
-                            <a:rPr lang="ru-RU" baseline="0" dirty="0" smtClean="0"/>
+                            <a:rPr lang="ru-RU" baseline="0" dirty="0"/>
                             <a:t> параметры</a:t>
                           </a:r>
                           <a:endParaRPr lang="ru-RU" dirty="0"/>
@@ -4546,7 +4508,7 @@
                     </a:tc>
                     <a:extLst>
                       <a:ext uri="{0D108BD9-81ED-4DB2-BD59-A6C34878D82A}">
-                        <a16:rowId xmlns="" xmlns:a16="http://schemas.microsoft.com/office/drawing/2014/main" val="3632249135"/>
+                        <a16:rowId xmlns:a16="http://schemas.microsoft.com/office/drawing/2014/main" val="3632249135"/>
                       </a:ext>
                     </a:extLst>
                   </a:tr>
@@ -4557,11 +4519,11 @@
                         <a:lstStyle/>
                         <a:p>
                           <a:r>
-                            <a:rPr lang="ru-RU" dirty="0" smtClean="0"/>
+                            <a:rPr lang="ru-RU" dirty="0"/>
                             <a:t>Угадывание</a:t>
                           </a:r>
                           <a:r>
-                            <a:rPr lang="ru-RU" baseline="0" dirty="0" smtClean="0"/>
+                            <a:rPr lang="ru-RU" baseline="0" dirty="0"/>
                             <a:t> коллизии</a:t>
                           </a:r>
                           <a:endParaRPr lang="ru-RU" dirty="0"/>
@@ -4711,7 +4673,7 @@
                     </a:tc>
                     <a:extLst>
                       <a:ext uri="{0D108BD9-81ED-4DB2-BD59-A6C34878D82A}">
-                        <a16:rowId xmlns="" xmlns:a16="http://schemas.microsoft.com/office/drawing/2014/main" val="2414182040"/>
+                        <a16:rowId xmlns:a16="http://schemas.microsoft.com/office/drawing/2014/main" val="2414182040"/>
                       </a:ext>
                     </a:extLst>
                   </a:tr>
@@ -4722,18 +4684,17 @@
                         <a:lstStyle/>
                         <a:p>
                           <a:r>
-                            <a:rPr lang="ru-RU" dirty="0" smtClean="0"/>
+                            <a:rPr lang="ru-RU" dirty="0"/>
                             <a:t>Использование таблиц (</a:t>
                           </a:r>
                           <a:r>
-                            <a:rPr lang="en-US" dirty="0" smtClean="0"/>
+                            <a:rPr lang="en-US" dirty="0"/>
                             <a:t>b-day</a:t>
                           </a:r>
                           <a:r>
-                            <a:rPr lang="ru-RU" dirty="0" smtClean="0"/>
+                            <a:rPr lang="ru-RU" dirty="0"/>
                             <a:t>)</a:t>
                           </a:r>
-                          <a:endParaRPr lang="ru-RU" dirty="0"/>
                         </a:p>
                       </a:txBody>
                       <a:tcPr/>
@@ -4954,7 +4915,7 @@
                     </a:tc>
                     <a:extLst>
                       <a:ext uri="{0D108BD9-81ED-4DB2-BD59-A6C34878D82A}">
-                        <a16:rowId xmlns="" xmlns:a16="http://schemas.microsoft.com/office/drawing/2014/main" val="3511686225"/>
+                        <a16:rowId xmlns:a16="http://schemas.microsoft.com/office/drawing/2014/main" val="3511686225"/>
                       </a:ext>
                     </a:extLst>
                   </a:tr>
@@ -4965,7 +4926,7 @@
                         <a:lstStyle/>
                         <a:p>
                           <a:r>
-                            <a:rPr lang="ru-RU" dirty="0" smtClean="0">
+                            <a:rPr lang="ru-RU" dirty="0">
                               <a:solidFill>
                                 <a:srgbClr val="FF0000"/>
                               </a:solidFill>
@@ -4973,11 +4934,11 @@
                             <a:t>Квантовый</a:t>
                           </a:r>
                           <a:r>
-                            <a:rPr lang="ru-RU" baseline="0" dirty="0" smtClean="0"/>
+                            <a:rPr lang="ru-RU" baseline="0" dirty="0"/>
                             <a:t> алгоритм </a:t>
                           </a:r>
                           <a:r>
-                            <a:rPr lang="en-US" sz="1800" kern="1200" dirty="0" smtClean="0">
+                            <a:rPr lang="en-US" sz="1800" kern="1200" dirty="0">
                               <a:solidFill>
                                 <a:schemeClr val="dk1"/>
                               </a:solidFill>
@@ -4989,7 +4950,7 @@
                             <a:t>Brassard, </a:t>
                           </a:r>
                           <a:r>
-                            <a:rPr lang="en-US" sz="1800" kern="1200" dirty="0" err="1" smtClean="0">
+                            <a:rPr lang="en-US" sz="1800" kern="1200" dirty="0" err="1">
                               <a:solidFill>
                                 <a:schemeClr val="dk1"/>
                               </a:solidFill>
@@ -5001,7 +4962,7 @@
                             <a:t>Høyer</a:t>
                           </a:r>
                           <a:r>
-                            <a:rPr lang="en-US" sz="1800" kern="1200" dirty="0" smtClean="0">
+                            <a:rPr lang="en-US" sz="1800" kern="1200" dirty="0">
                               <a:solidFill>
                                 <a:schemeClr val="dk1"/>
                               </a:solidFill>
@@ -5013,7 +4974,7 @@
                             <a:t>,</a:t>
                           </a:r>
                           <a:r>
-                            <a:rPr lang="ru-RU" sz="1800" kern="1200" baseline="0" dirty="0" smtClean="0">
+                            <a:rPr lang="ru-RU" sz="1800" kern="1200" baseline="0" dirty="0">
                               <a:solidFill>
                                 <a:schemeClr val="dk1"/>
                               </a:solidFill>
@@ -5025,7 +4986,7 @@
                             <a:t> </a:t>
                           </a:r>
                           <a:r>
-                            <a:rPr lang="en-US" sz="1800" kern="1200" dirty="0" err="1" smtClean="0">
+                            <a:rPr lang="en-US" sz="1800" kern="1200" dirty="0" err="1">
                               <a:solidFill>
                                 <a:schemeClr val="dk1"/>
                               </a:solidFill>
@@ -5219,7 +5180,7 @@
                               </m:oMath>
                             </m:oMathPara>
                           </a14:m>
-                          <a:endParaRPr lang="en-US" b="0" dirty="0" smtClean="0"/>
+                          <a:endParaRPr lang="en-US" b="0" dirty="0"/>
                         </a:p>
                         <a:p>
                           <a:pPr/>
@@ -5372,7 +5333,7 @@
                               </m:oMath>
                             </m:oMathPara>
                           </a14:m>
-                          <a:endParaRPr lang="en-US" b="0" dirty="0" smtClean="0"/>
+                          <a:endParaRPr lang="en-US" b="0" dirty="0"/>
                         </a:p>
                         <a:p>
                           <a:pPr/>
@@ -5516,14 +5477,14 @@
                               </m:oMath>
                             </m:oMathPara>
                           </a14:m>
-                          <a:endParaRPr lang="en-US" dirty="0" smtClean="0"/>
+                          <a:endParaRPr lang="en-US" dirty="0"/>
                         </a:p>
                       </a:txBody>
                       <a:tcPr/>
                     </a:tc>
                     <a:extLst>
                       <a:ext uri="{0D108BD9-81ED-4DB2-BD59-A6C34878D82A}">
-                        <a16:rowId xmlns="" xmlns:a16="http://schemas.microsoft.com/office/drawing/2014/main" val="497652221"/>
+                        <a16:rowId xmlns:a16="http://schemas.microsoft.com/office/drawing/2014/main" val="497652221"/>
                       </a:ext>
                     </a:extLst>
                   </a:tr>
@@ -5534,19 +5495,19 @@
                         <a:lstStyle/>
                         <a:p>
                           <a:r>
-                            <a:rPr lang="ru-RU" b="1" dirty="0" smtClean="0"/>
+                            <a:rPr lang="ru-RU" b="1" dirty="0"/>
                             <a:t>Параллельный</a:t>
                           </a:r>
                           <a:r>
-                            <a:rPr lang="ru-RU" baseline="0" dirty="0" smtClean="0"/>
+                            <a:rPr lang="ru-RU" baseline="0" dirty="0"/>
                             <a:t> алгоритм</a:t>
                           </a:r>
                           <a:r>
-                            <a:rPr lang="en-US" baseline="0" dirty="0" smtClean="0"/>
+                            <a:rPr lang="en-US" baseline="0" dirty="0"/>
                             <a:t> </a:t>
                           </a:r>
                           <a:r>
-                            <a:rPr lang="ru-RU" baseline="0" dirty="0" smtClean="0"/>
+                            <a:rPr lang="ru-RU" baseline="0" dirty="0"/>
                             <a:t>нахождения коллизий</a:t>
                           </a:r>
                           <a:endParaRPr lang="ru-RU" dirty="0"/>
@@ -5726,7 +5687,7 @@
                               </m:oMath>
                             </m:oMathPara>
                           </a14:m>
-                          <a:endParaRPr lang="en-US" b="0" dirty="0" smtClean="0"/>
+                          <a:endParaRPr lang="en-US" b="0" dirty="0"/>
                         </a:p>
                         <a:p>
                           <a:pPr/>
@@ -5879,7 +5840,7 @@
                               </m:oMath>
                             </m:oMathPara>
                           </a14:m>
-                          <a:endParaRPr lang="en-US" b="0" dirty="0" smtClean="0"/>
+                          <a:endParaRPr lang="en-US" b="0" dirty="0"/>
                         </a:p>
                         <a:p>
                           <a:pPr/>
@@ -6030,7 +5991,7 @@
                     </a:tc>
                     <a:extLst>
                       <a:ext uri="{0D108BD9-81ED-4DB2-BD59-A6C34878D82A}">
-                        <a16:rowId xmlns="" xmlns:a16="http://schemas.microsoft.com/office/drawing/2014/main" val="3102881815"/>
+                        <a16:rowId xmlns:a16="http://schemas.microsoft.com/office/drawing/2014/main" val="3102881815"/>
                       </a:ext>
                     </a:extLst>
                   </a:tr>
@@ -6041,15 +6002,15 @@
                         <a:lstStyle/>
                         <a:p>
                           <a:r>
-                            <a:rPr lang="ru-RU" b="1" dirty="0" smtClean="0"/>
+                            <a:rPr lang="ru-RU" b="1" dirty="0"/>
                             <a:t>Параллельный</a:t>
                           </a:r>
                           <a:r>
-                            <a:rPr lang="ru-RU" dirty="0" smtClean="0"/>
+                            <a:rPr lang="ru-RU" dirty="0"/>
                             <a:t> </a:t>
                           </a:r>
                           <a:r>
-                            <a:rPr lang="ru-RU" dirty="0" smtClean="0">
+                            <a:rPr lang="ru-RU" dirty="0">
                               <a:solidFill>
                                 <a:srgbClr val="FF0000"/>
                               </a:solidFill>
@@ -6057,15 +6018,15 @@
                             <a:t>квантовый</a:t>
                           </a:r>
                           <a:r>
-                            <a:rPr lang="ru-RU" dirty="0" smtClean="0"/>
+                            <a:rPr lang="ru-RU" dirty="0"/>
                             <a:t> алгоритм нахождения коллизий</a:t>
                           </a:r>
                           <a:r>
-                            <a:rPr lang="en-US" dirty="0" smtClean="0"/>
+                            <a:rPr lang="en-US" dirty="0"/>
                             <a:t> </a:t>
                           </a:r>
                           <a:r>
-                            <a:rPr lang="en-US" sz="1800" kern="1200" dirty="0" smtClean="0">
+                            <a:rPr lang="en-US" sz="1800" kern="1200" dirty="0">
                               <a:solidFill>
                                 <a:schemeClr val="dk1"/>
                               </a:solidFill>
@@ -6265,7 +6226,7 @@
                               </m:oMath>
                             </m:oMathPara>
                           </a14:m>
-                          <a:endParaRPr lang="en-US" b="0" dirty="0" smtClean="0"/>
+                          <a:endParaRPr lang="en-US" b="0" dirty="0"/>
                         </a:p>
                         <a:p>
                           <a:pPr algn="ctr"/>
@@ -6418,7 +6379,7 @@
                               </m:oMath>
                             </m:oMathPara>
                           </a14:m>
-                          <a:endParaRPr lang="en-US" b="0" dirty="0" smtClean="0"/>
+                          <a:endParaRPr lang="en-US" b="0" dirty="0"/>
                         </a:p>
                         <a:p>
                           <a:pPr algn="ctr"/>
@@ -6558,7 +6519,7 @@
                             </m:oMath>
                           </a14:m>
                           <a:r>
-                            <a:rPr lang="en-US" baseline="0" dirty="0" smtClean="0">
+                            <a:rPr lang="en-US" baseline="0" dirty="0">
                               <a:solidFill>
                                 <a:srgbClr val="00B050"/>
                               </a:solidFill>
@@ -6576,7 +6537,7 @@
                     </a:tc>
                     <a:extLst>
                       <a:ext uri="{0D108BD9-81ED-4DB2-BD59-A6C34878D82A}">
-                        <a16:rowId xmlns="" xmlns:a16="http://schemas.microsoft.com/office/drawing/2014/main" val="3360630052"/>
+                        <a16:rowId xmlns:a16="http://schemas.microsoft.com/office/drawing/2014/main" val="3360630052"/>
                       </a:ext>
                     </a:extLst>
                   </a:tr>
@@ -6587,31 +6548,31 @@
                         <a:lstStyle/>
                         <a:p>
                           <a:r>
-                            <a:rPr lang="en-US" dirty="0" smtClean="0"/>
+                            <a:rPr lang="en-US" dirty="0"/>
                             <a:t>M </a:t>
                           </a:r>
                           <a:r>
-                            <a:rPr lang="ru-RU" b="1" dirty="0" smtClean="0"/>
+                            <a:rPr lang="ru-RU" b="1" dirty="0"/>
                             <a:t>параллельный</a:t>
                           </a:r>
                           <a:r>
-                            <a:rPr lang="ru-RU" dirty="0" smtClean="0"/>
+                            <a:rPr lang="ru-RU" dirty="0"/>
                             <a:t> </a:t>
                           </a:r>
                           <a:r>
-                            <a:rPr lang="ru-RU" dirty="0" err="1" smtClean="0"/>
+                            <a:rPr lang="ru-RU" dirty="0" err="1"/>
                             <a:t>Ро</a:t>
                           </a:r>
                           <a:r>
-                            <a:rPr lang="ru-RU" dirty="0" smtClean="0"/>
+                            <a:rPr lang="ru-RU" dirty="0"/>
                             <a:t>-алгоритм</a:t>
                           </a:r>
                           <a:r>
-                            <a:rPr lang="ru-RU" baseline="0" dirty="0" smtClean="0"/>
+                            <a:rPr lang="ru-RU" baseline="0" dirty="0"/>
                             <a:t> </a:t>
                           </a:r>
                           <a:r>
-                            <a:rPr lang="ru-RU" baseline="0" dirty="0" err="1" smtClean="0"/>
+                            <a:rPr lang="ru-RU" baseline="0" dirty="0" err="1"/>
                             <a:t>Полларда</a:t>
                           </a:r>
                           <a:endParaRPr lang="ru-RU" dirty="0"/>
@@ -6784,7 +6745,7 @@
                               </m:oMath>
                             </m:oMathPara>
                           </a14:m>
-                          <a:endParaRPr lang="en-US" b="0" dirty="0" smtClean="0"/>
+                          <a:endParaRPr lang="en-US" b="0" dirty="0"/>
                         </a:p>
                         <a:p>
                           <a:pPr/>
@@ -6928,7 +6889,7 @@
                               </m:oMath>
                             </m:oMathPara>
                           </a14:m>
-                          <a:endParaRPr lang="en-US" b="0" dirty="0" smtClean="0"/>
+                          <a:endParaRPr lang="en-US" b="0" dirty="0"/>
                         </a:p>
                         <a:p>
                           <a:pPr/>
@@ -7072,7 +7033,7 @@
                               </m:oMath>
                             </m:oMathPara>
                           </a14:m>
-                          <a:endParaRPr lang="en-US" b="0" dirty="0" smtClean="0"/>
+                          <a:endParaRPr lang="en-US" b="0" dirty="0"/>
                         </a:p>
                         <a:p>
                           <a:pPr/>
@@ -7223,7 +7184,7 @@
                     </a:tc>
                     <a:extLst>
                       <a:ext uri="{0D108BD9-81ED-4DB2-BD59-A6C34878D82A}">
-                        <a16:rowId xmlns="" xmlns:a16="http://schemas.microsoft.com/office/drawing/2014/main" val="1040356728"/>
+                        <a16:rowId xmlns:a16="http://schemas.microsoft.com/office/drawing/2014/main" val="1040356728"/>
                       </a:ext>
                     </a:extLst>
                   </a:tr>
@@ -7996,31 +7957,7 @@
           <a:p>
             <a:r>
               <a:rPr lang="en-US" dirty="0"/>
-              <a:t>Daniel J. </a:t>
-            </a:r>
-            <a:r>
-              <a:rPr lang="en-US" dirty="0" smtClean="0"/>
-              <a:t>Bernstein. </a:t>
-            </a:r>
-            <a:r>
-              <a:rPr lang="en-US" dirty="0"/>
-              <a:t>Cost analysis of hash collisions</a:t>
-            </a:r>
-            <a:r>
-              <a:rPr lang="en-US" dirty="0" smtClean="0"/>
-              <a:t>: Will </a:t>
-            </a:r>
-            <a:r>
-              <a:rPr lang="en-US" dirty="0"/>
-              <a:t>quantum </a:t>
-            </a:r>
-            <a:r>
-              <a:rPr lang="en-US" dirty="0" smtClean="0"/>
-              <a:t>computers make </a:t>
-            </a:r>
-            <a:r>
-              <a:rPr lang="en-US" dirty="0"/>
-              <a:t>SHARCS obsolete?</a:t>
+              <a:t>Daniel J. Bernstein. Cost analysis of hash collisions: Will quantum computers make SHARCS obsolete?</a:t>
             </a:r>
             <a:endParaRPr lang="ru-RU" dirty="0"/>
           </a:p>
@@ -8036,13 +7973,6 @@
   <p:clrMapOvr>
     <a:masterClrMapping/>
   </p:clrMapOvr>
-  <p:timing>
-    <p:tnLst>
-      <p:par>
-        <p:cTn id="1" dur="indefinite" restart="never" nodeType="tmRoot"/>
-      </p:par>
-    </p:tnLst>
-  </p:timing>
 </p:sld>
 </file>
 
@@ -8079,11 +8009,11 @@
           <a:lstStyle/>
           <a:p>
             <a:r>
-              <a:rPr lang="ru-RU" dirty="0" smtClean="0"/>
+              <a:rPr lang="ru-RU" dirty="0"/>
               <a:t>Парадигма Меркла-</a:t>
             </a:r>
             <a:r>
-              <a:rPr lang="ru-RU" dirty="0" err="1" smtClean="0"/>
+              <a:rPr lang="ru-RU" dirty="0" err="1"/>
               <a:t>Дамгарда</a:t>
             </a:r>
             <a:endParaRPr lang="ru-RU" dirty="0"/>
@@ -8118,23 +8048,23 @@
                   <a:buNone/>
                 </a:pPr>
                 <a:r>
-                  <a:rPr lang="ru-RU" dirty="0" smtClean="0"/>
+                  <a:rPr lang="ru-RU" dirty="0"/>
                   <a:t>Большинство современных </a:t>
                 </a:r>
                 <a:r>
-                  <a:rPr lang="ru-RU" smtClean="0"/>
+                  <a:rPr lang="ru-RU"/>
                   <a:t>хэш-функций строится </a:t>
                 </a:r>
                 <a:r>
-                  <a:rPr lang="ru-RU" dirty="0" smtClean="0"/>
+                  <a:rPr lang="ru-RU" dirty="0"/>
                   <a:t>по итеративному принципу. Сначала описывается некоторая хэш-функция для сообщений малой фиксированной длины, которая затем итеративно используется для </a:t>
                 </a:r>
                 <a:r>
-                  <a:rPr lang="ru-RU" dirty="0" err="1" smtClean="0"/>
+                  <a:rPr lang="ru-RU" dirty="0" err="1"/>
                   <a:t>хэша</a:t>
                 </a:r>
                 <a:r>
-                  <a:rPr lang="ru-RU" dirty="0" smtClean="0"/>
+                  <a:rPr lang="ru-RU" dirty="0"/>
                   <a:t> для сообщений произвольной длины.</a:t>
                 </a:r>
               </a:p>
@@ -8143,7 +8073,7 @@
                   <a:buNone/>
                 </a:pPr>
                 <a:r>
-                  <a:rPr lang="ru-RU" dirty="0" smtClean="0"/>
+                  <a:rPr lang="ru-RU" dirty="0"/>
                   <a:t>Пусть </a:t>
                 </a:r>
                 <a14:m>
@@ -8193,11 +8123,11 @@
                   </m:oMath>
                 </a14:m>
                 <a:r>
-                  <a:rPr lang="en-US" dirty="0" smtClean="0"/>
+                  <a:rPr lang="en-US" dirty="0"/>
                   <a:t> – </a:t>
                 </a:r>
                 <a:r>
-                  <a:rPr lang="ru-RU" dirty="0" smtClean="0"/>
+                  <a:rPr lang="ru-RU" dirty="0"/>
                   <a:t>хэш-функция. Пусть </a:t>
                 </a:r>
                 <a14:m>
@@ -8255,19 +8185,19 @@
                   </m:oMath>
                 </a14:m>
                 <a:r>
-                  <a:rPr lang="en-US" dirty="0" smtClean="0"/>
+                  <a:rPr lang="en-US" dirty="0"/>
                   <a:t>. </a:t>
                 </a:r>
                 <a:r>
-                  <a:rPr lang="ru-RU" dirty="0" smtClean="0"/>
+                  <a:rPr lang="ru-RU" dirty="0"/>
                   <a:t>Функцией Меркла-</a:t>
                 </a:r>
                 <a:r>
-                  <a:rPr lang="ru-RU" dirty="0" err="1" smtClean="0"/>
+                  <a:rPr lang="ru-RU" dirty="0" err="1"/>
                   <a:t>Дамгарда</a:t>
                 </a:r>
                 <a:r>
-                  <a:rPr lang="ru-RU" dirty="0" smtClean="0"/>
+                  <a:rPr lang="ru-RU" dirty="0"/>
                   <a:t> </a:t>
                 </a:r>
                 <a14:m>
@@ -8300,7 +8230,7 @@
                   </m:oMath>
                 </a14:m>
                 <a:r>
-                  <a:rPr lang="ru-RU" dirty="0" smtClean="0"/>
+                  <a:rPr lang="ru-RU" dirty="0"/>
                   <a:t> на основе хэш-функции </a:t>
                 </a:r>
                 <a14:m>
@@ -8314,19 +8244,19 @@
                   </m:oMath>
                 </a14:m>
                 <a:r>
-                  <a:rPr lang="ru-RU" dirty="0" smtClean="0"/>
+                  <a:rPr lang="ru-RU" dirty="0"/>
                   <a:t> называется</a:t>
                 </a:r>
                 <a:r>
-                  <a:rPr lang="en-US" dirty="0" smtClean="0"/>
+                  <a:rPr lang="en-US" dirty="0"/>
                   <a:t> </a:t>
                 </a:r>
                 <a:r>
-                  <a:rPr lang="ru-RU" dirty="0" smtClean="0"/>
+                  <a:rPr lang="ru-RU" dirty="0"/>
                   <a:t>следующий алгоритм</a:t>
                 </a:r>
                 <a:r>
-                  <a:rPr lang="en-US" dirty="0" smtClean="0"/>
+                  <a:rPr lang="en-US" dirty="0"/>
                   <a:t>:</a:t>
                 </a:r>
               </a:p>
@@ -8391,11 +8321,11 @@
                   </m:oMath>
                 </a14:m>
                 <a:r>
-                  <a:rPr lang="en-US" dirty="0" smtClean="0"/>
+                  <a:rPr lang="en-US" dirty="0"/>
                   <a:t> </a:t>
                 </a:r>
                 <a:r>
-                  <a:rPr lang="ru-RU" dirty="0" smtClean="0"/>
+                  <a:rPr lang="ru-RU" dirty="0"/>
                   <a:t>дополнение до длины, кратной </a:t>
                 </a:r>
                 <a14:m>
@@ -8408,7 +8338,7 @@
                     </m:r>
                   </m:oMath>
                 </a14:m>
-                <a:endParaRPr lang="en-US" dirty="0" smtClean="0"/>
+                <a:endParaRPr lang="en-US" dirty="0"/>
               </a:p>
               <a:p>
                 <a14:m>
@@ -8509,7 +8439,7 @@
                   </m:oMath>
                 </a14:m>
                 <a:r>
-                  <a:rPr lang="ru-RU" dirty="0" smtClean="0"/>
+                  <a:rPr lang="ru-RU" dirty="0"/>
                   <a:t>где </a:t>
                 </a:r>
                 <a14:m>
@@ -8585,7 +8515,7 @@
                     </m:sSup>
                   </m:oMath>
                 </a14:m>
-                <a:endParaRPr lang="en-US" dirty="0" smtClean="0"/>
+                <a:endParaRPr lang="en-US" dirty="0"/>
               </a:p>
               <a:p>
                 <a14:m>
@@ -8641,11 +8571,11 @@
                     </m:r>
                   </m:oMath>
                 </a14:m>
-                <a:endParaRPr lang="en-US" b="0" dirty="0" smtClean="0"/>
+                <a:endParaRPr lang="en-US" b="0" dirty="0"/>
               </a:p>
               <a:p>
                 <a:r>
-                  <a:rPr lang="en-US" dirty="0" smtClean="0"/>
+                  <a:rPr lang="en-US" dirty="0"/>
                   <a:t>For </a:t>
                 </a:r>
                 <a14:m>
@@ -8677,7 +8607,7 @@
                   </m:oMath>
                 </a14:m>
                 <a:r>
-                  <a:rPr lang="en-US" b="0" i="0" dirty="0" smtClean="0"/>
+                  <a:rPr lang="en-US" b="0" i="0" dirty="0"/>
                   <a:t>do</a:t>
                 </a:r>
                 <a14:m>
@@ -8690,14 +8620,14 @@
                     </m:r>
                   </m:oMath>
                 </a14:m>
-                <a:endParaRPr lang="en-US" b="0" i="0" dirty="0" smtClean="0"/>
+                <a:endParaRPr lang="en-US" b="0" i="0" dirty="0"/>
               </a:p>
               <a:p>
                 <a:pPr marL="0" indent="0">
                   <a:buNone/>
                 </a:pPr>
                 <a:r>
-                  <a:rPr lang="en-US" dirty="0" smtClean="0"/>
+                  <a:rPr lang="en-US" dirty="0"/>
                   <a:t>	</a:t>
                 </a:r>
                 <a14:m>
@@ -8815,11 +8745,11 @@
                     </m:r>
                   </m:oMath>
                 </a14:m>
-                <a:endParaRPr lang="en-US" dirty="0" smtClean="0"/>
+                <a:endParaRPr lang="en-US" dirty="0"/>
               </a:p>
               <a:p>
                 <a:r>
-                  <a:rPr lang="en-US" dirty="0" smtClean="0"/>
+                  <a:rPr lang="en-US" dirty="0"/>
                   <a:t>Return </a:t>
                 </a:r>
                 <a14:m>
@@ -8851,7 +8781,7 @@
                     </m:sSub>
                   </m:oMath>
                 </a14:m>
-                <a:endParaRPr lang="en-US" dirty="0" smtClean="0"/>
+                <a:endParaRPr lang="en-US" dirty="0"/>
               </a:p>
             </p:txBody>
           </p:sp>
@@ -8927,13 +8857,6 @@
   <p:clrMapOvr>
     <a:masterClrMapping/>
   </p:clrMapOvr>
-  <p:timing>
-    <p:tnLst>
-      <p:par>
-        <p:cTn id="1" dur="indefinite" restart="never" nodeType="tmRoot"/>
-      </p:par>
-    </p:tnLst>
-  </p:timing>
 </p:sld>
 </file>
 
@@ -9049,13 +8972,6 @@
   <p:clrMapOvr>
     <a:masterClrMapping/>
   </p:clrMapOvr>
-  <p:timing>
-    <p:tnLst>
-      <p:par>
-        <p:cTn id="1" dur="indefinite" restart="never" nodeType="tmRoot"/>
-      </p:par>
-    </p:tnLst>
-  </p:timing>
 </p:sld>
 </file>
 
@@ -9124,7 +9040,7 @@
                   <a:buNone/>
                 </a:pPr>
                 <a:r>
-                  <a:rPr lang="ru-RU" dirty="0" smtClean="0"/>
+                  <a:rPr lang="ru-RU" dirty="0"/>
                   <a:t>Функция </a:t>
                 </a:r>
                 <a14:m>
@@ -9138,19 +9054,19 @@
                   </m:oMath>
                 </a14:m>
                 <a:r>
-                  <a:rPr lang="en-US" dirty="0" smtClean="0"/>
+                  <a:rPr lang="en-US" dirty="0"/>
                   <a:t> - </a:t>
                 </a:r>
                 <a:r>
-                  <a:rPr lang="ru-RU" dirty="0" smtClean="0"/>
+                  <a:rPr lang="ru-RU" dirty="0"/>
                   <a:t>называется </a:t>
                 </a:r>
                 <a:r>
-                  <a:rPr lang="ru-RU" b="1" dirty="0" smtClean="0"/>
+                  <a:rPr lang="ru-RU" b="1" dirty="0"/>
                   <a:t>функцией сжатия</a:t>
                 </a:r>
                 <a:r>
-                  <a:rPr lang="ru-RU" dirty="0" smtClean="0"/>
+                  <a:rPr lang="ru-RU" dirty="0"/>
                   <a:t>.</a:t>
                 </a:r>
               </a:p>
@@ -9169,27 +9085,27 @@
                   </m:oMath>
                 </a14:m>
                 <a:r>
-                  <a:rPr lang="en-US" dirty="0" smtClean="0"/>
+                  <a:rPr lang="en-US" dirty="0"/>
                   <a:t> – </a:t>
                 </a:r>
                 <a:r>
-                  <a:rPr lang="ru-RU" dirty="0" smtClean="0"/>
+                  <a:rPr lang="ru-RU" dirty="0"/>
                   <a:t>некоторая </a:t>
                 </a:r>
                 <a:r>
-                  <a:rPr lang="ru-RU" b="1" dirty="0" smtClean="0"/>
+                  <a:rPr lang="ru-RU" b="1" dirty="0"/>
                   <a:t>константа</a:t>
                 </a:r>
                 <a:r>
-                  <a:rPr lang="ru-RU" dirty="0" smtClean="0"/>
+                  <a:rPr lang="ru-RU" dirty="0"/>
                   <a:t>, называемая </a:t>
                 </a:r>
                 <a:r>
-                  <a:rPr lang="ru-RU" b="1" dirty="0" smtClean="0"/>
+                  <a:rPr lang="ru-RU" b="1" dirty="0"/>
                   <a:t>инициализирующим значением</a:t>
                 </a:r>
                 <a:r>
-                  <a:rPr lang="ru-RU" dirty="0" smtClean="0"/>
+                  <a:rPr lang="ru-RU" dirty="0"/>
                   <a:t>.</a:t>
                 </a:r>
               </a:p>
@@ -9258,11 +9174,11 @@
                   </m:oMath>
                 </a14:m>
                 <a:r>
-                  <a:rPr lang="en-US" dirty="0" smtClean="0"/>
+                  <a:rPr lang="en-US" dirty="0"/>
                   <a:t> - </a:t>
                 </a:r>
                 <a:r>
-                  <a:rPr lang="ru-RU" dirty="0" smtClean="0"/>
+                  <a:rPr lang="ru-RU" dirty="0"/>
                   <a:t>блоки сообщений</a:t>
                 </a:r>
               </a:p>
@@ -9281,15 +9197,15 @@
                   </m:oMath>
                 </a14:m>
                 <a:r>
-                  <a:rPr lang="en-US" dirty="0" smtClean="0"/>
+                  <a:rPr lang="en-US" dirty="0"/>
                   <a:t> – </a:t>
                 </a:r>
                 <a:r>
-                  <a:rPr lang="ru-RU" b="1" dirty="0" smtClean="0"/>
+                  <a:rPr lang="ru-RU" b="1" dirty="0"/>
                   <a:t>блок дополнения</a:t>
                 </a:r>
                 <a:r>
-                  <a:rPr lang="ru-RU" dirty="0" smtClean="0"/>
+                  <a:rPr lang="ru-RU" dirty="0"/>
                   <a:t>. Формат блока дополнения </a:t>
                 </a:r>
                 <a14:m>
@@ -9321,7 +9237,7 @@
                   </m:oMath>
                 </a14:m>
                 <a:r>
-                  <a:rPr lang="ru-RU" dirty="0" smtClean="0"/>
+                  <a:rPr lang="ru-RU" dirty="0"/>
                   <a:t>, где </a:t>
                 </a:r>
                 <a14:m>
@@ -9347,11 +9263,11 @@
                   </m:oMath>
                 </a14:m>
                 <a:r>
-                  <a:rPr lang="en-US" dirty="0" smtClean="0"/>
+                  <a:rPr lang="en-US" dirty="0"/>
                   <a:t> –</a:t>
                 </a:r>
                 <a:r>
-                  <a:rPr lang="ru-RU" dirty="0" smtClean="0"/>
+                  <a:rPr lang="ru-RU" dirty="0"/>
                   <a:t> число блоков в сообщении в двоичном представлении. Обычно </a:t>
                 </a:r>
                 <a14:m>
@@ -9377,11 +9293,11 @@
                   </m:oMath>
                 </a14:m>
                 <a:r>
-                  <a:rPr lang="en-US" dirty="0" smtClean="0"/>
+                  <a:rPr lang="en-US" dirty="0"/>
                   <a:t> </a:t>
                 </a:r>
                 <a:r>
-                  <a:rPr lang="ru-RU" dirty="0" smtClean="0"/>
+                  <a:rPr lang="ru-RU" dirty="0"/>
                   <a:t>составляет 64 бита.</a:t>
                 </a:r>
               </a:p>
@@ -9396,46 +9312,37 @@
                   <a:buNone/>
                 </a:pPr>
                 <a:r>
-                  <a:rPr lang="ru-RU" dirty="0" smtClean="0"/>
-                  <a:t>Для описания хэш</a:t>
-                </a:r>
-                <a:r>
                   <a:rPr lang="ru-RU" dirty="0"/>
-                  <a:t>-</a:t>
-                </a:r>
-                <a:r>
-                  <a:rPr lang="ru-RU" dirty="0" smtClean="0"/>
-                  <a:t>функции необходимо задать</a:t>
-                </a:r>
-                <a:r>
-                  <a:rPr lang="en-US" dirty="0" smtClean="0"/>
+                  <a:t>Для описания хэш-функции необходимо задать</a:t>
+                </a:r>
+                <a:r>
+                  <a:rPr lang="en-US" dirty="0"/>
                   <a:t> </a:t>
                 </a:r>
                 <a:r>
-                  <a:rPr lang="ru-RU" b="1" dirty="0" smtClean="0"/>
+                  <a:rPr lang="ru-RU" b="1" dirty="0"/>
                   <a:t>функцию сжатия</a:t>
                 </a:r>
                 <a:r>
-                  <a:rPr lang="ru-RU" dirty="0" smtClean="0"/>
+                  <a:rPr lang="ru-RU" dirty="0"/>
                   <a:t>, </a:t>
                 </a:r>
                 <a:r>
-                  <a:rPr lang="ru-RU" b="1" dirty="0" smtClean="0"/>
+                  <a:rPr lang="ru-RU" b="1" dirty="0"/>
                   <a:t>инициализирующее значение</a:t>
                 </a:r>
                 <a:r>
-                  <a:rPr lang="ru-RU" dirty="0" smtClean="0"/>
+                  <a:rPr lang="ru-RU" dirty="0"/>
                   <a:t> и </a:t>
                 </a:r>
                 <a:r>
-                  <a:rPr lang="ru-RU" b="1" dirty="0" smtClean="0"/>
+                  <a:rPr lang="ru-RU" b="1" dirty="0"/>
                   <a:t>дополнение</a:t>
                 </a:r>
                 <a:r>
-                  <a:rPr lang="ru-RU" dirty="0" smtClean="0"/>
+                  <a:rPr lang="ru-RU" dirty="0"/>
                   <a:t>.</a:t>
                 </a:r>
-                <a:endParaRPr lang="ru-RU" dirty="0"/>
               </a:p>
             </p:txBody>
           </p:sp>
@@ -9507,13 +9414,6 @@
   <p:clrMapOvr>
     <a:masterClrMapping/>
   </p:clrMapOvr>
-  <p:timing>
-    <p:tnLst>
-      <p:par>
-        <p:cTn id="1" dur="indefinite" restart="never" nodeType="tmRoot"/>
-      </p:par>
-    </p:tnLst>
-  </p:timing>
 </p:sld>
 </file>
 
@@ -9637,13 +9537,6 @@
   <p:clrMapOvr>
     <a:masterClrMapping/>
   </p:clrMapOvr>
-  <p:timing>
-    <p:tnLst>
-      <p:par>
-        <p:cTn id="1" dur="indefinite" restart="never" nodeType="tmRoot"/>
-      </p:par>
-    </p:tnLst>
-  </p:timing>
 </p:sld>
 </file>
 
@@ -9718,11 +9611,11 @@
           <a:lstStyle/>
           <a:p>
             <a:r>
-              <a:rPr lang="ru-RU" dirty="0" smtClean="0"/>
+              <a:rPr lang="ru-RU" dirty="0"/>
               <a:t>Стойкость схемы Меркла-</a:t>
             </a:r>
             <a:r>
-              <a:rPr lang="ru-RU" dirty="0" err="1" smtClean="0"/>
+              <a:rPr lang="ru-RU" dirty="0" err="1"/>
               <a:t>Дамгарда</a:t>
             </a:r>
             <a:endParaRPr lang="ru-RU" dirty="0"/>
@@ -9750,11 +9643,11 @@
                   <a:buNone/>
                 </a:pPr>
                 <a:r>
-                  <a:rPr lang="ru-RU" b="1" dirty="0" smtClean="0"/>
+                  <a:rPr lang="ru-RU" b="1" dirty="0"/>
                   <a:t>Теорема 11.2. </a:t>
                 </a:r>
                 <a:r>
-                  <a:rPr lang="ru-RU" dirty="0" smtClean="0"/>
+                  <a:rPr lang="ru-RU" dirty="0"/>
                   <a:t>Пусть </a:t>
                 </a:r>
                 <a14:m>
@@ -9768,15 +9661,15 @@
                   </m:oMath>
                 </a14:m>
                 <a:r>
-                  <a:rPr lang="ru-RU" dirty="0" smtClean="0"/>
+                  <a:rPr lang="ru-RU" dirty="0"/>
                   <a:t> – </a:t>
                 </a:r>
                 <a:r>
-                  <a:rPr lang="ru-RU" dirty="0" err="1" smtClean="0"/>
+                  <a:rPr lang="ru-RU" dirty="0" err="1"/>
                   <a:t>полиномиально</a:t>
                 </a:r>
                 <a:r>
-                  <a:rPr lang="ru-RU" dirty="0" smtClean="0"/>
+                  <a:rPr lang="ru-RU" dirty="0"/>
                   <a:t> ограниченная величина и </a:t>
                 </a:r>
                 <a14:m>
@@ -9790,20 +9683,12 @@
                   </m:oMath>
                 </a14:m>
                 <a:r>
-                  <a:rPr lang="en-US" dirty="0" smtClean="0"/>
+                  <a:rPr lang="en-US" dirty="0"/>
                   <a:t> - </a:t>
                 </a:r>
                 <a:r>
-                  <a:rPr lang="ru-RU" dirty="0" smtClean="0"/>
-                  <a:t>стойкая к коллизиям хэш</a:t>
-                </a:r>
-                <a:r>
                   <a:rPr lang="ru-RU" dirty="0"/>
-                  <a:t>-</a:t>
-                </a:r>
-                <a:r>
-                  <a:rPr lang="ru-RU" dirty="0" smtClean="0"/>
-                  <a:t>функция на </a:t>
+                  <a:t>стойкая к коллизиям хэш-функция на </a:t>
                 </a:r>
                 <a14:m>
                   <m:oMath xmlns:m="http://schemas.openxmlformats.org/officeDocument/2006/math">
@@ -9852,15 +9737,15 @@
                   </m:oMath>
                 </a14:m>
                 <a:r>
-                  <a:rPr lang="ru-RU" dirty="0" smtClean="0"/>
+                  <a:rPr lang="ru-RU" dirty="0"/>
                   <a:t>. Тогда хэш-функция Меркла-</a:t>
                 </a:r>
                 <a:r>
-                  <a:rPr lang="ru-RU" dirty="0" err="1" smtClean="0"/>
+                  <a:rPr lang="ru-RU" dirty="0" err="1"/>
                   <a:t>Дамгарда</a:t>
                 </a:r>
                 <a:r>
-                  <a:rPr lang="ru-RU" dirty="0" smtClean="0"/>
+                  <a:rPr lang="ru-RU" dirty="0"/>
                   <a:t> </a:t>
                 </a:r>
                 <a14:m>
@@ -9893,7 +9778,7 @@
                   </m:oMath>
                 </a14:m>
                 <a:r>
-                  <a:rPr lang="ru-RU" dirty="0" smtClean="0"/>
+                  <a:rPr lang="ru-RU" dirty="0"/>
                   <a:t>, построенная на основе </a:t>
                 </a:r>
                 <a14:m>
@@ -9907,11 +9792,11 @@
                   </m:oMath>
                 </a14:m>
                 <a:r>
-                  <a:rPr lang="en-US" dirty="0" smtClean="0"/>
+                  <a:rPr lang="en-US" dirty="0"/>
                   <a:t> </a:t>
                 </a:r>
                 <a:r>
-                  <a:rPr lang="ru-RU" dirty="0" smtClean="0"/>
+                  <a:rPr lang="ru-RU" dirty="0"/>
                   <a:t>и определённая на </a:t>
                 </a:r>
                 <a14:m>
@@ -9981,11 +9866,11 @@
                   </m:oMath>
                 </a14:m>
                 <a:r>
-                  <a:rPr lang="en-US" dirty="0" smtClean="0"/>
+                  <a:rPr lang="en-US" dirty="0"/>
                   <a:t> – </a:t>
                 </a:r>
                 <a:r>
-                  <a:rPr lang="ru-RU" dirty="0" smtClean="0"/>
+                  <a:rPr lang="ru-RU" dirty="0"/>
                   <a:t>стойкая к коллизиям, причём </a:t>
                 </a:r>
                 <a14:m>
@@ -10005,11 +9890,11 @@
                   </m:oMath>
                 </a14:m>
                 <a:r>
-                  <a:rPr lang="en-US" dirty="0" smtClean="0"/>
+                  <a:rPr lang="en-US" dirty="0"/>
                   <a:t> </a:t>
                 </a:r>
                 <a:r>
-                  <a:rPr lang="ru-RU" dirty="0" smtClean="0"/>
+                  <a:rPr lang="ru-RU" dirty="0"/>
                   <a:t>в игре против </a:t>
                 </a:r>
                 <a14:m>
@@ -10042,7 +9927,7 @@
                   </m:oMath>
                 </a14:m>
                 <a:r>
-                  <a:rPr lang="en-US" dirty="0" smtClean="0"/>
+                  <a:rPr lang="en-US" dirty="0"/>
                   <a:t> </a:t>
                 </a:r>
                 <a14:m>
@@ -10062,11 +9947,11 @@
                   </m:oMath>
                 </a14:m>
                 <a:r>
-                  <a:rPr lang="en-US" dirty="0" smtClean="0"/>
+                  <a:rPr lang="en-US" dirty="0"/>
                   <a:t> </a:t>
                 </a:r>
                 <a:r>
-                  <a:rPr lang="ru-RU" dirty="0" smtClean="0"/>
+                  <a:rPr lang="ru-RU" dirty="0"/>
                   <a:t>в игре против </a:t>
                 </a:r>
                 <a14:m>
@@ -10086,7 +9971,7 @@
                   </m:oMath>
                 </a14:m>
                 <a:r>
-                  <a:rPr lang="en-US" dirty="0" smtClean="0"/>
+                  <a:rPr lang="en-US" dirty="0"/>
                   <a:t> </a:t>
                 </a:r>
               </a:p>
@@ -10226,7 +10111,7 @@
                     </m:oMath>
                   </m:oMathPara>
                 </a14:m>
-                <a:endParaRPr lang="en-US" dirty="0" smtClean="0"/>
+                <a:endParaRPr lang="en-US" dirty="0"/>
               </a:p>
               <a:p>
                 <a:pPr marL="0" indent="0">
@@ -10254,7 +10139,7 @@
                   <a:t> </a:t>
                 </a:r>
                 <a:r>
-                  <a:rPr lang="ru-RU" dirty="0" smtClean="0"/>
+                  <a:rPr lang="ru-RU" dirty="0"/>
                   <a:t>без доказательства</a:t>
                 </a:r>
                 <a14:m>
@@ -10346,13 +10231,6 @@
   <p:clrMapOvr>
     <a:masterClrMapping/>
   </p:clrMapOvr>
-  <p:timing>
-    <p:tnLst>
-      <p:par>
-        <p:cTn id="1" dur="indefinite" restart="never" nodeType="tmRoot"/>
-      </p:par>
-    </p:tnLst>
-  </p:timing>
 </p:sld>
 </file>
 
@@ -10389,10 +10267,9 @@
           <a:lstStyle/>
           <a:p>
             <a:r>
-              <a:rPr lang="ru-RU" dirty="0" smtClean="0"/>
+              <a:rPr lang="ru-RU" dirty="0"/>
               <a:t>Построение функций сжатия</a:t>
             </a:r>
-            <a:endParaRPr lang="ru-RU" dirty="0"/>
           </a:p>
         </p:txBody>
       </p:sp>
@@ -10417,15 +10294,15 @@
                   <a:buNone/>
                 </a:pPr>
                 <a:r>
-                  <a:rPr lang="ru-RU" dirty="0" smtClean="0"/>
+                  <a:rPr lang="ru-RU" dirty="0"/>
                   <a:t>Рассмотрим метод </a:t>
                 </a:r>
                 <a:r>
-                  <a:rPr lang="ru-RU" dirty="0" err="1" smtClean="0"/>
+                  <a:rPr lang="ru-RU" dirty="0" err="1"/>
                   <a:t>Девиеса</a:t>
                 </a:r>
                 <a:r>
-                  <a:rPr lang="ru-RU" dirty="0" smtClean="0"/>
+                  <a:rPr lang="ru-RU" dirty="0"/>
                   <a:t>-Меера построения функций сжатия.</a:t>
                 </a:r>
               </a:p>
@@ -10434,7 +10311,7 @@
                   <a:buNone/>
                 </a:pPr>
                 <a:r>
-                  <a:rPr lang="ru-RU" dirty="0" smtClean="0"/>
+                  <a:rPr lang="ru-RU" dirty="0"/>
                   <a:t>Пусть </a:t>
                 </a:r>
                 <a14:m>
@@ -10481,11 +10358,11 @@
                   </m:oMath>
                 </a14:m>
                 <a:r>
-                  <a:rPr lang="en-US" dirty="0" smtClean="0"/>
+                  <a:rPr lang="en-US" dirty="0"/>
                   <a:t> </a:t>
                 </a:r>
                 <a:r>
-                  <a:rPr lang="ru-RU" dirty="0" smtClean="0"/>
+                  <a:rPr lang="ru-RU" dirty="0"/>
                   <a:t>блочный шифр на </a:t>
                 </a:r>
                 <a14:m>
@@ -10578,7 +10455,7 @@
                   </m:oMath>
                 </a14:m>
                 <a:r>
-                  <a:rPr lang="ru-RU" dirty="0" smtClean="0"/>
+                  <a:rPr lang="ru-RU" dirty="0"/>
                   <a:t>. </a:t>
                 </a:r>
               </a:p>
@@ -10587,7 +10464,7 @@
                   <a:buNone/>
                 </a:pPr>
                 <a:r>
-                  <a:rPr lang="ru-RU" dirty="0" smtClean="0"/>
+                  <a:rPr lang="ru-RU" dirty="0"/>
                   <a:t>Введём функцию</a:t>
                 </a:r>
               </a:p>
@@ -10711,7 +10588,7 @@
                     </m:oMath>
                   </m:oMathPara>
                 </a14:m>
-                <a:endParaRPr lang="en-US" dirty="0" smtClean="0"/>
+                <a:endParaRPr lang="en-US" dirty="0"/>
               </a:p>
               <a:p>
                 <a:pPr marL="0" indent="0">
@@ -10719,11 +10596,7 @@
                 </a:pPr>
                 <a:r>
                   <a:rPr lang="ru-RU" dirty="0"/>
-                  <a:t>н</a:t>
-                </a:r>
-                <a:r>
-                  <a:rPr lang="ru-RU" dirty="0" smtClean="0"/>
-                  <a:t>а </a:t>
+                  <a:t>на </a:t>
                 </a:r>
                 <a14:m>
                   <m:oMath xmlns:m="http://schemas.openxmlformats.org/officeDocument/2006/math">
@@ -10872,13 +10745,6 @@
   <p:clrMapOvr>
     <a:masterClrMapping/>
   </p:clrMapOvr>
-  <p:timing>
-    <p:tnLst>
-      <p:par>
-        <p:cTn id="1" dur="indefinite" restart="never" nodeType="tmRoot"/>
-      </p:par>
-    </p:tnLst>
-  </p:timing>
 </p:sld>
 </file>
 
@@ -10941,11 +10807,7 @@
             </a:pPr>
             <a:r>
               <a:rPr lang="ru-RU" dirty="0"/>
-              <a:t>Б</a:t>
-            </a:r>
-            <a:r>
-              <a:rPr lang="ru-RU" dirty="0" smtClean="0"/>
-              <a:t>лочные шифры часто оптимизируются при построении и реализации в предположении, что ключ блочного шифра будет использоваться для шифрования множества блоков. Постоянная смена ключа может значительно ухудшить производительность.</a:t>
+              <a:t>Блочные шифры часто оптимизируются при построении и реализации в предположении, что ключ блочного шифра будет использоваться для шифрования множества блоков. Постоянная смена ключа может значительно ухудшить производительность.</a:t>
             </a:r>
           </a:p>
           <a:p>
@@ -10959,10 +10821,9 @@
               <a:buNone/>
             </a:pPr>
             <a:r>
-              <a:rPr lang="ru-RU" dirty="0" smtClean="0"/>
+              <a:rPr lang="ru-RU" dirty="0"/>
               <a:t>Следовательно, необходимо построить специальные блочные шифры, для которых частая смена ключа не окажет влияние на их произвольность.</a:t>
             </a:r>
-            <a:endParaRPr lang="ru-RU" dirty="0"/>
           </a:p>
         </p:txBody>
       </p:sp>
@@ -10999,13 +10860,6 @@
   <p:clrMapOvr>
     <a:masterClrMapping/>
   </p:clrMapOvr>
-  <p:timing>
-    <p:tnLst>
-      <p:par>
-        <p:cTn id="1" dur="indefinite" restart="never" nodeType="tmRoot"/>
-      </p:par>
-    </p:tnLst>
-  </p:timing>
 </p:sld>
 </file>
 
@@ -11042,10 +10896,9 @@
           <a:lstStyle/>
           <a:p>
             <a:r>
-              <a:rPr lang="ru-RU" dirty="0" smtClean="0"/>
+              <a:rPr lang="ru-RU" dirty="0"/>
               <a:t>Тест.</a:t>
             </a:r>
-            <a:endParaRPr lang="ru-RU" dirty="0"/>
           </a:p>
         </p:txBody>
       </p:sp>
@@ -11070,41 +10923,40 @@
           <a:lstStyle/>
           <a:p>
             <a:r>
-              <a:rPr lang="ru-RU" dirty="0" smtClean="0"/>
+              <a:rPr lang="ru-RU" dirty="0"/>
               <a:t>Положить телефон экраном вниз справа от себя</a:t>
             </a:r>
           </a:p>
           <a:p>
             <a:r>
-              <a:rPr lang="ru-RU" dirty="0" smtClean="0"/>
+              <a:rPr lang="ru-RU" dirty="0"/>
               <a:t>Не разговаривать с соседями</a:t>
             </a:r>
           </a:p>
           <a:p>
             <a:r>
-              <a:rPr lang="ru-RU" dirty="0" smtClean="0"/>
+              <a:rPr lang="ru-RU" dirty="0"/>
               <a:t>Не пользоваться конспектами и электронными устройствами</a:t>
             </a:r>
           </a:p>
           <a:p>
             <a:r>
-              <a:rPr lang="ru-RU" dirty="0" smtClean="0"/>
+              <a:rPr lang="ru-RU" dirty="0"/>
               <a:t>Написать номер (по таблице) и ФИО на листочке</a:t>
             </a:r>
           </a:p>
           <a:p>
             <a:r>
-              <a:rPr lang="ru-RU" dirty="0" smtClean="0"/>
+              <a:rPr lang="ru-RU" dirty="0"/>
               <a:t>Написать краткий ответ на вопрос</a:t>
             </a:r>
-            <a:endParaRPr lang="en-US" dirty="0" smtClean="0"/>
-          </a:p>
-          <a:p>
-            <a:r>
-              <a:rPr lang="ru-RU" dirty="0" smtClean="0"/>
+            <a:endParaRPr lang="en-US" dirty="0"/>
+          </a:p>
+          <a:p>
+            <a:r>
+              <a:rPr lang="ru-RU" dirty="0"/>
               <a:t>Дождаться окончания теста</a:t>
             </a:r>
-            <a:endParaRPr lang="ru-RU" dirty="0"/>
           </a:p>
         </p:txBody>
       </p:sp>
@@ -11291,14 +11143,14 @@
           <a:lstStyle/>
           <a:p>
             <a:r>
-              <a:rPr lang="en-US" sz="2600" dirty="0" smtClean="0"/>
+              <a:rPr lang="en-US" sz="2600" dirty="0"/>
               <a:t>1 </a:t>
             </a:r>
             <a:r>
-              <a:rPr lang="ru-RU" sz="2600" dirty="0" smtClean="0"/>
+              <a:rPr lang="ru-RU" sz="2600" dirty="0"/>
               <a:t>вопроса. </a:t>
             </a:r>
-            <a:endParaRPr lang="en-US" sz="2600" dirty="0" smtClean="0"/>
+            <a:endParaRPr lang="en-US" sz="2600" dirty="0"/>
           </a:p>
           <a:p>
             <a:endParaRPr lang="en-US" sz="2600" dirty="0"/>
@@ -11315,13 +11167,6 @@
   <p:clrMapOvr>
     <a:masterClrMapping/>
   </p:clrMapOvr>
-  <p:timing>
-    <p:tnLst>
-      <p:par>
-        <p:cTn id="1" dur="indefinite" restart="never" nodeType="tmRoot"/>
-      </p:par>
-    </p:tnLst>
-  </p:timing>
 </p:sld>
 </file>
 
@@ -11358,7 +11203,7 @@
           <a:lstStyle/>
           <a:p>
             <a:r>
-              <a:rPr lang="ru-RU" dirty="0" smtClean="0"/>
+              <a:rPr lang="ru-RU" dirty="0"/>
               <a:t>Вариации </a:t>
             </a:r>
             <a:r>
@@ -11367,13 +11212,8 @@
             </a:r>
             <a:r>
               <a:rPr lang="ru-RU" dirty="0"/>
-              <a:t>-Меера</a:t>
-            </a:r>
-            <a:r>
-              <a:rPr lang="ru-RU" dirty="0" smtClean="0"/>
-              <a:t> </a:t>
-            </a:r>
-            <a:endParaRPr lang="ru-RU" dirty="0"/>
+              <a:t>-Меера </a:t>
+            </a:r>
           </a:p>
         </p:txBody>
       </p:sp>
@@ -11432,14 +11272,13 @@
                   </m:oMath>
                 </a14:m>
                 <a:r>
-                  <a:rPr lang="en-US" dirty="0" smtClean="0"/>
+                  <a:rPr lang="en-US" dirty="0"/>
                   <a:t> – </a:t>
                 </a:r>
                 <a:r>
-                  <a:rPr lang="ru-RU" dirty="0" smtClean="0"/>
+                  <a:rPr lang="ru-RU" dirty="0"/>
                   <a:t>некоторая заданная функция кодирования (некоторое преобразование).</a:t>
                 </a:r>
-                <a:endParaRPr lang="ru-RU" dirty="0"/>
               </a:p>
             </p:txBody>
           </p:sp>
@@ -11535,13 +11374,6 @@
   <p:clrMapOvr>
     <a:masterClrMapping/>
   </p:clrMapOvr>
-  <p:timing>
-    <p:tnLst>
-      <p:par>
-        <p:cTn id="1" dur="indefinite" restart="never" nodeType="tmRoot"/>
-      </p:par>
-    </p:tnLst>
-  </p:timing>
 </p:sld>
 </file>
 
@@ -11578,7 +11410,7 @@
           <a:lstStyle/>
           <a:p>
             <a:r>
-              <a:rPr lang="en-US" dirty="0" smtClean="0"/>
+              <a:rPr lang="en-US" dirty="0"/>
               <a:t>SHA-1</a:t>
             </a:r>
             <a:endParaRPr lang="ru-RU" dirty="0"/>
@@ -11611,7 +11443,7 @@
                   <a:buNone/>
                 </a:pPr>
                 <a:r>
-                  <a:rPr lang="en-US" dirty="0" smtClean="0"/>
+                  <a:rPr lang="en-US" dirty="0"/>
                   <a:t>NIST 1993</a:t>
                 </a:r>
               </a:p>
@@ -11620,10 +11452,10 @@
                   <a:buNone/>
                 </a:pPr>
                 <a:r>
-                  <a:rPr lang="ru-RU" dirty="0" smtClean="0"/>
+                  <a:rPr lang="ru-RU" dirty="0"/>
                   <a:t>Размер выхода – 160 бит</a:t>
                 </a:r>
-                <a:endParaRPr lang="en-US" dirty="0" smtClean="0"/>
+                <a:endParaRPr lang="en-US" dirty="0"/>
               </a:p>
               <a:p>
                 <a:pPr marL="0" indent="0">
@@ -11631,32 +11463,28 @@
                 </a:pPr>
                 <a:r>
                   <a:rPr lang="ru-RU" dirty="0"/>
-                  <a:t>Построена с использованием парадигмы </a:t>
-                </a:r>
-                <a:r>
-                  <a:rPr lang="ru-RU" dirty="0" smtClean="0"/>
-                  <a:t>Меркла-</a:t>
-                </a:r>
-                <a:r>
-                  <a:rPr lang="ru-RU" dirty="0" err="1" smtClean="0"/>
+                  <a:t>Построена с использованием парадигмы Меркла-</a:t>
+                </a:r>
+                <a:r>
+                  <a:rPr lang="ru-RU" dirty="0" err="1"/>
                   <a:t>Дамгарда</a:t>
                 </a:r>
-                <a:endParaRPr lang="en-US" dirty="0" smtClean="0"/>
+                <a:endParaRPr lang="en-US" dirty="0"/>
               </a:p>
               <a:p>
                 <a:pPr marL="0" indent="0">
                   <a:buNone/>
                 </a:pPr>
                 <a:r>
-                  <a:rPr lang="ru-RU" dirty="0" smtClean="0"/>
+                  <a:rPr lang="ru-RU" dirty="0"/>
                   <a:t>Являлась де-факто и де-юре стандартом (до сих пор используется во множестве </a:t>
                 </a:r>
                 <a:r>
-                  <a:rPr lang="en-US" dirty="0" smtClean="0"/>
+                  <a:rPr lang="en-US" dirty="0"/>
                   <a:t>legacy </a:t>
                 </a:r>
                 <a:r>
-                  <a:rPr lang="ru-RU" dirty="0" smtClean="0"/>
+                  <a:rPr lang="ru-RU" dirty="0"/>
                   <a:t>систем)</a:t>
                 </a:r>
               </a:p>
@@ -11665,7 +11493,7 @@
                   <a:buNone/>
                 </a:pPr>
                 <a:r>
-                  <a:rPr lang="ru-RU" dirty="0" smtClean="0"/>
+                  <a:rPr lang="ru-RU" dirty="0"/>
                   <a:t>Сложность современной атаки - </a:t>
                 </a:r>
                 <a14:m>
@@ -11698,15 +11526,15 @@
                   </m:oMath>
                 </a14:m>
                 <a:r>
-                  <a:rPr lang="ru-RU" dirty="0" smtClean="0"/>
+                  <a:rPr lang="ru-RU" dirty="0"/>
                   <a:t>. Получена префиксная коллизия (т.е. добавление префикса к любым сообщением одинаковой длины даст одинаковый </a:t>
                 </a:r>
                 <a:r>
-                  <a:rPr lang="ru-RU" dirty="0" err="1" smtClean="0"/>
+                  <a:rPr lang="ru-RU" dirty="0" err="1"/>
                   <a:t>хэш</a:t>
                 </a:r>
                 <a:r>
-                  <a:rPr lang="ru-RU" dirty="0" smtClean="0"/>
+                  <a:rPr lang="ru-RU" dirty="0"/>
                   <a:t>)</a:t>
                 </a:r>
               </a:p>
@@ -11893,11 +11721,11 @@
                   </m:oMath>
                 </a14:m>
                 <a:r>
-                  <a:rPr lang="en-US" dirty="0" smtClean="0"/>
+                  <a:rPr lang="en-US" dirty="0"/>
                   <a:t> – 32 </a:t>
                 </a:r>
                 <a:r>
-                  <a:rPr lang="ru-RU" dirty="0" smtClean="0"/>
+                  <a:rPr lang="ru-RU" dirty="0"/>
                   <a:t>бита</a:t>
                 </a:r>
               </a:p>
@@ -11913,11 +11741,11 @@
                   </m:oMath>
                 </a14:m>
                 <a:r>
-                  <a:rPr lang="en-US" dirty="0" smtClean="0"/>
+                  <a:rPr lang="en-US" dirty="0"/>
                   <a:t> – </a:t>
                 </a:r>
                 <a:r>
-                  <a:rPr lang="ru-RU" dirty="0" smtClean="0"/>
+                  <a:rPr lang="ru-RU" dirty="0"/>
                   <a:t>нелинейная функция</a:t>
                 </a:r>
               </a:p>
@@ -11952,11 +11780,11 @@
                   </m:oMath>
                 </a14:m>
                 <a:r>
-                  <a:rPr lang="en-US" dirty="0" smtClean="0"/>
+                  <a:rPr lang="en-US" dirty="0"/>
                   <a:t> - </a:t>
                 </a:r>
                 <a:r>
-                  <a:rPr lang="ru-RU" dirty="0" smtClean="0"/>
+                  <a:rPr lang="ru-RU" dirty="0"/>
                   <a:t>слово (32 бита) полученное из сообщения</a:t>
                 </a:r>
               </a:p>
@@ -11991,14 +11819,13 @@
                   </m:oMath>
                 </a14:m>
                 <a:r>
-                  <a:rPr lang="en-US" dirty="0" smtClean="0"/>
+                  <a:rPr lang="en-US" dirty="0"/>
                   <a:t> - </a:t>
                 </a:r>
                 <a:r>
-                  <a:rPr lang="ru-RU" dirty="0" smtClean="0"/>
+                  <a:rPr lang="ru-RU" dirty="0"/>
                   <a:t>раундовая константа</a:t>
                 </a:r>
-                <a:endParaRPr lang="ru-RU" dirty="0"/>
               </a:p>
             </p:txBody>
           </p:sp>
@@ -12052,13 +11879,6 @@
   <p:clrMapOvr>
     <a:masterClrMapping/>
   </p:clrMapOvr>
-  <p:timing>
-    <p:tnLst>
-      <p:par>
-        <p:cTn id="1" dur="indefinite" restart="never" nodeType="tmRoot"/>
-      </p:par>
-    </p:tnLst>
-  </p:timing>
 </p:sld>
 </file>
 
@@ -12095,7 +11915,7 @@
           <a:lstStyle/>
           <a:p>
             <a:r>
-              <a:rPr lang="en-US" dirty="0" smtClean="0"/>
+              <a:rPr lang="en-US" dirty="0"/>
               <a:t>SHA-2</a:t>
             </a:r>
             <a:endParaRPr lang="ru-RU" dirty="0"/>
@@ -12126,39 +11946,39 @@
               <a:buNone/>
             </a:pPr>
             <a:r>
-              <a:rPr lang="en-US" dirty="0" smtClean="0"/>
+              <a:rPr lang="en-US" dirty="0"/>
               <a:t>NIST 2002</a:t>
             </a:r>
-            <a:endParaRPr lang="ru-RU" dirty="0" smtClean="0"/>
+            <a:endParaRPr lang="ru-RU" dirty="0"/>
           </a:p>
           <a:p>
             <a:pPr marL="0" indent="0">
               <a:buNone/>
             </a:pPr>
             <a:r>
-              <a:rPr lang="ru-RU" dirty="0" smtClean="0"/>
+              <a:rPr lang="ru-RU" dirty="0"/>
               <a:t>Построена с использованием парадигмы Меркла-</a:t>
             </a:r>
             <a:r>
-              <a:rPr lang="ru-RU" dirty="0" err="1" smtClean="0"/>
+              <a:rPr lang="ru-RU" dirty="0" err="1"/>
               <a:t>Дамгарда</a:t>
             </a:r>
-            <a:endParaRPr lang="ru-RU" dirty="0" smtClean="0"/>
+            <a:endParaRPr lang="ru-RU" dirty="0"/>
           </a:p>
           <a:p>
             <a:pPr marL="0" indent="0">
               <a:buNone/>
             </a:pPr>
             <a:r>
-              <a:rPr lang="ru-RU" dirty="0" smtClean="0"/>
+              <a:rPr lang="ru-RU" dirty="0"/>
               <a:t>Функция сжатия </a:t>
             </a:r>
             <a:r>
-              <a:rPr lang="ru-RU" dirty="0" err="1" smtClean="0"/>
+              <a:rPr lang="ru-RU" dirty="0" err="1"/>
               <a:t>Девиеса</a:t>
             </a:r>
             <a:r>
-              <a:rPr lang="ru-RU" dirty="0" smtClean="0"/>
+              <a:rPr lang="ru-RU" dirty="0"/>
               <a:t>-Меера</a:t>
             </a:r>
           </a:p>
@@ -12167,11 +11987,11 @@
               <a:buNone/>
             </a:pPr>
             <a:r>
-              <a:rPr lang="ru-RU" dirty="0" smtClean="0"/>
+              <a:rPr lang="ru-RU" dirty="0"/>
               <a:t>Блочный шифр – </a:t>
             </a:r>
             <a:r>
-              <a:rPr lang="en-US" dirty="0" smtClean="0"/>
+              <a:rPr lang="en-US" dirty="0"/>
               <a:t>SHACAL-2</a:t>
             </a:r>
           </a:p>
@@ -12180,10 +12000,9 @@
               <a:buNone/>
             </a:pPr>
             <a:r>
-              <a:rPr lang="ru-RU" dirty="0" smtClean="0"/>
+              <a:rPr lang="ru-RU" dirty="0"/>
               <a:t>Современный стандарт хэш-функции</a:t>
             </a:r>
-            <a:endParaRPr lang="ru-RU" dirty="0"/>
           </a:p>
         </p:txBody>
       </p:sp>
@@ -12244,13 +12063,6 @@
   <p:clrMapOvr>
     <a:masterClrMapping/>
   </p:clrMapOvr>
-  <p:timing>
-    <p:tnLst>
-      <p:par>
-        <p:cTn id="1" dur="indefinite" restart="never" nodeType="tmRoot"/>
-      </p:par>
-    </p:tnLst>
-  </p:timing>
 </p:sld>
 </file>
 
@@ -12287,7 +12099,7 @@
           <a:lstStyle/>
           <a:p>
             <a:r>
-              <a:rPr lang="en-US" dirty="0" smtClean="0"/>
+              <a:rPr lang="en-US" dirty="0"/>
               <a:t>SHA-2</a:t>
             </a:r>
             <a:endParaRPr lang="ru-RU" dirty="0"/>
@@ -12318,7 +12130,7 @@
               <a:buNone/>
             </a:pPr>
             <a:r>
-              <a:rPr lang="ru-RU" dirty="0" smtClean="0"/>
+              <a:rPr lang="ru-RU" dirty="0"/>
               <a:t>Размер выходы 256 или 512 бит</a:t>
             </a:r>
           </a:p>
@@ -12327,10 +12139,9 @@
               <a:buNone/>
             </a:pPr>
             <a:r>
-              <a:rPr lang="ru-RU" dirty="0" smtClean="0"/>
+              <a:rPr lang="ru-RU" dirty="0"/>
               <a:t>Атаки на полную схему не известны</a:t>
             </a:r>
-            <a:endParaRPr lang="ru-RU" dirty="0"/>
           </a:p>
         </p:txBody>
       </p:sp>
@@ -12391,13 +12202,6 @@
   <p:clrMapOvr>
     <a:masterClrMapping/>
   </p:clrMapOvr>
-  <p:timing>
-    <p:tnLst>
-      <p:par>
-        <p:cTn id="1" dur="indefinite" restart="never" nodeType="tmRoot"/>
-      </p:par>
-    </p:tnLst>
-  </p:timing>
 </p:sld>
 </file>
 
@@ -12434,10 +12238,9 @@
           <a:lstStyle/>
           <a:p>
             <a:r>
-              <a:rPr lang="ru-RU" dirty="0" smtClean="0"/>
+              <a:rPr lang="ru-RU" dirty="0"/>
               <a:t>А ещё</a:t>
             </a:r>
-            <a:endParaRPr lang="ru-RU" dirty="0"/>
           </a:p>
         </p:txBody>
       </p:sp>
@@ -12457,57 +12260,52 @@
           <a:lstStyle/>
           <a:p>
             <a:r>
-              <a:rPr lang="en-US" dirty="0" smtClean="0"/>
+              <a:rPr lang="en-US" dirty="0"/>
               <a:t>RIPEMD-160</a:t>
             </a:r>
-            <a:endParaRPr lang="ru-RU" dirty="0" smtClean="0"/>
+            <a:endParaRPr lang="ru-RU" dirty="0"/>
           </a:p>
           <a:p>
             <a:r>
               <a:rPr lang="ru-RU" dirty="0"/>
-              <a:t>ГОСТ </a:t>
-            </a:r>
-            <a:r>
-              <a:rPr lang="ru-RU" dirty="0" smtClean="0"/>
-              <a:t>34</a:t>
-            </a:r>
-            <a:r>
-              <a:rPr lang="en-US" dirty="0" smtClean="0"/>
+              <a:t>ГОСТ 34</a:t>
+            </a:r>
+            <a:r>
+              <a:rPr lang="en-US" dirty="0"/>
               <a:t>.11-94</a:t>
             </a:r>
           </a:p>
           <a:p>
             <a:r>
-              <a:rPr lang="ru-RU" dirty="0" smtClean="0"/>
+              <a:rPr lang="ru-RU" dirty="0"/>
               <a:t>ГОСТ 34.11-2012 (</a:t>
             </a:r>
             <a:r>
-              <a:rPr lang="ru-RU" dirty="0" err="1" smtClean="0"/>
+              <a:rPr lang="ru-RU" dirty="0" err="1"/>
               <a:t>Стрибог</a:t>
             </a:r>
             <a:r>
-              <a:rPr lang="ru-RU" dirty="0" smtClean="0"/>
+              <a:rPr lang="ru-RU" dirty="0"/>
               <a:t>)</a:t>
             </a:r>
           </a:p>
           <a:p>
             <a:r>
-              <a:rPr lang="en-US" dirty="0" smtClean="0"/>
+              <a:rPr lang="en-US" dirty="0"/>
               <a:t>MD-5</a:t>
             </a:r>
             <a:r>
-              <a:rPr lang="ru-RU" dirty="0" smtClean="0"/>
+              <a:rPr lang="ru-RU" dirty="0"/>
               <a:t> </a:t>
             </a:r>
             <a:r>
-              <a:rPr lang="en-US" dirty="0" smtClean="0"/>
+              <a:rPr lang="en-US" dirty="0"/>
               <a:t>– </a:t>
             </a:r>
             <a:r>
-              <a:rPr lang="ru-RU" dirty="0" smtClean="0"/>
+              <a:rPr lang="ru-RU" dirty="0"/>
               <a:t>СЛОМАН! (коллизии второго рода, хотя много где используется)</a:t>
             </a:r>
-            <a:endParaRPr lang="ru-RU" dirty="0"/>
           </a:p>
         </p:txBody>
       </p:sp>
@@ -12544,13 +12342,6 @@
   <p:clrMapOvr>
     <a:masterClrMapping/>
   </p:clrMapOvr>
-  <p:timing>
-    <p:tnLst>
-      <p:par>
-        <p:cTn id="1" dur="indefinite" restart="never" nodeType="tmRoot"/>
-      </p:par>
-    </p:tnLst>
-  </p:timing>
 </p:sld>
 </file>
 
@@ -12587,7 +12378,7 @@
           <a:lstStyle/>
           <a:p>
             <a:r>
-              <a:rPr lang="en-US" dirty="0" smtClean="0"/>
+              <a:rPr lang="en-US" dirty="0"/>
               <a:t>SHA-3</a:t>
             </a:r>
             <a:endParaRPr lang="ru-RU" dirty="0"/>
@@ -12614,13 +12405,8 @@
             </a:pPr>
             <a:r>
               <a:rPr lang="en-US" dirty="0"/>
-              <a:t>NIST </a:t>
-            </a:r>
-            <a:r>
-              <a:rPr lang="en-US" dirty="0" smtClean="0"/>
-              <a:t>2015</a:t>
-            </a:r>
-            <a:endParaRPr lang="en-US" dirty="0"/>
+              <a:t>NIST 2015</a:t>
+            </a:r>
           </a:p>
           <a:p>
             <a:pPr marL="0" indent="0">
@@ -12628,11 +12414,7 @@
             </a:pPr>
             <a:r>
               <a:rPr lang="ru-RU" dirty="0"/>
-              <a:t>Размер выхода – </a:t>
-            </a:r>
-            <a:r>
-              <a:rPr lang="ru-RU" dirty="0" smtClean="0"/>
-              <a:t>произвольный</a:t>
+              <a:t>Размер выхода – произвольный</a:t>
             </a:r>
             <a:endParaRPr lang="en-US" dirty="0"/>
           </a:p>
@@ -12642,21 +12424,13 @@
             </a:pPr>
             <a:r>
               <a:rPr lang="ru-RU" dirty="0"/>
-              <a:t>Построена с использованием </a:t>
-            </a:r>
-            <a:r>
-              <a:rPr lang="ru-RU" dirty="0" smtClean="0"/>
-              <a:t>губчатой функции</a:t>
+              <a:t>Построена с использованием губчатой функции</a:t>
             </a:r>
             <a:r>
               <a:rPr lang="en-US" dirty="0"/>
-              <a:t> Keccak </a:t>
-            </a:r>
-            <a:r>
-              <a:rPr lang="en-US" dirty="0" smtClean="0"/>
-              <a:t>f1600 (f800)</a:t>
-            </a:r>
-            <a:endParaRPr lang="ru-RU" dirty="0" smtClean="0"/>
+              <a:t> Keccak f1600 (f800)</a:t>
+            </a:r>
+            <a:endParaRPr lang="ru-RU" dirty="0"/>
           </a:p>
           <a:p>
             <a:pPr marL="0" indent="0">
@@ -12672,14 +12446,13 @@
               <a:buNone/>
             </a:pPr>
             <a:r>
-              <a:rPr lang="ru-RU" dirty="0" smtClean="0"/>
+              <a:rPr lang="ru-RU" dirty="0"/>
               <a:t>Стандарт на замену </a:t>
             </a:r>
             <a:r>
-              <a:rPr lang="en-US" dirty="0" smtClean="0"/>
+              <a:rPr lang="en-US" dirty="0"/>
               <a:t>sha-2</a:t>
             </a:r>
-            <a:endParaRPr lang="en-US" dirty="0"/>
           </a:p>
           <a:p>
             <a:endParaRPr lang="ru-RU" dirty="0"/>
@@ -12719,13 +12492,6 @@
   <p:clrMapOvr>
     <a:masterClrMapping/>
   </p:clrMapOvr>
-  <p:timing>
-    <p:tnLst>
-      <p:par>
-        <p:cTn id="1" dur="indefinite" restart="never" nodeType="tmRoot"/>
-      </p:par>
-    </p:tnLst>
-  </p:timing>
 </p:sld>
 </file>
 
@@ -12762,10 +12528,9 @@
           <a:lstStyle/>
           <a:p>
             <a:r>
-              <a:rPr lang="ru-RU" dirty="0" smtClean="0"/>
+              <a:rPr lang="ru-RU" dirty="0"/>
               <a:t>Губчатая конструкция</a:t>
             </a:r>
-            <a:endParaRPr lang="ru-RU" dirty="0"/>
           </a:p>
         </p:txBody>
       </p:sp>
@@ -12788,7 +12553,7 @@
               <a:buNone/>
             </a:pPr>
             <a:r>
-              <a:rPr lang="ru-RU" dirty="0" smtClean="0"/>
+              <a:rPr lang="ru-RU" dirty="0"/>
               <a:t>Основа губчатой конструкции – «волшебная» перестановка на некотором множестве.</a:t>
             </a:r>
           </a:p>
@@ -12797,7 +12562,7 @@
               <a:buNone/>
             </a:pPr>
             <a:r>
-              <a:rPr lang="ru-RU" dirty="0" smtClean="0"/>
+              <a:rPr lang="ru-RU" dirty="0"/>
               <a:t>Вводится понятие состояния – некоторого вектора, разделённого на 2 части – открытую и закрытую.</a:t>
             </a:r>
           </a:p>
@@ -12806,7 +12571,7 @@
               <a:buNone/>
             </a:pPr>
             <a:r>
-              <a:rPr lang="ru-RU" dirty="0" smtClean="0"/>
+              <a:rPr lang="ru-RU" dirty="0"/>
               <a:t>На каждом раунде открытая часть может изменяться входными данными или выдаваться в качестве входа, после чего вычисляется новое состояние с использованием перестановки.</a:t>
             </a:r>
           </a:p>
@@ -12815,10 +12580,9 @@
               <a:buNone/>
             </a:pPr>
             <a:r>
-              <a:rPr lang="ru-RU" dirty="0" smtClean="0"/>
+              <a:rPr lang="ru-RU" dirty="0"/>
               <a:t>Две основных операции – «поглощение» и «выжимание» губки</a:t>
             </a:r>
-            <a:endParaRPr lang="ru-RU" dirty="0"/>
           </a:p>
         </p:txBody>
       </p:sp>
@@ -12855,13 +12619,6 @@
   <p:clrMapOvr>
     <a:masterClrMapping/>
   </p:clrMapOvr>
-  <p:timing>
-    <p:tnLst>
-      <p:par>
-        <p:cTn id="1" dur="indefinite" restart="never" nodeType="tmRoot"/>
-      </p:par>
-    </p:tnLst>
-  </p:timing>
 </p:sld>
 </file>
 
@@ -12899,14 +12656,10 @@
           <a:p>
             <a:r>
               <a:rPr lang="ru-RU" dirty="0"/>
-              <a:t>Губчатая </a:t>
-            </a:r>
-            <a:r>
-              <a:rPr lang="ru-RU" dirty="0" smtClean="0"/>
-              <a:t>конструкция (</a:t>
-            </a:r>
-            <a:r>
-              <a:rPr lang="en-US" dirty="0" smtClean="0"/>
+              <a:t>Губчатая конструкция (</a:t>
+            </a:r>
+            <a:r>
+              <a:rPr lang="en-US" dirty="0"/>
               <a:t>SHA-3)</a:t>
             </a:r>
             <a:endParaRPr lang="ru-RU" dirty="0"/>
@@ -12989,13 +12742,6 @@
   <p:clrMapOvr>
     <a:masterClrMapping/>
   </p:clrMapOvr>
-  <p:timing>
-    <p:tnLst>
-      <p:par>
-        <p:cTn id="1" dur="indefinite" restart="never" nodeType="tmRoot"/>
-      </p:par>
-    </p:tnLst>
-  </p:timing>
 </p:sld>
 </file>
 
@@ -13034,11 +12780,11 @@
           <a:lstStyle/>
           <a:p>
             <a:r>
-              <a:rPr lang="ru-RU" dirty="0" smtClean="0"/>
+              <a:rPr lang="ru-RU" dirty="0"/>
               <a:t>Построение симметричной криптографии с использованием губчатой конструкции (</a:t>
             </a:r>
             <a:r>
-              <a:rPr lang="en-US" dirty="0" smtClean="0"/>
+              <a:rPr lang="en-US" dirty="0"/>
               <a:t>Strobe)</a:t>
             </a:r>
             <a:endParaRPr lang="ru-RU" dirty="0"/>
@@ -13121,13 +12867,6 @@
   <p:clrMapOvr>
     <a:masterClrMapping/>
   </p:clrMapOvr>
-  <p:timing>
-    <p:tnLst>
-      <p:par>
-        <p:cTn id="1" dur="indefinite" restart="never" nodeType="tmRoot"/>
-      </p:par>
-    </p:tnLst>
-  </p:timing>
 </p:sld>
 </file>
 
@@ -13253,13 +12992,6 @@
   <p:clrMapOvr>
     <a:masterClrMapping/>
   </p:clrMapOvr>
-  <p:timing>
-    <p:tnLst>
-      <p:par>
-        <p:cTn id="1" dur="indefinite" restart="never" nodeType="tmRoot"/>
-      </p:par>
-    </p:tnLst>
-  </p:timing>
 </p:sld>
 </file>
 
@@ -13301,10 +13033,9 @@
           <a:lstStyle/>
           <a:p>
             <a:r>
-              <a:rPr lang="ru-RU" dirty="0" smtClean="0"/>
+              <a:rPr lang="ru-RU" dirty="0"/>
               <a:t>Тест.</a:t>
             </a:r>
-            <a:endParaRPr lang="ru-RU" dirty="0"/>
           </a:p>
         </p:txBody>
       </p:sp>
@@ -13469,181 +13200,39 @@
           </a:p>
         </p:txBody>
       </p:sp>
-      <mc:AlternateContent xmlns:mc="http://schemas.openxmlformats.org/markup-compatibility/2006" xmlns:a14="http://schemas.microsoft.com/office/drawing/2010/main">
-        <mc:Choice Requires="a14">
-          <p:sp>
-            <p:nvSpPr>
-              <p:cNvPr id="3" name="TextBox 2"/>
-              <p:cNvSpPr txBox="1"/>
-              <p:nvPr/>
-            </p:nvSpPr>
-            <p:spPr>
-              <a:xfrm>
-                <a:off x="838200" y="1031953"/>
-                <a:ext cx="10134599" cy="1384995"/>
-              </a:xfrm>
-              <a:prstGeom prst="rect">
-                <a:avLst/>
-              </a:prstGeom>
-              <a:noFill/>
-            </p:spPr>
-            <p:txBody>
-              <a:bodyPr wrap="square" rtlCol="0">
-                <a:spAutoFit/>
-              </a:bodyPr>
-              <a:lstStyle/>
-              <a:p>
-                <a:r>
-                  <a:rPr lang="ru-RU" sz="2800" dirty="0" smtClean="0"/>
-                  <a:t>Пусть </a:t>
-                </a:r>
-                <a14:m>
-                  <m:oMath xmlns:m="http://schemas.openxmlformats.org/officeDocument/2006/math">
-                    <m:r>
-                      <m:rPr>
-                        <m:sty m:val="p"/>
-                      </m:rPr>
-                      <a:rPr lang="en-US" sz="2800" b="0" i="0" smtClean="0">
-                        <a:latin typeface="Cambria Math" panose="02040503050406030204" pitchFamily="18" charset="0"/>
-                      </a:rPr>
-                      <m:t>E</m:t>
-                    </m:r>
-                    <m:r>
-                      <a:rPr lang="en-US" sz="2800" b="0" i="1" smtClean="0">
-                        <a:latin typeface="Cambria Math" panose="02040503050406030204" pitchFamily="18" charset="0"/>
-                      </a:rPr>
-                      <m:t>=(</m:t>
-                    </m:r>
-                    <m:r>
-                      <a:rPr lang="en-US" sz="2800" b="0" i="1" smtClean="0">
-                        <a:latin typeface="Cambria Math" panose="02040503050406030204" pitchFamily="18" charset="0"/>
-                      </a:rPr>
-                      <m:t>𝐸</m:t>
-                    </m:r>
-                    <m:r>
-                      <a:rPr lang="en-US" sz="2800" b="0" i="1" smtClean="0">
-                        <a:latin typeface="Cambria Math" panose="02040503050406030204" pitchFamily="18" charset="0"/>
-                      </a:rPr>
-                      <m:t>,</m:t>
-                    </m:r>
-                    <m:r>
-                      <a:rPr lang="en-US" sz="2800" b="0" i="1" smtClean="0">
-                        <a:latin typeface="Cambria Math" panose="02040503050406030204" pitchFamily="18" charset="0"/>
-                      </a:rPr>
-                      <m:t>𝐷</m:t>
-                    </m:r>
-                    <m:r>
-                      <a:rPr lang="en-US" sz="2800" b="0" i="1" smtClean="0">
-                        <a:latin typeface="Cambria Math" panose="02040503050406030204" pitchFamily="18" charset="0"/>
-                      </a:rPr>
-                      <m:t>)</m:t>
-                    </m:r>
-                  </m:oMath>
-                </a14:m>
-                <a:r>
-                  <a:rPr lang="en-US" sz="2800" b="1" dirty="0" smtClean="0"/>
-                  <a:t> </a:t>
-                </a:r>
-                <a:r>
-                  <a:rPr lang="ru-RU" sz="2800" dirty="0" smtClean="0"/>
-                  <a:t>– стойкий блочный шифр на </a:t>
-                </a:r>
-                <a14:m>
-                  <m:oMath xmlns:m="http://schemas.openxmlformats.org/officeDocument/2006/math">
-                    <m:r>
-                      <a:rPr lang="ru-RU" sz="2800" b="0" i="1" smtClean="0">
-                        <a:latin typeface="Cambria Math" panose="02040503050406030204" pitchFamily="18" charset="0"/>
-                      </a:rPr>
-                      <m:t>(</m:t>
-                    </m:r>
-                    <m:r>
-                      <a:rPr lang="en-US" sz="2800" b="0" i="1" smtClean="0">
-                        <a:latin typeface="Cambria Math" panose="02040503050406030204" pitchFamily="18" charset="0"/>
-                      </a:rPr>
-                      <m:t>𝐾</m:t>
-                    </m:r>
-                    <m:r>
-                      <a:rPr lang="en-US" sz="2800" b="0" i="1" smtClean="0">
-                        <a:latin typeface="Cambria Math" panose="02040503050406030204" pitchFamily="18" charset="0"/>
-                      </a:rPr>
-                      <m:t>,</m:t>
-                    </m:r>
-                    <m:r>
-                      <a:rPr lang="en-US" sz="2800" b="0" i="1" smtClean="0">
-                        <a:latin typeface="Cambria Math" panose="02040503050406030204" pitchFamily="18" charset="0"/>
-                      </a:rPr>
-                      <m:t>𝑋</m:t>
-                    </m:r>
-                    <m:r>
-                      <a:rPr lang="en-US" sz="2800" b="0" i="1" smtClean="0">
-                        <a:latin typeface="Cambria Math" panose="02040503050406030204" pitchFamily="18" charset="0"/>
-                      </a:rPr>
-                      <m:t>)</m:t>
-                    </m:r>
-                  </m:oMath>
-                </a14:m>
-                <a:r>
-                  <a:rPr lang="ru-RU" sz="2800" b="1" dirty="0" smtClean="0"/>
-                  <a:t>.</a:t>
-                </a:r>
-              </a:p>
-              <a:p>
-                <a:r>
-                  <a:rPr lang="ru-RU" sz="2800" dirty="0" smtClean="0"/>
-                  <a:t>Как построить стойкий </a:t>
-                </a:r>
-                <a:r>
-                  <a:rPr lang="en-US" sz="2800" dirty="0" smtClean="0"/>
-                  <a:t>MAC </a:t>
-                </a:r>
-                <a:r>
-                  <a:rPr lang="ru-RU" sz="2800" dirty="0" smtClean="0"/>
-                  <a:t>для сообщений произвольной длинны? (схема).</a:t>
-                </a:r>
-                <a:endParaRPr lang="ru-RU" sz="2800" dirty="0"/>
-              </a:p>
-            </p:txBody>
-          </p:sp>
-        </mc:Choice>
-        <mc:Fallback xmlns="">
-          <p:sp>
-            <p:nvSpPr>
-              <p:cNvPr id="3" name="TextBox 2"/>
-              <p:cNvSpPr txBox="1">
-                <a:spLocks noRot="1" noChangeAspect="1" noMove="1" noResize="1" noEditPoints="1" noAdjustHandles="1" noChangeArrowheads="1" noChangeShapeType="1" noTextEdit="1"/>
-              </p:cNvSpPr>
-              <p:nvPr/>
-            </p:nvSpPr>
-            <p:spPr>
-              <a:xfrm>
-                <a:off x="838200" y="1031953"/>
-                <a:ext cx="10134599" cy="1384995"/>
-              </a:xfrm>
-              <a:prstGeom prst="rect">
-                <a:avLst/>
-              </a:prstGeom>
-              <a:blipFill>
-                <a:blip r:embed="rId2"/>
-                <a:stretch>
-                  <a:fillRect l="-1264" t="-3965" b="-11894"/>
-                </a:stretch>
-              </a:blipFill>
-            </p:spPr>
-            <p:txBody>
-              <a:bodyPr/>
-              <a:lstStyle/>
-              <a:p>
-                <a:r>
-                  <a:rPr lang="ru-RU">
-                    <a:noFill/>
-                  </a:rPr>
-                  <a:t> </a:t>
-                </a:r>
-              </a:p>
-            </p:txBody>
-          </p:sp>
-        </mc:Fallback>
-      </mc:AlternateContent>
+      <p:sp>
+        <p:nvSpPr>
+          <p:cNvPr id="3" name="TextBox 2"/>
+          <p:cNvSpPr txBox="1"/>
+          <p:nvPr/>
+        </p:nvSpPr>
+        <p:spPr>
+          <a:xfrm>
+            <a:off x="838200" y="1031953"/>
+            <a:ext cx="10134599" cy="523220"/>
+          </a:xfrm>
+          <a:prstGeom prst="rect">
+            <a:avLst/>
+          </a:prstGeom>
+          <a:noFill/>
+        </p:spPr>
+        <p:txBody>
+          <a:bodyPr wrap="square" rtlCol="0">
+            <a:spAutoFit/>
+          </a:bodyPr>
+          <a:lstStyle/>
+          <a:p>
+            <a:r>
+              <a:rPr lang="en-US" sz="2800" dirty="0"/>
+              <a:t>Carter-Wegman MAC </a:t>
+            </a:r>
+            <a:r>
+              <a:rPr lang="ru-RU" sz="2800" dirty="0"/>
+              <a:t>(схема).</a:t>
+            </a:r>
+          </a:p>
+        </p:txBody>
+      </p:sp>
     </p:spTree>
     <p:extLst>
       <p:ext uri="{BB962C8B-B14F-4D97-AF65-F5344CB8AC3E}">
@@ -13869,18 +13458,9 @@
           <a:lstStyle/>
           <a:p>
             <a:r>
-              <a:rPr lang="ru-RU" dirty="0" smtClean="0"/>
-              <a:t>Модели хэш</a:t>
-            </a:r>
-            <a:r>
               <a:rPr lang="ru-RU" dirty="0"/>
-              <a:t>-</a:t>
-            </a:r>
-            <a:r>
-              <a:rPr lang="ru-RU" dirty="0" smtClean="0"/>
-              <a:t>функций</a:t>
-            </a:r>
-            <a:endParaRPr lang="ru-RU" dirty="0"/>
+              <a:t>Модели хэш-функций</a:t>
+            </a:r>
           </a:p>
         </p:txBody>
       </p:sp>
@@ -13905,27 +13485,27 @@
                   <a:buNone/>
                 </a:pPr>
                 <a:r>
-                  <a:rPr lang="ru-RU" dirty="0" smtClean="0"/>
+                  <a:rPr lang="ru-RU" dirty="0"/>
                   <a:t>До этого мы рассматривали стойкие хэш-функции, как функции </a:t>
                 </a:r>
                 <a:r>
-                  <a:rPr lang="ru-RU" b="1" dirty="0" smtClean="0"/>
+                  <a:rPr lang="ru-RU" b="1" dirty="0"/>
                   <a:t>стойкие к коллизиям</a:t>
                 </a:r>
                 <a:r>
-                  <a:rPr lang="ru-RU" dirty="0" smtClean="0"/>
+                  <a:rPr lang="ru-RU" dirty="0"/>
                   <a:t>.</a:t>
                 </a:r>
                 <a:r>
-                  <a:rPr lang="en-US" dirty="0" smtClean="0"/>
+                  <a:rPr lang="en-US" dirty="0"/>
                   <a:t> (</a:t>
                 </a:r>
                 <a:r>
-                  <a:rPr lang="ru-RU" b="1" dirty="0" smtClean="0"/>
+                  <a:rPr lang="ru-RU" b="1" dirty="0"/>
                   <a:t>стойкие к коллизиям второго рода</a:t>
                 </a:r>
                 <a:r>
-                  <a:rPr lang="ru-RU" dirty="0" smtClean="0"/>
+                  <a:rPr lang="ru-RU" dirty="0"/>
                   <a:t>)</a:t>
                 </a:r>
               </a:p>
@@ -13934,15 +13514,15 @@
                   <a:buNone/>
                 </a:pPr>
                 <a:r>
-                  <a:rPr lang="ru-RU" dirty="0" smtClean="0"/>
+                  <a:rPr lang="ru-RU" dirty="0"/>
                   <a:t>Существуют и другие модели.</a:t>
                 </a:r>
                 <a:r>
-                  <a:rPr lang="en-US" dirty="0" smtClean="0"/>
+                  <a:rPr lang="en-US" dirty="0"/>
                   <a:t> </a:t>
                 </a:r>
                 <a:r>
-                  <a:rPr lang="ru-RU" dirty="0" smtClean="0"/>
+                  <a:rPr lang="ru-RU" dirty="0"/>
                   <a:t>Пусть </a:t>
                 </a:r>
                 <a14:m>
@@ -13956,20 +13536,12 @@
                   </m:oMath>
                 </a14:m>
                 <a:r>
-                  <a:rPr lang="en-US" dirty="0" smtClean="0"/>
+                  <a:rPr lang="en-US" dirty="0"/>
                   <a:t> – </a:t>
                 </a:r>
                 <a:r>
-                  <a:rPr lang="ru-RU" dirty="0" smtClean="0"/>
-                  <a:t>хэш</a:t>
-                </a:r>
-                <a:r>
                   <a:rPr lang="ru-RU" dirty="0"/>
-                  <a:t>-</a:t>
-                </a:r>
-                <a:r>
-                  <a:rPr lang="ru-RU" dirty="0" smtClean="0"/>
-                  <a:t>функция на </a:t>
+                  <a:t>хэш-функция на </a:t>
                 </a:r>
                 <a14:m>
                   <m:oMath xmlns:m="http://schemas.openxmlformats.org/officeDocument/2006/math">
@@ -14005,7 +13577,7 @@
                     </m:r>
                   </m:oMath>
                 </a14:m>
-                <a:endParaRPr lang="ru-RU" dirty="0" smtClean="0"/>
+                <a:endParaRPr lang="ru-RU" dirty="0"/>
               </a:p>
               <a:p>
                 <a14:m>
@@ -14019,15 +13591,15 @@
                   </m:oMath>
                 </a14:m>
                 <a:r>
-                  <a:rPr lang="en-US" dirty="0" smtClean="0"/>
+                  <a:rPr lang="en-US" dirty="0"/>
                   <a:t> - </a:t>
                 </a:r>
                 <a:r>
-                  <a:rPr lang="ru-RU" b="1" dirty="0" smtClean="0"/>
+                  <a:rPr lang="ru-RU" b="1" dirty="0"/>
                   <a:t>односторонняя хэш-функция</a:t>
                 </a:r>
                 <a:r>
-                  <a:rPr lang="ru-RU" dirty="0" smtClean="0"/>
+                  <a:rPr lang="ru-RU" dirty="0"/>
                   <a:t>, если имея </a:t>
                 </a:r>
                 <a14:m>
@@ -14071,11 +13643,11 @@
                   </m:oMath>
                 </a14:m>
                 <a:r>
-                  <a:rPr lang="en-US" dirty="0" smtClean="0"/>
+                  <a:rPr lang="en-US" dirty="0"/>
                   <a:t> </a:t>
                 </a:r>
                 <a:r>
-                  <a:rPr lang="ru-RU" dirty="0" smtClean="0"/>
+                  <a:rPr lang="ru-RU" dirty="0"/>
                   <a:t>для случайного </a:t>
                 </a:r>
                 <a14:m>
@@ -14101,11 +13673,11 @@
                   </m:oMath>
                 </a14:m>
                 <a:r>
-                  <a:rPr lang="en-US" dirty="0" smtClean="0"/>
+                  <a:rPr lang="en-US" dirty="0"/>
                   <a:t> </a:t>
                 </a:r>
                 <a:r>
-                  <a:rPr lang="ru-RU" dirty="0" smtClean="0"/>
+                  <a:rPr lang="ru-RU" dirty="0"/>
                   <a:t>вычислительно сложно найти </a:t>
                 </a:r>
                 <a14:m>
@@ -14210,22 +13782,22 @@
                   </m:oMath>
                 </a14:m>
                 <a:r>
-                  <a:rPr lang="en-US" dirty="0" smtClean="0"/>
+                  <a:rPr lang="en-US" dirty="0"/>
                   <a:t> (</a:t>
                 </a:r>
                 <a:r>
-                  <a:rPr lang="ru-RU" dirty="0" smtClean="0"/>
+                  <a:rPr lang="ru-RU" dirty="0"/>
                   <a:t>т.е. сложно обратить)</a:t>
                 </a:r>
                 <a:r>
-                  <a:rPr lang="en-US" dirty="0" smtClean="0"/>
+                  <a:rPr lang="en-US" dirty="0"/>
                   <a:t> (</a:t>
                 </a:r>
                 <a:r>
-                  <a:rPr lang="en-US" b="1" dirty="0" smtClean="0"/>
+                  <a:rPr lang="en-US" b="1" dirty="0"/>
                   <a:t>preimage resistant)</a:t>
                 </a:r>
-                <a:endParaRPr lang="ru-RU" dirty="0" smtClean="0"/>
+                <a:endParaRPr lang="ru-RU" dirty="0"/>
               </a:p>
               <a:p>
                 <a14:m>
@@ -14239,15 +13811,15 @@
                   </m:oMath>
                 </a14:m>
                 <a:r>
-                  <a:rPr lang="en-US" dirty="0" smtClean="0"/>
+                  <a:rPr lang="en-US" dirty="0"/>
                   <a:t> – </a:t>
                 </a:r>
                 <a:r>
-                  <a:rPr lang="ru-RU" b="1" dirty="0" smtClean="0"/>
+                  <a:rPr lang="ru-RU" b="1" dirty="0"/>
                   <a:t>стойкая к коллизиям первого рода</a:t>
                 </a:r>
                 <a:r>
-                  <a:rPr lang="ru-RU" dirty="0" smtClean="0"/>
+                  <a:rPr lang="ru-RU" dirty="0"/>
                   <a:t>, если имея случайное сообщение </a:t>
                 </a:r>
                 <a14:m>
@@ -14273,11 +13845,11 @@
                   </m:oMath>
                 </a14:m>
                 <a:r>
-                  <a:rPr lang="en-US" dirty="0" smtClean="0"/>
+                  <a:rPr lang="en-US" dirty="0"/>
                   <a:t> </a:t>
                 </a:r>
                 <a:r>
-                  <a:rPr lang="ru-RU" dirty="0" smtClean="0"/>
+                  <a:rPr lang="ru-RU" dirty="0"/>
                   <a:t>сложно найти </a:t>
                 </a:r>
                 <a14:m>
@@ -14399,22 +13971,18 @@
                   </m:oMath>
                 </a14:m>
                 <a:r>
-                  <a:rPr lang="en-US" dirty="0" smtClean="0"/>
+                  <a:rPr lang="en-US" dirty="0"/>
                   <a:t> (</a:t>
                 </a:r>
                 <a:r>
                   <a:rPr lang="en-US" b="1" dirty="0"/>
-                  <a:t>2nd-preimage </a:t>
-                </a:r>
-                <a:r>
-                  <a:rPr lang="en-US" b="1" dirty="0" smtClean="0"/>
-                  <a:t>resistant</a:t>
-                </a:r>
-                <a:r>
-                  <a:rPr lang="en-US" dirty="0" smtClean="0"/>
+                  <a:t>2nd-preimage resistant</a:t>
+                </a:r>
+                <a:r>
+                  <a:rPr lang="en-US" dirty="0"/>
                   <a:t>)</a:t>
                 </a:r>
-                <a:endParaRPr lang="ru-RU" dirty="0" smtClean="0"/>
+                <a:endParaRPr lang="ru-RU" dirty="0"/>
               </a:p>
               <a:p>
                 <a14:m>
@@ -14428,15 +13996,15 @@
                   </m:oMath>
                 </a14:m>
                 <a:r>
-                  <a:rPr lang="en-US" dirty="0" smtClean="0"/>
+                  <a:rPr lang="en-US" dirty="0"/>
                   <a:t> – </a:t>
                 </a:r>
                 <a:r>
-                  <a:rPr lang="ru-RU" b="1" dirty="0" smtClean="0"/>
+                  <a:rPr lang="ru-RU" b="1" dirty="0"/>
                   <a:t>случайный оракул</a:t>
                 </a:r>
                 <a:r>
-                  <a:rPr lang="ru-RU" dirty="0" smtClean="0"/>
+                  <a:rPr lang="ru-RU" dirty="0"/>
                   <a:t>, если оракул </a:t>
                 </a:r>
                 <a14:m>
@@ -14450,14 +14018,10 @@
                   </m:oMath>
                 </a14:m>
                 <a:r>
-                  <a:rPr lang="ru-RU" dirty="0" smtClean="0"/>
-                  <a:t> реализует случайную функци</a:t>
-                </a:r>
-                <a:r>
                   <a:rPr lang="ru-RU" dirty="0"/>
-                  <a:t>ю</a:t>
-                </a:r>
-                <a:endParaRPr lang="en-US" dirty="0" smtClean="0"/>
+                  <a:t> реализует случайную функцию</a:t>
+                </a:r>
+                <a:endParaRPr lang="en-US" dirty="0"/>
               </a:p>
               <a:p>
                 <a:endParaRPr lang="en-US" dirty="0"/>
@@ -14532,13 +14096,6 @@
   <p:clrMapOvr>
     <a:masterClrMapping/>
   </p:clrMapOvr>
-  <p:timing>
-    <p:tnLst>
-      <p:par>
-        <p:cTn id="1" dur="indefinite" restart="never" nodeType="tmRoot"/>
-      </p:par>
-    </p:tnLst>
-  </p:timing>
 </p:sld>
 </file>
 
@@ -14600,7 +14157,7 @@
               <a:buNone/>
             </a:pPr>
             <a:r>
-              <a:rPr lang="ru-RU" dirty="0" smtClean="0"/>
+              <a:rPr lang="ru-RU" dirty="0"/>
               <a:t>Взаимосвязь моделей</a:t>
             </a:r>
           </a:p>
@@ -14609,50 +14166,50 @@
               <a:buNone/>
             </a:pPr>
             <a:r>
-              <a:rPr lang="ru-RU" dirty="0" smtClean="0"/>
+              <a:rPr lang="ru-RU" dirty="0"/>
               <a:t>Случайный оракул =</a:t>
             </a:r>
             <a:r>
-              <a:rPr lang="en-US" dirty="0" smtClean="0"/>
+              <a:rPr lang="en-US" dirty="0"/>
               <a:t>&gt; </a:t>
             </a:r>
             <a:r>
-              <a:rPr lang="ru-RU" dirty="0" smtClean="0"/>
+              <a:rPr lang="ru-RU" dirty="0"/>
               <a:t>стойкость к коллизиям</a:t>
             </a:r>
             <a:r>
-              <a:rPr lang="en-US" dirty="0" smtClean="0"/>
+              <a:rPr lang="en-US" dirty="0"/>
               <a:t> </a:t>
             </a:r>
             <a:r>
-              <a:rPr lang="ru-RU" dirty="0" smtClean="0"/>
+              <a:rPr lang="ru-RU" dirty="0"/>
               <a:t>второго рода =</a:t>
             </a:r>
             <a:r>
-              <a:rPr lang="en-US" dirty="0" smtClean="0"/>
+              <a:rPr lang="en-US" dirty="0"/>
               <a:t>&gt;</a:t>
             </a:r>
             <a:r>
-              <a:rPr lang="ru-RU" dirty="0" smtClean="0"/>
+              <a:rPr lang="ru-RU" dirty="0"/>
               <a:t> стойкость к коллизиям первого рода</a:t>
             </a:r>
             <a:r>
-              <a:rPr lang="en-US" dirty="0" smtClean="0"/>
+              <a:rPr lang="en-US" dirty="0"/>
               <a:t> </a:t>
             </a:r>
             <a:r>
-              <a:rPr lang="ru-RU" dirty="0" smtClean="0"/>
+              <a:rPr lang="ru-RU" dirty="0"/>
               <a:t>=</a:t>
             </a:r>
             <a:r>
-              <a:rPr lang="en-US" dirty="0" smtClean="0"/>
+              <a:rPr lang="en-US" dirty="0"/>
               <a:t>&gt; </a:t>
             </a:r>
             <a:r>
-              <a:rPr lang="ru-RU" dirty="0" smtClean="0"/>
+              <a:rPr lang="ru-RU" dirty="0"/>
               <a:t>односторонняя хэш-функция</a:t>
             </a:r>
-            <a:endParaRPr lang="en-US" dirty="0" smtClean="0"/>
+            <a:endParaRPr lang="en-US" dirty="0"/>
           </a:p>
           <a:p>
             <a:pPr marL="0" indent="0">
@@ -14665,19 +14222,11 @@
               <a:buNone/>
             </a:pPr>
             <a:r>
-              <a:rPr lang="en-US" dirty="0" smtClean="0"/>
-              <a:t>Random oracle =&gt; collision resistance =&gt; </a:t>
-            </a:r>
-            <a:r>
               <a:rPr lang="en-US" dirty="0"/>
-              <a:t>2nd-preimage </a:t>
-            </a:r>
-            <a:r>
-              <a:rPr lang="en-US" dirty="0" smtClean="0"/>
-              <a:t>resistant =&gt; one-way (preimage resistant</a:t>
-            </a:r>
-            <a:r>
-              <a:rPr lang="ru-RU" dirty="0" smtClean="0"/>
+              <a:t>Random oracle =&gt; collision resistance =&gt; 2nd-preimage resistant =&gt; one-way (preimage resistant</a:t>
+            </a:r>
+            <a:r>
+              <a:rPr lang="ru-RU" dirty="0"/>
               <a:t>)</a:t>
             </a:r>
           </a:p>
@@ -14692,18 +14241,17 @@
               <a:buNone/>
             </a:pPr>
             <a:r>
-              <a:rPr lang="ru-RU" dirty="0" smtClean="0"/>
+              <a:rPr lang="ru-RU" dirty="0"/>
               <a:t>Обратное вообще говоря не верно. Пример – </a:t>
             </a:r>
             <a:r>
-              <a:rPr lang="en-US" dirty="0" smtClean="0"/>
+              <a:rPr lang="en-US" dirty="0"/>
               <a:t>SHA-1 </a:t>
             </a:r>
             <a:r>
-              <a:rPr lang="ru-RU" dirty="0" smtClean="0"/>
+              <a:rPr lang="ru-RU" dirty="0"/>
               <a:t>сейчас считается стойкой односторонней хэш-функцией, но не стойкость к коллизиям второго рода.</a:t>
             </a:r>
-            <a:endParaRPr lang="ru-RU" dirty="0"/>
           </a:p>
         </p:txBody>
       </p:sp>
@@ -14740,13 +14288,6 @@
   <p:clrMapOvr>
     <a:masterClrMapping/>
   </p:clrMapOvr>
-  <p:timing>
-    <p:tnLst>
-      <p:par>
-        <p:cTn id="1" dur="indefinite" restart="never" nodeType="tmRoot"/>
-      </p:par>
-    </p:tnLst>
-  </p:timing>
 </p:sld>
 </file>
 
@@ -14783,18 +14324,9 @@
           <a:lstStyle/>
           <a:p>
             <a:r>
-              <a:rPr lang="ru-RU" dirty="0" smtClean="0"/>
-              <a:t>Модели хэш</a:t>
-            </a:r>
-            <a:r>
               <a:rPr lang="ru-RU" dirty="0"/>
-              <a:t>-</a:t>
-            </a:r>
-            <a:r>
-              <a:rPr lang="ru-RU" dirty="0" smtClean="0"/>
-              <a:t>функций</a:t>
-            </a:r>
-            <a:endParaRPr lang="ru-RU" dirty="0"/>
+              <a:t>Модели хэш-функций</a:t>
+            </a:r>
           </a:p>
         </p:txBody>
       </p:sp>
@@ -14827,28 +14359,28 @@
                 <a:gridCol w="398929">
                   <a:extLst>
                     <a:ext uri="{9D8B030D-6E8A-4147-A177-3AD203B41FA5}">
-                      <a16:colId xmlns="" xmlns:a16="http://schemas.microsoft.com/office/drawing/2014/main" val="20000"/>
+                      <a16:colId xmlns:a16="http://schemas.microsoft.com/office/drawing/2014/main" val="20000"/>
                     </a:ext>
                   </a:extLst>
                 </a:gridCol>
                 <a:gridCol w="3227295">
                   <a:extLst>
                     <a:ext uri="{9D8B030D-6E8A-4147-A177-3AD203B41FA5}">
-                      <a16:colId xmlns="" xmlns:a16="http://schemas.microsoft.com/office/drawing/2014/main" val="20001"/>
+                      <a16:colId xmlns:a16="http://schemas.microsoft.com/office/drawing/2014/main" val="20001"/>
                     </a:ext>
                   </a:extLst>
                 </a:gridCol>
                 <a:gridCol w="4260476">
                   <a:extLst>
                     <a:ext uri="{9D8B030D-6E8A-4147-A177-3AD203B41FA5}">
-                      <a16:colId xmlns="" xmlns:a16="http://schemas.microsoft.com/office/drawing/2014/main" val="20002"/>
+                      <a16:colId xmlns:a16="http://schemas.microsoft.com/office/drawing/2014/main" val="20002"/>
                     </a:ext>
                   </a:extLst>
                 </a:gridCol>
                 <a:gridCol w="2628900">
                   <a:extLst>
                     <a:ext uri="{9D8B030D-6E8A-4147-A177-3AD203B41FA5}">
-                      <a16:colId xmlns="" xmlns:a16="http://schemas.microsoft.com/office/drawing/2014/main" val="20003"/>
+                      <a16:colId xmlns:a16="http://schemas.microsoft.com/office/drawing/2014/main" val="20003"/>
                     </a:ext>
                   </a:extLst>
                 </a:gridCol>
@@ -14870,10 +14402,9 @@
                     <a:lstStyle/>
                     <a:p>
                       <a:r>
-                        <a:rPr lang="ru-RU" dirty="0" smtClean="0"/>
+                        <a:rPr lang="ru-RU" dirty="0"/>
                         <a:t>Русская терминология</a:t>
                       </a:r>
-                      <a:endParaRPr lang="ru-RU" dirty="0"/>
                     </a:p>
                   </a:txBody>
                   <a:tcPr/>
@@ -14884,10 +14415,9 @@
                     <a:lstStyle/>
                     <a:p>
                       <a:r>
-                        <a:rPr lang="ru-RU" dirty="0" smtClean="0"/>
+                        <a:rPr lang="ru-RU" dirty="0"/>
                         <a:t>Английская терминология</a:t>
                       </a:r>
-                      <a:endParaRPr lang="ru-RU" dirty="0"/>
                     </a:p>
                   </a:txBody>
                   <a:tcPr/>
@@ -14898,17 +14428,16 @@
                     <a:lstStyle/>
                     <a:p>
                       <a:r>
-                        <a:rPr lang="ru-RU" dirty="0" smtClean="0"/>
+                        <a:rPr lang="ru-RU" dirty="0"/>
                         <a:t>Отношение стойкости</a:t>
                       </a:r>
-                      <a:endParaRPr lang="ru-RU" dirty="0"/>
                     </a:p>
                   </a:txBody>
                   <a:tcPr/>
                 </a:tc>
                 <a:extLst>
                   <a:ext uri="{0D108BD9-81ED-4DB2-BD59-A6C34878D82A}">
-                    <a16:rowId xmlns="" xmlns:a16="http://schemas.microsoft.com/office/drawing/2014/main" val="10000"/>
+                    <a16:rowId xmlns:a16="http://schemas.microsoft.com/office/drawing/2014/main" val="10000"/>
                   </a:ext>
                 </a:extLst>
               </a:tr>
@@ -14919,7 +14448,7 @@
                     <a:lstStyle/>
                     <a:p>
                       <a:r>
-                        <a:rPr lang="en-US" dirty="0" smtClean="0"/>
+                        <a:rPr lang="en-US" dirty="0"/>
                         <a:t>1</a:t>
                       </a:r>
                       <a:endParaRPr lang="ru-RU" dirty="0"/>
@@ -14933,10 +14462,9 @@
                     <a:lstStyle/>
                     <a:p>
                       <a:r>
-                        <a:rPr lang="ru-RU" dirty="0" smtClean="0"/>
+                        <a:rPr lang="ru-RU" dirty="0"/>
                         <a:t>Односторонняя хэш-функция</a:t>
                       </a:r>
-                      <a:endParaRPr lang="ru-RU" dirty="0"/>
                     </a:p>
                   </a:txBody>
                   <a:tcPr/>
@@ -14947,31 +14475,31 @@
                     <a:lstStyle/>
                     <a:p>
                       <a:r>
-                        <a:rPr lang="en-US" dirty="0" smtClean="0"/>
+                        <a:rPr lang="en-US" dirty="0"/>
                         <a:t>Preimage resistant, one-way</a:t>
                       </a:r>
                       <a:r>
-                        <a:rPr lang="en-US" baseline="0" dirty="0" smtClean="0"/>
+                        <a:rPr lang="en-US" baseline="0" dirty="0"/>
                         <a:t> (p</a:t>
                       </a:r>
                       <a:r>
-                        <a:rPr lang="en-US" dirty="0" smtClean="0"/>
+                        <a:rPr lang="en-US" dirty="0"/>
                         <a:t>reimage resistant)</a:t>
                       </a:r>
                       <a:r>
-                        <a:rPr lang="ru-RU" dirty="0" smtClean="0"/>
+                        <a:rPr lang="ru-RU" dirty="0"/>
                         <a:t> (</a:t>
                       </a:r>
                       <a:r>
-                        <a:rPr lang="en-US" dirty="0" smtClean="0"/>
+                        <a:rPr lang="en-US" dirty="0"/>
                         <a:t>aka</a:t>
                       </a:r>
                       <a:r>
-                        <a:rPr lang="en-US" baseline="0" dirty="0" smtClean="0"/>
+                        <a:rPr lang="en-US" baseline="0" dirty="0"/>
                         <a:t> </a:t>
                       </a:r>
                       <a:r>
-                        <a:rPr lang="ru-RU" baseline="0" dirty="0" smtClean="0"/>
+                        <a:rPr lang="ru-RU" baseline="0" dirty="0"/>
                         <a:t>стойкость к нахождению прообраза)</a:t>
                       </a:r>
                       <a:endParaRPr lang="ru-RU" dirty="0"/>
@@ -14985,7 +14513,7 @@
                     <a:lstStyle/>
                     <a:p>
                       <a:r>
-                        <a:rPr lang="en-US" dirty="0" smtClean="0"/>
+                        <a:rPr lang="en-US" dirty="0"/>
                         <a:t>=&gt; 1</a:t>
                       </a:r>
                       <a:endParaRPr lang="ru-RU" dirty="0"/>
@@ -14995,7 +14523,7 @@
                 </a:tc>
                 <a:extLst>
                   <a:ext uri="{0D108BD9-81ED-4DB2-BD59-A6C34878D82A}">
-                    <a16:rowId xmlns="" xmlns:a16="http://schemas.microsoft.com/office/drawing/2014/main" val="10001"/>
+                    <a16:rowId xmlns:a16="http://schemas.microsoft.com/office/drawing/2014/main" val="10001"/>
                   </a:ext>
                 </a:extLst>
               </a:tr>
@@ -15006,7 +14534,7 @@
                     <a:lstStyle/>
                     <a:p>
                       <a:r>
-                        <a:rPr lang="en-US" dirty="0" smtClean="0"/>
+                        <a:rPr lang="en-US" dirty="0"/>
                         <a:t>2</a:t>
                       </a:r>
                       <a:endParaRPr lang="ru-RU" dirty="0"/>
@@ -15020,10 +14548,9 @@
                     <a:lstStyle/>
                     <a:p>
                       <a:r>
-                        <a:rPr lang="ru-RU" dirty="0" smtClean="0"/>
+                        <a:rPr lang="ru-RU" dirty="0"/>
                         <a:t>Стойкая к коллизиям первого рода</a:t>
                       </a:r>
-                      <a:endParaRPr lang="ru-RU" dirty="0"/>
                     </a:p>
                   </a:txBody>
                   <a:tcPr/>
@@ -15034,23 +14561,23 @@
                     <a:lstStyle/>
                     <a:p>
                       <a:r>
-                        <a:rPr lang="en-US" dirty="0" smtClean="0"/>
+                        <a:rPr lang="en-US" dirty="0"/>
                         <a:t>2nd-preimage resistant</a:t>
                       </a:r>
                       <a:r>
-                        <a:rPr lang="ru-RU" dirty="0" smtClean="0"/>
+                        <a:rPr lang="ru-RU" dirty="0"/>
                         <a:t> (</a:t>
                       </a:r>
                       <a:r>
-                        <a:rPr lang="en-US" dirty="0" smtClean="0"/>
+                        <a:rPr lang="en-US" dirty="0"/>
                         <a:t>aka</a:t>
                       </a:r>
                       <a:r>
-                        <a:rPr lang="en-US" baseline="0" dirty="0" smtClean="0"/>
+                        <a:rPr lang="en-US" baseline="0" dirty="0"/>
                         <a:t> </a:t>
                       </a:r>
                       <a:r>
-                        <a:rPr lang="ru-RU" baseline="0" dirty="0" smtClean="0"/>
+                        <a:rPr lang="ru-RU" baseline="0" dirty="0"/>
                         <a:t>стойкость к нахождению второго прообраза, когда один уже дан)</a:t>
                       </a:r>
                       <a:endParaRPr lang="ru-RU" dirty="0"/>
@@ -15068,7 +14595,7 @@
                         <a:buChar char="Þ"/>
                       </a:pPr>
                       <a:r>
-                        <a:rPr lang="en-US" dirty="0" smtClean="0"/>
+                        <a:rPr lang="en-US" dirty="0"/>
                         <a:t>12</a:t>
                       </a:r>
                       <a:endParaRPr lang="ru-RU" dirty="0"/>
@@ -15078,7 +14605,7 @@
                 </a:tc>
                 <a:extLst>
                   <a:ext uri="{0D108BD9-81ED-4DB2-BD59-A6C34878D82A}">
-                    <a16:rowId xmlns="" xmlns:a16="http://schemas.microsoft.com/office/drawing/2014/main" val="10002"/>
+                    <a16:rowId xmlns:a16="http://schemas.microsoft.com/office/drawing/2014/main" val="10002"/>
                   </a:ext>
                 </a:extLst>
               </a:tr>
@@ -15089,7 +14616,7 @@
                     <a:lstStyle/>
                     <a:p>
                       <a:r>
-                        <a:rPr lang="en-US" dirty="0" smtClean="0"/>
+                        <a:rPr lang="en-US" dirty="0"/>
                         <a:t>3</a:t>
                       </a:r>
                       <a:endParaRPr lang="ru-RU" dirty="0"/>
@@ -15103,10 +14630,9 @@
                     <a:lstStyle/>
                     <a:p>
                       <a:r>
-                        <a:rPr lang="ru-RU" dirty="0" smtClean="0"/>
+                        <a:rPr lang="ru-RU" dirty="0"/>
                         <a:t>Стойкие к коллизиям второго рода</a:t>
                       </a:r>
-                      <a:endParaRPr lang="ru-RU" dirty="0"/>
                     </a:p>
                   </a:txBody>
                   <a:tcPr/>
@@ -15117,14 +14643,13 @@
                     <a:lstStyle/>
                     <a:p>
                       <a:r>
-                        <a:rPr lang="en-US" dirty="0" smtClean="0"/>
+                        <a:rPr lang="en-US" dirty="0"/>
                         <a:t>Collision Resistant (aka </a:t>
                       </a:r>
                       <a:r>
-                        <a:rPr lang="ru-RU" dirty="0" smtClean="0"/>
+                        <a:rPr lang="ru-RU" dirty="0"/>
                         <a:t>стойкость к коллизиям)</a:t>
                       </a:r>
-                      <a:endParaRPr lang="ru-RU" dirty="0"/>
                     </a:p>
                   </a:txBody>
                   <a:tcPr/>
@@ -15139,7 +14664,7 @@
                         <a:buChar char="Þ"/>
                       </a:pPr>
                       <a:r>
-                        <a:rPr lang="en-US" dirty="0" smtClean="0"/>
+                        <a:rPr lang="en-US" dirty="0"/>
                         <a:t>123</a:t>
                       </a:r>
                       <a:endParaRPr lang="ru-RU" dirty="0"/>
@@ -15149,7 +14674,7 @@
                 </a:tc>
                 <a:extLst>
                   <a:ext uri="{0D108BD9-81ED-4DB2-BD59-A6C34878D82A}">
-                    <a16:rowId xmlns="" xmlns:a16="http://schemas.microsoft.com/office/drawing/2014/main" val="10003"/>
+                    <a16:rowId xmlns:a16="http://schemas.microsoft.com/office/drawing/2014/main" val="10003"/>
                   </a:ext>
                 </a:extLst>
               </a:tr>
@@ -15160,7 +14685,7 @@
                     <a:lstStyle/>
                     <a:p>
                       <a:r>
-                        <a:rPr lang="en-US" b="0" dirty="0" smtClean="0"/>
+                        <a:rPr lang="en-US" b="0" dirty="0"/>
                         <a:t>4</a:t>
                       </a:r>
                       <a:endParaRPr lang="ru-RU" b="0" dirty="0"/>
@@ -15174,10 +14699,9 @@
                     <a:lstStyle/>
                     <a:p>
                       <a:r>
-                        <a:rPr lang="ru-RU" b="0" dirty="0" smtClean="0"/>
+                        <a:rPr lang="ru-RU" b="0" dirty="0"/>
                         <a:t>Случайный оракул (в старой терминологии не используется)</a:t>
                       </a:r>
-                      <a:endParaRPr lang="ru-RU" b="0" dirty="0"/>
                     </a:p>
                   </a:txBody>
                   <a:tcPr/>
@@ -15188,7 +14712,7 @@
                     <a:lstStyle/>
                     <a:p>
                       <a:r>
-                        <a:rPr lang="en-US" dirty="0" smtClean="0"/>
+                        <a:rPr lang="en-US" dirty="0"/>
                         <a:t>Random oracle</a:t>
                       </a:r>
                       <a:endParaRPr lang="ru-RU" dirty="0"/>
@@ -15206,7 +14730,7 @@
                         <a:buChar char="Þ"/>
                       </a:pPr>
                       <a:r>
-                        <a:rPr lang="en-US" dirty="0" smtClean="0"/>
+                        <a:rPr lang="en-US" dirty="0"/>
                         <a:t>1234</a:t>
                       </a:r>
                       <a:endParaRPr lang="ru-RU" dirty="0"/>
@@ -15216,7 +14740,7 @@
                 </a:tc>
                 <a:extLst>
                   <a:ext uri="{0D108BD9-81ED-4DB2-BD59-A6C34878D82A}">
-                    <a16:rowId xmlns="" xmlns:a16="http://schemas.microsoft.com/office/drawing/2014/main" val="10004"/>
+                    <a16:rowId xmlns:a16="http://schemas.microsoft.com/office/drawing/2014/main" val="10004"/>
                   </a:ext>
                 </a:extLst>
               </a:tr>
@@ -15257,13 +14781,6 @@
   <p:clrMapOvr>
     <a:masterClrMapping/>
   </p:clrMapOvr>
-  <p:timing>
-    <p:tnLst>
-      <p:par>
-        <p:cTn id="1" dur="indefinite" restart="never" nodeType="tmRoot"/>
-      </p:par>
-    </p:tnLst>
-  </p:timing>
 </p:sld>
 </file>
 
@@ -15327,32 +14844,8 @@
               <a:buNone/>
             </a:pPr>
             <a:r>
-              <a:rPr lang="ru-RU" dirty="0" smtClean="0"/>
-              <a:t>Т.к. хэш</a:t>
-            </a:r>
-            <a:r>
               <a:rPr lang="ru-RU" dirty="0"/>
-              <a:t>-</a:t>
-            </a:r>
-            <a:r>
-              <a:rPr lang="ru-RU" dirty="0" smtClean="0"/>
-              <a:t>функции широко распространены как криптографический примитив, стойкость системы часто сводится к стойкости хэш</a:t>
-            </a:r>
-            <a:r>
-              <a:rPr lang="ru-RU" dirty="0"/>
-              <a:t>-</a:t>
-            </a:r>
-            <a:r>
-              <a:rPr lang="ru-RU" dirty="0" smtClean="0"/>
-              <a:t>функции в какой либо модели. При этом стараются использовать наиболее «слабую» модель хэш</a:t>
-            </a:r>
-            <a:r>
-              <a:rPr lang="ru-RU" dirty="0"/>
-              <a:t>-</a:t>
-            </a:r>
-            <a:r>
-              <a:rPr lang="ru-RU" dirty="0" smtClean="0"/>
-              <a:t>функции, для обеспечения минимальных требований к хэш-функции и увеличения стойкости системы.</a:t>
+              <a:t>Т.к. хэш-функции широко распространены как криптографический примитив, стойкость системы часто сводится к стойкости хэш-функции в какой либо модели. При этом стараются использовать наиболее «слабую» модель хэш-функции, для обеспечения минимальных требований к хэш-функции и увеличения стойкости системы.</a:t>
             </a:r>
           </a:p>
           <a:p>
@@ -15366,15 +14859,15 @@
               <a:buNone/>
             </a:pPr>
             <a:r>
-              <a:rPr lang="ru-RU" dirty="0" smtClean="0"/>
+              <a:rPr lang="ru-RU" dirty="0"/>
               <a:t>Некоторые доказательства для современных систем удалось провести только в модели случайного оракула (</a:t>
             </a:r>
             <a:r>
-              <a:rPr lang="en-US" dirty="0" smtClean="0"/>
+              <a:rPr lang="en-US" dirty="0"/>
               <a:t>Random oracle model)</a:t>
             </a:r>
             <a:r>
-              <a:rPr lang="ru-RU" dirty="0" smtClean="0"/>
+              <a:rPr lang="ru-RU" dirty="0"/>
               <a:t>, в которой хэш-функции предполагаются случайными оракулами.</a:t>
             </a:r>
           </a:p>
@@ -15383,10 +14876,9 @@
               <a:buNone/>
             </a:pPr>
             <a:r>
-              <a:rPr lang="ru-RU" dirty="0" smtClean="0"/>
+              <a:rPr lang="ru-RU" dirty="0"/>
               <a:t>Модель без случайных оракулов называется стандартной (предполагая ограничение по времени и вычислительной мощи противника).</a:t>
             </a:r>
-            <a:endParaRPr lang="ru-RU" dirty="0"/>
           </a:p>
         </p:txBody>
       </p:sp>
@@ -15423,13 +14915,6 @@
   <p:clrMapOvr>
     <a:masterClrMapping/>
   </p:clrMapOvr>
-  <p:timing>
-    <p:tnLst>
-      <p:par>
-        <p:cTn id="1" dur="indefinite" restart="never" nodeType="tmRoot"/>
-      </p:par>
-    </p:tnLst>
-  </p:timing>
 </p:sld>
 </file>
 
@@ -15528,7 +15013,7 @@
           <a:lstStyle/>
           <a:p>
             <a:r>
-              <a:rPr lang="en-US" dirty="0" smtClean="0"/>
+              <a:rPr lang="en-US" dirty="0"/>
               <a:t>NMAC</a:t>
             </a:r>
             <a:endParaRPr lang="ru-RU" dirty="0"/>
@@ -15558,7 +15043,7 @@
               <a:lstStyle/>
               <a:p>
                 <a:r>
-                  <a:rPr lang="en-US" dirty="0" smtClean="0"/>
+                  <a:rPr lang="en-US" dirty="0"/>
                   <a:t>PRF </a:t>
                 </a:r>
                 <a14:m>
@@ -16370,37 +15855,29 @@
                     </m:oMath>
                   </m:oMathPara>
                 </a14:m>
-                <a:endParaRPr lang="en-US" dirty="0" smtClean="0"/>
+                <a:endParaRPr lang="en-US" dirty="0"/>
               </a:p>
               <a:p>
                 <a:pPr marL="0" indent="0">
                   <a:buNone/>
                 </a:pPr>
-                <a:endParaRPr lang="en-US" dirty="0" smtClean="0"/>
+                <a:endParaRPr lang="en-US" dirty="0"/>
               </a:p>
               <a:p>
                 <a:pPr marL="0" indent="0">
                   <a:buNone/>
                 </a:pPr>
                 <a:r>
-                  <a:rPr lang="ru-RU" dirty="0" smtClean="0"/>
+                  <a:rPr lang="ru-RU" dirty="0"/>
                   <a:t>Рассмотрим как можно получить </a:t>
                 </a:r>
                 <a:r>
-                  <a:rPr lang="en-US" dirty="0" smtClean="0"/>
+                  <a:rPr lang="en-US" dirty="0"/>
                   <a:t>MAC </a:t>
                 </a:r>
                 <a:r>
-                  <a:rPr lang="ru-RU" dirty="0" smtClean="0"/>
-                  <a:t>на основе хэш</a:t>
-                </a:r>
-                <a:r>
                   <a:rPr lang="ru-RU" dirty="0"/>
-                  <a:t>-</a:t>
-                </a:r>
-                <a:r>
-                  <a:rPr lang="ru-RU" dirty="0" smtClean="0"/>
-                  <a:t>функции, используя похожую конструкцию.</a:t>
+                  <a:t>на основе хэш-функции, используя похожую конструкцию.</a:t>
                 </a:r>
                 <a:endParaRPr lang="en-US" dirty="0"/>
               </a:p>
@@ -16478,13 +15955,6 @@
   <p:clrMapOvr>
     <a:masterClrMapping/>
   </p:clrMapOvr>
-  <p:timing>
-    <p:tnLst>
-      <p:par>
-        <p:cTn id="1" dur="indefinite" restart="never" nodeType="tmRoot"/>
-      </p:par>
-    </p:tnLst>
-  </p:timing>
 </p:sld>
 </file>
 
@@ -16564,19 +16034,19 @@
                   <a:t> </a:t>
                 </a:r>
                 <a:r>
-                  <a:rPr lang="ru-RU" dirty="0" smtClean="0"/>
+                  <a:rPr lang="ru-RU" dirty="0"/>
                   <a:t>на</a:t>
                 </a:r>
                 <a:r>
-                  <a:rPr lang="en-US" dirty="0" smtClean="0"/>
+                  <a:rPr lang="en-US" dirty="0"/>
                   <a:t> </a:t>
                 </a:r>
                 <a:r>
-                  <a:rPr lang="ru-RU" dirty="0" smtClean="0"/>
+                  <a:rPr lang="ru-RU" dirty="0"/>
                   <a:t>итеративную хэш-функцию хэш-функцию. Получим</a:t>
                 </a:r>
                 <a:r>
-                  <a:rPr lang="en-US" dirty="0" smtClean="0"/>
+                  <a:rPr lang="en-US" dirty="0"/>
                   <a:t>:</a:t>
                 </a:r>
                 <a:endParaRPr lang="ru-RU" dirty="0"/>
@@ -16675,13 +16145,6 @@
   <p:clrMapOvr>
     <a:masterClrMapping/>
   </p:clrMapOvr>
-  <p:timing>
-    <p:tnLst>
-      <p:par>
-        <p:cTn id="1" dur="indefinite" restart="never" nodeType="tmRoot"/>
-      </p:par>
-    </p:tnLst>
-  </p:timing>
 </p:sld>
 </file>
 
@@ -16746,7 +16209,7 @@
                   <a:buNone/>
                 </a:pPr>
                 <a:r>
-                  <a:rPr lang="ru-RU" dirty="0" smtClean="0"/>
+                  <a:rPr lang="ru-RU" dirty="0"/>
                   <a:t>Реализуем алгоритм получения ключей </a:t>
                 </a:r>
                 <a14:m>
@@ -16787,11 +16250,11 @@
                   </m:oMath>
                 </a14:m>
                 <a:r>
-                  <a:rPr lang="en-US" dirty="0" smtClean="0"/>
+                  <a:rPr lang="en-US" dirty="0"/>
                   <a:t> </a:t>
                 </a:r>
                 <a:r>
-                  <a:rPr lang="ru-RU" dirty="0" smtClean="0"/>
+                  <a:rPr lang="ru-RU" dirty="0"/>
                   <a:t>и </a:t>
                 </a:r>
                 <a14:m>
@@ -16832,19 +16295,19 @@
                   </m:oMath>
                 </a14:m>
                 <a:r>
-                  <a:rPr lang="en-US" dirty="0" smtClean="0"/>
+                  <a:rPr lang="en-US" dirty="0"/>
                   <a:t> </a:t>
                 </a:r>
                 <a:r>
-                  <a:rPr lang="ru-RU" dirty="0" smtClean="0"/>
+                  <a:rPr lang="ru-RU" dirty="0"/>
                   <a:t>с помощью </a:t>
                 </a:r>
                 <a:r>
-                  <a:rPr lang="en-US" dirty="0" smtClean="0"/>
+                  <a:rPr lang="en-US" dirty="0"/>
                   <a:t>IV</a:t>
                 </a:r>
                 <a:r>
-                  <a:rPr lang="ru-RU" dirty="0" smtClean="0"/>
+                  <a:rPr lang="ru-RU" dirty="0"/>
                   <a:t> и </a:t>
                 </a:r>
                 <a14:m>
@@ -16877,11 +16340,11 @@
                   </m:oMath>
                 </a14:m>
                 <a:r>
-                  <a:rPr lang="en-US" dirty="0" smtClean="0"/>
+                  <a:rPr lang="en-US" dirty="0"/>
                   <a:t> </a:t>
                 </a:r>
                 <a:r>
-                  <a:rPr lang="ru-RU" dirty="0" smtClean="0"/>
+                  <a:rPr lang="ru-RU" dirty="0"/>
                   <a:t>и </a:t>
                 </a:r>
                 <a14:m>
@@ -17009,13 +16472,6 @@
   <p:clrMapOvr>
     <a:masterClrMapping/>
   </p:clrMapOvr>
-  <p:timing>
-    <p:tnLst>
-      <p:par>
-        <p:cTn id="1" dur="indefinite" restart="never" nodeType="tmRoot"/>
-      </p:par>
-    </p:tnLst>
-  </p:timing>
 </p:sld>
 </file>
 
@@ -17052,7 +16508,7 @@
           <a:lstStyle/>
           <a:p>
             <a:r>
-              <a:rPr lang="en-US" dirty="0" smtClean="0"/>
+              <a:rPr lang="en-US" dirty="0"/>
               <a:t>HMAC</a:t>
             </a:r>
             <a:endParaRPr lang="ru-RU" dirty="0"/>
@@ -17082,11 +16538,11 @@
                   <a:buNone/>
                 </a:pPr>
                 <a:r>
-                  <a:rPr lang="ru-RU" dirty="0" smtClean="0"/>
+                  <a:rPr lang="ru-RU" dirty="0"/>
                   <a:t>Уберём независимость ключей</a:t>
                 </a:r>
                 <a:r>
-                  <a:rPr lang="en-US" dirty="0" smtClean="0"/>
+                  <a:rPr lang="en-US" dirty="0"/>
                   <a:t> </a:t>
                 </a:r>
                 <a14:m>
@@ -17119,11 +16575,11 @@
                   </m:oMath>
                 </a14:m>
                 <a:r>
-                  <a:rPr lang="en-US" dirty="0" smtClean="0"/>
+                  <a:rPr lang="en-US" dirty="0"/>
                   <a:t> </a:t>
                 </a:r>
                 <a:r>
-                  <a:rPr lang="ru-RU" dirty="0" smtClean="0"/>
+                  <a:rPr lang="ru-RU" dirty="0"/>
                   <a:t>и </a:t>
                 </a:r>
                 <a14:m>
@@ -17156,7 +16612,7 @@
                   </m:oMath>
                 </a14:m>
                 <a:r>
-                  <a:rPr lang="en-US" dirty="0" smtClean="0"/>
+                  <a:rPr lang="en-US" dirty="0"/>
                   <a:t>:</a:t>
                 </a:r>
               </a:p>
@@ -17214,7 +16670,7 @@
                     </m:r>
                   </m:oMath>
                 </a14:m>
-                <a:endParaRPr lang="en-US" b="0" dirty="0" smtClean="0"/>
+                <a:endParaRPr lang="en-US" b="0" dirty="0"/>
               </a:p>
               <a:p>
                 <a14:m>
@@ -17270,17 +16726,17 @@
                     </m:r>
                   </m:oMath>
                 </a14:m>
-                <a:endParaRPr lang="en-US" dirty="0" smtClean="0"/>
+                <a:endParaRPr lang="en-US" dirty="0"/>
               </a:p>
               <a:p>
                 <a:pPr marL="0" indent="0">
                   <a:buNone/>
                 </a:pPr>
                 <a:r>
-                  <a:rPr lang="ru-RU" dirty="0" smtClean="0"/>
+                  <a:rPr lang="ru-RU" dirty="0"/>
                   <a:t>Где </a:t>
                 </a:r>
-                <a:endParaRPr lang="en-US" dirty="0" smtClean="0"/>
+                <a:endParaRPr lang="en-US" dirty="0"/>
               </a:p>
               <a:p>
                 <a14:m>
@@ -17336,12 +16792,8 @@
                   </m:oMath>
                 </a14:m>
                 <a:r>
-                  <a:rPr lang="en-US" dirty="0" smtClean="0"/>
-                  <a:t>,…,</a:t>
-                </a:r>
-                <a:r>
                   <a:rPr lang="en-US" dirty="0"/>
-                  <a:t> </a:t>
+                  <a:t>,…, </a:t>
                 </a:r>
                 <a14:m>
                   <m:oMath xmlns:m="http://schemas.openxmlformats.org/officeDocument/2006/math">
@@ -17369,7 +16821,7 @@
                   </m:oMath>
                 </a14:m>
                 <a:r>
-                  <a:rPr lang="en-US" dirty="0" smtClean="0"/>
+                  <a:rPr lang="en-US" dirty="0"/>
                   <a:t>)</a:t>
                 </a:r>
               </a:p>
@@ -17489,7 +16941,7 @@
                   </m:oMath>
                 </a14:m>
                 <a:r>
-                  <a:rPr lang="en-US" dirty="0" smtClean="0"/>
+                  <a:rPr lang="en-US" dirty="0"/>
                   <a:t>)</a:t>
                 </a:r>
               </a:p>
@@ -17498,14 +16950,13 @@
                   <a:buNone/>
                 </a:pPr>
                 <a:r>
-                  <a:rPr lang="ru-RU" dirty="0" smtClean="0"/>
+                  <a:rPr lang="ru-RU" dirty="0"/>
                   <a:t>Итого</a:t>
                 </a:r>
                 <a:r>
-                  <a:rPr lang="en-US" dirty="0" smtClean="0"/>
+                  <a:rPr lang="en-US" dirty="0"/>
                   <a:t>:</a:t>
                 </a:r>
-                <a:endParaRPr lang="en-US" dirty="0"/>
               </a:p>
               <a:p>
                 <a:pPr marL="0" indent="0">
@@ -17644,38 +17095,38 @@
                     </m:oMath>
                   </m:oMathPara>
                 </a14:m>
-                <a:endParaRPr lang="en-US" dirty="0" smtClean="0"/>
+                <a:endParaRPr lang="en-US" dirty="0"/>
               </a:p>
               <a:p>
                 <a:pPr marL="0" indent="0">
                   <a:buNone/>
                 </a:pPr>
                 <a:r>
-                  <a:rPr lang="ru-RU" dirty="0" smtClean="0"/>
+                  <a:rPr lang="ru-RU" dirty="0"/>
                   <a:t>Стойкость</a:t>
                 </a:r>
                 <a:r>
-                  <a:rPr lang="en-US" dirty="0" smtClean="0"/>
+                  <a:rPr lang="en-US" dirty="0"/>
                   <a:t> </a:t>
                 </a:r>
                 <a:r>
-                  <a:rPr lang="ru-RU" dirty="0" smtClean="0"/>
+                  <a:rPr lang="ru-RU" dirty="0"/>
                   <a:t>как </a:t>
                 </a:r>
                 <a:r>
-                  <a:rPr lang="en-US" dirty="0" smtClean="0"/>
+                  <a:rPr lang="en-US" dirty="0"/>
                   <a:t>PRF</a:t>
                 </a:r>
                 <a:r>
-                  <a:rPr lang="ru-RU" dirty="0" smtClean="0"/>
+                  <a:rPr lang="ru-RU" dirty="0"/>
                   <a:t> показана в модели стойкой </a:t>
                 </a:r>
                 <a:r>
-                  <a:rPr lang="en-US" dirty="0" smtClean="0"/>
+                  <a:rPr lang="en-US" dirty="0"/>
                   <a:t>PRF</a:t>
                 </a:r>
                 <a:r>
-                  <a:rPr lang="ru-RU" dirty="0" smtClean="0"/>
+                  <a:rPr lang="ru-RU" dirty="0"/>
                   <a:t> </a:t>
                 </a:r>
                 <a14:m>
@@ -17689,22 +17140,22 @@
                   </m:oMath>
                 </a14:m>
                 <a:r>
-                  <a:rPr lang="en-US" dirty="0" smtClean="0"/>
+                  <a:rPr lang="en-US" dirty="0"/>
                   <a:t> </a:t>
                 </a:r>
                 <a:r>
-                  <a:rPr lang="ru-RU" dirty="0" smtClean="0"/>
+                  <a:rPr lang="ru-RU" dirty="0"/>
                   <a:t>при связанных ключах</a:t>
                 </a:r>
                 <a:r>
-                  <a:rPr lang="en-US" dirty="0" smtClean="0"/>
+                  <a:rPr lang="en-US" dirty="0"/>
                   <a:t> (related key attack PRF, RKA-PRF)</a:t>
                 </a:r>
                 <a:r>
-                  <a:rPr lang="ru-RU" dirty="0" smtClean="0"/>
+                  <a:rPr lang="ru-RU" dirty="0"/>
                   <a:t>, что в свою очередь может быть доказано в модели идеального шифра (не вводили в данном курсе).</a:t>
                 </a:r>
-                <a:endParaRPr lang="en-US" dirty="0" smtClean="0"/>
+                <a:endParaRPr lang="en-US" dirty="0"/>
               </a:p>
               <a:p>
                 <a:endParaRPr lang="ru-RU" dirty="0"/>
@@ -17779,13 +17230,6 @@
   <p:clrMapOvr>
     <a:masterClrMapping/>
   </p:clrMapOvr>
-  <p:timing>
-    <p:tnLst>
-      <p:par>
-        <p:cTn id="1" dur="indefinite" restart="never" nodeType="tmRoot"/>
-      </p:par>
-    </p:tnLst>
-  </p:timing>
 </p:sld>
 </file>
 
@@ -17822,7 +17266,7 @@
           <a:lstStyle/>
           <a:p>
             <a:r>
-              <a:rPr lang="en-US" dirty="0" smtClean="0"/>
+              <a:rPr lang="en-US" dirty="0"/>
               <a:t>HMAC</a:t>
             </a:r>
             <a:endParaRPr lang="ru-RU" dirty="0"/>
@@ -17845,63 +17289,62 @@
           <a:lstStyle/>
           <a:p>
             <a:r>
-              <a:rPr lang="ru-RU" dirty="0" smtClean="0"/>
+              <a:rPr lang="ru-RU" dirty="0"/>
               <a:t>Де-факто интернет стандарт</a:t>
             </a:r>
           </a:p>
           <a:p>
             <a:r>
-              <a:rPr lang="ru-RU" dirty="0" smtClean="0"/>
+              <a:rPr lang="ru-RU" dirty="0"/>
               <a:t>Не требует блочного шифра для реализации, основан на хэш-функции</a:t>
             </a:r>
           </a:p>
           <a:p>
             <a:r>
-              <a:rPr lang="ru-RU" dirty="0" smtClean="0"/>
+              <a:rPr lang="ru-RU" dirty="0"/>
               <a:t>Используется во множестве протоколов</a:t>
             </a:r>
           </a:p>
           <a:p>
             <a:r>
-              <a:rPr lang="ru-RU" dirty="0" smtClean="0"/>
+              <a:rPr lang="ru-RU" dirty="0"/>
               <a:t>Самый распространённых </a:t>
             </a:r>
             <a:r>
-              <a:rPr lang="en-US" dirty="0" smtClean="0"/>
+              <a:rPr lang="en-US" dirty="0"/>
               <a:t>MAC </a:t>
             </a:r>
-            <a:endParaRPr lang="ru-RU" dirty="0" smtClean="0"/>
-          </a:p>
-          <a:p>
-            <a:r>
-              <a:rPr lang="ru-RU" dirty="0" smtClean="0"/>
+            <a:endParaRPr lang="ru-RU" dirty="0"/>
+          </a:p>
+          <a:p>
+            <a:r>
+              <a:rPr lang="ru-RU" dirty="0"/>
               <a:t>Может быть построен с использованием произвольной хэш-функции (включая ГОСТ)</a:t>
             </a:r>
           </a:p>
           <a:p>
             <a:r>
-              <a:rPr lang="ru-RU" dirty="0" smtClean="0"/>
+              <a:rPr lang="ru-RU" dirty="0"/>
               <a:t>В настоящий момент используется </a:t>
             </a:r>
             <a:r>
-              <a:rPr lang="en-US" dirty="0" smtClean="0"/>
+              <a:rPr lang="en-US" dirty="0"/>
               <a:t>HMAC-SHA-256</a:t>
             </a:r>
           </a:p>
           <a:p>
             <a:r>
-              <a:rPr lang="ru-RU" dirty="0" smtClean="0"/>
+              <a:rPr lang="ru-RU" dirty="0"/>
               <a:t>Лучше избегать использование </a:t>
             </a:r>
             <a:r>
-              <a:rPr lang="en-US" dirty="0" smtClean="0"/>
+              <a:rPr lang="en-US" dirty="0"/>
               <a:t>HMAC-SHA-1</a:t>
             </a:r>
             <a:r>
-              <a:rPr lang="ru-RU" dirty="0" smtClean="0"/>
+              <a:rPr lang="ru-RU" dirty="0"/>
               <a:t>, хотя в настоящий момент не известны практические атаки, существенно лучше перебора</a:t>
             </a:r>
-            <a:endParaRPr lang="ru-RU" dirty="0"/>
           </a:p>
         </p:txBody>
       </p:sp>
@@ -17938,13 +17381,6 @@
   <p:clrMapOvr>
     <a:masterClrMapping/>
   </p:clrMapOvr>
-  <p:timing>
-    <p:tnLst>
-      <p:par>
-        <p:cTn id="1" dur="indefinite" restart="never" nodeType="tmRoot"/>
-      </p:par>
-    </p:tnLst>
-  </p:timing>
 </p:sld>
 </file>
 
@@ -17981,7 +17417,7 @@
           <a:lstStyle/>
           <a:p>
             <a:r>
-              <a:rPr lang="ru-RU" dirty="0" smtClean="0"/>
+              <a:rPr lang="ru-RU" dirty="0"/>
               <a:t>Получение ключей</a:t>
             </a:r>
             <a:endParaRPr lang="en-US" dirty="0"/>
@@ -18009,41 +17445,41 @@
               <a:buNone/>
             </a:pPr>
             <a:r>
-              <a:rPr lang="ru-RU" dirty="0" smtClean="0"/>
+              <a:rPr lang="ru-RU" dirty="0"/>
               <a:t>Пусть имеется единственный ключ </a:t>
             </a:r>
             <a:r>
-              <a:rPr lang="en-US" dirty="0" smtClean="0"/>
+              <a:rPr lang="en-US" dirty="0"/>
               <a:t>SK</a:t>
             </a:r>
             <a:r>
-              <a:rPr lang="ru-RU" dirty="0" smtClean="0"/>
+              <a:rPr lang="ru-RU" dirty="0"/>
               <a:t>, полученный из</a:t>
             </a:r>
             <a:r>
-              <a:rPr lang="en-US" dirty="0" smtClean="0"/>
+              <a:rPr lang="en-US" dirty="0"/>
               <a:t>:</a:t>
             </a:r>
           </a:p>
           <a:p>
             <a:r>
-              <a:rPr lang="ru-RU" dirty="0" smtClean="0"/>
+              <a:rPr lang="ru-RU" dirty="0"/>
               <a:t>Аппаратного датчика случайных чисел</a:t>
             </a:r>
-            <a:endParaRPr lang="en-US" dirty="0" smtClean="0"/>
-          </a:p>
-          <a:p>
-            <a:r>
-              <a:rPr lang="ru-RU" dirty="0" smtClean="0"/>
+            <a:endParaRPr lang="en-US" dirty="0"/>
+          </a:p>
+          <a:p>
+            <a:r>
+              <a:rPr lang="ru-RU" dirty="0"/>
               <a:t>Протокола распределения ключей (передача или согласование ключа)</a:t>
             </a:r>
           </a:p>
           <a:p>
             <a:r>
-              <a:rPr lang="ru-RU" dirty="0" smtClean="0"/>
+              <a:rPr lang="ru-RU" dirty="0"/>
               <a:t>Пароль пользователя</a:t>
             </a:r>
-            <a:endParaRPr lang="en-US" dirty="0" smtClean="0"/>
+            <a:endParaRPr lang="en-US" dirty="0"/>
           </a:p>
           <a:p>
             <a:pPr marL="0" indent="0">
@@ -18053,11 +17489,11 @@
               <a:buNone/>
             </a:pPr>
             <a:r>
-              <a:rPr lang="ru-RU" dirty="0" smtClean="0"/>
+              <a:rPr lang="ru-RU" dirty="0"/>
               <a:t>Хотим получить сессионные ключи из данного ключа</a:t>
             </a:r>
             <a:r>
-              <a:rPr lang="en-US" dirty="0" smtClean="0"/>
+              <a:rPr lang="en-US" dirty="0"/>
               <a:t>.</a:t>
             </a:r>
           </a:p>
@@ -18069,11 +17505,11 @@
               <a:buNone/>
             </a:pPr>
             <a:r>
-              <a:rPr lang="ru-RU" dirty="0" smtClean="0"/>
+              <a:rPr lang="ru-RU" dirty="0"/>
               <a:t>Используются </a:t>
             </a:r>
             <a:r>
-              <a:rPr lang="en-US" dirty="0" smtClean="0"/>
+              <a:rPr lang="en-US" dirty="0"/>
               <a:t>KDF – key derivation functions</a:t>
             </a:r>
           </a:p>
@@ -18318,13 +17754,6 @@
   <p:clrMapOvr>
     <a:masterClrMapping/>
   </p:clrMapOvr>
-  <p:timing>
-    <p:tnLst>
-      <p:par>
-        <p:cTn id="1" dur="indefinite" restart="never" nodeType="tmRoot"/>
-      </p:par>
-    </p:tnLst>
-  </p:timing>
 </p:sld>
 </file>
 
@@ -18408,7 +17837,7 @@
           <a:lstStyle/>
           <a:p>
             <a:r>
-              <a:rPr lang="en-US" sz="20000" dirty="0" smtClean="0">
+              <a:rPr lang="en-US" sz="20000" dirty="0">
                 <a:solidFill>
                   <a:schemeClr val="bg1"/>
                 </a:solidFill>
@@ -18417,7 +17846,7 @@
               <a:t>TIME</a:t>
             </a:r>
             <a:r>
-              <a:rPr lang="en-US" sz="15000" dirty="0" smtClean="0">
+              <a:rPr lang="en-US" sz="15000" dirty="0">
                 <a:solidFill>
                   <a:schemeClr val="bg1"/>
                 </a:solidFill>
@@ -18458,7 +17887,7 @@
               <a:buNone/>
             </a:pPr>
             <a:r>
-              <a:rPr lang="en-US" sz="20000" dirty="0" smtClean="0">
+              <a:rPr lang="en-US" sz="20000" dirty="0">
                 <a:solidFill>
                   <a:schemeClr val="bg1"/>
                 </a:solidFill>
@@ -18540,7 +17969,7 @@
           </a:lstStyle>
           <a:p>
             <a:r>
-              <a:rPr lang="en-US" sz="20000" dirty="0" smtClean="0">
+              <a:rPr lang="en-US" sz="20000" dirty="0">
                 <a:solidFill>
                   <a:schemeClr val="bg1"/>
                 </a:solidFill>
@@ -18549,7 +17978,7 @@
               <a:t>IS</a:t>
             </a:r>
             <a:r>
-              <a:rPr lang="en-US" sz="20000" dirty="0" smtClean="0">
+              <a:rPr lang="en-US" sz="20000" dirty="0">
                 <a:solidFill>
                   <a:schemeClr val="bg1"/>
                 </a:solidFill>
@@ -18769,7 +18198,7 @@
           <a:lstStyle/>
           <a:p>
             <a:r>
-              <a:rPr lang="ru-RU" dirty="0" smtClean="0"/>
+              <a:rPr lang="ru-RU" dirty="0"/>
               <a:t>Если источник ключей имеет равномерное распределение</a:t>
             </a:r>
             <a:endParaRPr lang="en-US" dirty="0"/>
@@ -18880,28 +18309,16 @@
                   </m:oMath>
                 </a14:m>
                 <a:r>
-                  <a:rPr lang="en-US" dirty="0" smtClean="0"/>
+                  <a:rPr lang="en-US" dirty="0"/>
                   <a:t> - PRF</a:t>
                 </a:r>
-                <a:endParaRPr lang="ru-RU" dirty="0" smtClean="0"/>
+                <a:endParaRPr lang="ru-RU" dirty="0"/>
               </a:p>
               <a:p>
                 <a:pPr marL="0" indent="0">
                   <a:buNone/>
                 </a:pPr>
-                <a:endParaRPr lang="ru-RU" dirty="0" smtClean="0"/>
-              </a:p>
-              <a:p>
-                <a:pPr marL="0" indent="0">
-                  <a:buNone/>
-                </a:pPr>
-                <a:endParaRPr lang="en-US" dirty="0"/>
-              </a:p>
-              <a:p>
-                <a:pPr marL="0" indent="0">
-                  <a:buNone/>
-                </a:pPr>
-                <a:endParaRPr lang="en-US" dirty="0" smtClean="0"/>
+                <a:endParaRPr lang="ru-RU" dirty="0"/>
               </a:p>
               <a:p>
                 <a:pPr marL="0" indent="0">
@@ -18919,16 +18336,28 @@
                 <a:pPr marL="0" indent="0">
                   <a:buNone/>
                 </a:pPr>
-                <a:r>
-                  <a:rPr lang="en-US" b="1" dirty="0" smtClean="0"/>
+                <a:endParaRPr lang="en-US" dirty="0"/>
+              </a:p>
+              <a:p>
+                <a:pPr marL="0" indent="0">
+                  <a:buNone/>
+                </a:pPr>
+                <a:endParaRPr lang="en-US" dirty="0"/>
+              </a:p>
+              <a:p>
+                <a:pPr marL="0" indent="0">
+                  <a:buNone/>
+                </a:pPr>
+                <a:r>
+                  <a:rPr lang="en-US" b="1" dirty="0"/>
                   <a:t>CTX:</a:t>
                 </a:r>
                 <a:r>
-                  <a:rPr lang="en-US" dirty="0" smtClean="0"/>
+                  <a:rPr lang="en-US" dirty="0"/>
                   <a:t>   </a:t>
                 </a:r>
                 <a:r>
-                  <a:rPr lang="ru-RU" dirty="0" smtClean="0"/>
+                  <a:rPr lang="ru-RU" dirty="0"/>
                   <a:t>контекст, строка, уникально представляющая приложение или назначению ключей (для независимой генерации различных ключей для различных приложений).</a:t>
                 </a:r>
                 <a:endParaRPr lang="en-US" dirty="0"/>
@@ -19370,13 +18799,6 @@
   <p:clrMapOvr>
     <a:masterClrMapping/>
   </p:clrMapOvr>
-  <p:timing>
-    <p:tnLst>
-      <p:par>
-        <p:cTn id="1" dur="indefinite" restart="never" nodeType="tmRoot"/>
-      </p:par>
-    </p:tnLst>
-  </p:timing>
 </p:sld>
 </file>
 
@@ -19413,7 +18835,7 @@
           <a:lstStyle/>
           <a:p>
             <a:r>
-              <a:rPr lang="ru-RU" dirty="0" smtClean="0"/>
+              <a:rPr lang="ru-RU" dirty="0"/>
               <a:t>Если источник не имеет равномерное распределение</a:t>
             </a:r>
             <a:endParaRPr lang="en-US" dirty="0"/>
@@ -19446,15 +18868,15 @@
               <a:buNone/>
             </a:pPr>
             <a:r>
-              <a:rPr lang="ru-RU" dirty="0" smtClean="0"/>
+              <a:rPr lang="ru-RU" dirty="0"/>
               <a:t>Напомним – </a:t>
             </a:r>
             <a:r>
-              <a:rPr lang="en-US" dirty="0" smtClean="0"/>
+              <a:rPr lang="en-US" dirty="0"/>
               <a:t>PRF </a:t>
             </a:r>
             <a:r>
-              <a:rPr lang="ru-RU" dirty="0" smtClean="0"/>
+              <a:rPr lang="ru-RU" dirty="0"/>
               <a:t>стойкая, только если ключи – случайные и равномерно распроданные.</a:t>
             </a:r>
           </a:p>
@@ -19463,22 +18885,22 @@
               <a:buNone/>
             </a:pPr>
             <a:r>
-              <a:rPr lang="en-US" dirty="0" smtClean="0"/>
+              <a:rPr lang="en-US" dirty="0"/>
               <a:t>SK </a:t>
             </a:r>
             <a:r>
-              <a:rPr lang="ru-RU" dirty="0" smtClean="0"/>
+              <a:rPr lang="ru-RU" dirty="0"/>
               <a:t>не равномерно распределён</a:t>
             </a:r>
             <a:r>
-              <a:rPr lang="en-US" dirty="0" smtClean="0"/>
+              <a:rPr lang="en-US" dirty="0"/>
               <a:t> ⇒   PRF </a:t>
             </a:r>
             <a:r>
-              <a:rPr lang="ru-RU" dirty="0" smtClean="0"/>
+              <a:rPr lang="ru-RU" dirty="0"/>
               <a:t>может и не давать случайно выглядящий выход</a:t>
             </a:r>
-            <a:endParaRPr lang="en-US" dirty="0" smtClean="0"/>
+            <a:endParaRPr lang="en-US" dirty="0"/>
           </a:p>
           <a:p>
             <a:endParaRPr lang="en-US" dirty="0"/>
@@ -19488,64 +18910,55 @@
               <a:buNone/>
             </a:pPr>
             <a:r>
-              <a:rPr lang="ru-RU" dirty="0" smtClean="0"/>
+              <a:rPr lang="ru-RU" dirty="0"/>
               <a:t>Примеры неравномерного распределения</a:t>
             </a:r>
             <a:r>
-              <a:rPr lang="en-US" dirty="0" smtClean="0"/>
+              <a:rPr lang="en-US" dirty="0"/>
               <a:t>:</a:t>
             </a:r>
+          </a:p>
+          <a:p>
+            <a:r>
+              <a:rPr lang="ru-RU" dirty="0"/>
+              <a:t>Протоколы обмена ключей</a:t>
+            </a:r>
+            <a:r>
+              <a:rPr lang="en-US" dirty="0"/>
+              <a:t>:   </a:t>
+            </a:r>
+            <a:r>
+              <a:rPr lang="ru-RU" dirty="0"/>
+              <a:t>ключ может быть равномерно распределён только в некотором подмножестве ключей</a:t>
+            </a:r>
             <a:endParaRPr lang="en-US" dirty="0"/>
           </a:p>
           <a:p>
             <a:r>
-              <a:rPr lang="ru-RU" dirty="0" smtClean="0"/>
-              <a:t>Протоколы обмена ключей</a:t>
-            </a:r>
-            <a:r>
-              <a:rPr lang="en-US" dirty="0" smtClean="0"/>
-              <a:t>:   </a:t>
-            </a:r>
-            <a:r>
-              <a:rPr lang="ru-RU" dirty="0" smtClean="0"/>
-              <a:t>ключ может быть равномерно распределён только в некотором подмножестве ключей</a:t>
-            </a:r>
-            <a:endParaRPr lang="en-US" dirty="0" smtClean="0"/>
-          </a:p>
-          <a:p>
-            <a:r>
-              <a:rPr lang="ru-RU" dirty="0" smtClean="0"/>
+              <a:rPr lang="ru-RU" dirty="0"/>
               <a:t>Аппаратный </a:t>
             </a:r>
             <a:r>
-              <a:rPr lang="en-US" dirty="0" smtClean="0"/>
+              <a:rPr lang="en-US" dirty="0"/>
               <a:t>PRG:    </a:t>
             </a:r>
             <a:r>
-              <a:rPr lang="ru-RU" dirty="0" smtClean="0"/>
+              <a:rPr lang="ru-RU" dirty="0"/>
               <a:t>возможен смещённый выход</a:t>
             </a:r>
           </a:p>
           <a:p>
             <a:r>
-              <a:rPr lang="ru-RU" dirty="0" smtClean="0"/>
+              <a:rPr lang="ru-RU" dirty="0"/>
               <a:t>Пароли</a:t>
             </a:r>
             <a:r>
-              <a:rPr lang="en-US" dirty="0" smtClean="0"/>
+              <a:rPr lang="en-US" dirty="0"/>
               <a:t>:</a:t>
             </a:r>
             <a:r>
-              <a:rPr lang="ru-RU" dirty="0" smtClean="0"/>
-              <a:t> …. </a:t>
-            </a:r>
-            <a:r>
               <a:rPr lang="ru-RU" dirty="0"/>
-              <a:t>б</a:t>
-            </a:r>
-            <a:r>
-              <a:rPr lang="ru-RU" dirty="0" smtClean="0"/>
-              <a:t>ез комментариев</a:t>
+              <a:t> …. без комментариев</a:t>
             </a:r>
             <a:endParaRPr lang="en-US" dirty="0"/>
           </a:p>
@@ -19561,13 +18974,6 @@
   <p:clrMapOvr>
     <a:masterClrMapping/>
   </p:clrMapOvr>
-  <p:timing>
-    <p:tnLst>
-      <p:par>
-        <p:cTn id="1" dur="indefinite" restart="never" nodeType="tmRoot"/>
-      </p:par>
-    </p:tnLst>
-  </p:timing>
 </p:sld>
 </file>
 
@@ -19604,7 +19010,7 @@
           <a:lstStyle/>
           <a:p>
             <a:r>
-              <a:rPr lang="ru-RU" dirty="0" smtClean="0"/>
+              <a:rPr lang="ru-RU" dirty="0"/>
               <a:t>Парадигма извлечения и расширения</a:t>
             </a:r>
             <a:endParaRPr lang="en-US" dirty="0"/>
@@ -19635,31 +19041,31 @@
               <a:buNone/>
             </a:pPr>
             <a:r>
-              <a:rPr lang="en-US" b="1" dirty="0" smtClean="0"/>
+              <a:rPr lang="en-US" b="1" dirty="0"/>
               <a:t>Step 1:    </a:t>
             </a:r>
             <a:r>
-              <a:rPr lang="ru-RU" b="1" dirty="0" smtClean="0"/>
+              <a:rPr lang="ru-RU" b="1" dirty="0"/>
               <a:t>извлечь</a:t>
             </a:r>
             <a:r>
-              <a:rPr lang="en-US" b="1" dirty="0" smtClean="0"/>
+              <a:rPr lang="en-US" b="1" dirty="0"/>
               <a:t>  </a:t>
             </a:r>
             <a:r>
-              <a:rPr lang="ru-RU" dirty="0" smtClean="0"/>
+              <a:rPr lang="ru-RU" dirty="0"/>
               <a:t>псевдослучайный ключ</a:t>
             </a:r>
             <a:r>
-              <a:rPr lang="en-US" dirty="0" smtClean="0"/>
+              <a:rPr lang="en-US" dirty="0"/>
               <a:t>  k  </a:t>
             </a:r>
             <a:r>
-              <a:rPr lang="ru-RU" dirty="0" smtClean="0"/>
+              <a:rPr lang="ru-RU" dirty="0"/>
               <a:t>из ключа</a:t>
             </a:r>
             <a:r>
-              <a:rPr lang="en-US" dirty="0" smtClean="0"/>
+              <a:rPr lang="en-US" dirty="0"/>
               <a:t>  SK</a:t>
             </a:r>
           </a:p>
@@ -19673,13 +19079,7 @@
             <a:pPr marL="0" indent="0">
               <a:buNone/>
             </a:pPr>
-            <a:endParaRPr lang="en-US" dirty="0" smtClean="0"/>
-          </a:p>
-          <a:p>
-            <a:pPr marL="0" indent="0">
-              <a:buNone/>
-            </a:pPr>
-            <a:endParaRPr lang="en-US" dirty="0" smtClean="0"/>
+            <a:endParaRPr lang="en-US" dirty="0"/>
           </a:p>
           <a:p>
             <a:pPr marL="0" indent="0">
@@ -19697,49 +19097,51 @@
             <a:pPr marL="0" indent="0">
               <a:buNone/>
             </a:pPr>
-            <a:endParaRPr lang="en-US" dirty="0" smtClean="0"/>
+            <a:endParaRPr lang="en-US" dirty="0"/>
           </a:p>
           <a:p>
             <a:pPr marL="0" indent="0">
               <a:buNone/>
             </a:pPr>
-            <a:endParaRPr lang="en-US" dirty="0" smtClean="0"/>
+            <a:endParaRPr lang="en-US" dirty="0"/>
           </a:p>
           <a:p>
             <a:pPr marL="0" indent="0">
               <a:buNone/>
             </a:pPr>
-            <a:r>
-              <a:rPr lang="en-US" b="1" dirty="0" smtClean="0"/>
+            <a:endParaRPr lang="en-US" dirty="0"/>
+          </a:p>
+          <a:p>
+            <a:pPr marL="0" indent="0">
+              <a:buNone/>
+            </a:pPr>
+            <a:r>
+              <a:rPr lang="en-US" b="1" dirty="0"/>
               <a:t>step 2:   </a:t>
             </a:r>
             <a:r>
-              <a:rPr lang="ru-RU" b="1" dirty="0" smtClean="0"/>
+              <a:rPr lang="ru-RU" b="1" dirty="0"/>
               <a:t>расширить</a:t>
             </a:r>
             <a:r>
-              <a:rPr lang="en-US" b="1" dirty="0" smtClean="0"/>
+              <a:rPr lang="en-US" b="1" dirty="0"/>
               <a:t> </a:t>
             </a:r>
             <a:r>
-              <a:rPr lang="en-US" dirty="0" smtClean="0"/>
+              <a:rPr lang="en-US" dirty="0"/>
               <a:t>k  </a:t>
             </a:r>
             <a:r>
-              <a:rPr lang="ru-RU" dirty="0" smtClean="0"/>
+              <a:rPr lang="ru-RU" dirty="0"/>
               <a:t>используя в качестве ключа </a:t>
             </a:r>
             <a:r>
-              <a:rPr lang="en-US" dirty="0" smtClean="0"/>
+              <a:rPr lang="en-US" dirty="0"/>
               <a:t>PRF</a:t>
             </a:r>
             <a:r>
               <a:rPr lang="ru-RU" dirty="0"/>
-              <a:t> </a:t>
-            </a:r>
-            <a:r>
-              <a:rPr lang="ru-RU" dirty="0" smtClean="0"/>
-              <a:t>(как указано ранее)</a:t>
+              <a:t> (как указано ранее)</a:t>
             </a:r>
             <a:endParaRPr lang="en-US" dirty="0"/>
           </a:p>
@@ -20533,7 +19935,7 @@
                 <a:t>salt:   </a:t>
               </a:r>
               <a:r>
-                <a:rPr lang="ru-RU" sz="3200" dirty="0" smtClean="0"/>
+                <a:rPr lang="ru-RU" sz="3200" dirty="0"/>
                 <a:t>некоторая величина</a:t>
               </a:r>
               <a:endParaRPr lang="en-US" sz="3200" dirty="0"/>
@@ -20551,13 +19953,6 @@
   <p:clrMapOvr>
     <a:masterClrMapping/>
   </p:clrMapOvr>
-  <p:timing>
-    <p:tnLst>
-      <p:par>
-        <p:cTn id="1" dur="indefinite" restart="never" nodeType="tmRoot"/>
-      </p:par>
-    </p:tnLst>
-  </p:timing>
 </p:sld>
 </file>
 
@@ -20594,10 +19989,9 @@
           <a:lstStyle/>
           <a:p>
             <a:r>
-              <a:rPr lang="en-US" dirty="0" smtClean="0"/>
+              <a:rPr lang="en-US" dirty="0"/>
               <a:t>HKDF: KDF from HMAC</a:t>
             </a:r>
-            <a:endParaRPr lang="en-US" dirty="0"/>
           </a:p>
         </p:txBody>
       </p:sp>
@@ -20619,34 +20013,26 @@
             <a:pPr marL="0" indent="0">
               <a:buNone/>
             </a:pPr>
-            <a:endParaRPr lang="en-US" dirty="0" smtClean="0"/>
+            <a:endParaRPr lang="en-US" dirty="0"/>
           </a:p>
           <a:p>
             <a:pPr marL="0" indent="0">
               <a:buNone/>
             </a:pPr>
             <a:r>
-              <a:rPr lang="ru-RU" dirty="0" smtClean="0"/>
-              <a:t>Реализует парадигму </a:t>
-            </a:r>
-            <a:r>
               <a:rPr lang="ru-RU" dirty="0"/>
-              <a:t>извлечения и </a:t>
-            </a:r>
-            <a:r>
-              <a:rPr lang="ru-RU" dirty="0" smtClean="0"/>
-              <a:t>расширения с помощью </a:t>
-            </a:r>
-            <a:r>
-              <a:rPr lang="en-US" dirty="0" smtClean="0"/>
+              <a:t>Реализует парадигму извлечения и расширения с помощью </a:t>
+            </a:r>
+            <a:r>
+              <a:rPr lang="en-US" dirty="0"/>
               <a:t>HMAC</a:t>
             </a:r>
             <a:r>
-              <a:rPr lang="ru-RU" dirty="0" smtClean="0"/>
+              <a:rPr lang="ru-RU" dirty="0"/>
               <a:t> </a:t>
             </a:r>
             <a:r>
-              <a:rPr lang="en-US" dirty="0" smtClean="0"/>
+              <a:rPr lang="en-US" dirty="0"/>
               <a:t>:</a:t>
             </a:r>
           </a:p>
@@ -20658,15 +20044,15 @@
           </a:p>
           <a:p>
             <a:r>
-              <a:rPr lang="ru-RU" dirty="0" smtClean="0"/>
+              <a:rPr lang="ru-RU" dirty="0"/>
               <a:t>извлечение</a:t>
             </a:r>
             <a:r>
-              <a:rPr lang="en-US" dirty="0" smtClean="0"/>
+              <a:rPr lang="en-US" dirty="0"/>
               <a:t>:   use      </a:t>
             </a:r>
             <a:r>
-              <a:rPr lang="en-US" b="1" dirty="0" smtClean="0">
+              <a:rPr lang="en-US" b="1" dirty="0">
                 <a:solidFill>
                   <a:srgbClr val="0000FF"/>
                 </a:solidFill>
@@ -20678,31 +20064,31 @@
             <a:endParaRPr lang="en-US" dirty="0"/>
           </a:p>
           <a:p>
-            <a:endParaRPr lang="en-US" dirty="0" smtClean="0"/>
-          </a:p>
-          <a:p>
-            <a:r>
-              <a:rPr lang="ru-RU" dirty="0" smtClean="0"/>
+            <a:endParaRPr lang="en-US" dirty="0"/>
+          </a:p>
+          <a:p>
+            <a:r>
+              <a:rPr lang="ru-RU" dirty="0"/>
               <a:t>Затем расширить используя</a:t>
             </a:r>
             <a:r>
-              <a:rPr lang="en-US" dirty="0" smtClean="0"/>
+              <a:rPr lang="en-US" dirty="0"/>
               <a:t> HMAC </a:t>
             </a:r>
             <a:r>
-              <a:rPr lang="ru-RU" dirty="0" smtClean="0"/>
+              <a:rPr lang="ru-RU" dirty="0"/>
               <a:t>в качестве</a:t>
             </a:r>
             <a:r>
-              <a:rPr lang="en-US" dirty="0" smtClean="0"/>
+              <a:rPr lang="en-US" dirty="0"/>
               <a:t> PRF </a:t>
             </a:r>
             <a:r>
-              <a:rPr lang="ru-RU" dirty="0" smtClean="0"/>
+              <a:rPr lang="ru-RU" dirty="0"/>
               <a:t>с ключом </a:t>
             </a:r>
             <a:r>
-              <a:rPr lang="en-US" sz="3733" b="1" dirty="0" smtClean="0">
+              <a:rPr lang="en-US" sz="3733" b="1" dirty="0">
                 <a:solidFill>
                   <a:srgbClr val="0000FF"/>
                 </a:solidFill>
@@ -20710,10 +20096,9 @@
               <a:t>k</a:t>
             </a:r>
             <a:r>
-              <a:rPr lang="en-US" dirty="0" smtClean="0"/>
+              <a:rPr lang="en-US" dirty="0"/>
               <a:t>  </a:t>
             </a:r>
-            <a:endParaRPr lang="en-US" dirty="0"/>
           </a:p>
         </p:txBody>
       </p:sp>
@@ -20727,13 +20112,6 @@
   <p:clrMapOvr>
     <a:masterClrMapping/>
   </p:clrMapOvr>
-  <p:timing>
-    <p:tnLst>
-      <p:par>
-        <p:cTn id="1" dur="indefinite" restart="never" nodeType="tmRoot"/>
-      </p:par>
-    </p:tnLst>
-  </p:timing>
 </p:sld>
 </file>
 
@@ -20770,16 +20148,8 @@
           <a:lstStyle/>
           <a:p>
             <a:r>
-              <a:rPr lang="en-US" dirty="0" smtClean="0"/>
-              <a:t>H</a:t>
-            </a:r>
-            <a:r>
               <a:rPr lang="en-US" dirty="0"/>
-              <a:t>K</a:t>
-            </a:r>
-            <a:r>
-              <a:rPr lang="en-US" dirty="0" smtClean="0"/>
-              <a:t>DF</a:t>
+              <a:t>HKDF</a:t>
             </a:r>
             <a:endParaRPr lang="ru-RU" dirty="0"/>
           </a:p>
@@ -20806,15 +20176,15 @@
                   <a:buNone/>
                 </a:pPr>
                 <a:r>
-                  <a:rPr lang="ru-RU" dirty="0" smtClean="0"/>
+                  <a:rPr lang="ru-RU" dirty="0"/>
                   <a:t>Более</a:t>
                 </a:r>
                 <a:r>
-                  <a:rPr lang="en-US" dirty="0" smtClean="0"/>
+                  <a:rPr lang="en-US" dirty="0"/>
                   <a:t> </a:t>
                 </a:r>
                 <a:r>
-                  <a:rPr lang="ru-RU" dirty="0" smtClean="0"/>
+                  <a:rPr lang="ru-RU" dirty="0"/>
                   <a:t>формально </a:t>
                 </a:r>
               </a:p>
@@ -20828,7 +20198,7 @@
                 <a:pPr marL="0" indent="0">
                   <a:buNone/>
                 </a:pPr>
-                <a:endParaRPr lang="ru-RU" dirty="0" smtClean="0"/>
+                <a:endParaRPr lang="ru-RU" dirty="0"/>
               </a:p>
               <a:p>
                 <a:pPr marL="0" indent="0">
@@ -20840,7 +20210,7 @@
                 <a:pPr marL="0" indent="0">
                   <a:buNone/>
                 </a:pPr>
-                <a:endParaRPr lang="ru-RU" dirty="0" smtClean="0"/>
+                <a:endParaRPr lang="ru-RU" dirty="0"/>
               </a:p>
               <a:p>
                 <a:pPr marL="0" indent="0">
@@ -20863,11 +20233,11 @@
                   </m:oMath>
                 </a14:m>
                 <a:r>
-                  <a:rPr lang="en-US" dirty="0" smtClean="0"/>
+                  <a:rPr lang="en-US" dirty="0"/>
                   <a:t> – </a:t>
                 </a:r>
                 <a:r>
-                  <a:rPr lang="ru-RU" dirty="0" smtClean="0"/>
+                  <a:rPr lang="ru-RU" dirty="0"/>
                   <a:t>соль, </a:t>
                 </a:r>
                 <a14:m>
@@ -20881,11 +20251,11 @@
                   </m:oMath>
                 </a14:m>
                 <a:r>
-                  <a:rPr lang="en-US" dirty="0" smtClean="0"/>
+                  <a:rPr lang="en-US" dirty="0"/>
                   <a:t> – </a:t>
                 </a:r>
                 <a:r>
-                  <a:rPr lang="ru-RU" dirty="0" smtClean="0"/>
+                  <a:rPr lang="ru-RU" dirty="0"/>
                   <a:t>ключевой материал, </a:t>
                 </a:r>
                 <a14:m>
@@ -20917,14 +20287,14 @@
                   </m:oMath>
                 </a14:m>
                 <a:r>
-                  <a:rPr lang="en-US" dirty="0" smtClean="0"/>
+                  <a:rPr lang="en-US" dirty="0"/>
                   <a:t> – </a:t>
                 </a:r>
                 <a:r>
-                  <a:rPr lang="ru-RU" dirty="0" smtClean="0"/>
+                  <a:rPr lang="ru-RU" dirty="0"/>
                   <a:t>выходы</a:t>
                 </a:r>
-                <a:endParaRPr lang="en-US" dirty="0" smtClean="0"/>
+                <a:endParaRPr lang="en-US" dirty="0"/>
               </a:p>
               <a:p>
                 <a:pPr marL="0" indent="0">
@@ -21026,13 +20396,6 @@
   <p:clrMapOvr>
     <a:masterClrMapping/>
   </p:clrMapOvr>
-  <p:timing>
-    <p:tnLst>
-      <p:par>
-        <p:cTn id="1" dur="indefinite" restart="never" nodeType="tmRoot"/>
-      </p:par>
-    </p:tnLst>
-  </p:timing>
 </p:sld>
 </file>
 
@@ -21112,15 +20475,15 @@
                   </m:oMath>
                 </a14:m>
                 <a:r>
-                  <a:rPr lang="ru-RU" dirty="0" smtClean="0"/>
+                  <a:rPr lang="ru-RU" dirty="0"/>
                   <a:t> – случайная</a:t>
                 </a:r>
                 <a:r>
-                  <a:rPr lang="en-US" dirty="0" smtClean="0"/>
+                  <a:rPr lang="en-US" dirty="0"/>
                   <a:t> =&gt;</a:t>
                 </a:r>
                 <a:r>
-                  <a:rPr lang="ru-RU" dirty="0" smtClean="0"/>
+                  <a:rPr lang="ru-RU" dirty="0"/>
                   <a:t> </a:t>
                 </a:r>
                 <a14:m>
@@ -21134,43 +20497,35 @@
                   </m:oMath>
                 </a14:m>
                 <a:r>
-                  <a:rPr lang="ru-RU" dirty="0" smtClean="0"/>
+                  <a:rPr lang="ru-RU" dirty="0"/>
                   <a:t> – стойкая </a:t>
                 </a:r>
                 <a:r>
-                  <a:rPr lang="en-US" dirty="0" smtClean="0"/>
+                  <a:rPr lang="en-US" dirty="0"/>
                   <a:t>PRF (</a:t>
                 </a:r>
                 <a:r>
-                  <a:rPr lang="ru-RU" dirty="0" smtClean="0"/>
+                  <a:rPr lang="ru-RU" dirty="0"/>
                   <a:t>т.к. </a:t>
                 </a:r>
                 <a:r>
-                  <a:rPr lang="en-US" dirty="0" smtClean="0"/>
+                  <a:rPr lang="en-US" dirty="0"/>
                   <a:t>HMAC </a:t>
                 </a:r>
                 <a:r>
-                  <a:rPr lang="ru-RU" dirty="0" smtClean="0"/>
+                  <a:rPr lang="ru-RU" dirty="0"/>
                   <a:t>– стойкая </a:t>
                 </a:r>
                 <a:r>
-                  <a:rPr lang="en-US" dirty="0" smtClean="0"/>
+                  <a:rPr lang="en-US" dirty="0"/>
                   <a:t>PRF</a:t>
                 </a:r>
                 <a:r>
-                  <a:rPr lang="ru-RU" dirty="0" smtClean="0"/>
-                  <a:t>), требование на хэш</a:t>
-                </a:r>
-                <a:r>
                   <a:rPr lang="ru-RU" dirty="0"/>
-                  <a:t>-</a:t>
-                </a:r>
-                <a:r>
-                  <a:rPr lang="ru-RU" dirty="0" smtClean="0"/>
-                  <a:t>функцию – необходимые требования для стойкости </a:t>
-                </a:r>
-                <a:r>
-                  <a:rPr lang="en-US" dirty="0" smtClean="0"/>
+                  <a:t>), требование на хэш-функцию – необходимые требования для стойкости </a:t>
+                </a:r>
+                <a:r>
+                  <a:rPr lang="en-US" dirty="0"/>
                   <a:t>MAC</a:t>
                 </a:r>
               </a:p>
@@ -21189,19 +20544,15 @@
                   </m:oMath>
                 </a14:m>
                 <a:r>
-                  <a:rPr lang="ru-RU" dirty="0" smtClean="0"/>
+                  <a:rPr lang="ru-RU" dirty="0"/>
+                  <a:t> –</a:t>
+                </a:r>
+                <a:r>
+                  <a:rPr lang="en-US" dirty="0"/>
                   <a:t> </a:t>
                 </a:r>
                 <a:r>
                   <a:rPr lang="ru-RU" dirty="0"/>
-                  <a:t>–</a:t>
-                </a:r>
-                <a:r>
-                  <a:rPr lang="en-US" dirty="0" smtClean="0"/>
-                  <a:t> </a:t>
-                </a:r>
-                <a:r>
-                  <a:rPr lang="ru-RU" dirty="0" smtClean="0"/>
                   <a:t>константа 0. </a:t>
                 </a:r>
                 <a14:m>
@@ -21215,27 +20566,19 @@
                   </m:oMath>
                 </a14:m>
                 <a:r>
-                  <a:rPr lang="en-US" dirty="0" smtClean="0"/>
+                  <a:rPr lang="en-US" dirty="0"/>
                   <a:t> – </a:t>
                 </a:r>
                 <a:r>
-                  <a:rPr lang="ru-RU" dirty="0" smtClean="0"/>
-                  <a:t>детерминированная хэш</a:t>
-                </a:r>
-                <a:r>
                   <a:rPr lang="ru-RU" dirty="0"/>
-                  <a:t>-</a:t>
-                </a:r>
-                <a:r>
-                  <a:rPr lang="ru-RU" dirty="0" smtClean="0"/>
-                  <a:t>функция, на основе хэш-функции, использованной в </a:t>
-                </a:r>
-                <a:r>
-                  <a:rPr lang="en-US" dirty="0" smtClean="0"/>
+                  <a:t>детерминированная хэш-функция, на основе хэш-функции, использованной в </a:t>
+                </a:r>
+                <a:r>
+                  <a:rPr lang="en-US" dirty="0"/>
                   <a:t>HMAC</a:t>
                 </a:r>
                 <a:r>
-                  <a:rPr lang="ru-RU" dirty="0" smtClean="0"/>
+                  <a:rPr lang="ru-RU" dirty="0"/>
                   <a:t>. Для получения псевдослучайных выходов </a:t>
                 </a:r>
                 <a14:m>
@@ -21267,7 +20610,7 @@
                   </m:oMath>
                 </a14:m>
                 <a:r>
-                  <a:rPr lang="ru-RU" dirty="0" smtClean="0"/>
+                  <a:rPr lang="ru-RU" dirty="0"/>
                   <a:t> необходимо использовать модель случайного оракула для хэш-функции.</a:t>
                 </a:r>
               </a:p>
@@ -21276,23 +20619,23 @@
                   <a:buNone/>
                 </a:pPr>
                 <a:r>
-                  <a:rPr lang="ru-RU" dirty="0" smtClean="0"/>
+                  <a:rPr lang="ru-RU" dirty="0"/>
                   <a:t>Промежуточные решения – использование различных констант, счётчиков, </a:t>
                 </a:r>
                 <a:r>
-                  <a:rPr lang="en-US" dirty="0" smtClean="0"/>
+                  <a:rPr lang="en-US" dirty="0"/>
                   <a:t>nonce</a:t>
                 </a:r>
                 <a:r>
-                  <a:rPr lang="ru-RU" dirty="0" smtClean="0"/>
+                  <a:rPr lang="ru-RU" dirty="0"/>
                   <a:t>, дают промежуточные </a:t>
                 </a:r>
                 <a:r>
-                  <a:rPr lang="ru-RU" dirty="0" err="1" smtClean="0"/>
+                  <a:rPr lang="ru-RU" dirty="0" err="1"/>
                   <a:t>результыты</a:t>
                 </a:r>
                 <a:r>
-                  <a:rPr lang="ru-RU" dirty="0" smtClean="0"/>
+                  <a:rPr lang="ru-RU" dirty="0"/>
                   <a:t>.</a:t>
                 </a:r>
               </a:p>
@@ -21301,7 +20644,7 @@
                   <a:buNone/>
                 </a:pPr>
                 <a:r>
-                  <a:rPr lang="ru-RU" dirty="0" smtClean="0"/>
+                  <a:rPr lang="ru-RU" dirty="0"/>
                   <a:t> </a:t>
                 </a:r>
                 <a:endParaRPr lang="en-US" dirty="0"/>
@@ -21410,13 +20753,6 @@
   <p:clrMapOvr>
     <a:masterClrMapping/>
   </p:clrMapOvr>
-  <p:timing>
-    <p:tnLst>
-      <p:par>
-        <p:cTn id="1" dur="indefinite" restart="never" nodeType="tmRoot"/>
-      </p:par>
-    </p:tnLst>
-  </p:timing>
 </p:sld>
 </file>
 
@@ -21453,7 +20789,7 @@
           <a:lstStyle/>
           <a:p>
             <a:r>
-              <a:rPr lang="en-US" dirty="0" smtClean="0"/>
+              <a:rPr lang="en-US" dirty="0"/>
               <a:t>HKDF</a:t>
             </a:r>
             <a:endParaRPr lang="ru-RU" dirty="0"/>
@@ -21476,43 +20812,43 @@
           <a:lstStyle/>
           <a:p>
             <a:r>
-              <a:rPr lang="ru-RU" dirty="0" smtClean="0"/>
+              <a:rPr lang="ru-RU" dirty="0"/>
               <a:t>Позволяет извлекать энтропию из неравномерно распределённого источника для получения равномерно распределённой последовательности</a:t>
             </a:r>
           </a:p>
           <a:p>
             <a:r>
-              <a:rPr lang="ru-RU" dirty="0" smtClean="0"/>
+              <a:rPr lang="ru-RU" dirty="0"/>
               <a:t>Контекст используется для изоляции ключей между приложениями или применениями</a:t>
             </a:r>
           </a:p>
           <a:p>
             <a:r>
-              <a:rPr lang="ru-RU" dirty="0" smtClean="0"/>
+              <a:rPr lang="ru-RU" dirty="0"/>
               <a:t>Соль может быть константной или отсутствовать, но случайная соль даёт лучшую стойкость. Если не получается использовать случайную – лучше использовать хотя бы счётчик</a:t>
             </a:r>
           </a:p>
           <a:p>
             <a:r>
-              <a:rPr lang="ru-RU" dirty="0" smtClean="0"/>
+              <a:rPr lang="ru-RU" dirty="0"/>
               <a:t>Де-факто интернет стандарт </a:t>
             </a:r>
           </a:p>
           <a:p>
             <a:r>
-              <a:rPr lang="ru-RU" dirty="0" smtClean="0"/>
+              <a:rPr lang="ru-RU" dirty="0"/>
               <a:t>Не использовать </a:t>
             </a:r>
             <a:r>
-              <a:rPr lang="en-US" dirty="0" smtClean="0"/>
+              <a:rPr lang="en-US" dirty="0"/>
               <a:t>MD-5 </a:t>
             </a:r>
             <a:r>
-              <a:rPr lang="ru-RU" dirty="0" smtClean="0"/>
+              <a:rPr lang="ru-RU" dirty="0"/>
               <a:t>и </a:t>
             </a:r>
             <a:r>
-              <a:rPr lang="en-US" dirty="0" smtClean="0"/>
+              <a:rPr lang="en-US" dirty="0"/>
               <a:t>SHA-1</a:t>
             </a:r>
             <a:endParaRPr lang="ru-RU" dirty="0"/>
@@ -21552,13 +20888,6 @@
   <p:clrMapOvr>
     <a:masterClrMapping/>
   </p:clrMapOvr>
-  <p:timing>
-    <p:tnLst>
-      <p:par>
-        <p:cTn id="1" dur="indefinite" restart="never" nodeType="tmRoot"/>
-      </p:par>
-    </p:tnLst>
-  </p:timing>
 </p:sld>
 </file>
 
@@ -21595,18 +20924,17 @@
           <a:lstStyle/>
           <a:p>
             <a:r>
-              <a:rPr lang="en-US" dirty="0" smtClean="0"/>
+              <a:rPr lang="en-US" dirty="0"/>
               <a:t>KDF </a:t>
             </a:r>
             <a:r>
-              <a:rPr lang="ru-RU" dirty="0" smtClean="0"/>
+              <a:rPr lang="ru-RU" dirty="0"/>
               <a:t>для паролей</a:t>
             </a:r>
             <a:r>
-              <a:rPr lang="en-US" dirty="0" smtClean="0"/>
+              <a:rPr lang="en-US" dirty="0"/>
               <a:t>  (PBKDF)</a:t>
             </a:r>
-            <a:endParaRPr lang="en-US" dirty="0"/>
           </a:p>
         </p:txBody>
       </p:sp>
@@ -21626,25 +20954,25 @@
           <a:lstStyle/>
           <a:p>
             <a:r>
-              <a:rPr lang="ru-RU" dirty="0" smtClean="0"/>
+              <a:rPr lang="ru-RU" dirty="0"/>
               <a:t>Не использовать</a:t>
             </a:r>
             <a:r>
-              <a:rPr lang="en-US" dirty="0" smtClean="0"/>
+              <a:rPr lang="en-US" dirty="0"/>
               <a:t> HKDF:    </a:t>
             </a:r>
             <a:r>
-              <a:rPr lang="ru-RU" dirty="0" smtClean="0"/>
+              <a:rPr lang="ru-RU" dirty="0"/>
               <a:t>у паролей удивительно малая энтропия</a:t>
             </a:r>
-            <a:endParaRPr lang="en-US" dirty="0" smtClean="0"/>
-          </a:p>
-          <a:p>
-            <a:r>
-              <a:rPr lang="ru-RU" dirty="0" smtClean="0"/>
+            <a:endParaRPr lang="en-US" dirty="0"/>
+          </a:p>
+          <a:p>
+            <a:r>
+              <a:rPr lang="ru-RU" dirty="0"/>
               <a:t>Полученные ключи могут быть уязвимы к перебору пол словарю исходного материала</a:t>
             </a:r>
-            <a:endParaRPr lang="en-US" dirty="0" smtClean="0"/>
+            <a:endParaRPr lang="en-US" dirty="0"/>
           </a:p>
           <a:p>
             <a:endParaRPr lang="en-US" dirty="0"/>
@@ -21654,11 +20982,11 @@
               <a:buNone/>
             </a:pPr>
             <a:r>
-              <a:rPr lang="en-US" dirty="0" smtClean="0"/>
+              <a:rPr lang="en-US" dirty="0"/>
               <a:t>PBKDF:       </a:t>
             </a:r>
             <a:r>
-              <a:rPr lang="en-US" b="1" dirty="0" smtClean="0">
+              <a:rPr lang="en-US" b="1" dirty="0">
                 <a:solidFill>
                   <a:srgbClr val="0000FF"/>
                 </a:solidFill>
@@ -21666,19 +20994,19 @@
               <a:t>salt</a:t>
             </a:r>
             <a:r>
-              <a:rPr lang="en-US" dirty="0" smtClean="0"/>
+              <a:rPr lang="en-US" dirty="0"/>
               <a:t>     </a:t>
             </a:r>
             <a:r>
-              <a:rPr lang="ru-RU" dirty="0" smtClean="0"/>
+              <a:rPr lang="ru-RU" dirty="0"/>
               <a:t>и</a:t>
             </a:r>
             <a:r>
-              <a:rPr lang="en-US" dirty="0" smtClean="0"/>
+              <a:rPr lang="en-US" dirty="0"/>
               <a:t>     </a:t>
             </a:r>
             <a:r>
-              <a:rPr lang="ru-RU" b="1" dirty="0" smtClean="0">
+              <a:rPr lang="ru-RU" b="1" dirty="0">
                 <a:solidFill>
                   <a:srgbClr val="0000FF"/>
                 </a:solidFill>
@@ -21686,7 +21014,7 @@
               <a:t>медленное  </a:t>
             </a:r>
             <a:r>
-              <a:rPr lang="ru-RU" b="1" dirty="0" err="1" smtClean="0">
+              <a:rPr lang="ru-RU" b="1" dirty="0" err="1">
                 <a:solidFill>
                   <a:srgbClr val="0000FF"/>
                 </a:solidFill>
@@ -21703,26 +21031,26 @@
             <a:pPr marL="0" indent="0">
               <a:buNone/>
             </a:pPr>
-            <a:endParaRPr lang="en-US" dirty="0" smtClean="0"/>
+            <a:endParaRPr lang="en-US" dirty="0"/>
           </a:p>
           <a:p>
             <a:pPr marL="0" indent="0">
               <a:buNone/>
             </a:pPr>
             <a:r>
-              <a:rPr lang="ru-RU" dirty="0" smtClean="0"/>
+              <a:rPr lang="ru-RU" dirty="0"/>
               <a:t>Пример</a:t>
             </a:r>
             <a:r>
-              <a:rPr lang="en-US" dirty="0" smtClean="0"/>
+              <a:rPr lang="en-US" dirty="0"/>
               <a:t>:   </a:t>
             </a:r>
             <a:r>
-              <a:rPr lang="en-US" b="1" dirty="0" smtClean="0"/>
+              <a:rPr lang="en-US" b="1" dirty="0"/>
               <a:t>PKCS#5</a:t>
             </a:r>
             <a:r>
-              <a:rPr lang="en-US" dirty="0" smtClean="0"/>
+              <a:rPr lang="en-US" dirty="0"/>
               <a:t>  </a:t>
             </a:r>
             <a:r>
@@ -21732,46 +21060,46 @@
           </a:p>
           <a:p>
             <a:r>
-              <a:rPr lang="en-US" dirty="0" smtClean="0"/>
+              <a:rPr lang="en-US" dirty="0"/>
               <a:t>H</a:t>
             </a:r>
             <a:r>
-              <a:rPr lang="en-US" baseline="30000" dirty="0" smtClean="0"/>
+              <a:rPr lang="en-US" baseline="30000" dirty="0"/>
               <a:t>(c)</a:t>
             </a:r>
             <a:r>
-              <a:rPr lang="en-US" dirty="0" smtClean="0"/>
+              <a:rPr lang="en-US" dirty="0"/>
               <a:t>(</a:t>
             </a:r>
             <a:r>
-              <a:rPr lang="en-US" dirty="0" err="1" smtClean="0"/>
+              <a:rPr lang="en-US" dirty="0" err="1"/>
               <a:t>pwd</a:t>
             </a:r>
             <a:r>
-              <a:rPr lang="en-US" dirty="0" smtClean="0"/>
+              <a:rPr lang="en-US" dirty="0"/>
               <a:t> </a:t>
             </a:r>
             <a:r>
-              <a:rPr lang="en-US" dirty="0" err="1" smtClean="0"/>
+              <a:rPr lang="en-US" dirty="0" err="1"/>
               <a:t>ll</a:t>
             </a:r>
             <a:r>
-              <a:rPr lang="en-US" dirty="0" smtClean="0"/>
+              <a:rPr lang="en-US" dirty="0"/>
               <a:t> salt):     </a:t>
             </a:r>
             <a:r>
-              <a:rPr lang="ru-RU" dirty="0" smtClean="0"/>
+              <a:rPr lang="ru-RU" dirty="0"/>
               <a:t>вычисляем хэш-функцию</a:t>
             </a:r>
             <a:r>
-              <a:rPr lang="en-US" dirty="0" smtClean="0"/>
+              <a:rPr lang="en-US" dirty="0"/>
               <a:t> c </a:t>
             </a:r>
             <a:r>
-              <a:rPr lang="ru-RU" dirty="0" smtClean="0"/>
+              <a:rPr lang="ru-RU" dirty="0"/>
               <a:t>раз, подмешивая соль</a:t>
             </a:r>
-            <a:endParaRPr lang="en-US" dirty="0" smtClean="0"/>
+            <a:endParaRPr lang="en-US" dirty="0"/>
           </a:p>
           <a:p>
             <a:pPr marL="0" indent="0">
@@ -21791,13 +21119,6 @@
   <p:clrMapOvr>
     <a:masterClrMapping/>
   </p:clrMapOvr>
-  <p:timing>
-    <p:tnLst>
-      <p:par>
-        <p:cTn id="1" dur="indefinite" restart="never" nodeType="tmRoot"/>
-      </p:par>
-    </p:tnLst>
-  </p:timing>
 </p:sld>
 </file>
 
@@ -21834,11 +21155,11 @@
           <a:lstStyle/>
           <a:p>
             <a:r>
-              <a:rPr lang="ru-RU" dirty="0" smtClean="0"/>
+              <a:rPr lang="ru-RU" dirty="0"/>
               <a:t>Пример</a:t>
             </a:r>
             <a:r>
-              <a:rPr lang="en-US" dirty="0" smtClean="0"/>
+              <a:rPr lang="en-US" dirty="0"/>
               <a:t>: PBKDF2</a:t>
             </a:r>
             <a:endParaRPr lang="ru-RU" dirty="0"/>
@@ -21875,13 +21196,13 @@
                   </m:oMath>
                 </a14:m>
                 <a:r>
-                  <a:rPr lang="en-US" dirty="0" smtClean="0">
+                  <a:rPr lang="en-US" dirty="0">
                     <a:latin typeface="Cambria Math" panose="02040503050406030204" pitchFamily="18" charset="0"/>
                   </a:rPr>
                   <a:t> – </a:t>
                 </a:r>
                 <a:r>
-                  <a:rPr lang="ru-RU" dirty="0" smtClean="0">
+                  <a:rPr lang="ru-RU" dirty="0">
                     <a:latin typeface="Cambria Math" panose="02040503050406030204" pitchFamily="18" charset="0"/>
                   </a:rPr>
                   <a:t>пароль, </a:t>
@@ -21897,13 +21218,13 @@
                   </m:oMath>
                 </a14:m>
                 <a:r>
-                  <a:rPr lang="ru-RU" dirty="0" smtClean="0">
+                  <a:rPr lang="ru-RU" dirty="0">
                     <a:latin typeface="Cambria Math" panose="02040503050406030204" pitchFamily="18" charset="0"/>
                   </a:rPr>
                   <a:t> – </a:t>
                 </a:r>
                 <a:r>
-                  <a:rPr lang="en-US" dirty="0" smtClean="0">
+                  <a:rPr lang="en-US" dirty="0">
                     <a:latin typeface="Cambria Math" panose="02040503050406030204" pitchFamily="18" charset="0"/>
                   </a:rPr>
                   <a:t>seed, </a:t>
@@ -21919,19 +21240,19 @@
                   </m:oMath>
                 </a14:m>
                 <a:r>
-                  <a:rPr lang="en-US" dirty="0" smtClean="0">
+                  <a:rPr lang="en-US" dirty="0">
                     <a:latin typeface="Cambria Math" panose="02040503050406030204" pitchFamily="18" charset="0"/>
                   </a:rPr>
                   <a:t> – </a:t>
                 </a:r>
                 <a:r>
-                  <a:rPr lang="ru-RU" dirty="0" smtClean="0">
+                  <a:rPr lang="ru-RU" dirty="0">
                     <a:latin typeface="Cambria Math" panose="02040503050406030204" pitchFamily="18" charset="0"/>
                   </a:rPr>
                   <a:t>число итераций,</a:t>
                 </a:r>
                 <a:r>
-                  <a:rPr lang="en-US" dirty="0" smtClean="0">
+                  <a:rPr lang="en-US" dirty="0">
                     <a:latin typeface="Cambria Math" panose="02040503050406030204" pitchFamily="18" charset="0"/>
                   </a:rPr>
                   <a:t> </a:t>
@@ -21947,32 +21268,32 @@
                   </m:oMath>
                 </a14:m>
                 <a:r>
-                  <a:rPr lang="en-US" dirty="0" smtClean="0">
+                  <a:rPr lang="en-US" dirty="0">
                     <a:latin typeface="Cambria Math" panose="02040503050406030204" pitchFamily="18" charset="0"/>
                   </a:rPr>
                   <a:t> – </a:t>
                 </a:r>
                 <a:r>
-                  <a:rPr lang="ru-RU" dirty="0" smtClean="0">
+                  <a:rPr lang="ru-RU" dirty="0">
                     <a:latin typeface="Cambria Math" panose="02040503050406030204" pitchFamily="18" charset="0"/>
                   </a:rPr>
                   <a:t>число </a:t>
                 </a:r>
                 <a:r>
-                  <a:rPr lang="en-US" dirty="0" smtClean="0">
+                  <a:rPr lang="en-US" dirty="0">
                     <a:latin typeface="Cambria Math" panose="02040503050406030204" pitchFamily="18" charset="0"/>
                   </a:rPr>
                   <a:t>T </a:t>
                 </a:r>
                 <a:r>
-                  <a:rPr lang="ru-RU" dirty="0" smtClean="0">
+                  <a:rPr lang="ru-RU" dirty="0">
                     <a:latin typeface="Cambria Math" panose="02040503050406030204" pitchFamily="18" charset="0"/>
                   </a:rPr>
                   <a:t>блоков для генерации одного ключа</a:t>
                 </a:r>
               </a:p>
               <a:p>
-                <a:endParaRPr lang="en-US" b="0" dirty="0" smtClean="0">
+                <a:endParaRPr lang="en-US" b="0" dirty="0">
                   <a:latin typeface="Cambria Math" panose="02040503050406030204" pitchFamily="18" charset="0"/>
                 </a:endParaRPr>
               </a:p>
@@ -22060,7 +21381,7 @@
                     </m:r>
                   </m:oMath>
                 </a14:m>
-                <a:endParaRPr lang="en-US" b="0" dirty="0" smtClean="0"/>
+                <a:endParaRPr lang="en-US" b="0" dirty="0"/>
               </a:p>
               <a:p>
                 <a14:m>
@@ -22158,7 +21479,7 @@
                     </m:d>
                   </m:oMath>
                 </a14:m>
-                <a:endParaRPr lang="en-US" b="0" dirty="0" smtClean="0"/>
+                <a:endParaRPr lang="en-US" b="0" dirty="0"/>
               </a:p>
               <a:p>
                 <a14:m>
@@ -22286,7 +21607,7 @@
                     </m:sSub>
                   </m:oMath>
                 </a14:m>
-                <a:endParaRPr lang="en-US" b="0" dirty="0" smtClean="0"/>
+                <a:endParaRPr lang="en-US" b="0" dirty="0"/>
               </a:p>
               <a:p>
                 <a14:m>
@@ -22383,7 +21704,7 @@
                     </m:d>
                   </m:oMath>
                 </a14:m>
-                <a:endParaRPr lang="en-US" b="0" dirty="0" smtClean="0"/>
+                <a:endParaRPr lang="en-US" b="0" dirty="0"/>
               </a:p>
               <a:p>
                 <a14:m>
@@ -22459,7 +21780,7 @@
                   </m:oMath>
                 </a14:m>
                 <a:r>
-                  <a:rPr lang="en-US" dirty="0" smtClean="0"/>
+                  <a:rPr lang="en-US" dirty="0"/>
                   <a:t> (</a:t>
                 </a:r>
                 <a14:m>
@@ -22473,21 +21794,21 @@
                   </m:oMath>
                 </a14:m>
                 <a:r>
-                  <a:rPr lang="en-US" dirty="0" smtClean="0"/>
+                  <a:rPr lang="en-US" dirty="0"/>
                   <a:t> </a:t>
                 </a:r>
-                <a:endParaRPr lang="ru-RU" dirty="0" smtClean="0"/>
+                <a:endParaRPr lang="ru-RU" dirty="0"/>
               </a:p>
               <a:p>
                 <a:pPr marL="0" indent="0">
                   <a:buNone/>
                 </a:pPr>
                 <a:r>
-                  <a:rPr lang="ru-RU" dirty="0" smtClean="0"/>
+                  <a:rPr lang="ru-RU" dirty="0"/>
                   <a:t>на картинке</a:t>
                 </a:r>
                 <a:r>
-                  <a:rPr lang="en-US" dirty="0" smtClean="0"/>
+                  <a:rPr lang="en-US" dirty="0"/>
                   <a:t>)</a:t>
                 </a:r>
                 <a:endParaRPr lang="ru-RU" dirty="0"/>
@@ -22592,13 +21913,6 @@
   <p:clrMapOvr>
     <a:masterClrMapping/>
   </p:clrMapOvr>
-  <p:timing>
-    <p:tnLst>
-      <p:par>
-        <p:cTn id="1" dur="indefinite" restart="never" nodeType="tmRoot"/>
-      </p:par>
-    </p:tnLst>
-  </p:timing>
 </p:sld>
 </file>
 
@@ -22635,14 +21949,13 @@
           <a:lstStyle/>
           <a:p>
             <a:r>
-              <a:rPr lang="en-US" dirty="0" smtClean="0"/>
+              <a:rPr lang="en-US" dirty="0"/>
               <a:t>PBKDF2</a:t>
             </a:r>
             <a:r>
-              <a:rPr lang="ru-RU" dirty="0" smtClean="0"/>
+              <a:rPr lang="ru-RU" dirty="0"/>
               <a:t>, ещё одна картинка</a:t>
             </a:r>
-            <a:endParaRPr lang="ru-RU" dirty="0"/>
           </a:p>
         </p:txBody>
       </p:sp>
@@ -22708,13 +22021,6 @@
   <p:clrMapOvr>
     <a:masterClrMapping/>
   </p:clrMapOvr>
-  <p:timing>
-    <p:tnLst>
-      <p:par>
-        <p:cTn id="1" dur="indefinite" restart="never" nodeType="tmRoot"/>
-      </p:par>
-    </p:tnLst>
-  </p:timing>
 </p:sld>
 </file>
 
@@ -22751,10 +22057,9 @@
           <a:lstStyle/>
           <a:p>
             <a:r>
-              <a:rPr lang="ru-RU" dirty="0" smtClean="0"/>
+              <a:rPr lang="ru-RU" dirty="0"/>
               <a:t>Целостность сообщений</a:t>
             </a:r>
-            <a:endParaRPr lang="ru-RU" dirty="0"/>
           </a:p>
         </p:txBody>
       </p:sp>
@@ -22781,19 +22086,19 @@
               <a:lstStyle/>
               <a:p>
                 <a:r>
-                  <a:rPr lang="ru-RU" dirty="0" smtClean="0"/>
+                  <a:rPr lang="ru-RU" dirty="0"/>
                   <a:t>Рассмотрим </a:t>
                 </a:r>
                 <a:r>
-                  <a:rPr lang="ru-RU" dirty="0" err="1" smtClean="0"/>
+                  <a:rPr lang="ru-RU" dirty="0" err="1"/>
                   <a:t>бесключевые</a:t>
                 </a:r>
                 <a:r>
-                  <a:rPr lang="ru-RU" dirty="0" smtClean="0"/>
+                  <a:rPr lang="ru-RU" dirty="0"/>
                   <a:t> </a:t>
                 </a:r>
                 <a:r>
-                  <a:rPr lang="ru-RU" dirty="0" err="1" smtClean="0"/>
+                  <a:rPr lang="ru-RU" dirty="0" err="1"/>
                   <a:t>хэш</a:t>
                 </a:r>
                 <a:r>
@@ -22801,19 +22106,19 @@
                   <a:t>-</a:t>
                 </a:r>
                 <a:r>
-                  <a:rPr lang="ru-RU" dirty="0" smtClean="0"/>
+                  <a:rPr lang="ru-RU" dirty="0"/>
                   <a:t>функции</a:t>
                 </a:r>
               </a:p>
               <a:p>
                 <a:r>
-                  <a:rPr lang="ru-RU" dirty="0" smtClean="0"/>
+                  <a:rPr lang="ru-RU" dirty="0"/>
                   <a:t>Задача – получить функцию, для которой нахождение коллизии является сложной задачей</a:t>
                 </a:r>
               </a:p>
               <a:p>
                 <a:r>
-                  <a:rPr lang="ru-RU" dirty="0" smtClean="0"/>
+                  <a:rPr lang="ru-RU" dirty="0"/>
                   <a:t>Хотим построить такую функцию </a:t>
                 </a:r>
                 <a14:m>
@@ -22967,11 +22272,11 @@
                     </m:r>
                   </m:oMath>
                 </a14:m>
-                <a:endParaRPr lang="en-US" dirty="0" smtClean="0"/>
+                <a:endParaRPr lang="en-US" dirty="0"/>
               </a:p>
               <a:p>
                 <a:r>
-                  <a:rPr lang="ru-RU" dirty="0" smtClean="0"/>
+                  <a:rPr lang="ru-RU" dirty="0"/>
                   <a:t>Коллизия </a:t>
                 </a:r>
                 <a14:m>
@@ -23235,7 +22540,7 @@
                     </m:r>
                   </m:oMath>
                 </a14:m>
-                <a:endParaRPr lang="ru-RU" dirty="0" smtClean="0"/>
+                <a:endParaRPr lang="ru-RU" dirty="0"/>
               </a:p>
             </p:txBody>
           </p:sp>
@@ -23311,13 +22616,6 @@
   <p:clrMapOvr>
     <a:masterClrMapping/>
   </p:clrMapOvr>
-  <p:timing>
-    <p:tnLst>
-      <p:par>
-        <p:cTn id="1" dur="indefinite" restart="never" nodeType="tmRoot"/>
-      </p:par>
-    </p:tnLst>
-  </p:timing>
 </p:sld>
 </file>
 
@@ -23354,15 +22652,15 @@
           <a:lstStyle/>
           <a:p>
             <a:r>
-              <a:rPr lang="en-US" dirty="0" smtClean="0"/>
+              <a:rPr lang="en-US" dirty="0"/>
               <a:t>PBKDF</a:t>
             </a:r>
             <a:r>
-              <a:rPr lang="ru-RU" dirty="0" smtClean="0"/>
+              <a:rPr lang="ru-RU" dirty="0"/>
               <a:t>2, </a:t>
             </a:r>
             <a:r>
-              <a:rPr lang="ru-RU" smtClean="0"/>
+              <a:rPr lang="ru-RU"/>
               <a:t>порядок перебора</a:t>
             </a:r>
             <a:endParaRPr lang="ru-RU" dirty="0"/>
@@ -23431,12 +22729,685 @@
   <p:clrMapOvr>
     <a:masterClrMapping/>
   </p:clrMapOvr>
+</p:sld>
+</file>
+
+<file path=ppt/slides/slide51.xml><?xml version="1.0" encoding="utf-8"?>
+<p:sld xmlns:a="http://schemas.openxmlformats.org/drawingml/2006/main" xmlns:r="http://schemas.openxmlformats.org/officeDocument/2006/relationships" xmlns:p="http://schemas.openxmlformats.org/presentationml/2006/main">
+  <p:cSld>
+    <p:spTree>
+      <p:nvGrpSpPr>
+        <p:cNvPr id="1" name=""/>
+        <p:cNvGrpSpPr/>
+        <p:nvPr/>
+      </p:nvGrpSpPr>
+      <p:grpSpPr>
+        <a:xfrm>
+          <a:off x="0" y="0"/>
+          <a:ext cx="0" cy="0"/>
+          <a:chOff x="0" y="0"/>
+          <a:chExt cx="0" cy="0"/>
+        </a:xfrm>
+      </p:grpSpPr>
+      <p:sp>
+        <p:nvSpPr>
+          <p:cNvPr id="2" name="Заголовок 1">
+            <a:extLst>
+              <a:ext uri="{FF2B5EF4-FFF2-40B4-BE49-F238E27FC236}">
+                <a16:creationId xmlns:a16="http://schemas.microsoft.com/office/drawing/2014/main" id="{345C2F70-5173-47E8-A2E3-631B8E5CA0F4}"/>
+              </a:ext>
+            </a:extLst>
+          </p:cNvPr>
+          <p:cNvSpPr>
+            <a:spLocks noGrp="1"/>
+          </p:cNvSpPr>
+          <p:nvPr>
+            <p:ph type="title"/>
+          </p:nvPr>
+        </p:nvSpPr>
+        <p:spPr/>
+        <p:txBody>
+          <a:bodyPr/>
+          <a:lstStyle/>
+          <a:p>
+            <a:endParaRPr lang="ru-RU"/>
+          </a:p>
+        </p:txBody>
+      </p:sp>
+      <p:sp>
+        <p:nvSpPr>
+          <p:cNvPr id="3" name="Объект 2">
+            <a:extLst>
+              <a:ext uri="{FF2B5EF4-FFF2-40B4-BE49-F238E27FC236}">
+                <a16:creationId xmlns:a16="http://schemas.microsoft.com/office/drawing/2014/main" id="{D75738D4-7B2E-4795-B94B-D2B2BC7BF247}"/>
+              </a:ext>
+            </a:extLst>
+          </p:cNvPr>
+          <p:cNvSpPr>
+            <a:spLocks noGrp="1"/>
+          </p:cNvSpPr>
+          <p:nvPr>
+            <p:ph idx="1"/>
+          </p:nvPr>
+        </p:nvSpPr>
+        <p:spPr/>
+        <p:txBody>
+          <a:bodyPr/>
+          <a:lstStyle/>
+          <a:p>
+            <a:endParaRPr lang="ru-RU"/>
+          </a:p>
+        </p:txBody>
+      </p:sp>
+      <p:sp>
+        <p:nvSpPr>
+          <p:cNvPr id="4" name="Номер слайда 3">
+            <a:extLst>
+              <a:ext uri="{FF2B5EF4-FFF2-40B4-BE49-F238E27FC236}">
+                <a16:creationId xmlns:a16="http://schemas.microsoft.com/office/drawing/2014/main" id="{5E3F1536-AD37-4B9D-8968-6A59709CDF7E}"/>
+              </a:ext>
+            </a:extLst>
+          </p:cNvPr>
+          <p:cNvSpPr>
+            <a:spLocks noGrp="1"/>
+          </p:cNvSpPr>
+          <p:nvPr>
+            <p:ph type="sldNum" sz="quarter" idx="12"/>
+          </p:nvPr>
+        </p:nvSpPr>
+        <p:spPr/>
+        <p:txBody>
+          <a:bodyPr/>
+          <a:lstStyle/>
+          <a:p>
+            <a:fld id="{8253DDDB-F8F7-4D64-A7FD-3F3D61C1949F}" type="slidenum">
+              <a:rPr lang="ru-RU" smtClean="0"/>
+              <a:t>51</a:t>
+            </a:fld>
+            <a:endParaRPr lang="ru-RU"/>
+          </a:p>
+        </p:txBody>
+      </p:sp>
+    </p:spTree>
+    <p:extLst>
+      <p:ext uri="{BB962C8B-B14F-4D97-AF65-F5344CB8AC3E}">
+        <p14:creationId xmlns:p14="http://schemas.microsoft.com/office/powerpoint/2010/main" val="3415784652"/>
+      </p:ext>
+    </p:extLst>
+  </p:cSld>
+  <p:clrMapOvr>
+    <a:masterClrMapping/>
+  </p:clrMapOvr>
+</p:sld>
+</file>
+
+<file path=ppt/slides/slide52.xml><?xml version="1.0" encoding="utf-8"?>
+<p:sld xmlns:a="http://schemas.openxmlformats.org/drawingml/2006/main" xmlns:r="http://schemas.openxmlformats.org/officeDocument/2006/relationships" xmlns:p="http://schemas.openxmlformats.org/presentationml/2006/main">
+  <p:cSld>
+    <p:spTree>
+      <p:nvGrpSpPr>
+        <p:cNvPr id="1" name=""/>
+        <p:cNvGrpSpPr/>
+        <p:nvPr/>
+      </p:nvGrpSpPr>
+      <p:grpSpPr>
+        <a:xfrm>
+          <a:off x="0" y="0"/>
+          <a:ext cx="0" cy="0"/>
+          <a:chOff x="0" y="0"/>
+          <a:chExt cx="0" cy="0"/>
+        </a:xfrm>
+      </p:grpSpPr>
+      <p:sp>
+        <p:nvSpPr>
+          <p:cNvPr id="2" name="Заголовок 1"/>
+          <p:cNvSpPr>
+            <a:spLocks noGrp="1"/>
+          </p:cNvSpPr>
+          <p:nvPr>
+            <p:ph type="title"/>
+          </p:nvPr>
+        </p:nvSpPr>
+        <p:spPr>
+          <a:xfrm>
+            <a:off x="838200" y="0"/>
+            <a:ext cx="10515600" cy="1325563"/>
+          </a:xfrm>
+        </p:spPr>
+        <p:txBody>
+          <a:bodyPr/>
+          <a:lstStyle/>
+          <a:p>
+            <a:r>
+              <a:rPr lang="ru-RU" dirty="0"/>
+              <a:t>Тест.</a:t>
+            </a:r>
+          </a:p>
+        </p:txBody>
+      </p:sp>
+      <p:sp>
+        <p:nvSpPr>
+          <p:cNvPr id="4" name="Номер слайда 3"/>
+          <p:cNvSpPr>
+            <a:spLocks noGrp="1"/>
+          </p:cNvSpPr>
+          <p:nvPr>
+            <p:ph type="sldNum" sz="quarter" idx="12"/>
+          </p:nvPr>
+        </p:nvSpPr>
+        <p:spPr/>
+        <p:txBody>
+          <a:bodyPr/>
+          <a:lstStyle/>
+          <a:p>
+            <a:fld id="{8253DDDB-F8F7-4D64-A7FD-3F3D61C1949F}" type="slidenum">
+              <a:rPr lang="ru-RU" smtClean="0"/>
+              <a:t>52</a:t>
+            </a:fld>
+            <a:endParaRPr lang="ru-RU"/>
+          </a:p>
+        </p:txBody>
+      </p:sp>
+      <p:sp>
+        <p:nvSpPr>
+          <p:cNvPr id="5" name="Прямоугольник 4"/>
+          <p:cNvSpPr/>
+          <p:nvPr/>
+        </p:nvSpPr>
+        <p:spPr>
+          <a:xfrm>
+            <a:off x="284285" y="5433158"/>
+            <a:ext cx="10688515" cy="317012"/>
+          </a:xfrm>
+          <a:prstGeom prst="rect">
+            <a:avLst/>
+          </a:prstGeom>
+          <a:solidFill>
+            <a:schemeClr val="accent6">
+              <a:alpha val="50000"/>
+            </a:schemeClr>
+          </a:solidFill>
+          <a:ln>
+            <a:noFill/>
+          </a:ln>
+        </p:spPr>
+        <p:style>
+          <a:lnRef idx="0">
+            <a:scrgbClr r="0" g="0" b="0"/>
+          </a:lnRef>
+          <a:fillRef idx="0">
+            <a:scrgbClr r="0" g="0" b="0"/>
+          </a:fillRef>
+          <a:effectRef idx="0">
+            <a:scrgbClr r="0" g="0" b="0"/>
+          </a:effectRef>
+          <a:fontRef idx="minor">
+            <a:schemeClr val="lt1"/>
+          </a:fontRef>
+        </p:style>
+        <p:txBody>
+          <a:bodyPr rtlCol="0" anchor="ctr"/>
+          <a:lstStyle/>
+          <a:p>
+            <a:pPr algn="ctr"/>
+            <a:endParaRPr lang="ru-RU"/>
+          </a:p>
+        </p:txBody>
+      </p:sp>
+      <p:sp>
+        <p:nvSpPr>
+          <p:cNvPr id="6" name="Прямоугольник 5"/>
+          <p:cNvSpPr/>
+          <p:nvPr/>
+        </p:nvSpPr>
+        <p:spPr>
+          <a:xfrm>
+            <a:off x="284285" y="5819530"/>
+            <a:ext cx="10688515" cy="317012"/>
+          </a:xfrm>
+          <a:prstGeom prst="rect">
+            <a:avLst/>
+          </a:prstGeom>
+          <a:solidFill>
+            <a:schemeClr val="accent6">
+              <a:alpha val="50000"/>
+            </a:schemeClr>
+          </a:solidFill>
+          <a:ln>
+            <a:noFill/>
+          </a:ln>
+        </p:spPr>
+        <p:style>
+          <a:lnRef idx="0">
+            <a:scrgbClr r="0" g="0" b="0"/>
+          </a:lnRef>
+          <a:fillRef idx="0">
+            <a:scrgbClr r="0" g="0" b="0"/>
+          </a:fillRef>
+          <a:effectRef idx="0">
+            <a:scrgbClr r="0" g="0" b="0"/>
+          </a:effectRef>
+          <a:fontRef idx="minor">
+            <a:schemeClr val="lt1"/>
+          </a:fontRef>
+        </p:style>
+        <p:txBody>
+          <a:bodyPr rtlCol="0" anchor="ctr"/>
+          <a:lstStyle/>
+          <a:p>
+            <a:pPr algn="ctr"/>
+            <a:endParaRPr lang="ru-RU"/>
+          </a:p>
+        </p:txBody>
+      </p:sp>
+      <p:sp>
+        <p:nvSpPr>
+          <p:cNvPr id="7" name="Прямоугольник 6"/>
+          <p:cNvSpPr/>
+          <p:nvPr/>
+        </p:nvSpPr>
+        <p:spPr>
+          <a:xfrm>
+            <a:off x="284284" y="6205902"/>
+            <a:ext cx="10688515" cy="317012"/>
+          </a:xfrm>
+          <a:prstGeom prst="rect">
+            <a:avLst/>
+          </a:prstGeom>
+          <a:solidFill>
+            <a:schemeClr val="accent6">
+              <a:alpha val="50000"/>
+            </a:schemeClr>
+          </a:solidFill>
+          <a:ln>
+            <a:noFill/>
+          </a:ln>
+        </p:spPr>
+        <p:style>
+          <a:lnRef idx="0">
+            <a:scrgbClr r="0" g="0" b="0"/>
+          </a:lnRef>
+          <a:fillRef idx="0">
+            <a:scrgbClr r="0" g="0" b="0"/>
+          </a:fillRef>
+          <a:effectRef idx="0">
+            <a:scrgbClr r="0" g="0" b="0"/>
+          </a:effectRef>
+          <a:fontRef idx="minor">
+            <a:schemeClr val="lt1"/>
+          </a:fontRef>
+        </p:style>
+        <p:txBody>
+          <a:bodyPr rtlCol="0" anchor="ctr"/>
+          <a:lstStyle/>
+          <a:p>
+            <a:pPr algn="ctr"/>
+            <a:endParaRPr lang="ru-RU"/>
+          </a:p>
+        </p:txBody>
+      </p:sp>
+      <mc:AlternateContent xmlns:mc="http://schemas.openxmlformats.org/markup-compatibility/2006" xmlns:a14="http://schemas.microsoft.com/office/drawing/2010/main">
+        <mc:Choice Requires="a14">
+          <p:sp>
+            <p:nvSpPr>
+              <p:cNvPr id="3" name="TextBox 2"/>
+              <p:cNvSpPr txBox="1"/>
+              <p:nvPr/>
+            </p:nvSpPr>
+            <p:spPr>
+              <a:xfrm>
+                <a:off x="838200" y="1031953"/>
+                <a:ext cx="10134599" cy="1384995"/>
+              </a:xfrm>
+              <a:prstGeom prst="rect">
+                <a:avLst/>
+              </a:prstGeom>
+              <a:noFill/>
+            </p:spPr>
+            <p:txBody>
+              <a:bodyPr wrap="square" rtlCol="0">
+                <a:spAutoFit/>
+              </a:bodyPr>
+              <a:lstStyle/>
+              <a:p>
+                <a:r>
+                  <a:rPr lang="ru-RU" sz="2800" dirty="0"/>
+                  <a:t>Пусть </a:t>
+                </a:r>
+                <a14:m>
+                  <m:oMath xmlns:m="http://schemas.openxmlformats.org/officeDocument/2006/math">
+                    <m:r>
+                      <m:rPr>
+                        <m:sty m:val="p"/>
+                      </m:rPr>
+                      <a:rPr lang="en-US" sz="2800" b="0" i="0" smtClean="0">
+                        <a:latin typeface="Cambria Math" panose="02040503050406030204" pitchFamily="18" charset="0"/>
+                      </a:rPr>
+                      <m:t>E</m:t>
+                    </m:r>
+                    <m:r>
+                      <a:rPr lang="en-US" sz="2800" b="0" i="1" smtClean="0">
+                        <a:latin typeface="Cambria Math" panose="02040503050406030204" pitchFamily="18" charset="0"/>
+                      </a:rPr>
+                      <m:t>=(</m:t>
+                    </m:r>
+                    <m:r>
+                      <a:rPr lang="en-US" sz="2800" b="0" i="1" smtClean="0">
+                        <a:latin typeface="Cambria Math" panose="02040503050406030204" pitchFamily="18" charset="0"/>
+                      </a:rPr>
+                      <m:t>𝐸</m:t>
+                    </m:r>
+                    <m:r>
+                      <a:rPr lang="en-US" sz="2800" b="0" i="1" smtClean="0">
+                        <a:latin typeface="Cambria Math" panose="02040503050406030204" pitchFamily="18" charset="0"/>
+                      </a:rPr>
+                      <m:t>,</m:t>
+                    </m:r>
+                    <m:r>
+                      <a:rPr lang="en-US" sz="2800" b="0" i="1" smtClean="0">
+                        <a:latin typeface="Cambria Math" panose="02040503050406030204" pitchFamily="18" charset="0"/>
+                      </a:rPr>
+                      <m:t>𝐷</m:t>
+                    </m:r>
+                    <m:r>
+                      <a:rPr lang="en-US" sz="2800" b="0" i="1" smtClean="0">
+                        <a:latin typeface="Cambria Math" panose="02040503050406030204" pitchFamily="18" charset="0"/>
+                      </a:rPr>
+                      <m:t>)</m:t>
+                    </m:r>
+                  </m:oMath>
+                </a14:m>
+                <a:r>
+                  <a:rPr lang="en-US" sz="2800" b="1" dirty="0"/>
+                  <a:t> </a:t>
+                </a:r>
+                <a:r>
+                  <a:rPr lang="ru-RU" sz="2800" dirty="0"/>
+                  <a:t>– стойкий блочный шифр на </a:t>
+                </a:r>
+                <a14:m>
+                  <m:oMath xmlns:m="http://schemas.openxmlformats.org/officeDocument/2006/math">
+                    <m:r>
+                      <a:rPr lang="ru-RU" sz="2800" b="0" i="1" smtClean="0">
+                        <a:latin typeface="Cambria Math" panose="02040503050406030204" pitchFamily="18" charset="0"/>
+                      </a:rPr>
+                      <m:t>(</m:t>
+                    </m:r>
+                    <m:r>
+                      <a:rPr lang="en-US" sz="2800" b="0" i="1" smtClean="0">
+                        <a:latin typeface="Cambria Math" panose="02040503050406030204" pitchFamily="18" charset="0"/>
+                      </a:rPr>
+                      <m:t>𝐾</m:t>
+                    </m:r>
+                    <m:r>
+                      <a:rPr lang="en-US" sz="2800" b="0" i="1" smtClean="0">
+                        <a:latin typeface="Cambria Math" panose="02040503050406030204" pitchFamily="18" charset="0"/>
+                      </a:rPr>
+                      <m:t>,</m:t>
+                    </m:r>
+                    <m:r>
+                      <a:rPr lang="en-US" sz="2800" b="0" i="1" smtClean="0">
+                        <a:latin typeface="Cambria Math" panose="02040503050406030204" pitchFamily="18" charset="0"/>
+                      </a:rPr>
+                      <m:t>𝑋</m:t>
+                    </m:r>
+                    <m:r>
+                      <a:rPr lang="en-US" sz="2800" b="0" i="1" smtClean="0">
+                        <a:latin typeface="Cambria Math" panose="02040503050406030204" pitchFamily="18" charset="0"/>
+                      </a:rPr>
+                      <m:t>)</m:t>
+                    </m:r>
+                  </m:oMath>
+                </a14:m>
+                <a:r>
+                  <a:rPr lang="ru-RU" sz="2800" b="1" dirty="0"/>
+                  <a:t>.</a:t>
+                </a:r>
+              </a:p>
+              <a:p>
+                <a:r>
+                  <a:rPr lang="ru-RU" sz="2800" dirty="0"/>
+                  <a:t>Как построить стойкий </a:t>
+                </a:r>
+                <a:r>
+                  <a:rPr lang="en-US" sz="2800" dirty="0"/>
+                  <a:t>MAC </a:t>
+                </a:r>
+                <a:r>
+                  <a:rPr lang="ru-RU" sz="2800" dirty="0"/>
+                  <a:t>для сообщений произвольной длинны? (схема).</a:t>
+                </a:r>
+              </a:p>
+            </p:txBody>
+          </p:sp>
+        </mc:Choice>
+        <mc:Fallback xmlns="">
+          <p:sp>
+            <p:nvSpPr>
+              <p:cNvPr id="3" name="TextBox 2"/>
+              <p:cNvSpPr txBox="1">
+                <a:spLocks noRot="1" noChangeAspect="1" noMove="1" noResize="1" noEditPoints="1" noAdjustHandles="1" noChangeArrowheads="1" noChangeShapeType="1" noTextEdit="1"/>
+              </p:cNvSpPr>
+              <p:nvPr/>
+            </p:nvSpPr>
+            <p:spPr>
+              <a:xfrm>
+                <a:off x="838200" y="1031953"/>
+                <a:ext cx="10134599" cy="1384995"/>
+              </a:xfrm>
+              <a:prstGeom prst="rect">
+                <a:avLst/>
+              </a:prstGeom>
+              <a:blipFill>
+                <a:blip r:embed="rId2"/>
+                <a:stretch>
+                  <a:fillRect l="-1264" t="-3965" b="-11894"/>
+                </a:stretch>
+              </a:blipFill>
+            </p:spPr>
+            <p:txBody>
+              <a:bodyPr/>
+              <a:lstStyle/>
+              <a:p>
+                <a:r>
+                  <a:rPr lang="ru-RU">
+                    <a:noFill/>
+                  </a:rPr>
+                  <a:t> </a:t>
+                </a:r>
+              </a:p>
+            </p:txBody>
+          </p:sp>
+        </mc:Fallback>
+      </mc:AlternateContent>
+    </p:spTree>
+    <p:extLst>
+      <p:ext uri="{BB962C8B-B14F-4D97-AF65-F5344CB8AC3E}">
+        <p14:creationId xmlns:p14="http://schemas.microsoft.com/office/powerpoint/2010/main" val="51377229"/>
+      </p:ext>
+    </p:extLst>
+  </p:cSld>
+  <p:clrMapOvr>
+    <a:masterClrMapping/>
+  </p:clrMapOvr>
   <p:timing>
     <p:tnLst>
       <p:par>
-        <p:cTn id="1" dur="indefinite" restart="never" nodeType="tmRoot"/>
+        <p:cTn id="1" dur="indefinite" restart="never" nodeType="tmRoot">
+          <p:childTnLst>
+            <p:seq concurrent="1" nextAc="seek">
+              <p:cTn id="2" dur="indefinite" nodeType="mainSeq">
+                <p:childTnLst>
+                  <p:par>
+                    <p:cTn id="3" fill="hold">
+                      <p:stCondLst>
+                        <p:cond delay="indefinite"/>
+                        <p:cond evt="onBegin" delay="0">
+                          <p:tn val="2"/>
+                        </p:cond>
+                      </p:stCondLst>
+                      <p:childTnLst>
+                        <p:par>
+                          <p:cTn id="4" fill="hold">
+                            <p:stCondLst>
+                              <p:cond delay="0"/>
+                            </p:stCondLst>
+                            <p:childTnLst>
+                              <p:par>
+                                <p:cTn id="5" presetID="22" presetClass="exit" presetSubtype="2" fill="hold" grpId="0" nodeType="withEffect">
+                                  <p:stCondLst>
+                                    <p:cond delay="0"/>
+                                  </p:stCondLst>
+                                  <p:childTnLst>
+                                    <p:animEffect transition="out" filter="wipe(right)">
+                                      <p:cBhvr>
+                                        <p:cTn id="6" dur="59000"/>
+                                        <p:tgtEl>
+                                          <p:spTgt spid="5"/>
+                                        </p:tgtEl>
+                                      </p:cBhvr>
+                                    </p:animEffect>
+                                    <p:set>
+                                      <p:cBhvr>
+                                        <p:cTn id="7" dur="1" fill="hold">
+                                          <p:stCondLst>
+                                            <p:cond delay="58999"/>
+                                          </p:stCondLst>
+                                        </p:cTn>
+                                        <p:tgtEl>
+                                          <p:spTgt spid="5"/>
+                                        </p:tgtEl>
+                                        <p:attrNameLst>
+                                          <p:attrName>style.visibility</p:attrName>
+                                        </p:attrNameLst>
+                                      </p:cBhvr>
+                                      <p:to>
+                                        <p:strVal val="hidden"/>
+                                      </p:to>
+                                    </p:set>
+                                  </p:childTnLst>
+                                </p:cTn>
+                              </p:par>
+                            </p:childTnLst>
+                          </p:cTn>
+                        </p:par>
+                        <p:par>
+                          <p:cTn id="8" fill="hold">
+                            <p:stCondLst>
+                              <p:cond delay="59000"/>
+                            </p:stCondLst>
+                            <p:childTnLst>
+                              <p:par>
+                                <p:cTn id="9" presetID="22" presetClass="exit" presetSubtype="2" fill="hold" grpId="0" nodeType="afterEffect">
+                                  <p:stCondLst>
+                                    <p:cond delay="0"/>
+                                  </p:stCondLst>
+                                  <p:childTnLst>
+                                    <p:animEffect transition="out" filter="wipe(right)">
+                                      <p:cBhvr>
+                                        <p:cTn id="10" dur="59000"/>
+                                        <p:tgtEl>
+                                          <p:spTgt spid="6"/>
+                                        </p:tgtEl>
+                                      </p:cBhvr>
+                                    </p:animEffect>
+                                    <p:set>
+                                      <p:cBhvr>
+                                        <p:cTn id="11" dur="1" fill="hold">
+                                          <p:stCondLst>
+                                            <p:cond delay="58999"/>
+                                          </p:stCondLst>
+                                        </p:cTn>
+                                        <p:tgtEl>
+                                          <p:spTgt spid="6"/>
+                                        </p:tgtEl>
+                                        <p:attrNameLst>
+                                          <p:attrName>style.visibility</p:attrName>
+                                        </p:attrNameLst>
+                                      </p:cBhvr>
+                                      <p:to>
+                                        <p:strVal val="hidden"/>
+                                      </p:to>
+                                    </p:set>
+                                  </p:childTnLst>
+                                </p:cTn>
+                              </p:par>
+                            </p:childTnLst>
+                          </p:cTn>
+                        </p:par>
+                        <p:par>
+                          <p:cTn id="12" fill="hold">
+                            <p:stCondLst>
+                              <p:cond delay="118000"/>
+                            </p:stCondLst>
+                            <p:childTnLst>
+                              <p:par>
+                                <p:cTn id="13" presetID="22" presetClass="exit" presetSubtype="2" fill="hold" grpId="0" nodeType="afterEffect">
+                                  <p:stCondLst>
+                                    <p:cond delay="0"/>
+                                  </p:stCondLst>
+                                  <p:childTnLst>
+                                    <p:animEffect transition="out" filter="wipe(right)">
+                                      <p:cBhvr>
+                                        <p:cTn id="14" dur="59000"/>
+                                        <p:tgtEl>
+                                          <p:spTgt spid="7"/>
+                                        </p:tgtEl>
+                                      </p:cBhvr>
+                                    </p:animEffect>
+                                    <p:set>
+                                      <p:cBhvr>
+                                        <p:cTn id="15" dur="1" fill="hold">
+                                          <p:stCondLst>
+                                            <p:cond delay="58999"/>
+                                          </p:stCondLst>
+                                        </p:cTn>
+                                        <p:tgtEl>
+                                          <p:spTgt spid="7"/>
+                                        </p:tgtEl>
+                                        <p:attrNameLst>
+                                          <p:attrName>style.visibility</p:attrName>
+                                        </p:attrNameLst>
+                                      </p:cBhvr>
+                                      <p:to>
+                                        <p:strVal val="hidden"/>
+                                      </p:to>
+                                    </p:set>
+                                  </p:childTnLst>
+                                </p:cTn>
+                              </p:par>
+                            </p:childTnLst>
+                          </p:cTn>
+                        </p:par>
+                      </p:childTnLst>
+                    </p:cTn>
+                  </p:par>
+                </p:childTnLst>
+              </p:cTn>
+              <p:prevCondLst>
+                <p:cond evt="onPrev" delay="0">
+                  <p:tgtEl>
+                    <p:sldTgt/>
+                  </p:tgtEl>
+                </p:cond>
+              </p:prevCondLst>
+              <p:nextCondLst>
+                <p:cond evt="onNext" delay="0">
+                  <p:tgtEl>
+                    <p:sldTgt/>
+                  </p:tgtEl>
+                </p:cond>
+              </p:nextCondLst>
+            </p:seq>
+          </p:childTnLst>
+        </p:cTn>
       </p:par>
     </p:tnLst>
+    <p:bldLst>
+      <p:bldP spid="5" grpId="0" animBg="1"/>
+      <p:bldP spid="6" grpId="0" animBg="1"/>
+      <p:bldP spid="7" grpId="0" animBg="1"/>
+    </p:bldLst>
   </p:timing>
 </p:sld>
 </file>
@@ -23474,18 +23445,9 @@
           <a:lstStyle/>
           <a:p>
             <a:r>
-              <a:rPr lang="ru-RU" dirty="0" smtClean="0"/>
-              <a:t>Применение хэш</a:t>
-            </a:r>
-            <a:r>
               <a:rPr lang="ru-RU" dirty="0"/>
-              <a:t>-</a:t>
-            </a:r>
-            <a:r>
-              <a:rPr lang="ru-RU" dirty="0" smtClean="0"/>
-              <a:t>функций</a:t>
-            </a:r>
-            <a:endParaRPr lang="ru-RU" dirty="0"/>
+              <a:t>Применение хэш-функций</a:t>
+            </a:r>
           </a:p>
         </p:txBody>
       </p:sp>
@@ -23514,57 +23476,57 @@
               <a:lstStyle/>
               <a:p>
                 <a:r>
-                  <a:rPr lang="ru-RU" sz="2400" dirty="0" smtClean="0"/>
+                  <a:rPr lang="ru-RU" sz="2400" dirty="0"/>
                   <a:t>Расширение множества значений криптографических примитивов, обеспечивающих аутентичность и целостность (</a:t>
                 </a:r>
                 <a:r>
-                  <a:rPr lang="en-US" sz="2400" dirty="0" smtClean="0"/>
+                  <a:rPr lang="en-US" sz="2400" dirty="0"/>
                   <a:t>hash-then-mac, hash-then-sign). </a:t>
                 </a:r>
                 <a:r>
-                  <a:rPr lang="ru-RU" sz="2400" dirty="0" smtClean="0"/>
+                  <a:rPr lang="ru-RU" sz="2400" dirty="0"/>
                   <a:t>Возможно вычислить </a:t>
                 </a:r>
                 <a:r>
-                  <a:rPr lang="en-US" sz="2400" b="1" dirty="0" smtClean="0"/>
+                  <a:rPr lang="en-US" sz="2400" b="1" dirty="0"/>
                   <a:t>MAC</a:t>
                 </a:r>
                 <a:r>
-                  <a:rPr lang="en-US" sz="2400" dirty="0" smtClean="0"/>
+                  <a:rPr lang="en-US" sz="2400" dirty="0"/>
                   <a:t> </a:t>
                 </a:r>
                 <a:r>
-                  <a:rPr lang="ru-RU" sz="2400" dirty="0" smtClean="0"/>
+                  <a:rPr lang="ru-RU" sz="2400" dirty="0"/>
                   <a:t>или </a:t>
                 </a:r>
                 <a:r>
-                  <a:rPr lang="ru-RU" sz="2400" b="1" dirty="0" smtClean="0"/>
+                  <a:rPr lang="ru-RU" sz="2400" b="1" dirty="0"/>
                   <a:t>цифровую подпись</a:t>
                 </a:r>
                 <a:r>
-                  <a:rPr lang="ru-RU" sz="2400" dirty="0" smtClean="0"/>
+                  <a:rPr lang="ru-RU" sz="2400" dirty="0"/>
                   <a:t> для сообщения (</a:t>
                 </a:r>
                 <a:r>
-                  <a:rPr lang="ru-RU" sz="2400" b="1" dirty="0" smtClean="0"/>
+                  <a:rPr lang="ru-RU" sz="2400" b="1" dirty="0"/>
                   <a:t>произвольной длины</a:t>
                 </a:r>
                 <a:r>
-                  <a:rPr lang="ru-RU" sz="2400" dirty="0" smtClean="0"/>
+                  <a:rPr lang="ru-RU" sz="2400" dirty="0"/>
                   <a:t>), подписывая </a:t>
                 </a:r>
                 <a:r>
-                  <a:rPr lang="ru-RU" sz="2400" dirty="0" err="1" smtClean="0"/>
+                  <a:rPr lang="ru-RU" sz="2400" dirty="0" err="1"/>
                   <a:t>хэш</a:t>
                 </a:r>
                 <a:r>
-                  <a:rPr lang="ru-RU" sz="2400" dirty="0" smtClean="0"/>
+                  <a:rPr lang="ru-RU" sz="2400" dirty="0"/>
                   <a:t> от него, и используя только один вызов процедуры подписи на одном блоке.</a:t>
                 </a:r>
               </a:p>
               <a:p>
                 <a:r>
-                  <a:rPr lang="ru-RU" sz="2400" dirty="0" smtClean="0"/>
+                  <a:rPr lang="ru-RU" sz="2400" dirty="0"/>
                   <a:t>Обеспечение целостности файлов в файловой системе. Пусть существует </a:t>
                 </a:r>
                 <a14:m>
@@ -23578,30 +23540,29 @@
                   </m:oMath>
                 </a14:m>
                 <a:r>
-                  <a:rPr lang="en-US" sz="2400" dirty="0" smtClean="0"/>
+                  <a:rPr lang="en-US" sz="2400" dirty="0"/>
                   <a:t> </a:t>
                 </a:r>
                 <a:r>
-                  <a:rPr lang="ru-RU" sz="2400" dirty="0" smtClean="0"/>
+                  <a:rPr lang="ru-RU" sz="2400" dirty="0"/>
                   <a:t>часто изменяющихся файлов. Хотим проверить их целостность (что они не были модифицированы злоумышленником или вирусом). Используем </a:t>
                 </a:r>
                 <a:r>
-                  <a:rPr lang="en-US" sz="2400" dirty="0" smtClean="0"/>
+                  <a:rPr lang="en-US" sz="2400" dirty="0"/>
                   <a:t>read-only </a:t>
                 </a:r>
                 <a:r>
-                  <a:rPr lang="ru-RU" sz="2400" dirty="0" smtClean="0"/>
+                  <a:rPr lang="ru-RU" sz="2400" dirty="0"/>
                   <a:t>память для хранения </a:t>
                 </a:r>
                 <a:r>
-                  <a:rPr lang="ru-RU" sz="2400" dirty="0" err="1" smtClean="0"/>
+                  <a:rPr lang="ru-RU" sz="2400" dirty="0" err="1"/>
                   <a:t>хэш</a:t>
                 </a:r>
                 <a:r>
-                  <a:rPr lang="ru-RU" sz="2400" dirty="0" smtClean="0"/>
+                  <a:rPr lang="ru-RU" sz="2400" dirty="0"/>
                   <a:t>-значения от этих файлов. Для проверки достаточно повторно пересчитать это значение и сверить с хранимым.</a:t>
                 </a:r>
-                <a:endParaRPr lang="ru-RU" sz="2400" dirty="0"/>
               </a:p>
             </p:txBody>
           </p:sp>
@@ -23725,13 +23686,6 @@
   <p:clrMapOvr>
     <a:masterClrMapping/>
   </p:clrMapOvr>
-  <p:timing>
-    <p:tnLst>
-      <p:par>
-        <p:cTn id="1" dur="indefinite" restart="never" nodeType="tmRoot"/>
-      </p:par>
-    </p:tnLst>
-  </p:timing>
 </p:sld>
 </file>
 
@@ -23768,11 +23722,11 @@
           <a:lstStyle/>
           <a:p>
             <a:r>
-              <a:rPr lang="ru-RU" dirty="0" smtClean="0"/>
+              <a:rPr lang="ru-RU" dirty="0"/>
               <a:t>Определение </a:t>
             </a:r>
             <a:r>
-              <a:rPr lang="ru-RU" dirty="0" err="1" smtClean="0"/>
+              <a:rPr lang="ru-RU" dirty="0" err="1"/>
               <a:t>хэш</a:t>
             </a:r>
             <a:r>
@@ -23780,10 +23734,9 @@
               <a:t>-</a:t>
             </a:r>
             <a:r>
-              <a:rPr lang="ru-RU" dirty="0" smtClean="0"/>
+              <a:rPr lang="ru-RU" dirty="0"/>
               <a:t>функции</a:t>
             </a:r>
-            <a:endParaRPr lang="ru-RU" dirty="0"/>
           </a:p>
         </p:txBody>
       </p:sp>
@@ -23813,11 +23766,11 @@
                   <a:buNone/>
                 </a:pPr>
                 <a:r>
-                  <a:rPr lang="ru-RU" dirty="0" smtClean="0"/>
+                  <a:rPr lang="ru-RU" dirty="0"/>
                   <a:t>Хэш-функция</a:t>
                 </a:r>
                 <a:r>
-                  <a:rPr lang="en-US" dirty="0" smtClean="0"/>
+                  <a:rPr lang="en-US" dirty="0"/>
                   <a:t> </a:t>
                 </a:r>
                 <a14:m>
@@ -23831,11 +23784,11 @@
                   </m:oMath>
                 </a14:m>
                 <a:r>
-                  <a:rPr lang="en-US" dirty="0" smtClean="0"/>
+                  <a:rPr lang="en-US" dirty="0"/>
                   <a:t> </a:t>
                 </a:r>
                 <a:r>
-                  <a:rPr lang="ru-RU" dirty="0" smtClean="0"/>
+                  <a:rPr lang="ru-RU" dirty="0"/>
                   <a:t>на </a:t>
                 </a:r>
                 <a14:m>
@@ -23873,11 +23826,11 @@
                   </m:oMath>
                 </a14:m>
                 <a:r>
-                  <a:rPr lang="en-US" dirty="0" smtClean="0"/>
+                  <a:rPr lang="en-US" dirty="0"/>
                   <a:t>,</a:t>
                 </a:r>
                 <a:r>
-                  <a:rPr lang="ru-RU" dirty="0" smtClean="0"/>
+                  <a:rPr lang="ru-RU" dirty="0"/>
                   <a:t> </a:t>
                 </a:r>
                 <a14:m>
@@ -23965,11 +23918,11 @@
                   </m:oMath>
                 </a14:m>
                 <a:r>
-                  <a:rPr lang="en-US" dirty="0" smtClean="0"/>
+                  <a:rPr lang="en-US" dirty="0"/>
                   <a:t> - </a:t>
                 </a:r>
                 <a:r>
-                  <a:rPr lang="ru-RU" dirty="0" smtClean="0"/>
+                  <a:rPr lang="ru-RU" dirty="0"/>
                   <a:t>эффективно вычислима.</a:t>
                 </a:r>
               </a:p>
@@ -23978,16 +23931,8 @@
                   <a:buNone/>
                 </a:pPr>
                 <a:r>
-                  <a:rPr lang="ru-RU" dirty="0" smtClean="0"/>
-                  <a:t>Игра на стойкость к коллизиям. Пусть противнику дан оракул хэш</a:t>
-                </a:r>
-                <a:r>
                   <a:rPr lang="ru-RU" dirty="0"/>
-                  <a:t>-</a:t>
-                </a:r>
-                <a:r>
-                  <a:rPr lang="ru-RU" dirty="0" smtClean="0"/>
-                  <a:t>функции </a:t>
+                  <a:t>Игра на стойкость к коллизиям. Пусть противнику дан оракул хэш-функции </a:t>
                 </a:r>
                 <a14:m>
                   <m:oMath xmlns:m="http://schemas.openxmlformats.org/officeDocument/2006/math">
@@ -24000,11 +23945,11 @@
                   </m:oMath>
                 </a14:m>
                 <a:r>
-                  <a:rPr lang="en-US" dirty="0" smtClean="0"/>
+                  <a:rPr lang="en-US" dirty="0"/>
                   <a:t> </a:t>
                 </a:r>
                 <a:r>
-                  <a:rPr lang="ru-RU" dirty="0" smtClean="0"/>
+                  <a:rPr lang="ru-RU" dirty="0"/>
                   <a:t>на </a:t>
                 </a:r>
                 <a14:m>
@@ -24042,15 +23987,15 @@
                   </m:oMath>
                 </a14:m>
                 <a:r>
-                  <a:rPr lang="ru-RU" dirty="0" smtClean="0"/>
+                  <a:rPr lang="ru-RU" dirty="0"/>
                   <a:t> (доступ к ней через претендента).</a:t>
                 </a:r>
                 <a:r>
-                  <a:rPr lang="en-US" dirty="0" smtClean="0"/>
+                  <a:rPr lang="en-US" dirty="0"/>
                   <a:t> </a:t>
                 </a:r>
                 <a:r>
-                  <a:rPr lang="ru-RU" dirty="0" smtClean="0"/>
+                  <a:rPr lang="ru-RU" dirty="0"/>
                   <a:t>Задача противника – получить пару сообщений </a:t>
                 </a:r>
                 <a14:m>
@@ -24315,7 +24260,7 @@
                   </m:oMath>
                 </a14:m>
                 <a:r>
-                  <a:rPr lang="en-US" dirty="0" smtClean="0"/>
+                  <a:rPr lang="en-US" dirty="0"/>
                   <a:t>.</a:t>
                 </a:r>
               </a:p>
@@ -24329,7 +24274,7 @@
                 <a:pPr marL="0" indent="0">
                   <a:buNone/>
                 </a:pPr>
-                <a:endParaRPr lang="en-US" dirty="0" smtClean="0"/>
+                <a:endParaRPr lang="en-US" dirty="0"/>
               </a:p>
               <a:p>
                 <a:pPr marL="0" indent="0">
@@ -24341,14 +24286,14 @@
                 <a:pPr marL="0" indent="0">
                   <a:buNone/>
                 </a:pPr>
-                <a:endParaRPr lang="en-US" dirty="0" smtClean="0"/>
+                <a:endParaRPr lang="en-US" dirty="0"/>
               </a:p>
               <a:p>
                 <a:pPr marL="0" indent="0">
                   <a:buNone/>
                 </a:pPr>
                 <a:r>
-                  <a:rPr lang="ru-RU" dirty="0" smtClean="0"/>
+                  <a:rPr lang="ru-RU" dirty="0"/>
                   <a:t>Обозначим преимуществом противника </a:t>
                 </a:r>
                 <a14:m>
@@ -24362,7 +24307,7 @@
                   </m:oMath>
                 </a14:m>
                 <a:r>
-                  <a:rPr lang="ru-RU" dirty="0" smtClean="0"/>
+                  <a:rPr lang="ru-RU" dirty="0"/>
                   <a:t> против </a:t>
                 </a:r>
                 <a14:m>
@@ -24376,11 +24321,11 @@
                   </m:oMath>
                 </a14:m>
                 <a:r>
-                  <a:rPr lang="en-US" dirty="0" smtClean="0"/>
+                  <a:rPr lang="en-US" dirty="0"/>
                   <a:t> </a:t>
                 </a:r>
                 <a:r>
-                  <a:rPr lang="ru-RU" dirty="0" smtClean="0"/>
+                  <a:rPr lang="ru-RU" dirty="0"/>
                   <a:t>через </a:t>
                 </a:r>
                 <a14:m>
@@ -24488,7 +24433,7 @@
                     </m:r>
                   </m:oMath>
                 </a14:m>
-                <a:endParaRPr lang="en-US" dirty="0" smtClean="0"/>
+                <a:endParaRPr lang="en-US" dirty="0"/>
               </a:p>
               <a:p>
                 <a:pPr marL="0" indent="0">
@@ -25158,7 +25103,7 @@
           <a:lstStyle/>
           <a:p>
             <a:r>
-              <a:rPr lang="en-US" sz="2600" dirty="0" smtClean="0"/>
+              <a:rPr lang="en-US" sz="2600" dirty="0"/>
               <a:t>…</a:t>
             </a:r>
             <a:endParaRPr lang="ru-RU" sz="2600" dirty="0"/>
@@ -25384,7 +25329,7 @@
           <a:lstStyle/>
           <a:p>
             <a:r>
-              <a:rPr lang="en-US" sz="2600" dirty="0" smtClean="0"/>
+              <a:rPr lang="en-US" sz="2600" dirty="0"/>
               <a:t>…</a:t>
             </a:r>
             <a:endParaRPr lang="ru-RU" sz="2600" dirty="0"/>
@@ -25401,13 +25346,6 @@
   <p:clrMapOvr>
     <a:masterClrMapping/>
   </p:clrMapOvr>
-  <p:timing>
-    <p:tnLst>
-      <p:par>
-        <p:cTn id="1" dur="indefinite" restart="never" nodeType="tmRoot"/>
-      </p:par>
-    </p:tnLst>
-  </p:timing>
 </p:sld>
 </file>
 
@@ -25490,11 +25428,11 @@
                   <a:buNone/>
                 </a:pPr>
                 <a:r>
-                  <a:rPr lang="ru-RU" dirty="0" smtClean="0"/>
+                  <a:rPr lang="ru-RU" dirty="0"/>
                   <a:t>Функция</a:t>
                 </a:r>
                 <a:r>
-                  <a:rPr lang="en-US" dirty="0" smtClean="0"/>
+                  <a:rPr lang="en-US" dirty="0"/>
                   <a:t> </a:t>
                 </a:r>
                 <a14:m>
@@ -25549,19 +25487,19 @@
                   </m:oMath>
                 </a14:m>
                 <a:r>
-                  <a:rPr lang="en-US" dirty="0" smtClean="0"/>
+                  <a:rPr lang="en-US" dirty="0"/>
                   <a:t> </a:t>
                 </a:r>
                 <a:r>
-                  <a:rPr lang="ru-RU" dirty="0" smtClean="0"/>
+                  <a:rPr lang="ru-RU" dirty="0"/>
                   <a:t>называется </a:t>
                 </a:r>
                 <a:r>
-                  <a:rPr lang="ru-RU" b="1" dirty="0" smtClean="0"/>
+                  <a:rPr lang="ru-RU" b="1" dirty="0"/>
                   <a:t>стойкой к коллизиям </a:t>
                 </a:r>
                 <a:r>
-                  <a:rPr lang="ru-RU" b="1" dirty="0" err="1" smtClean="0"/>
+                  <a:rPr lang="ru-RU" b="1" dirty="0" err="1"/>
                   <a:t>хэш</a:t>
                 </a:r>
                 <a:r>
@@ -25569,11 +25507,11 @@
                   <a:t>-</a:t>
                 </a:r>
                 <a:r>
-                  <a:rPr lang="ru-RU" b="1" dirty="0" smtClean="0"/>
+                  <a:rPr lang="ru-RU" b="1" dirty="0"/>
                   <a:t>функцией</a:t>
                 </a:r>
                 <a:r>
-                  <a:rPr lang="ru-RU" dirty="0" smtClean="0"/>
+                  <a:rPr lang="ru-RU" dirty="0"/>
                   <a:t>, если </a:t>
                 </a:r>
                 <a14:m>
@@ -25593,7 +25531,7 @@
                   </m:oMath>
                 </a14:m>
                 <a:r>
-                  <a:rPr lang="ru-RU" dirty="0" smtClean="0"/>
+                  <a:rPr lang="ru-RU" dirty="0"/>
                   <a:t> величина </a:t>
                 </a:r>
                 <a14:m>
@@ -25681,7 +25619,7 @@
                   </m:oMath>
                 </a14:m>
                 <a:r>
-                  <a:rPr lang="ru-RU" dirty="0" smtClean="0"/>
+                  <a:rPr lang="ru-RU" dirty="0"/>
                   <a:t> где </a:t>
                 </a:r>
                 <a14:m>
@@ -25695,14 +25633,14 @@
                   </m:oMath>
                 </a14:m>
                 <a:r>
-                  <a:rPr lang="en-US" dirty="0" smtClean="0"/>
+                  <a:rPr lang="en-US" dirty="0"/>
                   <a:t> – </a:t>
                 </a:r>
                 <a:r>
-                  <a:rPr lang="ru-RU" dirty="0" smtClean="0"/>
+                  <a:rPr lang="ru-RU" dirty="0"/>
                   <a:t>пренебрежимо малая.</a:t>
                 </a:r>
-                <a:endParaRPr lang="en-US" dirty="0" smtClean="0"/>
+                <a:endParaRPr lang="en-US" dirty="0"/>
               </a:p>
               <a:p>
                 <a:pPr marL="0" indent="0">
@@ -25715,15 +25653,15 @@
                   <a:buNone/>
                 </a:pPr>
                 <a:r>
-                  <a:rPr lang="ru-RU" dirty="0" smtClean="0"/>
+                  <a:rPr lang="ru-RU" dirty="0"/>
                   <a:t>Формально говоря, хэш-функция может быть </a:t>
                 </a:r>
                 <a:r>
-                  <a:rPr lang="ru-RU" dirty="0" err="1" smtClean="0"/>
+                  <a:rPr lang="ru-RU" dirty="0" err="1"/>
                   <a:t>параметризована</a:t>
                 </a:r>
                 <a:r>
-                  <a:rPr lang="ru-RU" dirty="0" smtClean="0"/>
+                  <a:rPr lang="ru-RU" dirty="0"/>
                   <a:t> некоторым системным параметром </a:t>
                 </a:r>
                 <a14:m>
@@ -25737,18 +25675,9 @@
                   </m:oMath>
                 </a14:m>
                 <a:r>
-                  <a:rPr lang="ru-RU" dirty="0" smtClean="0"/>
-                  <a:t>, определяющим выбор конкретной хэш-функции из семейства хэш</a:t>
-                </a:r>
-                <a:r>
                   <a:rPr lang="ru-RU" dirty="0"/>
-                  <a:t>-</a:t>
-                </a:r>
-                <a:r>
-                  <a:rPr lang="ru-RU" dirty="0" smtClean="0"/>
-                  <a:t>функций. Конкретная реализация хэш-функции может быть выбрана случайно на основе данного параметра.</a:t>
-                </a:r>
-                <a:endParaRPr lang="ru-RU" dirty="0"/>
+                  <a:t>, определяющим выбор конкретной хэш-функции из семейства хэш-функций. Конкретная реализация хэш-функции может быть выбрана случайно на основе данного параметра.</a:t>
+                </a:r>
               </a:p>
             </p:txBody>
           </p:sp>
@@ -25848,13 +25777,6 @@
   <p:clrMapOvr>
     <a:masterClrMapping/>
   </p:clrMapOvr>
-  <p:timing>
-    <p:tnLst>
-      <p:par>
-        <p:cTn id="1" dur="indefinite" restart="never" nodeType="tmRoot"/>
-      </p:par>
-    </p:tnLst>
-  </p:timing>
 </p:sld>
 </file>
 
@@ -25929,18 +25851,17 @@
           <a:lstStyle/>
           <a:p>
             <a:r>
-              <a:rPr lang="ru-RU" dirty="0" smtClean="0"/>
+              <a:rPr lang="ru-RU" dirty="0"/>
               <a:t>Построение </a:t>
             </a:r>
             <a:r>
-              <a:rPr lang="en-US" dirty="0" smtClean="0"/>
+              <a:rPr lang="en-US" dirty="0"/>
               <a:t>MAC </a:t>
             </a:r>
             <a:r>
-              <a:rPr lang="ru-RU" dirty="0" smtClean="0"/>
+              <a:rPr lang="ru-RU" dirty="0"/>
               <a:t>для произвольных сообщений</a:t>
             </a:r>
-            <a:endParaRPr lang="ru-RU" dirty="0"/>
           </a:p>
         </p:txBody>
       </p:sp>
@@ -25964,7 +25885,7 @@
               <a:lstStyle/>
               <a:p>
                 <a:r>
-                  <a:rPr lang="ru-RU" dirty="0" smtClean="0"/>
+                  <a:rPr lang="ru-RU" dirty="0"/>
                   <a:t>Пусть </a:t>
                 </a:r>
                 <a14:m>
@@ -26008,19 +25929,19 @@
                   </m:oMath>
                 </a14:m>
                 <a:r>
-                  <a:rPr lang="en-US" dirty="0" smtClean="0"/>
+                  <a:rPr lang="en-US" dirty="0"/>
                   <a:t> – </a:t>
                 </a:r>
                 <a:r>
-                  <a:rPr lang="ru-RU" dirty="0" smtClean="0"/>
+                  <a:rPr lang="ru-RU" dirty="0"/>
                   <a:t>стойкий </a:t>
                 </a:r>
                 <a:r>
-                  <a:rPr lang="en-US" dirty="0" smtClean="0"/>
+                  <a:rPr lang="en-US" dirty="0"/>
                   <a:t>MAC </a:t>
                 </a:r>
                 <a:r>
-                  <a:rPr lang="ru-RU" dirty="0" smtClean="0"/>
+                  <a:rPr lang="ru-RU" dirty="0"/>
                   <a:t>для на </a:t>
                 </a:r>
                 <a14:m>
@@ -26077,7 +25998,7 @@
                   </m:oMath>
                 </a14:m>
                 <a:r>
-                  <a:rPr lang="ru-RU" dirty="0" smtClean="0"/>
+                  <a:rPr lang="ru-RU" dirty="0"/>
                   <a:t>, </a:t>
                 </a:r>
                 <a14:m>
@@ -26091,11 +26012,11 @@
                   </m:oMath>
                 </a14:m>
                 <a:r>
-                  <a:rPr lang="en-US" dirty="0" smtClean="0"/>
+                  <a:rPr lang="en-US" dirty="0"/>
                   <a:t> – </a:t>
                 </a:r>
                 <a:r>
-                  <a:rPr lang="ru-RU" dirty="0" smtClean="0"/>
+                  <a:rPr lang="ru-RU" dirty="0"/>
                   <a:t>стойкая к коллизиям хэш-функция на </a:t>
                 </a:r>
                 <a14:m>
@@ -26157,7 +26078,7 @@
                   </m:oMath>
                 </a14:m>
                 <a:r>
-                  <a:rPr lang="en-US" dirty="0" smtClean="0"/>
+                  <a:rPr lang="en-US" dirty="0"/>
                   <a:t> </a:t>
                 </a:r>
                 <a14:m>
@@ -26271,17 +26192,17 @@
                   </m:oMath>
                 </a14:m>
                 <a:r>
-                  <a:rPr lang="en-US" dirty="0" smtClean="0"/>
+                  <a:rPr lang="en-US" dirty="0"/>
                   <a:t>.</a:t>
                 </a:r>
               </a:p>
               <a:p>
                 <a:r>
-                  <a:rPr lang="ru-RU" dirty="0" smtClean="0"/>
+                  <a:rPr lang="ru-RU" dirty="0"/>
                   <a:t>Построим новый </a:t>
                 </a:r>
                 <a:r>
-                  <a:rPr lang="en-US" dirty="0" smtClean="0"/>
+                  <a:rPr lang="en-US" dirty="0"/>
                   <a:t>MAC </a:t>
                 </a:r>
                 <a14:m>
@@ -26392,7 +26313,7 @@
                     </m:r>
                   </m:oMath>
                 </a14:m>
-                <a:endParaRPr lang="en-US" b="0" dirty="0" smtClean="0"/>
+                <a:endParaRPr lang="en-US" b="0" dirty="0"/>
               </a:p>
               <a:p>
                 <a:pPr marL="0" indent="0">
@@ -26519,7 +26440,7 @@
                     </m:oMath>
                   </m:oMathPara>
                 </a14:m>
-                <a:endParaRPr lang="en-US" b="0" dirty="0" smtClean="0"/>
+                <a:endParaRPr lang="en-US" b="0" dirty="0"/>
               </a:p>
               <a:p>
                 <a:pPr marL="0" indent="0">
@@ -26647,18 +26568,18 @@
                     </m:oMath>
                   </m:oMathPara>
                 </a14:m>
-                <a:endParaRPr lang="en-US" dirty="0" smtClean="0"/>
+                <a:endParaRPr lang="en-US" dirty="0"/>
               </a:p>
               <a:p>
                 <a:pPr marL="0" indent="0">
                   <a:buNone/>
                 </a:pPr>
                 <a:r>
-                  <a:rPr lang="ru-RU" b="1" dirty="0" smtClean="0"/>
+                  <a:rPr lang="ru-RU" b="1" dirty="0"/>
                   <a:t>Теорема 11.1. </a:t>
                 </a:r>
                 <a:r>
-                  <a:rPr lang="en-US" dirty="0" smtClean="0"/>
+                  <a:rPr lang="en-US" dirty="0"/>
                   <a:t>MAC </a:t>
                 </a:r>
                 <a14:m>
@@ -26678,15 +26599,15 @@
                   </m:oMath>
                 </a14:m>
                 <a:r>
-                  <a:rPr lang="ru-RU" dirty="0" smtClean="0"/>
+                  <a:rPr lang="ru-RU" dirty="0"/>
                   <a:t> описанный выше – стойкий </a:t>
                 </a:r>
                 <a:r>
-                  <a:rPr lang="en-US" dirty="0" smtClean="0"/>
+                  <a:rPr lang="en-US" dirty="0"/>
                   <a:t>MAC</a:t>
                 </a:r>
                 <a:r>
-                  <a:rPr lang="ru-RU" dirty="0" smtClean="0"/>
+                  <a:rPr lang="ru-RU" dirty="0"/>
                   <a:t>, причём </a:t>
                 </a:r>
                 <a14:m>
@@ -26706,15 +26627,15 @@
                   </m:oMath>
                 </a14:m>
                 <a:r>
-                  <a:rPr lang="en-US" dirty="0" smtClean="0"/>
+                  <a:rPr lang="en-US" dirty="0"/>
                   <a:t> </a:t>
                 </a:r>
                 <a:r>
-                  <a:rPr lang="ru-RU" dirty="0" smtClean="0"/>
+                  <a:rPr lang="ru-RU" dirty="0"/>
                   <a:t>в игре на стойкость </a:t>
                 </a:r>
                 <a:r>
-                  <a:rPr lang="en-US" dirty="0" smtClean="0"/>
+                  <a:rPr lang="en-US" dirty="0"/>
                   <a:t>MAC </a:t>
                 </a:r>
                 <a14:m>
@@ -26753,19 +26674,19 @@
                   </m:oMath>
                 </a14:m>
                 <a:r>
-                  <a:rPr lang="en-US" dirty="0" smtClean="0"/>
+                  <a:rPr lang="en-US" dirty="0"/>
                   <a:t> </a:t>
                 </a:r>
                 <a:r>
-                  <a:rPr lang="ru-RU" dirty="0" smtClean="0"/>
+                  <a:rPr lang="ru-RU" dirty="0"/>
                   <a:t>в игре на стойкость </a:t>
                 </a:r>
                 <a:r>
-                  <a:rPr lang="en-US" dirty="0" smtClean="0"/>
+                  <a:rPr lang="en-US" dirty="0"/>
                   <a:t>MAC </a:t>
                 </a:r>
                 <a:r>
-                  <a:rPr lang="ru-RU" dirty="0" smtClean="0"/>
+                  <a:rPr lang="ru-RU" dirty="0"/>
                   <a:t>и </a:t>
                 </a:r>
                 <a14:m>
@@ -26798,7 +26719,7 @@
                   </m:oMath>
                 </a14:m>
                 <a:r>
-                  <a:rPr lang="ru-RU" dirty="0" smtClean="0"/>
+                  <a:rPr lang="ru-RU" dirty="0"/>
                   <a:t> в игре на стойкость к коллизиям, такой что</a:t>
                 </a:r>
               </a:p>
@@ -27069,7 +26990,7 @@
                     </m:oMath>
                   </m:oMathPara>
                 </a14:m>
-                <a:endParaRPr lang="en-US" dirty="0" smtClean="0"/>
+                <a:endParaRPr lang="en-US" dirty="0"/>
               </a:p>
               <a:p>
                 <a:pPr marL="0" indent="0">
@@ -27092,26 +27013,22 @@
                 </a:r>
                 <a:r>
                   <a:rPr lang="ru-RU" dirty="0"/>
-                  <a:t>и</a:t>
-                </a:r>
-                <a:r>
-                  <a:rPr lang="ru-RU" dirty="0" smtClean="0"/>
-                  <a:t>дея доказательства – если противник выдал новую пару сообщение-</a:t>
-                </a:r>
-                <a:r>
-                  <a:rPr lang="en-US" dirty="0" smtClean="0"/>
+                  <a:t>идея доказательства – если противник выдал новую пару сообщение-</a:t>
+                </a:r>
+                <a:r>
+                  <a:rPr lang="en-US" dirty="0"/>
                   <a:t>MAC</a:t>
                 </a:r>
                 <a:r>
-                  <a:rPr lang="ru-RU" dirty="0" smtClean="0"/>
+                  <a:rPr lang="ru-RU" dirty="0"/>
                   <a:t> то она либо сломал </a:t>
                 </a:r>
                 <a:r>
-                  <a:rPr lang="en-US" dirty="0" smtClean="0"/>
+                  <a:rPr lang="en-US" dirty="0"/>
                   <a:t>MAC</a:t>
                 </a:r>
                 <a:r>
-                  <a:rPr lang="ru-RU" dirty="0" smtClean="0"/>
+                  <a:rPr lang="ru-RU" dirty="0"/>
                   <a:t>, либо нашёл коллизию</a:t>
                 </a:r>
                 <a14:m>
@@ -27203,13 +27120,6 @@
   <p:clrMapOvr>
     <a:masterClrMapping/>
   </p:clrMapOvr>
-  <p:timing>
-    <p:tnLst>
-      <p:par>
-        <p:cTn id="1" dur="indefinite" restart="never" nodeType="tmRoot"/>
-      </p:par>
-    </p:tnLst>
-  </p:timing>
 </p:sld>
 </file>
 
